--- a/source/lessons/lsn21/Lsn21.pptx
+++ b/source/lessons/lsn21/Lsn21.pptx
@@ -7,10 +7,10 @@
     <p:sldMasterId id="2147483667" r:id="rId3"/>
   </p:sldMasterIdLst>
   <p:notesMasterIdLst>
-    <p:notesMasterId r:id="rId19"/>
+    <p:notesMasterId r:id="rId20"/>
   </p:notesMasterIdLst>
   <p:handoutMasterIdLst>
-    <p:handoutMasterId r:id="rId20"/>
+    <p:handoutMasterId r:id="rId21"/>
   </p:handoutMasterIdLst>
   <p:sldIdLst>
     <p:sldId id="352" r:id="rId4"/>
@@ -25,9 +25,10 @@
     <p:sldId id="360" r:id="rId13"/>
     <p:sldId id="361" r:id="rId14"/>
     <p:sldId id="358" r:id="rId15"/>
-    <p:sldId id="362" r:id="rId16"/>
-    <p:sldId id="366" r:id="rId17"/>
-    <p:sldId id="353" r:id="rId18"/>
+    <p:sldId id="368" r:id="rId16"/>
+    <p:sldId id="362" r:id="rId17"/>
+    <p:sldId id="366" r:id="rId18"/>
+    <p:sldId id="353" r:id="rId19"/>
   </p:sldIdLst>
   <p:sldSz cx="9144000" cy="6858000" type="screen4x3"/>
   <p:notesSz cx="7010400" cy="9296400"/>
@@ -1365,7 +1366,7 @@
           <a:p>
             <a:fld id="{834513E8-165F-4932-9E2D-FD497CB9A4FD}" type="datetimeFigureOut">
               <a:rPr lang="en-US" smtClean="0"/>
-              <a:t>6/5/2018</a:t>
+              <a:t>7/9/2018</a:t>
             </a:fld>
             <a:endParaRPr lang="en-US"/>
           </a:p>
@@ -1642,7 +1643,7 @@
           <a:p>
             <a:fld id="{834513E8-165F-4932-9E2D-FD497CB9A4FD}" type="datetimeFigureOut">
               <a:rPr lang="en-US" smtClean="0"/>
-              <a:t>6/5/2018</a:t>
+              <a:t>7/9/2018</a:t>
             </a:fld>
             <a:endParaRPr lang="en-US"/>
           </a:p>
@@ -1895,7 +1896,7 @@
           <a:p>
             <a:fld id="{834513E8-165F-4932-9E2D-FD497CB9A4FD}" type="datetimeFigureOut">
               <a:rPr lang="en-US" smtClean="0"/>
-              <a:t>6/5/2018</a:t>
+              <a:t>7/9/2018</a:t>
             </a:fld>
             <a:endParaRPr lang="en-US"/>
           </a:p>
@@ -2065,7 +2066,7 @@
           <a:p>
             <a:fld id="{834513E8-165F-4932-9E2D-FD497CB9A4FD}" type="datetimeFigureOut">
               <a:rPr lang="en-US" smtClean="0"/>
-              <a:t>6/5/2018</a:t>
+              <a:t>7/9/2018</a:t>
             </a:fld>
             <a:endParaRPr lang="en-US"/>
           </a:p>
@@ -2245,7 +2246,7 @@
           <a:p>
             <a:fld id="{834513E8-165F-4932-9E2D-FD497CB9A4FD}" type="datetimeFigureOut">
               <a:rPr lang="en-US" smtClean="0"/>
-              <a:t>6/5/2018</a:t>
+              <a:t>7/9/2018</a:t>
             </a:fld>
             <a:endParaRPr lang="en-US"/>
           </a:p>
@@ -2989,7 +2990,7 @@
           <a:p>
             <a:fld id="{834513E8-165F-4932-9E2D-FD497CB9A4FD}" type="datetimeFigureOut">
               <a:rPr lang="en-US" smtClean="0"/>
-              <a:t>6/5/2018</a:t>
+              <a:t>7/9/2018</a:t>
             </a:fld>
             <a:endParaRPr lang="en-US"/>
           </a:p>
@@ -3159,7 +3160,7 @@
           <a:p>
             <a:fld id="{834513E8-165F-4932-9E2D-FD497CB9A4FD}" type="datetimeFigureOut">
               <a:rPr lang="en-US" smtClean="0"/>
-              <a:t>6/5/2018</a:t>
+              <a:t>7/9/2018</a:t>
             </a:fld>
             <a:endParaRPr lang="en-US"/>
           </a:p>
@@ -3405,7 +3406,7 @@
           <a:p>
             <a:fld id="{834513E8-165F-4932-9E2D-FD497CB9A4FD}" type="datetimeFigureOut">
               <a:rPr lang="en-US" smtClean="0"/>
-              <a:t>6/5/2018</a:t>
+              <a:t>7/9/2018</a:t>
             </a:fld>
             <a:endParaRPr lang="en-US"/>
           </a:p>
@@ -3637,7 +3638,7 @@
           <a:p>
             <a:fld id="{834513E8-165F-4932-9E2D-FD497CB9A4FD}" type="datetimeFigureOut">
               <a:rPr lang="en-US" smtClean="0"/>
-              <a:t>6/5/2018</a:t>
+              <a:t>7/9/2018</a:t>
             </a:fld>
             <a:endParaRPr lang="en-US"/>
           </a:p>
@@ -4004,7 +4005,7 @@
           <a:p>
             <a:fld id="{834513E8-165F-4932-9E2D-FD497CB9A4FD}" type="datetimeFigureOut">
               <a:rPr lang="en-US" smtClean="0"/>
-              <a:t>6/5/2018</a:t>
+              <a:t>7/9/2018</a:t>
             </a:fld>
             <a:endParaRPr lang="en-US"/>
           </a:p>
@@ -4122,7 +4123,7 @@
           <a:p>
             <a:fld id="{834513E8-165F-4932-9E2D-FD497CB9A4FD}" type="datetimeFigureOut">
               <a:rPr lang="en-US" smtClean="0"/>
-              <a:t>6/5/2018</a:t>
+              <a:t>7/9/2018</a:t>
             </a:fld>
             <a:endParaRPr lang="en-US"/>
           </a:p>
@@ -5938,7 +5939,7 @@
           <a:p>
             <a:fld id="{834513E8-165F-4932-9E2D-FD497CB9A4FD}" type="datetimeFigureOut">
               <a:rPr lang="en-US" smtClean="0"/>
-              <a:t>6/5/2018</a:t>
+              <a:t>7/9/2018</a:t>
             </a:fld>
             <a:endParaRPr lang="en-US"/>
           </a:p>
@@ -7734,6 +7735,126 @@
           </a:p>
         </p:txBody>
       </p:sp>
+      <p:sp>
+        <p:nvSpPr>
+          <p:cNvPr id="5" name="Rectangular Callout 4"/>
+          <p:cNvSpPr/>
+          <p:nvPr/>
+        </p:nvSpPr>
+        <p:spPr bwMode="auto">
+          <a:xfrm>
+            <a:off x="3756212" y="4078941"/>
+            <a:ext cx="3460376" cy="636494"/>
+          </a:xfrm>
+          <a:prstGeom prst="wedgeRectCallout">
+            <a:avLst>
+              <a:gd name="adj1" fmla="val -78951"/>
+              <a:gd name="adj2" fmla="val 7849"/>
+            </a:avLst>
+          </a:prstGeom>
+          <a:solidFill>
+            <a:srgbClr val="FFFF00"/>
+          </a:solidFill>
+          <a:ln w="12700" cap="flat" cmpd="sng" algn="ctr">
+            <a:solidFill>
+              <a:schemeClr val="tx1"/>
+            </a:solidFill>
+            <a:prstDash val="solid"/>
+            <a:round/>
+            <a:headEnd type="none" w="med" len="med"/>
+            <a:tailEnd type="none" w="med" len="med"/>
+          </a:ln>
+          <a:effectLst/>
+        </p:spPr>
+        <p:txBody>
+          <a:bodyPr vert="horz" wrap="square" lIns="91440" tIns="45720" rIns="91440" bIns="45720" numCol="1" rtlCol="0" anchor="t" anchorCtr="0" compatLnSpc="1">
+            <a:prstTxWarp prst="textNoShape">
+              <a:avLst/>
+            </a:prstTxWarp>
+          </a:bodyPr>
+          <a:lstStyle/>
+          <a:p>
+            <a:pPr marL="0" marR="0" indent="0" algn="ctr" defTabSz="914400" rtl="0" eaLnBrk="0" fontAlgn="base" latinLnBrk="0" hangingPunct="0">
+              <a:lnSpc>
+                <a:spcPct val="100000"/>
+              </a:lnSpc>
+              <a:spcBef>
+                <a:spcPct val="0"/>
+              </a:spcBef>
+              <a:spcAft>
+                <a:spcPct val="0"/>
+              </a:spcAft>
+              <a:buClrTx/>
+              <a:buSzTx/>
+              <a:buFontTx/>
+              <a:buNone/>
+              <a:tabLst/>
+            </a:pPr>
+            <a:r>
+              <a:rPr kumimoji="0" lang="en-US" sz="1600" b="0" i="0" u="none" strike="noStrike" cap="none" normalizeH="0" baseline="0" dirty="0" smtClean="0">
+                <a:ln>
+                  <a:noFill/>
+                </a:ln>
+                <a:solidFill>
+                  <a:schemeClr val="tx1"/>
+                </a:solidFill>
+                <a:effectLst/>
+                <a:latin typeface="Arial" charset="0"/>
+              </a:rPr>
+              <a:t>OK to use a #define here because this is an </a:t>
+            </a:r>
+            <a:r>
+              <a:rPr kumimoji="0" lang="en-US" sz="1600" b="0" i="0" u="none" strike="noStrike" cap="none" normalizeH="0" baseline="0" dirty="0" err="1" smtClean="0">
+                <a:ln>
+                  <a:noFill/>
+                </a:ln>
+                <a:solidFill>
+                  <a:schemeClr val="tx1"/>
+                </a:solidFill>
+                <a:effectLst/>
+                <a:latin typeface="Arial" charset="0"/>
+              </a:rPr>
+              <a:t>ifndef</a:t>
+            </a:r>
+            <a:r>
+              <a:rPr kumimoji="0" lang="en-US" sz="1600" b="0" i="0" u="none" strike="noStrike" cap="none" normalizeH="0" baseline="0" dirty="0" smtClean="0">
+                <a:ln>
+                  <a:noFill/>
+                </a:ln>
+                <a:solidFill>
+                  <a:schemeClr val="tx1"/>
+                </a:solidFill>
+                <a:effectLst/>
+                <a:latin typeface="Arial" charset="0"/>
+              </a:rPr>
+              <a:t>/define flow</a:t>
+            </a:r>
+            <a:r>
+              <a:rPr kumimoji="0" lang="en-US" sz="1600" b="0" i="0" u="none" strike="noStrike" cap="none" normalizeH="0" dirty="0" smtClean="0">
+                <a:ln>
+                  <a:noFill/>
+                </a:ln>
+                <a:solidFill>
+                  <a:schemeClr val="tx1"/>
+                </a:solidFill>
+                <a:effectLst/>
+                <a:latin typeface="Arial" charset="0"/>
+              </a:rPr>
+              <a:t> control</a:t>
+            </a:r>
+            <a:endParaRPr kumimoji="0" lang="en-US" sz="1600" b="0" i="0" u="none" strike="noStrike" cap="none" normalizeH="0" baseline="0" dirty="0" smtClean="0">
+              <a:ln>
+                <a:noFill/>
+              </a:ln>
+              <a:solidFill>
+                <a:schemeClr val="tx1"/>
+              </a:solidFill>
+              <a:effectLst/>
+              <a:latin typeface="Arial" charset="0"/>
+            </a:endParaRPr>
+          </a:p>
+        </p:txBody>
+      </p:sp>
     </p:spTree>
     <p:extLst>
       <p:ext uri="{BB962C8B-B14F-4D97-AF65-F5344CB8AC3E}">
@@ -8155,6 +8276,39 @@
                 <a:cs typeface="Courier New" pitchFamily="49" charset="0"/>
               </a:rPr>
               <a:t>// recursion! </a:t>
+            </a:r>
+            <a:endParaRPr lang="en-US" sz="1200" b="1" kern="0" dirty="0" smtClean="0">
+              <a:solidFill>
+                <a:srgbClr val="00B050"/>
+              </a:solidFill>
+              <a:latin typeface="Courier New" pitchFamily="49" charset="0"/>
+              <a:cs typeface="Courier New" pitchFamily="49" charset="0"/>
+            </a:endParaRPr>
+          </a:p>
+          <a:p>
+            <a:pPr marL="0" indent="0">
+              <a:buFontTx/>
+              <a:buNone/>
+            </a:pPr>
+            <a:r>
+              <a:rPr lang="en-US" sz="1200" b="1" kern="0" dirty="0">
+                <a:solidFill>
+                  <a:srgbClr val="00B050"/>
+                </a:solidFill>
+                <a:latin typeface="Courier New" pitchFamily="49" charset="0"/>
+                <a:cs typeface="Courier New" pitchFamily="49" charset="0"/>
+              </a:rPr>
+              <a:t> </a:t>
+            </a:r>
+            <a:r>
+              <a:rPr lang="en-US" sz="1200" b="1" kern="0" dirty="0" smtClean="0">
+                <a:solidFill>
+                  <a:srgbClr val="00B050"/>
+                </a:solidFill>
+                <a:latin typeface="Courier New" pitchFamily="49" charset="0"/>
+                <a:cs typeface="Courier New" pitchFamily="49" charset="0"/>
+              </a:rPr>
+              <a:t>   </a:t>
             </a:r>
             <a:r>
               <a:rPr lang="en-US" sz="1200" b="1" kern="0" dirty="0" smtClean="0">
@@ -8818,26 +8972,13 @@
               </a:rPr>
               <a:t>// recursion! </a:t>
             </a:r>
-            <a:r>
-              <a:rPr lang="en-US" sz="1200" b="1" kern="0" dirty="0" smtClean="0">
-                <a:solidFill>
-                  <a:schemeClr val="accent2"/>
-                </a:solidFill>
-                <a:latin typeface="Courier New" pitchFamily="49" charset="0"/>
-                <a:cs typeface="Courier New" pitchFamily="49" charset="0"/>
-              </a:rPr>
-              <a:t>if </a:t>
-            </a:r>
-            <a:r>
-              <a:rPr lang="en-US" sz="1200" b="1" kern="0" dirty="0">
-                <a:solidFill>
-                  <a:schemeClr val="accent2"/>
-                </a:solidFill>
-                <a:latin typeface="Courier New" pitchFamily="49" charset="0"/>
-                <a:cs typeface="Courier New" pitchFamily="49" charset="0"/>
-              </a:rPr>
-              <a:t>(n &lt;= 0)</a:t>
-            </a:r>
+            <a:endParaRPr lang="en-US" sz="1200" b="1" kern="0" dirty="0" smtClean="0">
+              <a:solidFill>
+                <a:srgbClr val="00B050"/>
+              </a:solidFill>
+              <a:latin typeface="Courier New" pitchFamily="49" charset="0"/>
+              <a:cs typeface="Courier New" pitchFamily="49" charset="0"/>
+            </a:endParaRPr>
           </a:p>
           <a:p>
             <a:pPr marL="0" indent="0">
@@ -8847,12 +8988,42 @@
             <a:r>
               <a:rPr lang="en-US" sz="1200" b="1" kern="0" dirty="0">
                 <a:solidFill>
-                  <a:schemeClr val="accent2"/>
-                </a:solidFill>
-                <a:latin typeface="Courier New" pitchFamily="49" charset="0"/>
-                <a:cs typeface="Courier New" pitchFamily="49" charset="0"/>
-              </a:rPr>
-              <a:t>        return 0;</a:t>
+                  <a:srgbClr val="00B050"/>
+                </a:solidFill>
+                <a:latin typeface="Courier New" pitchFamily="49" charset="0"/>
+                <a:cs typeface="Courier New" pitchFamily="49" charset="0"/>
+              </a:rPr>
+              <a:t> </a:t>
+            </a:r>
+            <a:r>
+              <a:rPr lang="en-US" sz="1200" b="1" kern="0" dirty="0" smtClean="0">
+                <a:solidFill>
+                  <a:srgbClr val="00B050"/>
+                </a:solidFill>
+                <a:latin typeface="Courier New" pitchFamily="49" charset="0"/>
+                <a:cs typeface="Courier New" pitchFamily="49" charset="0"/>
+              </a:rPr>
+              <a:t>   </a:t>
+            </a:r>
+            <a:r>
+              <a:rPr lang="en-US" sz="1200" b="1" kern="0" dirty="0" smtClean="0">
+                <a:solidFill>
+                  <a:schemeClr val="accent2"/>
+                </a:solidFill>
+                <a:latin typeface="Courier New" pitchFamily="49" charset="0"/>
+                <a:cs typeface="Courier New" pitchFamily="49" charset="0"/>
+              </a:rPr>
+              <a:t>if </a:t>
+            </a:r>
+            <a:r>
+              <a:rPr lang="en-US" sz="1200" b="1" kern="0" dirty="0">
+                <a:solidFill>
+                  <a:schemeClr val="accent2"/>
+                </a:solidFill>
+                <a:latin typeface="Courier New" pitchFamily="49" charset="0"/>
+                <a:cs typeface="Courier New" pitchFamily="49" charset="0"/>
+              </a:rPr>
+              <a:t>(n &lt;= 0)</a:t>
             </a:r>
           </a:p>
           <a:p>
@@ -8868,7 +9039,7 @@
                 <a:latin typeface="Courier New" pitchFamily="49" charset="0"/>
                 <a:cs typeface="Courier New" pitchFamily="49" charset="0"/>
               </a:rPr>
-              <a:t>    else</a:t>
+              <a:t>        return 0;</a:t>
             </a:r>
           </a:p>
           <a:p>
@@ -8884,7 +9055,43 @@
                 <a:latin typeface="Courier New" pitchFamily="49" charset="0"/>
                 <a:cs typeface="Courier New" pitchFamily="49" charset="0"/>
               </a:rPr>
-              <a:t>        return n + summation(n-1);</a:t>
+              <a:t>    else</a:t>
+            </a:r>
+          </a:p>
+          <a:p>
+            <a:pPr marL="0" indent="0">
+              <a:buFontTx/>
+              <a:buNone/>
+            </a:pPr>
+            <a:r>
+              <a:rPr lang="en-US" sz="1200" b="1" kern="0" dirty="0">
+                <a:solidFill>
+                  <a:schemeClr val="accent2"/>
+                </a:solidFill>
+                <a:latin typeface="Courier New" pitchFamily="49" charset="0"/>
+                <a:cs typeface="Courier New" pitchFamily="49" charset="0"/>
+              </a:rPr>
+              <a:t>        return n + </a:t>
+            </a:r>
+            <a:r>
+              <a:rPr lang="en-US" sz="1200" b="1" kern="0" dirty="0">
+                <a:solidFill>
+                  <a:srgbClr val="FF0000"/>
+                </a:solidFill>
+                <a:latin typeface="Courier New" pitchFamily="49" charset="0"/>
+                <a:cs typeface="Courier New" pitchFamily="49" charset="0"/>
+              </a:rPr>
+              <a:t>summation</a:t>
+            </a:r>
+            <a:r>
+              <a:rPr lang="en-US" sz="1200" b="1" kern="0" dirty="0">
+                <a:solidFill>
+                  <a:schemeClr val="accent2"/>
+                </a:solidFill>
+                <a:latin typeface="Courier New" pitchFamily="49" charset="0"/>
+                <a:cs typeface="Courier New" pitchFamily="49" charset="0"/>
+              </a:rPr>
+              <a:t>(n-1);</a:t>
             </a:r>
           </a:p>
           <a:p>
@@ -9345,8 +9552,8 @@
           <a:lstStyle/>
           <a:p>
             <a:r>
-              <a:rPr lang="en-US" dirty="0" smtClean="0"/>
-              <a:t>C Language: Libraries</a:t>
+              <a:rPr lang="en-US" b="1" dirty="0" smtClean="0"/>
+              <a:t>C Language:  Libraries</a:t>
             </a:r>
             <a:endParaRPr lang="en-US" dirty="0"/>
           </a:p>
@@ -9354,65 +9561,1104 @@
       </p:sp>
       <p:sp>
         <p:nvSpPr>
-          <p:cNvPr id="3" name="Content Placeholder 2"/>
-          <p:cNvSpPr>
-            <a:spLocks noGrp="1"/>
-          </p:cNvSpPr>
-          <p:nvPr>
-            <p:ph idx="1"/>
-          </p:nvPr>
+          <p:cNvPr id="6" name="Rectangle 5"/>
+          <p:cNvSpPr/>
+          <p:nvPr/>
         </p:nvSpPr>
-        <p:spPr/>
+        <p:spPr bwMode="auto">
+          <a:xfrm>
+            <a:off x="480433" y="1595783"/>
+            <a:ext cx="3586655" cy="3486762"/>
+          </a:xfrm>
+          <a:prstGeom prst="rect">
+            <a:avLst/>
+          </a:prstGeom>
+          <a:solidFill>
+            <a:schemeClr val="bg1"/>
+          </a:solidFill>
+          <a:ln w="12700" cap="flat" cmpd="sng" algn="ctr">
+            <a:solidFill>
+              <a:schemeClr val="tx1"/>
+            </a:solidFill>
+            <a:prstDash val="solid"/>
+            <a:round/>
+            <a:headEnd type="none" w="med" len="med"/>
+            <a:tailEnd type="none" w="med" len="med"/>
+          </a:ln>
+          <a:effectLst/>
+        </p:spPr>
         <p:txBody>
-          <a:bodyPr/>
+          <a:bodyPr vert="horz" wrap="square" lIns="91440" tIns="45720" rIns="91440" bIns="45720" numCol="1" rtlCol="0" anchor="t" anchorCtr="0" compatLnSpc="1">
+            <a:prstTxWarp prst="textNoShape">
+              <a:avLst/>
+            </a:prstTxWarp>
+          </a:bodyPr>
           <a:lstStyle/>
           <a:p>
+            <a:pPr marL="0" indent="0">
+              <a:buFontTx/>
+              <a:buNone/>
+            </a:pPr>
+            <a:r>
+              <a:rPr lang="en-US" sz="1200" b="1" kern="0" dirty="0" err="1">
+                <a:solidFill>
+                  <a:schemeClr val="accent2"/>
+                </a:solidFill>
+                <a:latin typeface="Courier New" pitchFamily="49" charset="0"/>
+                <a:cs typeface="Courier New" pitchFamily="49" charset="0"/>
+              </a:rPr>
+              <a:t>m</a:t>
+            </a:r>
+            <a:r>
+              <a:rPr lang="en-US" sz="1200" b="1" kern="0" dirty="0" err="1" smtClean="0">
+                <a:solidFill>
+                  <a:schemeClr val="accent2"/>
+                </a:solidFill>
+                <a:latin typeface="Courier New" pitchFamily="49" charset="0"/>
+                <a:cs typeface="Courier New" pitchFamily="49" charset="0"/>
+              </a:rPr>
+              <a:t>ain.c</a:t>
+            </a:r>
+            <a:endParaRPr lang="en-US" sz="1200" b="1" kern="0" dirty="0" smtClean="0">
+              <a:solidFill>
+                <a:schemeClr val="accent2"/>
+              </a:solidFill>
+              <a:latin typeface="Courier New" pitchFamily="49" charset="0"/>
+              <a:cs typeface="Courier New" pitchFamily="49" charset="0"/>
+            </a:endParaRPr>
+          </a:p>
+          <a:p>
+            <a:pPr marL="0" indent="0">
+              <a:buFontTx/>
+              <a:buNone/>
+            </a:pPr>
+            <a:r>
+              <a:rPr lang="en-US" sz="1200" b="1" kern="0" dirty="0" smtClean="0">
+                <a:solidFill>
+                  <a:schemeClr val="accent2"/>
+                </a:solidFill>
+                <a:latin typeface="Courier New" pitchFamily="49" charset="0"/>
+                <a:cs typeface="Courier New" pitchFamily="49" charset="0"/>
+              </a:rPr>
+              <a:t>-----------------------------</a:t>
+            </a:r>
+          </a:p>
+          <a:p>
+            <a:pPr marL="0" indent="0">
+              <a:buFontTx/>
+              <a:buNone/>
+            </a:pPr>
+            <a:r>
+              <a:rPr lang="en-US" sz="1200" b="1" kern="0" dirty="0" smtClean="0">
+                <a:solidFill>
+                  <a:schemeClr val="accent2"/>
+                </a:solidFill>
+                <a:latin typeface="Courier New" pitchFamily="49" charset="0"/>
+                <a:cs typeface="Courier New" pitchFamily="49" charset="0"/>
+              </a:rPr>
+              <a:t>#include “</a:t>
+            </a:r>
+            <a:r>
+              <a:rPr lang="en-US" sz="1200" b="1" kern="0" dirty="0" err="1" smtClean="0">
+                <a:solidFill>
+                  <a:schemeClr val="accent2"/>
+                </a:solidFill>
+                <a:latin typeface="Courier New" pitchFamily="49" charset="0"/>
+                <a:cs typeface="Courier New" pitchFamily="49" charset="0"/>
+              </a:rPr>
+              <a:t>mystuff.h</a:t>
+            </a:r>
+            <a:r>
+              <a:rPr lang="en-US" sz="1200" b="1" kern="0" dirty="0" smtClean="0">
+                <a:solidFill>
+                  <a:schemeClr val="accent2"/>
+                </a:solidFill>
+                <a:latin typeface="Courier New" pitchFamily="49" charset="0"/>
+                <a:cs typeface="Courier New" pitchFamily="49" charset="0"/>
+              </a:rPr>
+              <a:t>”</a:t>
+            </a:r>
+            <a:endParaRPr lang="en-US" sz="1200" b="1" kern="0" dirty="0">
+              <a:solidFill>
+                <a:schemeClr val="accent2"/>
+              </a:solidFill>
+              <a:latin typeface="Courier New" pitchFamily="49" charset="0"/>
+              <a:cs typeface="Courier New" pitchFamily="49" charset="0"/>
+            </a:endParaRPr>
+          </a:p>
+          <a:p>
+            <a:pPr marL="0" indent="0">
+              <a:buFontTx/>
+              <a:buNone/>
+            </a:pPr>
+            <a:endParaRPr lang="en-US" sz="1200" b="1" kern="0" dirty="0">
+              <a:solidFill>
+                <a:schemeClr val="accent2"/>
+              </a:solidFill>
+              <a:latin typeface="Courier New" pitchFamily="49" charset="0"/>
+              <a:cs typeface="Courier New" pitchFamily="49" charset="0"/>
+            </a:endParaRPr>
+          </a:p>
+          <a:p>
+            <a:pPr marL="0" indent="0">
+              <a:buFontTx/>
+              <a:buNone/>
+            </a:pPr>
+            <a:r>
+              <a:rPr lang="en-US" sz="1200" b="1" kern="0" dirty="0">
+                <a:solidFill>
+                  <a:schemeClr val="accent2"/>
+                </a:solidFill>
+                <a:latin typeface="Courier New" pitchFamily="49" charset="0"/>
+                <a:cs typeface="Courier New" pitchFamily="49" charset="0"/>
+              </a:rPr>
+              <a:t>void main(void){</a:t>
+            </a:r>
+          </a:p>
+          <a:p>
+            <a:pPr marL="0" indent="0">
+              <a:buFontTx/>
+              <a:buNone/>
+            </a:pPr>
+            <a:r>
+              <a:rPr lang="en-US" sz="1200" b="1" kern="0" dirty="0">
+                <a:solidFill>
+                  <a:schemeClr val="accent2"/>
+                </a:solidFill>
+                <a:latin typeface="Courier New" pitchFamily="49" charset="0"/>
+                <a:cs typeface="Courier New" pitchFamily="49" charset="0"/>
+              </a:rPr>
+              <a:t>    uint8_t </a:t>
+            </a:r>
+            <a:r>
+              <a:rPr lang="en-US" sz="1200" b="1" kern="0" dirty="0" err="1">
+                <a:solidFill>
+                  <a:schemeClr val="accent2"/>
+                </a:solidFill>
+                <a:latin typeface="Courier New" pitchFamily="49" charset="0"/>
+                <a:cs typeface="Courier New" pitchFamily="49" charset="0"/>
+              </a:rPr>
+              <a:t>mySummation</a:t>
+            </a:r>
+            <a:r>
+              <a:rPr lang="en-US" sz="1200" b="1" kern="0" dirty="0">
+                <a:solidFill>
+                  <a:schemeClr val="accent2"/>
+                </a:solidFill>
+                <a:latin typeface="Courier New" pitchFamily="49" charset="0"/>
+                <a:cs typeface="Courier New" pitchFamily="49" charset="0"/>
+              </a:rPr>
+              <a:t>;</a:t>
+            </a:r>
+          </a:p>
+          <a:p>
+            <a:pPr marL="0" indent="0">
+              <a:buFontTx/>
+              <a:buNone/>
+            </a:pPr>
+            <a:r>
+              <a:rPr lang="en-US" sz="1200" b="1" kern="0" dirty="0">
+                <a:solidFill>
+                  <a:schemeClr val="accent2"/>
+                </a:solidFill>
+                <a:latin typeface="Courier New" pitchFamily="49" charset="0"/>
+                <a:cs typeface="Courier New" pitchFamily="49" charset="0"/>
+              </a:rPr>
+              <a:t>    uint8_t </a:t>
+            </a:r>
+            <a:r>
+              <a:rPr lang="en-US" sz="1200" b="1" kern="0" dirty="0" err="1">
+                <a:solidFill>
+                  <a:schemeClr val="accent2"/>
+                </a:solidFill>
+                <a:latin typeface="Courier New" pitchFamily="49" charset="0"/>
+                <a:cs typeface="Courier New" pitchFamily="49" charset="0"/>
+              </a:rPr>
+              <a:t>maxN</a:t>
+            </a:r>
+            <a:r>
+              <a:rPr lang="en-US" sz="1200" b="1" kern="0" dirty="0">
+                <a:solidFill>
+                  <a:schemeClr val="accent2"/>
+                </a:solidFill>
+                <a:latin typeface="Courier New" pitchFamily="49" charset="0"/>
+                <a:cs typeface="Courier New" pitchFamily="49" charset="0"/>
+              </a:rPr>
+              <a:t> = 42;</a:t>
+            </a:r>
+          </a:p>
+          <a:p>
+            <a:pPr marL="0" indent="0">
+              <a:buFontTx/>
+              <a:buNone/>
+            </a:pPr>
+            <a:endParaRPr lang="en-US" sz="1200" b="1" kern="0" dirty="0">
+              <a:solidFill>
+                <a:schemeClr val="accent2"/>
+              </a:solidFill>
+              <a:latin typeface="Courier New" pitchFamily="49" charset="0"/>
+              <a:cs typeface="Courier New" pitchFamily="49" charset="0"/>
+            </a:endParaRPr>
+          </a:p>
+          <a:p>
+            <a:pPr marL="0" indent="0">
+              <a:buFontTx/>
+              <a:buNone/>
+            </a:pPr>
+            <a:r>
+              <a:rPr lang="en-US" sz="1200" b="1" kern="0" dirty="0">
+                <a:solidFill>
+                  <a:schemeClr val="accent2"/>
+                </a:solidFill>
+                <a:latin typeface="Courier New" pitchFamily="49" charset="0"/>
+                <a:cs typeface="Courier New" pitchFamily="49" charset="0"/>
+              </a:rPr>
+              <a:t>    </a:t>
+            </a:r>
+            <a:r>
+              <a:rPr lang="en-US" sz="1200" b="1" kern="0" dirty="0" err="1">
+                <a:solidFill>
+                  <a:schemeClr val="accent2"/>
+                </a:solidFill>
+                <a:latin typeface="Courier New" pitchFamily="49" charset="0"/>
+                <a:cs typeface="Courier New" pitchFamily="49" charset="0"/>
+              </a:rPr>
+              <a:t>mySummation</a:t>
+            </a:r>
+            <a:r>
+              <a:rPr lang="en-US" sz="1200" b="1" kern="0" dirty="0">
+                <a:solidFill>
+                  <a:schemeClr val="accent2"/>
+                </a:solidFill>
+                <a:latin typeface="Courier New" pitchFamily="49" charset="0"/>
+                <a:cs typeface="Courier New" pitchFamily="49" charset="0"/>
+              </a:rPr>
+              <a:t> = summation(23);</a:t>
+            </a:r>
+          </a:p>
+          <a:p>
+            <a:pPr marL="0" indent="0">
+              <a:buFontTx/>
+              <a:buNone/>
+            </a:pPr>
+            <a:r>
+              <a:rPr lang="en-US" sz="1200" b="1" kern="0" dirty="0">
+                <a:solidFill>
+                  <a:schemeClr val="accent2"/>
+                </a:solidFill>
+                <a:latin typeface="Courier New" pitchFamily="49" charset="0"/>
+                <a:cs typeface="Courier New" pitchFamily="49" charset="0"/>
+              </a:rPr>
+              <a:t>    </a:t>
+            </a:r>
+            <a:r>
+              <a:rPr lang="en-US" sz="1200" b="1" kern="0" dirty="0" err="1">
+                <a:solidFill>
+                  <a:schemeClr val="accent2"/>
+                </a:solidFill>
+                <a:latin typeface="Courier New" pitchFamily="49" charset="0"/>
+                <a:cs typeface="Courier New" pitchFamily="49" charset="0"/>
+              </a:rPr>
+              <a:t>mySummation</a:t>
+            </a:r>
+            <a:r>
+              <a:rPr lang="en-US" sz="1200" b="1" kern="0" dirty="0">
+                <a:solidFill>
+                  <a:schemeClr val="accent2"/>
+                </a:solidFill>
+                <a:latin typeface="Courier New" pitchFamily="49" charset="0"/>
+                <a:cs typeface="Courier New" pitchFamily="49" charset="0"/>
+              </a:rPr>
+              <a:t> = summation(</a:t>
+            </a:r>
+            <a:r>
+              <a:rPr lang="en-US" sz="1200" b="1" kern="0" dirty="0" err="1">
+                <a:solidFill>
+                  <a:schemeClr val="accent2"/>
+                </a:solidFill>
+                <a:latin typeface="Courier New" pitchFamily="49" charset="0"/>
+                <a:cs typeface="Courier New" pitchFamily="49" charset="0"/>
+              </a:rPr>
+              <a:t>maxN</a:t>
+            </a:r>
+            <a:r>
+              <a:rPr lang="en-US" sz="1200" b="1" kern="0" dirty="0">
+                <a:solidFill>
+                  <a:schemeClr val="accent2"/>
+                </a:solidFill>
+                <a:latin typeface="Courier New" pitchFamily="49" charset="0"/>
+                <a:cs typeface="Courier New" pitchFamily="49" charset="0"/>
+              </a:rPr>
+              <a:t>);</a:t>
+            </a:r>
+          </a:p>
+          <a:p>
+            <a:pPr marL="0" indent="0">
+              <a:buFontTx/>
+              <a:buNone/>
+            </a:pPr>
+            <a:r>
+              <a:rPr lang="en-US" sz="1200" b="1" kern="0" dirty="0">
+                <a:solidFill>
+                  <a:schemeClr val="accent2"/>
+                </a:solidFill>
+                <a:latin typeface="Courier New" pitchFamily="49" charset="0"/>
+                <a:cs typeface="Courier New" pitchFamily="49" charset="0"/>
+              </a:rPr>
+              <a:t>}</a:t>
+            </a:r>
+          </a:p>
+        </p:txBody>
+      </p:sp>
+      <p:sp>
+        <p:nvSpPr>
+          <p:cNvPr id="7" name="Rectangle 6"/>
+          <p:cNvSpPr/>
+          <p:nvPr/>
+        </p:nvSpPr>
+        <p:spPr bwMode="auto">
+          <a:xfrm>
+            <a:off x="4331368" y="3671612"/>
+            <a:ext cx="3586655" cy="2564559"/>
+          </a:xfrm>
+          <a:prstGeom prst="rect">
+            <a:avLst/>
+          </a:prstGeom>
+          <a:solidFill>
+            <a:schemeClr val="bg1"/>
+          </a:solidFill>
+          <a:ln w="12700" cap="flat" cmpd="sng" algn="ctr">
+            <a:solidFill>
+              <a:schemeClr val="tx1"/>
+            </a:solidFill>
+            <a:prstDash val="solid"/>
+            <a:round/>
+            <a:headEnd type="none" w="med" len="med"/>
+            <a:tailEnd type="none" w="med" len="med"/>
+          </a:ln>
+          <a:effectLst/>
+        </p:spPr>
+        <p:txBody>
+          <a:bodyPr vert="horz" wrap="square" lIns="91440" tIns="45720" rIns="91440" bIns="45720" numCol="1" rtlCol="0" anchor="t" anchorCtr="0" compatLnSpc="1">
+            <a:prstTxWarp prst="textNoShape">
+              <a:avLst/>
+            </a:prstTxWarp>
+          </a:bodyPr>
+          <a:lstStyle/>
+          <a:p>
+            <a:pPr marL="0" indent="0">
+              <a:buFontTx/>
+              <a:buNone/>
+            </a:pPr>
+            <a:r>
+              <a:rPr lang="en-US" sz="1200" b="1" kern="0" dirty="0" err="1" smtClean="0">
+                <a:solidFill>
+                  <a:schemeClr val="accent2"/>
+                </a:solidFill>
+                <a:latin typeface="Courier New" pitchFamily="49" charset="0"/>
+                <a:cs typeface="Courier New" pitchFamily="49" charset="0"/>
+              </a:rPr>
+              <a:t>mystuff.c</a:t>
+            </a:r>
+            <a:r>
+              <a:rPr lang="en-US" sz="1200" b="1" kern="0" dirty="0" smtClean="0">
+                <a:solidFill>
+                  <a:schemeClr val="accent2"/>
+                </a:solidFill>
+                <a:latin typeface="Courier New" pitchFamily="49" charset="0"/>
+                <a:cs typeface="Courier New" pitchFamily="49" charset="0"/>
+              </a:rPr>
+              <a:t> (implementation)</a:t>
+            </a:r>
+          </a:p>
+          <a:p>
+            <a:pPr marL="0" indent="0">
+              <a:buFontTx/>
+              <a:buNone/>
+            </a:pPr>
+            <a:r>
+              <a:rPr lang="en-US" sz="1200" b="1" kern="0" dirty="0" smtClean="0">
+                <a:solidFill>
+                  <a:schemeClr val="accent2"/>
+                </a:solidFill>
+                <a:latin typeface="Courier New" pitchFamily="49" charset="0"/>
+                <a:cs typeface="Courier New" pitchFamily="49" charset="0"/>
+              </a:rPr>
+              <a:t>-----------------------------</a:t>
+            </a:r>
+          </a:p>
+          <a:p>
+            <a:pPr marL="0" indent="0">
+              <a:buFontTx/>
+              <a:buNone/>
+            </a:pPr>
+            <a:r>
+              <a:rPr lang="en-US" sz="1200" b="1" kern="0" dirty="0" smtClean="0">
+                <a:solidFill>
+                  <a:schemeClr val="accent2"/>
+                </a:solidFill>
+                <a:latin typeface="Courier New" pitchFamily="49" charset="0"/>
+                <a:cs typeface="Courier New" pitchFamily="49" charset="0"/>
+              </a:rPr>
+              <a:t>#include “</a:t>
+            </a:r>
+            <a:r>
+              <a:rPr lang="en-US" sz="1200" b="1" kern="0" dirty="0" err="1" smtClean="0">
+                <a:solidFill>
+                  <a:schemeClr val="accent2"/>
+                </a:solidFill>
+                <a:latin typeface="Courier New" pitchFamily="49" charset="0"/>
+                <a:cs typeface="Courier New" pitchFamily="49" charset="0"/>
+              </a:rPr>
+              <a:t>mystuff.h</a:t>
+            </a:r>
+            <a:r>
+              <a:rPr lang="en-US" sz="1200" b="1" kern="0" dirty="0" smtClean="0">
+                <a:solidFill>
+                  <a:schemeClr val="accent2"/>
+                </a:solidFill>
+                <a:latin typeface="Courier New" pitchFamily="49" charset="0"/>
+                <a:cs typeface="Courier New" pitchFamily="49" charset="0"/>
+              </a:rPr>
+              <a:t>”</a:t>
+            </a:r>
+          </a:p>
+          <a:p>
+            <a:pPr marL="0" indent="0">
+              <a:buFontTx/>
+              <a:buNone/>
+            </a:pPr>
+            <a:r>
+              <a:rPr lang="en-US" sz="1200" b="1" kern="0" dirty="0" smtClean="0">
+                <a:solidFill>
+                  <a:schemeClr val="accent2"/>
+                </a:solidFill>
+                <a:latin typeface="Courier New" pitchFamily="49" charset="0"/>
+                <a:cs typeface="Courier New" pitchFamily="49" charset="0"/>
+              </a:rPr>
+              <a:t>uint8_t </a:t>
+            </a:r>
+            <a:r>
+              <a:rPr lang="en-US" sz="1200" b="1" kern="0" dirty="0">
+                <a:solidFill>
+                  <a:schemeClr val="accent2"/>
+                </a:solidFill>
+                <a:latin typeface="Courier New" pitchFamily="49" charset="0"/>
+                <a:cs typeface="Courier New" pitchFamily="49" charset="0"/>
+              </a:rPr>
+              <a:t>summation(uint8_t n){</a:t>
+            </a:r>
+          </a:p>
+          <a:p>
+            <a:pPr marL="0" indent="0">
+              <a:buFontTx/>
+              <a:buNone/>
+            </a:pPr>
+            <a:r>
+              <a:rPr lang="en-US" sz="1200" b="1" kern="0" dirty="0">
+                <a:solidFill>
+                  <a:schemeClr val="accent2"/>
+                </a:solidFill>
+                <a:latin typeface="Courier New" pitchFamily="49" charset="0"/>
+                <a:cs typeface="Courier New" pitchFamily="49" charset="0"/>
+              </a:rPr>
+              <a:t>    </a:t>
+            </a:r>
+            <a:r>
+              <a:rPr lang="en-US" sz="1200" b="1" kern="0" dirty="0">
+                <a:solidFill>
+                  <a:srgbClr val="00B050"/>
+                </a:solidFill>
+                <a:latin typeface="Courier New" pitchFamily="49" charset="0"/>
+                <a:cs typeface="Courier New" pitchFamily="49" charset="0"/>
+              </a:rPr>
+              <a:t>// recursion! </a:t>
+            </a:r>
+            <a:endParaRPr lang="en-US" sz="1200" b="1" kern="0" dirty="0" smtClean="0">
+              <a:solidFill>
+                <a:srgbClr val="00B050"/>
+              </a:solidFill>
+              <a:latin typeface="Courier New" pitchFamily="49" charset="0"/>
+              <a:cs typeface="Courier New" pitchFamily="49" charset="0"/>
+            </a:endParaRPr>
+          </a:p>
+          <a:p>
+            <a:pPr marL="0" indent="0">
+              <a:buFontTx/>
+              <a:buNone/>
+            </a:pPr>
+            <a:r>
+              <a:rPr lang="en-US" sz="1200" b="1" kern="0" dirty="0">
+                <a:solidFill>
+                  <a:srgbClr val="00B050"/>
+                </a:solidFill>
+                <a:latin typeface="Courier New" pitchFamily="49" charset="0"/>
+                <a:cs typeface="Courier New" pitchFamily="49" charset="0"/>
+              </a:rPr>
+              <a:t> </a:t>
+            </a:r>
+            <a:r>
+              <a:rPr lang="en-US" sz="1200" b="1" kern="0" dirty="0" smtClean="0">
+                <a:solidFill>
+                  <a:srgbClr val="00B050"/>
+                </a:solidFill>
+                <a:latin typeface="Courier New" pitchFamily="49" charset="0"/>
+                <a:cs typeface="Courier New" pitchFamily="49" charset="0"/>
+              </a:rPr>
+              <a:t>   </a:t>
+            </a:r>
+            <a:r>
+              <a:rPr lang="en-US" sz="1200" b="1" kern="0" dirty="0" smtClean="0">
+                <a:solidFill>
+                  <a:schemeClr val="accent2"/>
+                </a:solidFill>
+                <a:latin typeface="Courier New" pitchFamily="49" charset="0"/>
+                <a:cs typeface="Courier New" pitchFamily="49" charset="0"/>
+              </a:rPr>
+              <a:t>if </a:t>
+            </a:r>
+            <a:r>
+              <a:rPr lang="en-US" sz="1200" b="1" kern="0" dirty="0">
+                <a:solidFill>
+                  <a:schemeClr val="accent2"/>
+                </a:solidFill>
+                <a:latin typeface="Courier New" pitchFamily="49" charset="0"/>
+                <a:cs typeface="Courier New" pitchFamily="49" charset="0"/>
+              </a:rPr>
+              <a:t>(n &lt;= 0)</a:t>
+            </a:r>
+          </a:p>
+          <a:p>
+            <a:pPr marL="0" indent="0">
+              <a:buFontTx/>
+              <a:buNone/>
+            </a:pPr>
+            <a:r>
+              <a:rPr lang="en-US" sz="1200" b="1" kern="0" dirty="0">
+                <a:solidFill>
+                  <a:schemeClr val="accent2"/>
+                </a:solidFill>
+                <a:latin typeface="Courier New" pitchFamily="49" charset="0"/>
+                <a:cs typeface="Courier New" pitchFamily="49" charset="0"/>
+              </a:rPr>
+              <a:t>        return 0;</a:t>
+            </a:r>
+          </a:p>
+          <a:p>
+            <a:pPr marL="0" indent="0">
+              <a:buFontTx/>
+              <a:buNone/>
+            </a:pPr>
+            <a:r>
+              <a:rPr lang="en-US" sz="1200" b="1" kern="0" dirty="0">
+                <a:solidFill>
+                  <a:schemeClr val="accent2"/>
+                </a:solidFill>
+                <a:latin typeface="Courier New" pitchFamily="49" charset="0"/>
+                <a:cs typeface="Courier New" pitchFamily="49" charset="0"/>
+              </a:rPr>
+              <a:t>    else</a:t>
+            </a:r>
+          </a:p>
+          <a:p>
+            <a:pPr marL="0" indent="0">
+              <a:buFontTx/>
+              <a:buNone/>
+            </a:pPr>
+            <a:r>
+              <a:rPr lang="en-US" sz="1200" b="1" kern="0" dirty="0">
+                <a:solidFill>
+                  <a:schemeClr val="accent2"/>
+                </a:solidFill>
+                <a:latin typeface="Courier New" pitchFamily="49" charset="0"/>
+                <a:cs typeface="Courier New" pitchFamily="49" charset="0"/>
+              </a:rPr>
+              <a:t>        return n + </a:t>
+            </a:r>
+            <a:r>
+              <a:rPr lang="en-US" sz="1200" b="1" kern="0" dirty="0">
+                <a:solidFill>
+                  <a:srgbClr val="FF0000"/>
+                </a:solidFill>
+                <a:latin typeface="Courier New" pitchFamily="49" charset="0"/>
+                <a:cs typeface="Courier New" pitchFamily="49" charset="0"/>
+              </a:rPr>
+              <a:t>summation</a:t>
+            </a:r>
+            <a:r>
+              <a:rPr lang="en-US" sz="1200" b="1" kern="0" dirty="0">
+                <a:solidFill>
+                  <a:schemeClr val="accent2"/>
+                </a:solidFill>
+                <a:latin typeface="Courier New" pitchFamily="49" charset="0"/>
+                <a:cs typeface="Courier New" pitchFamily="49" charset="0"/>
+              </a:rPr>
+              <a:t>(n-1);</a:t>
+            </a:r>
+          </a:p>
+          <a:p>
+            <a:pPr marL="0" indent="0">
+              <a:buFontTx/>
+              <a:buNone/>
+            </a:pPr>
+            <a:r>
+              <a:rPr lang="en-US" sz="1200" b="1" kern="0" dirty="0">
+                <a:solidFill>
+                  <a:schemeClr val="accent2"/>
+                </a:solidFill>
+                <a:latin typeface="Courier New" pitchFamily="49" charset="0"/>
+                <a:cs typeface="Courier New" pitchFamily="49" charset="0"/>
+              </a:rPr>
+              <a:t>}</a:t>
+            </a:r>
+          </a:p>
+        </p:txBody>
+      </p:sp>
+      <p:sp>
+        <p:nvSpPr>
+          <p:cNvPr id="8" name="Rectangle 7"/>
+          <p:cNvSpPr/>
+          <p:nvPr/>
+        </p:nvSpPr>
+        <p:spPr bwMode="auto">
+          <a:xfrm>
+            <a:off x="4331368" y="1563257"/>
+            <a:ext cx="3586655" cy="1943538"/>
+          </a:xfrm>
+          <a:prstGeom prst="rect">
+            <a:avLst/>
+          </a:prstGeom>
+          <a:solidFill>
+            <a:schemeClr val="bg1"/>
+          </a:solidFill>
+          <a:ln w="12700" cap="flat" cmpd="sng" algn="ctr">
+            <a:solidFill>
+              <a:schemeClr val="tx1"/>
+            </a:solidFill>
+            <a:prstDash val="solid"/>
+            <a:round/>
+            <a:headEnd type="none" w="med" len="med"/>
+            <a:tailEnd type="none" w="med" len="med"/>
+          </a:ln>
+          <a:effectLst/>
+        </p:spPr>
+        <p:txBody>
+          <a:bodyPr vert="horz" wrap="square" lIns="91440" tIns="45720" rIns="91440" bIns="45720" numCol="1" rtlCol="0" anchor="t" anchorCtr="0" compatLnSpc="1">
+            <a:prstTxWarp prst="textNoShape">
+              <a:avLst/>
+            </a:prstTxWarp>
+          </a:bodyPr>
+          <a:lstStyle/>
+          <a:p>
+            <a:pPr marL="0" indent="0">
+              <a:buFontTx/>
+              <a:buNone/>
+            </a:pPr>
+            <a:r>
+              <a:rPr lang="en-US" sz="1200" b="1" kern="0" dirty="0" err="1" smtClean="0">
+                <a:solidFill>
+                  <a:schemeClr val="accent2"/>
+                </a:solidFill>
+                <a:latin typeface="Courier New" pitchFamily="49" charset="0"/>
+                <a:cs typeface="Courier New" pitchFamily="49" charset="0"/>
+              </a:rPr>
+              <a:t>mystuff.h</a:t>
+            </a:r>
+            <a:r>
+              <a:rPr lang="en-US" sz="1200" b="1" kern="0" dirty="0" smtClean="0">
+                <a:solidFill>
+                  <a:schemeClr val="accent2"/>
+                </a:solidFill>
+                <a:latin typeface="Courier New" pitchFamily="49" charset="0"/>
+                <a:cs typeface="Courier New" pitchFamily="49" charset="0"/>
+              </a:rPr>
+              <a:t> (header)</a:t>
+            </a:r>
+          </a:p>
+          <a:p>
+            <a:pPr marL="0" indent="0">
+              <a:buFontTx/>
+              <a:buNone/>
+            </a:pPr>
+            <a:r>
+              <a:rPr lang="en-US" sz="1200" b="1" kern="0" dirty="0" smtClean="0">
+                <a:solidFill>
+                  <a:schemeClr val="accent2"/>
+                </a:solidFill>
+                <a:latin typeface="Courier New" pitchFamily="49" charset="0"/>
+                <a:cs typeface="Courier New" pitchFamily="49" charset="0"/>
+              </a:rPr>
+              <a:t>-----------------------------</a:t>
+            </a:r>
+          </a:p>
+          <a:p>
+            <a:pPr marL="0" indent="0">
+              <a:buFontTx/>
+              <a:buNone/>
+            </a:pPr>
+            <a:r>
+              <a:rPr lang="en-US" sz="1200" b="1" kern="0" dirty="0" smtClean="0">
+                <a:solidFill>
+                  <a:schemeClr val="accent2"/>
+                </a:solidFill>
+                <a:latin typeface="Courier New" pitchFamily="49" charset="0"/>
+                <a:cs typeface="Courier New" pitchFamily="49" charset="0"/>
+              </a:rPr>
+              <a:t>#pragma once</a:t>
+            </a:r>
+          </a:p>
+          <a:p>
+            <a:pPr marL="0" indent="0">
+              <a:buFontTx/>
+              <a:buNone/>
+            </a:pPr>
+            <a:r>
+              <a:rPr lang="en-US" sz="1200" b="1" kern="0" dirty="0" smtClean="0">
+                <a:solidFill>
+                  <a:schemeClr val="accent2"/>
+                </a:solidFill>
+                <a:latin typeface="Courier New" pitchFamily="49" charset="0"/>
+                <a:cs typeface="Courier New" pitchFamily="49" charset="0"/>
+              </a:rPr>
+              <a:t>#</a:t>
+            </a:r>
+            <a:r>
+              <a:rPr lang="en-US" sz="1200" b="1" kern="0" dirty="0" smtClean="0">
+                <a:solidFill>
+                  <a:schemeClr val="accent2"/>
+                </a:solidFill>
+                <a:latin typeface="Courier New" pitchFamily="49" charset="0"/>
+                <a:cs typeface="Courier New" pitchFamily="49" charset="0"/>
+              </a:rPr>
+              <a:t>include &lt;</a:t>
+            </a:r>
+            <a:r>
+              <a:rPr lang="en-US" sz="1200" b="1" kern="0" dirty="0" err="1" smtClean="0">
+                <a:solidFill>
+                  <a:schemeClr val="accent2"/>
+                </a:solidFill>
+                <a:latin typeface="Courier New" pitchFamily="49" charset="0"/>
+                <a:cs typeface="Courier New" pitchFamily="49" charset="0"/>
+              </a:rPr>
+              <a:t>stdlib.h</a:t>
+            </a:r>
+            <a:r>
+              <a:rPr lang="en-US" sz="1200" b="1" kern="0" dirty="0" smtClean="0">
+                <a:solidFill>
+                  <a:schemeClr val="accent2"/>
+                </a:solidFill>
+                <a:latin typeface="Courier New" pitchFamily="49" charset="0"/>
+                <a:cs typeface="Courier New" pitchFamily="49" charset="0"/>
+              </a:rPr>
+              <a:t>&gt;</a:t>
+            </a:r>
+          </a:p>
+          <a:p>
+            <a:pPr marL="0" indent="0">
+              <a:buFontTx/>
+              <a:buNone/>
+            </a:pPr>
+            <a:endParaRPr lang="en-US" sz="1200" b="1" kern="0" dirty="0" smtClean="0">
+              <a:solidFill>
+                <a:schemeClr val="accent2"/>
+              </a:solidFill>
+              <a:latin typeface="Courier New" pitchFamily="49" charset="0"/>
+              <a:cs typeface="Courier New" pitchFamily="49" charset="0"/>
+            </a:endParaRPr>
+          </a:p>
+          <a:p>
+            <a:pPr marL="0" indent="0">
+              <a:buFontTx/>
+              <a:buNone/>
+            </a:pPr>
+            <a:r>
+              <a:rPr lang="en-US" sz="1200" b="1" kern="0" dirty="0" smtClean="0">
+                <a:solidFill>
+                  <a:schemeClr val="accent2"/>
+                </a:solidFill>
+                <a:latin typeface="Courier New" pitchFamily="49" charset="0"/>
+                <a:cs typeface="Courier New" pitchFamily="49" charset="0"/>
+              </a:rPr>
+              <a:t>unsigned </a:t>
+            </a:r>
+            <a:r>
+              <a:rPr lang="en-US" sz="1200" b="1" kern="0" dirty="0" err="1">
+                <a:solidFill>
+                  <a:schemeClr val="accent2"/>
+                </a:solidFill>
+                <a:latin typeface="Courier New" pitchFamily="49" charset="0"/>
+                <a:cs typeface="Courier New" pitchFamily="49" charset="0"/>
+              </a:rPr>
+              <a:t>int</a:t>
+            </a:r>
+            <a:r>
+              <a:rPr lang="en-US" sz="1200" b="1" kern="0" dirty="0">
+                <a:solidFill>
+                  <a:schemeClr val="accent2"/>
+                </a:solidFill>
+                <a:latin typeface="Courier New" pitchFamily="49" charset="0"/>
+                <a:cs typeface="Courier New" pitchFamily="49" charset="0"/>
+              </a:rPr>
+              <a:t> summation (uint8_t n</a:t>
+            </a:r>
+            <a:r>
+              <a:rPr lang="en-US" sz="1200" b="1" kern="0" dirty="0" smtClean="0">
+                <a:solidFill>
+                  <a:schemeClr val="accent2"/>
+                </a:solidFill>
+                <a:latin typeface="Courier New" pitchFamily="49" charset="0"/>
+                <a:cs typeface="Courier New" pitchFamily="49" charset="0"/>
+              </a:rPr>
+              <a:t>);</a:t>
+            </a:r>
+            <a:endParaRPr lang="en-US" sz="1200" b="1" kern="0" dirty="0" smtClean="0">
+              <a:solidFill>
+                <a:schemeClr val="accent2"/>
+              </a:solidFill>
+              <a:latin typeface="Courier New" pitchFamily="49" charset="0"/>
+              <a:cs typeface="Courier New" pitchFamily="49" charset="0"/>
+            </a:endParaRPr>
+          </a:p>
+        </p:txBody>
+      </p:sp>
+      <p:sp>
+        <p:nvSpPr>
+          <p:cNvPr id="9" name="TextBox 8"/>
+          <p:cNvSpPr txBox="1"/>
+          <p:nvPr/>
+        </p:nvSpPr>
+        <p:spPr>
+          <a:xfrm>
+            <a:off x="480433" y="5279927"/>
+            <a:ext cx="3527742" cy="830997"/>
+          </a:xfrm>
+          <a:prstGeom prst="rect">
+            <a:avLst/>
+          </a:prstGeom>
+          <a:noFill/>
+        </p:spPr>
+        <p:txBody>
+          <a:bodyPr wrap="square" rtlCol="0">
+            <a:spAutoFit/>
+          </a:bodyPr>
+          <a:lstStyle/>
+          <a:p>
             <a:r>
               <a:rPr lang="en-US" dirty="0" smtClean="0"/>
-              <a:t>Using libraries helps you:</a:t>
-            </a:r>
-          </a:p>
-          <a:p>
-            <a:pPr lvl="1"/>
-            <a:r>
-              <a:rPr lang="en-US" dirty="0" smtClean="0"/>
-              <a:t>Write modular, reusable code that multiple projects can use</a:t>
-            </a:r>
-          </a:p>
-          <a:p>
-            <a:pPr lvl="1"/>
-            <a:r>
-              <a:rPr lang="en-US" dirty="0" smtClean="0"/>
-              <a:t>Reduces errors in your code</a:t>
-            </a:r>
-          </a:p>
-          <a:p>
-            <a:pPr lvl="2"/>
-            <a:r>
-              <a:rPr lang="en-US" dirty="0" smtClean="0"/>
-              <a:t>Once a library is written AND tested, it should NEVER introduce bugs into your code</a:t>
-            </a:r>
-          </a:p>
-          <a:p>
-            <a:pPr lvl="2"/>
-            <a:r>
-              <a:rPr lang="en-US" dirty="0" smtClean="0"/>
-              <a:t>Writing test cases (unit tests) are common practice when developing code</a:t>
+              <a:t>Modular, reusable code any project can use.</a:t>
             </a:r>
             <a:endParaRPr lang="en-US" dirty="0"/>
+          </a:p>
+        </p:txBody>
+      </p:sp>
+      <p:sp>
+        <p:nvSpPr>
+          <p:cNvPr id="10" name="Rectangular Callout 9"/>
+          <p:cNvSpPr/>
+          <p:nvPr/>
+        </p:nvSpPr>
+        <p:spPr bwMode="auto">
+          <a:xfrm>
+            <a:off x="6818586" y="1742090"/>
+            <a:ext cx="2207173" cy="898634"/>
+          </a:xfrm>
+          <a:prstGeom prst="wedgeRectCallout">
+            <a:avLst>
+              <a:gd name="adj1" fmla="val -107321"/>
+              <a:gd name="adj2" fmla="val 6500"/>
+            </a:avLst>
+          </a:prstGeom>
+          <a:solidFill>
+            <a:srgbClr val="FFFF00"/>
+          </a:solidFill>
+          <a:ln w="12700" cap="flat" cmpd="sng" algn="ctr">
+            <a:solidFill>
+              <a:schemeClr val="tx1"/>
+            </a:solidFill>
+            <a:prstDash val="solid"/>
+            <a:round/>
+            <a:headEnd type="none" w="med" len="med"/>
+            <a:tailEnd type="none" w="med" len="med"/>
+          </a:ln>
+          <a:effectLst/>
+        </p:spPr>
+        <p:txBody>
+          <a:bodyPr vert="horz" wrap="square" lIns="91440" tIns="45720" rIns="91440" bIns="45720" numCol="1" rtlCol="0" anchor="ctr" anchorCtr="0" compatLnSpc="1">
+            <a:prstTxWarp prst="textNoShape">
+              <a:avLst/>
+            </a:prstTxWarp>
+          </a:bodyPr>
+          <a:lstStyle/>
+          <a:p>
+            <a:pPr marL="0" marR="0" indent="0" algn="ctr" defTabSz="914400" rtl="0" eaLnBrk="0" fontAlgn="base" latinLnBrk="0" hangingPunct="0">
+              <a:lnSpc>
+                <a:spcPct val="100000"/>
+              </a:lnSpc>
+              <a:spcBef>
+                <a:spcPct val="0"/>
+              </a:spcBef>
+              <a:spcAft>
+                <a:spcPct val="0"/>
+              </a:spcAft>
+              <a:buClrTx/>
+              <a:buSzTx/>
+              <a:buFontTx/>
+              <a:buNone/>
+              <a:tabLst/>
+            </a:pPr>
+            <a:r>
+              <a:rPr kumimoji="0" lang="en-US" sz="1600" b="0" i="0" u="none" strike="noStrike" cap="none" normalizeH="0" baseline="0" dirty="0" smtClean="0">
+                <a:ln>
+                  <a:noFill/>
+                </a:ln>
+                <a:solidFill>
+                  <a:schemeClr val="tx1"/>
+                </a:solidFill>
+                <a:effectLst/>
+                <a:latin typeface="Arial" charset="0"/>
+              </a:rPr>
+              <a:t>This</a:t>
+            </a:r>
+            <a:r>
+              <a:rPr kumimoji="0" lang="en-US" sz="1600" b="0" i="0" u="none" strike="noStrike" cap="none" normalizeH="0" dirty="0" smtClean="0">
+                <a:ln>
+                  <a:noFill/>
+                </a:ln>
+                <a:solidFill>
+                  <a:schemeClr val="tx1"/>
+                </a:solidFill>
+                <a:effectLst/>
+                <a:latin typeface="Arial" charset="0"/>
+              </a:rPr>
+              <a:t> also</a:t>
+            </a:r>
+            <a:r>
+              <a:rPr kumimoji="0" lang="en-US" sz="1600" b="0" i="0" u="none" strike="noStrike" cap="none" normalizeH="0" baseline="0" dirty="0" smtClean="0">
+                <a:ln>
+                  <a:noFill/>
+                </a:ln>
+                <a:solidFill>
+                  <a:schemeClr val="tx1"/>
+                </a:solidFill>
+                <a:effectLst/>
+                <a:latin typeface="Arial" charset="0"/>
+              </a:rPr>
+              <a:t> ensures </a:t>
+            </a:r>
+            <a:r>
+              <a:rPr kumimoji="0" lang="en-US" sz="1600" b="0" i="0" u="none" strike="noStrike" cap="none" normalizeH="0" baseline="0" dirty="0" smtClean="0">
+                <a:ln>
+                  <a:noFill/>
+                </a:ln>
+                <a:solidFill>
+                  <a:schemeClr val="tx1"/>
+                </a:solidFill>
+                <a:effectLst/>
+                <a:latin typeface="Arial" charset="0"/>
+              </a:rPr>
+              <a:t>the header is included in code only ONCE</a:t>
+            </a:r>
+          </a:p>
+        </p:txBody>
+      </p:sp>
+      <p:sp>
+        <p:nvSpPr>
+          <p:cNvPr id="3" name="Rectangular Callout 2"/>
+          <p:cNvSpPr/>
+          <p:nvPr/>
+        </p:nvSpPr>
+        <p:spPr bwMode="auto">
+          <a:xfrm>
+            <a:off x="654423" y="3774141"/>
+            <a:ext cx="3550023" cy="1183341"/>
+          </a:xfrm>
+          <a:prstGeom prst="wedgeRectCallout">
+            <a:avLst>
+              <a:gd name="adj1" fmla="val 59704"/>
+              <a:gd name="adj2" fmla="val -174120"/>
+            </a:avLst>
+          </a:prstGeom>
+          <a:solidFill>
+            <a:srgbClr val="FFFF00"/>
+          </a:solidFill>
+          <a:ln w="12700" cap="flat" cmpd="sng" algn="ctr">
+            <a:solidFill>
+              <a:schemeClr val="tx1"/>
+            </a:solidFill>
+            <a:prstDash val="solid"/>
+            <a:round/>
+            <a:headEnd type="none" w="med" len="med"/>
+            <a:tailEnd type="none" w="med" len="med"/>
+          </a:ln>
+          <a:effectLst/>
+        </p:spPr>
+        <p:txBody>
+          <a:bodyPr vert="horz" wrap="square" lIns="91440" tIns="45720" rIns="91440" bIns="45720" numCol="1" rtlCol="0" anchor="t" anchorCtr="0" compatLnSpc="1">
+            <a:prstTxWarp prst="textNoShape">
+              <a:avLst/>
+            </a:prstTxWarp>
+          </a:bodyPr>
+          <a:lstStyle/>
+          <a:p>
+            <a:pPr marL="0" marR="0" indent="0" algn="ctr" defTabSz="914400" rtl="0" eaLnBrk="0" fontAlgn="base" latinLnBrk="0" hangingPunct="0">
+              <a:lnSpc>
+                <a:spcPct val="100000"/>
+              </a:lnSpc>
+              <a:spcBef>
+                <a:spcPct val="0"/>
+              </a:spcBef>
+              <a:spcAft>
+                <a:spcPct val="0"/>
+              </a:spcAft>
+              <a:buClrTx/>
+              <a:buSzTx/>
+              <a:buFontTx/>
+              <a:buNone/>
+              <a:tabLst/>
+            </a:pPr>
+            <a:r>
+              <a:rPr kumimoji="0" lang="en-US" sz="1600" b="0" i="0" u="none" strike="noStrike" cap="none" normalizeH="0" baseline="0" dirty="0" smtClean="0">
+                <a:ln>
+                  <a:noFill/>
+                </a:ln>
+                <a:solidFill>
+                  <a:schemeClr val="tx1"/>
+                </a:solidFill>
+                <a:effectLst/>
+                <a:latin typeface="Arial" charset="0"/>
+              </a:rPr>
+              <a:t>This depends on the version of your compiler and SEEMS to be viewed as “poor form” by some programmers</a:t>
+            </a:r>
+            <a:endParaRPr kumimoji="0" lang="en-US" sz="1600" b="0" i="0" u="none" strike="noStrike" cap="none" normalizeH="0" baseline="0" dirty="0" smtClean="0">
+              <a:ln>
+                <a:noFill/>
+              </a:ln>
+              <a:solidFill>
+                <a:schemeClr val="tx1"/>
+              </a:solidFill>
+              <a:effectLst/>
+              <a:latin typeface="Arial" charset="0"/>
+            </a:endParaRPr>
           </a:p>
         </p:txBody>
       </p:sp>
     </p:spTree>
     <p:extLst>
       <p:ext uri="{BB962C8B-B14F-4D97-AF65-F5344CB8AC3E}">
-        <p14:creationId xmlns:p14="http://schemas.microsoft.com/office/powerpoint/2010/main" val="1856005860"/>
+        <p14:creationId xmlns:p14="http://schemas.microsoft.com/office/powerpoint/2010/main" val="1723548373"/>
       </p:ext>
     </p:extLst>
   </p:cSld>
   <p:clrMapOvr>
     <a:masterClrMapping/>
   </p:clrMapOvr>
+  <p:timing>
+    <p:tnLst>
+      <p:par>
+        <p:cTn id="1" dur="indefinite" restart="never" nodeType="tmRoot"/>
+      </p:par>
+    </p:tnLst>
+  </p:timing>
 </p:sld>
 </file>
 
@@ -9449,10 +10695,10 @@
           <a:lstStyle/>
           <a:p>
             <a:r>
-              <a:rPr lang="en-US" smtClean="0"/>
-              <a:t>Combining ASM and C</a:t>
-            </a:r>
-            <a:endParaRPr lang="en-US"/>
+              <a:rPr lang="en-US" dirty="0" smtClean="0"/>
+              <a:t>C Language: Libraries</a:t>
+            </a:r>
+            <a:endParaRPr lang="en-US" dirty="0"/>
           </a:p>
         </p:txBody>
       </p:sp>
@@ -9471,7 +10717,174 @@
           <a:bodyPr/>
           <a:lstStyle/>
           <a:p>
+            <a:r>
+              <a:rPr lang="en-US" dirty="0" smtClean="0"/>
+              <a:t>Using libraries helps you:</a:t>
+            </a:r>
+          </a:p>
+          <a:p>
+            <a:pPr lvl="1"/>
+            <a:r>
+              <a:rPr lang="en-US" dirty="0" smtClean="0"/>
+              <a:t>Write modular, reusable code that multiple projects can use</a:t>
+            </a:r>
+          </a:p>
+          <a:p>
+            <a:pPr lvl="1"/>
+            <a:r>
+              <a:rPr lang="en-US" dirty="0" smtClean="0"/>
+              <a:t>Reduces errors in your code</a:t>
+            </a:r>
+          </a:p>
+          <a:p>
+            <a:pPr lvl="2"/>
+            <a:r>
+              <a:rPr lang="en-US" dirty="0" smtClean="0"/>
+              <a:t>Once a library is written </a:t>
+            </a:r>
+            <a:r>
+              <a:rPr lang="en-US" dirty="0" smtClean="0">
+                <a:solidFill>
+                  <a:srgbClr val="FF0000"/>
+                </a:solidFill>
+              </a:rPr>
+              <a:t>AND tested</a:t>
+            </a:r>
+            <a:r>
+              <a:rPr lang="en-US" dirty="0" smtClean="0"/>
+              <a:t>, it should NEVER introduce bugs into your code</a:t>
+            </a:r>
+          </a:p>
+          <a:p>
+            <a:pPr lvl="2"/>
+            <a:r>
+              <a:rPr lang="en-US" dirty="0" smtClean="0"/>
+              <a:t>Writing test cases (unit tests) are common practice when developing code</a:t>
+            </a:r>
+            <a:endParaRPr lang="en-US" dirty="0"/>
+          </a:p>
+        </p:txBody>
+      </p:sp>
+    </p:spTree>
+    <p:extLst>
+      <p:ext uri="{BB962C8B-B14F-4D97-AF65-F5344CB8AC3E}">
+        <p14:creationId xmlns:p14="http://schemas.microsoft.com/office/powerpoint/2010/main" val="1856005860"/>
+      </p:ext>
+    </p:extLst>
+  </p:cSld>
+  <p:clrMapOvr>
+    <a:masterClrMapping/>
+  </p:clrMapOvr>
+</p:sld>
+</file>
+
+<file path=ppt/slides/slide15.xml><?xml version="1.0" encoding="utf-8"?>
+<p:sld xmlns:a="http://schemas.openxmlformats.org/drawingml/2006/main" xmlns:r="http://schemas.openxmlformats.org/officeDocument/2006/relationships" xmlns:p="http://schemas.openxmlformats.org/presentationml/2006/main">
+  <p:cSld>
+    <p:spTree>
+      <p:nvGrpSpPr>
+        <p:cNvPr id="1" name=""/>
+        <p:cNvGrpSpPr/>
+        <p:nvPr/>
+      </p:nvGrpSpPr>
+      <p:grpSpPr>
+        <a:xfrm>
+          <a:off x="0" y="0"/>
+          <a:ext cx="0" cy="0"/>
+          <a:chOff x="0" y="0"/>
+          <a:chExt cx="0" cy="0"/>
+        </a:xfrm>
+      </p:grpSpPr>
+      <p:sp>
+        <p:nvSpPr>
+          <p:cNvPr id="2" name="Title 1"/>
+          <p:cNvSpPr>
+            <a:spLocks noGrp="1"/>
+          </p:cNvSpPr>
+          <p:nvPr>
+            <p:ph type="title"/>
+          </p:nvPr>
+        </p:nvSpPr>
+        <p:spPr/>
+        <p:txBody>
+          <a:bodyPr/>
+          <a:lstStyle/>
+          <a:p>
+            <a:r>
+              <a:rPr lang="en-US" smtClean="0"/>
+              <a:t>Combining ASM and C</a:t>
+            </a:r>
             <a:endParaRPr lang="en-US"/>
+          </a:p>
+        </p:txBody>
+      </p:sp>
+      <p:sp>
+        <p:nvSpPr>
+          <p:cNvPr id="3" name="Content Placeholder 2"/>
+          <p:cNvSpPr>
+            <a:spLocks noGrp="1"/>
+          </p:cNvSpPr>
+          <p:nvPr>
+            <p:ph idx="1"/>
+          </p:nvPr>
+        </p:nvSpPr>
+        <p:spPr/>
+        <p:txBody>
+          <a:bodyPr/>
+          <a:lstStyle/>
+          <a:p>
+            <a:r>
+              <a:rPr lang="en-US" dirty="0" smtClean="0"/>
+              <a:t>Need to define variables or functions with keyword extern</a:t>
+            </a:r>
+          </a:p>
+          <a:p>
+            <a:pPr lvl="1"/>
+            <a:r>
+              <a:rPr lang="en-US" dirty="0" smtClean="0"/>
+              <a:t>extern uint8_t </a:t>
+            </a:r>
+            <a:r>
+              <a:rPr lang="en-US" dirty="0" err="1" smtClean="0"/>
+              <a:t>horrible_global_variable</a:t>
+            </a:r>
+            <a:r>
+              <a:rPr lang="en-US" dirty="0" smtClean="0"/>
+              <a:t>;</a:t>
+            </a:r>
+          </a:p>
+          <a:p>
+            <a:pPr lvl="1"/>
+            <a:r>
+              <a:rPr lang="en-US" dirty="0" smtClean="0"/>
+              <a:t>extern void </a:t>
+            </a:r>
+            <a:r>
+              <a:rPr lang="en-US" dirty="0" err="1" smtClean="0"/>
+              <a:t>my_function</a:t>
+            </a:r>
+            <a:r>
+              <a:rPr lang="en-US" dirty="0" smtClean="0"/>
+              <a:t>(int16_t value);</a:t>
+            </a:r>
+          </a:p>
+          <a:p>
+            <a:r>
+              <a:rPr lang="en-US" dirty="0" smtClean="0"/>
+              <a:t>Why??</a:t>
+            </a:r>
+          </a:p>
+          <a:p>
+            <a:pPr lvl="1"/>
+            <a:r>
+              <a:rPr lang="en-US" dirty="0" smtClean="0"/>
+              <a:t>Assembly code doesn’t </a:t>
+            </a:r>
+            <a:r>
+              <a:rPr lang="en-US" smtClean="0"/>
+              <a:t>have header files … remember?</a:t>
+            </a:r>
+            <a:endParaRPr lang="en-US" dirty="0"/>
           </a:p>
         </p:txBody>
       </p:sp>
@@ -9488,7 +10901,7 @@
 </p:sld>
 </file>
 
-<file path=ppt/slides/slide15.xml><?xml version="1.0" encoding="utf-8"?>
+<file path=ppt/slides/slide16.xml><?xml version="1.0" encoding="utf-8"?>
 <p:sld xmlns:a="http://schemas.openxmlformats.org/drawingml/2006/main" xmlns:r="http://schemas.openxmlformats.org/officeDocument/2006/relationships" xmlns:p="http://schemas.openxmlformats.org/presentationml/2006/main">
   <p:cSld>
     <p:spTree>
@@ -9795,7 +11208,15 @@
             </a:r>
             <a:r>
               <a:rPr lang="en-US" sz="1400" dirty="0" smtClean="0"/>
-              <a:t>like subroutines in assembly or methods in Java.        Remember Modularity?</a:t>
+              <a:t>like subroutines in </a:t>
+            </a:r>
+            <a:r>
+              <a:rPr lang="en-US" sz="1400" dirty="0" smtClean="0"/>
+              <a:t>assembly.        </a:t>
+            </a:r>
+            <a:r>
+              <a:rPr lang="en-US" sz="1400" dirty="0" smtClean="0"/>
+              <a:t>Remember Modularity?</a:t>
             </a:r>
             <a:endParaRPr lang="en-US" sz="1400" b="1" dirty="0"/>
           </a:p>
@@ -12118,6 +13539,26 @@
             </a:r>
           </a:p>
           <a:p>
+            <a:pPr lvl="1"/>
+            <a:r>
+              <a:rPr lang="en-US" sz="1400" dirty="0" smtClean="0">
+                <a:solidFill>
+                  <a:schemeClr val="accent2"/>
+                </a:solidFill>
+                <a:latin typeface="Courier New" pitchFamily="49" charset="0"/>
+                <a:cs typeface="Courier New" pitchFamily="49" charset="0"/>
+              </a:rPr>
+              <a:t>Good (pick one): get()</a:t>
+            </a:r>
+            <a:endParaRPr lang="en-US" sz="1400" b="1" dirty="0" smtClean="0">
+              <a:solidFill>
+                <a:schemeClr val="accent2"/>
+              </a:solidFill>
+              <a:latin typeface="Courier New" pitchFamily="49" charset="0"/>
+              <a:cs typeface="Courier New" pitchFamily="49" charset="0"/>
+            </a:endParaRPr>
+          </a:p>
+          <a:p>
             <a:r>
               <a:rPr lang="en-US" sz="1800" dirty="0" smtClean="0"/>
               <a:t>Okay to use </a:t>
@@ -12261,15 +13702,27 @@
           </a:p>
           <a:p>
             <a:r>
-              <a:rPr lang="en-US" sz="1400" dirty="0"/>
+              <a:rPr lang="en-US" sz="1400" dirty="0">
+                <a:solidFill>
+                  <a:srgbClr val="FF0000"/>
+                </a:solidFill>
+              </a:rPr>
               <a:t>Do not use </a:t>
             </a:r>
             <a:r>
-              <a:rPr lang="en-US" sz="1400" dirty="0" smtClean="0"/>
+              <a:rPr lang="en-US" sz="1400" dirty="0" smtClean="0">
+                <a:solidFill>
+                  <a:srgbClr val="FF0000"/>
+                </a:solidFill>
+              </a:rPr>
               <a:t>global </a:t>
             </a:r>
             <a:r>
-              <a:rPr lang="en-US" sz="1400" dirty="0"/>
+              <a:rPr lang="en-US" sz="1400" dirty="0">
+                <a:solidFill>
+                  <a:srgbClr val="FF0000"/>
+                </a:solidFill>
+              </a:rPr>
               <a:t>variables</a:t>
             </a:r>
           </a:p>
@@ -12282,21 +13735,97 @@
           <a:p>
             <a:r>
               <a:rPr lang="en-US" sz="1400" dirty="0"/>
-              <a:t>Don't repeat yourself - write a function instead of copy / paste</a:t>
+              <a:t>Don't repeat yourself - write a function instead of copy / </a:t>
+            </a:r>
+            <a:r>
+              <a:rPr lang="en-US" sz="1400" dirty="0" smtClean="0"/>
+              <a:t>paste code multiple times</a:t>
+            </a:r>
+            <a:endParaRPr lang="en-US" sz="1400" dirty="0"/>
+          </a:p>
+          <a:p>
+            <a:r>
+              <a:rPr lang="en-US" sz="1400" dirty="0">
+                <a:solidFill>
+                  <a:srgbClr val="FF0000"/>
+                </a:solidFill>
+              </a:rPr>
+              <a:t>Only one entry / exit point</a:t>
             </a:r>
           </a:p>
           <a:p>
             <a:r>
               <a:rPr lang="en-US" sz="1400" dirty="0"/>
-              <a:t>Only one entry / exit point</a:t>
-            </a:r>
-          </a:p>
-          <a:p>
-            <a:r>
-              <a:rPr lang="en-US" sz="1400" dirty="0"/>
-              <a:t>Indent correctly!</a:t>
-            </a:r>
-            <a:endParaRPr lang="en-US" sz="1800" dirty="0"/>
+              <a:t>Indent correctly</a:t>
+            </a:r>
+            <a:r>
+              <a:rPr lang="en-US" sz="1400" dirty="0" smtClean="0"/>
+              <a:t>!</a:t>
+            </a:r>
+          </a:p>
+          <a:p>
+            <a:r>
+              <a:rPr lang="en-US" sz="1400" dirty="0" smtClean="0"/>
+              <a:t>Use common standard C function names so other people know what is happening</a:t>
+            </a:r>
+          </a:p>
+          <a:p>
+            <a:pPr lvl="1"/>
+            <a:r>
+              <a:rPr lang="en-US" sz="1400" dirty="0" smtClean="0"/>
+              <a:t>Bad: </a:t>
+            </a:r>
+            <a:r>
+              <a:rPr lang="en-US" sz="1400" dirty="0" err="1" smtClean="0"/>
+              <a:t>spiFlushBuffer</a:t>
+            </a:r>
+            <a:r>
+              <a:rPr lang="en-US" sz="1400" dirty="0" smtClean="0"/>
+              <a:t>()      Good: </a:t>
+            </a:r>
+            <a:r>
+              <a:rPr lang="en-US" sz="1400" dirty="0" err="1" smtClean="0"/>
+              <a:t>spi</a:t>
+            </a:r>
+            <a:r>
+              <a:rPr lang="en-US" sz="1400" dirty="0" err="1" smtClean="0">
+                <a:solidFill>
+                  <a:srgbClr val="00B050"/>
+                </a:solidFill>
+              </a:rPr>
+              <a:t>Write</a:t>
+            </a:r>
+            <a:r>
+              <a:rPr lang="en-US" sz="1400" dirty="0" smtClean="0"/>
+              <a:t>()</a:t>
+            </a:r>
+          </a:p>
+          <a:p>
+            <a:pPr lvl="1"/>
+            <a:r>
+              <a:rPr lang="en-US" sz="1400" dirty="0" smtClean="0"/>
+              <a:t>Bad: i2cLoad()                Good: i2c</a:t>
+            </a:r>
+            <a:r>
+              <a:rPr lang="en-US" sz="1400" dirty="0" smtClean="0">
+                <a:solidFill>
+                  <a:srgbClr val="00B050"/>
+                </a:solidFill>
+              </a:rPr>
+              <a:t>Read</a:t>
+            </a:r>
+            <a:r>
+              <a:rPr lang="en-US" sz="1400" dirty="0" smtClean="0"/>
+              <a:t>()</a:t>
+            </a:r>
+          </a:p>
+          <a:p>
+            <a:pPr lvl="1"/>
+            <a:r>
+              <a:rPr lang="en-US" sz="1400" dirty="0" smtClean="0"/>
+              <a:t>Others: push, pop, open, close … as you program more, you will get it</a:t>
+            </a:r>
+            <a:endParaRPr lang="en-US" sz="1400" dirty="0"/>
           </a:p>
         </p:txBody>
       </p:sp>
@@ -12506,8 +14035,12 @@
           </a:p>
           <a:p>
             <a:r>
+              <a:rPr lang="en-US" sz="1400" dirty="0" smtClean="0"/>
+              <a:t>TODO or FIXME </a:t>
+            </a:r>
+            <a:r>
               <a:rPr lang="en-US" sz="1400" dirty="0"/>
-              <a:t>TODO comments</a:t>
+              <a:t>comments</a:t>
             </a:r>
           </a:p>
           <a:p>
@@ -12533,13 +14066,54 @@
                 <a:latin typeface="Courier New" pitchFamily="49" charset="0"/>
                 <a:cs typeface="Courier New" pitchFamily="49" charset="0"/>
               </a:rPr>
-              <a:t>// TODO: Write new header file to group these functions</a:t>
-            </a:r>
-          </a:p>
-          <a:p>
+              <a:t>// TODO: </a:t>
+            </a:r>
+            <a:r>
+              <a:rPr lang="en-US" sz="1400" dirty="0" smtClean="0">
+                <a:solidFill>
+                  <a:srgbClr val="00B050"/>
+                </a:solidFill>
+                <a:latin typeface="Courier New" pitchFamily="49" charset="0"/>
+                <a:cs typeface="Courier New" pitchFamily="49" charset="0"/>
+              </a:rPr>
+              <a:t>Add another parameter to allow saving data</a:t>
+            </a:r>
+            <a:endParaRPr lang="en-US" sz="1400" b="1" dirty="0" smtClean="0">
+              <a:solidFill>
+                <a:srgbClr val="00B050"/>
+              </a:solidFill>
+              <a:latin typeface="Courier New" pitchFamily="49" charset="0"/>
+              <a:cs typeface="Courier New" pitchFamily="49" charset="0"/>
+            </a:endParaRPr>
+          </a:p>
+          <a:p>
+            <a:pPr lvl="1"/>
+            <a:r>
+              <a:rPr lang="en-US" sz="1400" dirty="0" smtClean="0">
+                <a:solidFill>
+                  <a:srgbClr val="00B050"/>
+                </a:solidFill>
+                <a:latin typeface="Courier New" pitchFamily="49" charset="0"/>
+                <a:cs typeface="Courier New" pitchFamily="49" charset="0"/>
+              </a:rPr>
+              <a:t>// FIXME: clean up code so it is readable</a:t>
+            </a:r>
+            <a:endParaRPr lang="en-US" sz="1400" b="1" dirty="0">
+              <a:solidFill>
+                <a:srgbClr val="00B050"/>
+              </a:solidFill>
+              <a:latin typeface="Courier New" pitchFamily="49" charset="0"/>
+              <a:cs typeface="Courier New" pitchFamily="49" charset="0"/>
+            </a:endParaRPr>
+          </a:p>
+          <a:p>
+            <a:r>
+              <a:rPr lang="en-US" sz="1400" dirty="0" smtClean="0"/>
+              <a:t>Bad </a:t>
+            </a:r>
             <a:r>
               <a:rPr lang="en-US" sz="1400" dirty="0"/>
-              <a:t>Bad comments</a:t>
+              <a:t>comments</a:t>
             </a:r>
           </a:p>
           <a:p>
@@ -12553,22 +14127,51 @@
             <a:pPr lvl="1"/>
             <a:r>
               <a:rPr lang="en-US" sz="1400" dirty="0"/>
-              <a:t>Commented-Out code</a:t>
-            </a:r>
+              <a:t>Commented-Out </a:t>
+            </a:r>
+            <a:r>
+              <a:rPr lang="en-US" sz="1400" dirty="0" smtClean="0"/>
+              <a:t>code</a:t>
+            </a:r>
+          </a:p>
+          <a:p>
+            <a:pPr lvl="2"/>
+            <a:r>
+              <a:rPr lang="en-US" sz="1200" dirty="0" smtClean="0"/>
+              <a:t>Ok in development, but when you submit your final code for a grade … bad!</a:t>
+            </a:r>
+            <a:endParaRPr lang="en-US" sz="1200" dirty="0"/>
           </a:p>
           <a:p>
             <a:pPr lvl="1"/>
             <a:r>
               <a:rPr lang="en-US" sz="1400" dirty="0"/>
-              <a:t>Too much information</a:t>
-            </a:r>
+              <a:t>Too much </a:t>
+            </a:r>
+            <a:r>
+              <a:rPr lang="en-US" sz="1400" dirty="0" smtClean="0"/>
+              <a:t>information … ok, students almost NEVER do this</a:t>
+            </a:r>
+            <a:endParaRPr lang="en-US" sz="1400" dirty="0"/>
           </a:p>
           <a:p>
             <a:pPr lvl="1"/>
             <a:r>
               <a:rPr lang="en-US" sz="1400" dirty="0"/>
-              <a:t>Don't comment bad code - rewrite it.</a:t>
-            </a:r>
+              <a:t>Don't comment bad code - rewrite it</a:t>
+            </a:r>
+            <a:r>
+              <a:rPr lang="en-US" sz="1400" dirty="0" smtClean="0"/>
+              <a:t>.</a:t>
+            </a:r>
+          </a:p>
+          <a:p>
+            <a:pPr lvl="2"/>
+            <a:r>
+              <a:rPr lang="en-US" sz="1200" dirty="0" smtClean="0"/>
+              <a:t>If you find yourself commenting too much, it is probably bad code that needs to be re-written</a:t>
+            </a:r>
+            <a:endParaRPr lang="en-US" sz="1200" dirty="0"/>
           </a:p>
         </p:txBody>
       </p:sp>
@@ -12822,7 +14425,24 @@
                 <a:latin typeface="Courier New" pitchFamily="49" charset="0"/>
                 <a:cs typeface="Courier New" pitchFamily="49" charset="0"/>
               </a:rPr>
-              <a:t>Same as above, BUT, pulls from a standard or installed library</a:t>
+              <a:t>Same as above, </a:t>
+            </a:r>
+            <a:r>
+              <a:rPr lang="en-US" sz="1200" dirty="0" smtClean="0">
+                <a:solidFill>
+                  <a:srgbClr val="FF0000"/>
+                </a:solidFill>
+                <a:latin typeface="Courier New" pitchFamily="49" charset="0"/>
+                <a:cs typeface="Courier New" pitchFamily="49" charset="0"/>
+              </a:rPr>
+              <a:t>BUT</a:t>
+            </a:r>
+            <a:r>
+              <a:rPr lang="en-US" sz="1200" dirty="0" smtClean="0">
+                <a:latin typeface="Courier New" pitchFamily="49" charset="0"/>
+                <a:cs typeface="Courier New" pitchFamily="49" charset="0"/>
+              </a:rPr>
+              <a:t>, pulls from a standard or installed library</a:t>
             </a:r>
             <a:endParaRPr lang="en-US" sz="1200" dirty="0">
               <a:latin typeface="Courier New" pitchFamily="49" charset="0"/>
@@ -12891,6 +14511,56 @@
               <a:rPr lang="en-US" sz="1200" dirty="0" smtClean="0"/>
               <a:t>&gt;</a:t>
             </a:r>
+          </a:p>
+          <a:p>
+            <a:pPr marL="400050" lvl="1" indent="0">
+              <a:buNone/>
+            </a:pPr>
+            <a:r>
+              <a:rPr lang="en-US" sz="1200" dirty="0" smtClean="0">
+                <a:solidFill>
+                  <a:srgbClr val="FF0000"/>
+                </a:solidFill>
+              </a:rPr>
+              <a:t>Prefer to use: </a:t>
+            </a:r>
+            <a:r>
+              <a:rPr lang="en-US" sz="1200" dirty="0" err="1" smtClean="0">
+                <a:solidFill>
+                  <a:srgbClr val="FF0000"/>
+                </a:solidFill>
+              </a:rPr>
+              <a:t>const</a:t>
+            </a:r>
+            <a:r>
+              <a:rPr lang="en-US" sz="1200" dirty="0" smtClean="0">
+                <a:solidFill>
+                  <a:srgbClr val="FF0000"/>
+                </a:solidFill>
+              </a:rPr>
+              <a:t> int8_t &lt;</a:t>
+            </a:r>
+            <a:r>
+              <a:rPr lang="en-US" sz="1200" dirty="0" err="1" smtClean="0">
+                <a:solidFill>
+                  <a:srgbClr val="FF0000"/>
+                </a:solidFill>
+              </a:rPr>
+              <a:t>single_word</a:t>
+            </a:r>
+            <a:r>
+              <a:rPr lang="en-US" sz="1200" dirty="0" smtClean="0">
+                <a:solidFill>
+                  <a:srgbClr val="FF0000"/>
+                </a:solidFill>
+              </a:rPr>
+              <a:t>&gt; = &lt;token&gt;;  // now the complier can check your code</a:t>
+            </a:r>
+            <a:endParaRPr lang="en-US" sz="1200" dirty="0" smtClean="0">
+              <a:solidFill>
+                <a:srgbClr val="FF0000"/>
+              </a:solidFill>
+            </a:endParaRPr>
           </a:p>
           <a:p>
             <a:pPr marL="400050" lvl="1" indent="0">

--- a/source/lessons/lsn21/Lsn21.pptx
+++ b/source/lessons/lsn21/Lsn21.pptx
@@ -1366,7 +1366,7 @@
           <a:p>
             <a:fld id="{834513E8-165F-4932-9E2D-FD497CB9A4FD}" type="datetimeFigureOut">
               <a:rPr lang="en-US" smtClean="0"/>
-              <a:t>7/9/2018</a:t>
+              <a:t>7/16/2018</a:t>
             </a:fld>
             <a:endParaRPr lang="en-US"/>
           </a:p>
@@ -1643,7 +1643,7 @@
           <a:p>
             <a:fld id="{834513E8-165F-4932-9E2D-FD497CB9A4FD}" type="datetimeFigureOut">
               <a:rPr lang="en-US" smtClean="0"/>
-              <a:t>7/9/2018</a:t>
+              <a:t>7/16/2018</a:t>
             </a:fld>
             <a:endParaRPr lang="en-US"/>
           </a:p>
@@ -1896,7 +1896,7 @@
           <a:p>
             <a:fld id="{834513E8-165F-4932-9E2D-FD497CB9A4FD}" type="datetimeFigureOut">
               <a:rPr lang="en-US" smtClean="0"/>
-              <a:t>7/9/2018</a:t>
+              <a:t>7/16/2018</a:t>
             </a:fld>
             <a:endParaRPr lang="en-US"/>
           </a:p>
@@ -2066,7 +2066,7 @@
           <a:p>
             <a:fld id="{834513E8-165F-4932-9E2D-FD497CB9A4FD}" type="datetimeFigureOut">
               <a:rPr lang="en-US" smtClean="0"/>
-              <a:t>7/9/2018</a:t>
+              <a:t>7/16/2018</a:t>
             </a:fld>
             <a:endParaRPr lang="en-US"/>
           </a:p>
@@ -2246,7 +2246,7 @@
           <a:p>
             <a:fld id="{834513E8-165F-4932-9E2D-FD497CB9A4FD}" type="datetimeFigureOut">
               <a:rPr lang="en-US" smtClean="0"/>
-              <a:t>7/9/2018</a:t>
+              <a:t>7/16/2018</a:t>
             </a:fld>
             <a:endParaRPr lang="en-US"/>
           </a:p>
@@ -2990,7 +2990,7 @@
           <a:p>
             <a:fld id="{834513E8-165F-4932-9E2D-FD497CB9A4FD}" type="datetimeFigureOut">
               <a:rPr lang="en-US" smtClean="0"/>
-              <a:t>7/9/2018</a:t>
+              <a:t>7/16/2018</a:t>
             </a:fld>
             <a:endParaRPr lang="en-US"/>
           </a:p>
@@ -3160,7 +3160,7 @@
           <a:p>
             <a:fld id="{834513E8-165F-4932-9E2D-FD497CB9A4FD}" type="datetimeFigureOut">
               <a:rPr lang="en-US" smtClean="0"/>
-              <a:t>7/9/2018</a:t>
+              <a:t>7/16/2018</a:t>
             </a:fld>
             <a:endParaRPr lang="en-US"/>
           </a:p>
@@ -3406,7 +3406,7 @@
           <a:p>
             <a:fld id="{834513E8-165F-4932-9E2D-FD497CB9A4FD}" type="datetimeFigureOut">
               <a:rPr lang="en-US" smtClean="0"/>
-              <a:t>7/9/2018</a:t>
+              <a:t>7/16/2018</a:t>
             </a:fld>
             <a:endParaRPr lang="en-US"/>
           </a:p>
@@ -3638,7 +3638,7 @@
           <a:p>
             <a:fld id="{834513E8-165F-4932-9E2D-FD497CB9A4FD}" type="datetimeFigureOut">
               <a:rPr lang="en-US" smtClean="0"/>
-              <a:t>7/9/2018</a:t>
+              <a:t>7/16/2018</a:t>
             </a:fld>
             <a:endParaRPr lang="en-US"/>
           </a:p>
@@ -4005,7 +4005,7 @@
           <a:p>
             <a:fld id="{834513E8-165F-4932-9E2D-FD497CB9A4FD}" type="datetimeFigureOut">
               <a:rPr lang="en-US" smtClean="0"/>
-              <a:t>7/9/2018</a:t>
+              <a:t>7/16/2018</a:t>
             </a:fld>
             <a:endParaRPr lang="en-US"/>
           </a:p>
@@ -4123,7 +4123,7 @@
           <a:p>
             <a:fld id="{834513E8-165F-4932-9E2D-FD497CB9A4FD}" type="datetimeFigureOut">
               <a:rPr lang="en-US" smtClean="0"/>
-              <a:t>7/9/2018</a:t>
+              <a:t>7/16/2018</a:t>
             </a:fld>
             <a:endParaRPr lang="en-US"/>
           </a:p>
@@ -5939,7 +5939,7 @@
           <a:p>
             <a:fld id="{834513E8-165F-4932-9E2D-FD497CB9A4FD}" type="datetimeFigureOut">
               <a:rPr lang="en-US" smtClean="0"/>
-              <a:t>7/9/2018</a:t>
+              <a:t>7/16/2018</a:t>
             </a:fld>
             <a:endParaRPr lang="en-US"/>
           </a:p>
@@ -8122,7 +8122,7 @@
         <p:spPr bwMode="auto">
           <a:xfrm>
             <a:off x="4906809" y="2694149"/>
-            <a:ext cx="3586655" cy="2564559"/>
+            <a:ext cx="3586655" cy="2784368"/>
           </a:xfrm>
           <a:prstGeom prst="rect">
             <a:avLst/>
@@ -10320,17 +10320,7 @@
                 <a:latin typeface="Courier New" pitchFamily="49" charset="0"/>
                 <a:cs typeface="Courier New" pitchFamily="49" charset="0"/>
               </a:rPr>
-              <a:t>#</a:t>
-            </a:r>
-            <a:r>
-              <a:rPr lang="en-US" sz="1200" b="1" kern="0" dirty="0" smtClean="0">
-                <a:solidFill>
-                  <a:schemeClr val="accent2"/>
-                </a:solidFill>
-                <a:latin typeface="Courier New" pitchFamily="49" charset="0"/>
-                <a:cs typeface="Courier New" pitchFamily="49" charset="0"/>
-              </a:rPr>
-              <a:t>include &lt;</a:t>
+              <a:t>#include &lt;</a:t>
             </a:r>
             <a:r>
               <a:rPr lang="en-US" sz="1200" b="1" kern="0" dirty="0" err="1" smtClean="0">
@@ -10411,13 +10401,6 @@
               </a:rPr>
               <a:t>);</a:t>
             </a:r>
-            <a:endParaRPr lang="en-US" sz="1200" b="1" kern="0" dirty="0" smtClean="0">
-              <a:solidFill>
-                <a:schemeClr val="accent2"/>
-              </a:solidFill>
-              <a:latin typeface="Courier New" pitchFamily="49" charset="0"/>
-              <a:cs typeface="Courier New" pitchFamily="49" charset="0"/>
-            </a:endParaRPr>
           </a:p>
         </p:txBody>
       </p:sp>
@@ -10543,20 +10526,7 @@
                 <a:effectLst/>
                 <a:latin typeface="Arial" charset="0"/>
               </a:rPr>
-              <a:t> ensures </a:t>
-            </a:r>
-            <a:r>
-              <a:rPr kumimoji="0" lang="en-US" sz="1600" b="0" i="0" u="none" strike="noStrike" cap="none" normalizeH="0" baseline="0" dirty="0" smtClean="0">
-                <a:ln>
-                  <a:noFill/>
-                </a:ln>
-                <a:solidFill>
-                  <a:schemeClr val="tx1"/>
-                </a:solidFill>
-                <a:effectLst/>
-                <a:latin typeface="Arial" charset="0"/>
-              </a:rPr>
-              <a:t>the header is included in code only ONCE</a:t>
+              <a:t> ensures the header is included in code only ONCE</a:t>
             </a:r>
           </a:p>
         </p:txBody>
@@ -10629,16 +10599,6 @@
               </a:rPr>
               <a:t>This depends on the version of your compiler and SEEMS to be viewed as “poor form” by some programmers</a:t>
             </a:r>
-            <a:endParaRPr kumimoji="0" lang="en-US" sz="1600" b="0" i="0" u="none" strike="noStrike" cap="none" normalizeH="0" baseline="0" dirty="0" smtClean="0">
-              <a:ln>
-                <a:noFill/>
-              </a:ln>
-              <a:solidFill>
-                <a:schemeClr val="tx1"/>
-              </a:solidFill>
-              <a:effectLst/>
-              <a:latin typeface="Arial" charset="0"/>
-            </a:endParaRPr>
           </a:p>
         </p:txBody>
       </p:sp>
@@ -10841,30 +10801,54 @@
           <a:p>
             <a:pPr lvl="1"/>
             <a:r>
-              <a:rPr lang="en-US" dirty="0" smtClean="0"/>
+              <a:rPr lang="en-US" dirty="0" smtClean="0">
+                <a:solidFill>
+                  <a:srgbClr val="0070C0"/>
+                </a:solidFill>
+              </a:rPr>
               <a:t>extern uint8_t </a:t>
             </a:r>
             <a:r>
-              <a:rPr lang="en-US" dirty="0" err="1" smtClean="0"/>
+              <a:rPr lang="en-US" dirty="0" err="1" smtClean="0">
+                <a:solidFill>
+                  <a:srgbClr val="0070C0"/>
+                </a:solidFill>
+              </a:rPr>
               <a:t>horrible_global_variable</a:t>
             </a:r>
             <a:r>
-              <a:rPr lang="en-US" dirty="0" smtClean="0"/>
+              <a:rPr lang="en-US" dirty="0" smtClean="0">
+                <a:solidFill>
+                  <a:srgbClr val="0070C0"/>
+                </a:solidFill>
+              </a:rPr>
               <a:t>;</a:t>
             </a:r>
           </a:p>
           <a:p>
             <a:pPr lvl="1"/>
             <a:r>
-              <a:rPr lang="en-US" dirty="0" smtClean="0"/>
+              <a:rPr lang="en-US" dirty="0" smtClean="0">
+                <a:solidFill>
+                  <a:srgbClr val="0070C0"/>
+                </a:solidFill>
+              </a:rPr>
               <a:t>extern void </a:t>
             </a:r>
             <a:r>
-              <a:rPr lang="en-US" dirty="0" err="1" smtClean="0"/>
+              <a:rPr lang="en-US" dirty="0" err="1" smtClean="0">
+                <a:solidFill>
+                  <a:srgbClr val="0070C0"/>
+                </a:solidFill>
+              </a:rPr>
               <a:t>my_function</a:t>
             </a:r>
             <a:r>
-              <a:rPr lang="en-US" dirty="0" smtClean="0"/>
+              <a:rPr lang="en-US" dirty="0" smtClean="0">
+                <a:solidFill>
+                  <a:srgbClr val="0070C0"/>
+                </a:solidFill>
+              </a:rPr>
               <a:t>(int16_t value);</a:t>
             </a:r>
           </a:p>
@@ -10878,11 +10862,22 @@
             <a:pPr lvl="1"/>
             <a:r>
               <a:rPr lang="en-US" dirty="0" smtClean="0"/>
-              <a:t>Assembly code doesn’t </a:t>
+              <a:t>Assembly code doesn’t have header files … remember</a:t>
+            </a:r>
+            <a:r>
+              <a:rPr lang="en-US" dirty="0" smtClean="0"/>
+              <a:t>?</a:t>
+            </a:r>
+          </a:p>
+          <a:p>
+            <a:pPr lvl="1"/>
+            <a:r>
+              <a:rPr lang="en-US" dirty="0" smtClean="0"/>
+              <a:t>This tells the compiler/linker that eventually those symbols will </a:t>
             </a:r>
             <a:r>
               <a:rPr lang="en-US" smtClean="0"/>
-              <a:t>have header files … remember?</a:t>
+              <a:t>be defined</a:t>
             </a:r>
             <a:endParaRPr lang="en-US" dirty="0"/>
           </a:p>
@@ -11208,15 +11203,7 @@
             </a:r>
             <a:r>
               <a:rPr lang="en-US" sz="1400" dirty="0" smtClean="0"/>
-              <a:t>like subroutines in </a:t>
-            </a:r>
-            <a:r>
-              <a:rPr lang="en-US" sz="1400" dirty="0" smtClean="0"/>
-              <a:t>assembly.        </a:t>
-            </a:r>
-            <a:r>
-              <a:rPr lang="en-US" sz="1400" dirty="0" smtClean="0"/>
-              <a:t>Remember Modularity?</a:t>
+              <a:t>like subroutines in assembly.        Remember Modularity?</a:t>
             </a:r>
             <a:endParaRPr lang="en-US" sz="1400" b="1" dirty="0"/>
           </a:p>
@@ -11675,7 +11662,15 @@
           <a:p>
             <a:r>
               <a:rPr lang="en-US" sz="1500" dirty="0"/>
-              <a:t>If you offer a prototype but don't provide an implementation, you'll get a linker error</a:t>
+              <a:t>If you offer a prototype but don't provide an implementation, </a:t>
+            </a:r>
+            <a:r>
+              <a:rPr lang="en-US" sz="1500" dirty="0">
+                <a:solidFill>
+                  <a:srgbClr val="FF0000"/>
+                </a:solidFill>
+              </a:rPr>
+              <a:t>you'll get a linker error</a:t>
             </a:r>
             <a:r>
               <a:rPr lang="en-US" sz="1500" dirty="0" smtClean="0"/>
@@ -12227,7 +12222,7 @@
               <a:buNone/>
             </a:pPr>
             <a:r>
-              <a:rPr lang="en-US" sz="1400" smtClean="0">
+              <a:rPr lang="en-US" sz="1400" dirty="0" smtClean="0">
                 <a:solidFill>
                   <a:schemeClr val="accent2"/>
                 </a:solidFill>
@@ -13209,8 +13204,45 @@
                 <a:latin typeface="Courier New" pitchFamily="49" charset="0"/>
                 <a:cs typeface="Courier New" pitchFamily="49" charset="0"/>
               </a:rPr>
-              <a:t>// elapsed time in days, a temporary variable</a:t>
-            </a:r>
+              <a:t>// elapsed time in days, a temporary </a:t>
+            </a:r>
+            <a:r>
+              <a:rPr lang="en-US" sz="1400" b="1" dirty="0" smtClean="0">
+                <a:solidFill>
+                  <a:srgbClr val="00B050"/>
+                </a:solidFill>
+                <a:latin typeface="Courier New" pitchFamily="49" charset="0"/>
+                <a:cs typeface="Courier New" pitchFamily="49" charset="0"/>
+              </a:rPr>
+              <a:t>variable</a:t>
+            </a:r>
+            <a:r>
+              <a:rPr lang="en-US" sz="1400" dirty="0">
+                <a:solidFill>
+                  <a:schemeClr val="accent2"/>
+                </a:solidFill>
+                <a:latin typeface="Courier New" pitchFamily="49" charset="0"/>
+                <a:cs typeface="Courier New" pitchFamily="49" charset="0"/>
+              </a:rPr>
+              <a:t> </a:t>
+            </a:r>
+            <a:r>
+              <a:rPr lang="en-US" sz="1400" dirty="0">
+                <a:solidFill>
+                  <a:srgbClr val="FF0000"/>
+                </a:solidFill>
+                <a:latin typeface="Courier New" pitchFamily="49" charset="0"/>
+                <a:cs typeface="Courier New" pitchFamily="49" charset="0"/>
+              </a:rPr>
+              <a:t>(bad)</a:t>
+            </a:r>
+            <a:endParaRPr lang="en-US" sz="1400" b="1" dirty="0">
+              <a:solidFill>
+                <a:srgbClr val="00B050"/>
+              </a:solidFill>
+              <a:latin typeface="Courier New" pitchFamily="49" charset="0"/>
+              <a:cs typeface="Courier New" pitchFamily="49" charset="0"/>
+            </a:endParaRPr>
           </a:p>
           <a:p>
             <a:pPr lvl="1"/>
@@ -13301,8 +13333,35 @@
                 <a:latin typeface="Courier New" pitchFamily="49" charset="0"/>
                 <a:cs typeface="Courier New" pitchFamily="49" charset="0"/>
               </a:rPr>
-              <a:t>(char* a1, char* a2)</a:t>
-            </a:r>
+              <a:t>(char* a1, char* a2</a:t>
+            </a:r>
+            <a:r>
+              <a:rPr lang="en-US" sz="1400" b="1" dirty="0" smtClean="0">
+                <a:solidFill>
+                  <a:schemeClr val="accent2"/>
+                </a:solidFill>
+                <a:latin typeface="Courier New" pitchFamily="49" charset="0"/>
+                <a:cs typeface="Courier New" pitchFamily="49" charset="0"/>
+              </a:rPr>
+              <a:t>)  </a:t>
+            </a:r>
+            <a:r>
+              <a:rPr lang="en-US" sz="1400" b="1" dirty="0" smtClean="0">
+                <a:solidFill>
+                  <a:srgbClr val="FF0000"/>
+                </a:solidFill>
+                <a:latin typeface="Courier New" pitchFamily="49" charset="0"/>
+                <a:cs typeface="Courier New" pitchFamily="49" charset="0"/>
+              </a:rPr>
+              <a:t>(bad)</a:t>
+            </a:r>
+            <a:endParaRPr lang="en-US" sz="1400" b="1" dirty="0">
+              <a:solidFill>
+                <a:srgbClr val="FF0000"/>
+              </a:solidFill>
+              <a:latin typeface="Courier New" pitchFamily="49" charset="0"/>
+              <a:cs typeface="Courier New" pitchFamily="49" charset="0"/>
+            </a:endParaRPr>
           </a:p>
           <a:p>
             <a:pPr lvl="1"/>
@@ -13346,7 +13405,7 @@
           <a:p>
             <a:pPr lvl="1"/>
             <a:r>
-              <a:rPr lang="en-US" sz="1400" b="1" dirty="0" err="1">
+              <a:rPr lang="en-US" sz="1400" dirty="0" err="1">
                 <a:solidFill>
                   <a:schemeClr val="accent2"/>
                 </a:solidFill>
@@ -13354,6 +13413,26 @@
                 <a:cs typeface="Courier New" pitchFamily="49" charset="0"/>
               </a:rPr>
               <a:t>DtaRcrd</a:t>
+            </a:r>
+            <a:r>
+              <a:rPr lang="en-US" sz="1400" dirty="0">
+                <a:solidFill>
+                  <a:schemeClr val="accent2"/>
+                </a:solidFill>
+                <a:latin typeface="Courier New" pitchFamily="49" charset="0"/>
+                <a:cs typeface="Courier New" pitchFamily="49" charset="0"/>
+              </a:rPr>
+              <a:t> </a:t>
+            </a:r>
+            <a:r>
+              <a:rPr lang="en-US" sz="1400" dirty="0">
+                <a:solidFill>
+                  <a:srgbClr val="FF0000"/>
+                </a:solidFill>
+                <a:latin typeface="Courier New" pitchFamily="49" charset="0"/>
+                <a:cs typeface="Courier New" pitchFamily="49" charset="0"/>
+              </a:rPr>
+              <a:t>(bad)</a:t>
             </a:r>
             <a:endParaRPr lang="en-US" sz="1400" b="1" dirty="0">
               <a:solidFill>
@@ -13392,15 +13471,32 @@
           <a:p>
             <a:pPr lvl="1"/>
             <a:r>
-              <a:rPr lang="en-US" sz="1400" b="1" dirty="0">
-                <a:solidFill>
-                  <a:schemeClr val="accent2"/>
-                </a:solidFill>
-                <a:latin typeface="Courier New" pitchFamily="49" charset="0"/>
-                <a:cs typeface="Courier New" pitchFamily="49" charset="0"/>
-              </a:rPr>
-              <a:t>MAX</a:t>
-            </a:r>
+              <a:rPr lang="en-US" sz="1400" dirty="0">
+                <a:solidFill>
+                  <a:schemeClr val="accent2"/>
+                </a:solidFill>
+                <a:latin typeface="Courier New" pitchFamily="49" charset="0"/>
+                <a:cs typeface="Courier New" pitchFamily="49" charset="0"/>
+              </a:rPr>
+              <a:t>MAX </a:t>
+            </a:r>
+            <a:r>
+              <a:rPr lang="en-US" sz="1400" dirty="0">
+                <a:solidFill>
+                  <a:srgbClr val="FF0000"/>
+                </a:solidFill>
+                <a:latin typeface="Courier New" pitchFamily="49" charset="0"/>
+                <a:cs typeface="Courier New" pitchFamily="49" charset="0"/>
+              </a:rPr>
+              <a:t>(bad)</a:t>
+            </a:r>
+            <a:endParaRPr lang="en-US" sz="1400" b="1" dirty="0">
+              <a:solidFill>
+                <a:schemeClr val="accent2"/>
+              </a:solidFill>
+              <a:latin typeface="Courier New" pitchFamily="49" charset="0"/>
+              <a:cs typeface="Courier New" pitchFamily="49" charset="0"/>
+            </a:endParaRPr>
           </a:p>
           <a:p>
             <a:pPr lvl="1"/>
@@ -13431,8 +13527,35 @@
                 <a:latin typeface="Courier New" pitchFamily="49" charset="0"/>
                 <a:cs typeface="Courier New" pitchFamily="49" charset="0"/>
               </a:rPr>
-              <a:t>forward()</a:t>
-            </a:r>
+              <a:t>forward</a:t>
+            </a:r>
+            <a:r>
+              <a:rPr lang="en-US" sz="1400" dirty="0">
+                <a:solidFill>
+                  <a:schemeClr val="accent2"/>
+                </a:solidFill>
+                <a:latin typeface="Courier New" pitchFamily="49" charset="0"/>
+                <a:cs typeface="Courier New" pitchFamily="49" charset="0"/>
+              </a:rPr>
+              <a:t>() </a:t>
+            </a:r>
+            <a:r>
+              <a:rPr lang="en-US" sz="1400" dirty="0">
+                <a:solidFill>
+                  <a:srgbClr val="FF0000"/>
+                </a:solidFill>
+                <a:latin typeface="Courier New" pitchFamily="49" charset="0"/>
+                <a:cs typeface="Courier New" pitchFamily="49" charset="0"/>
+              </a:rPr>
+              <a:t>(bad)</a:t>
+            </a:r>
+            <a:endParaRPr lang="en-US" sz="1400" b="1" dirty="0">
+              <a:solidFill>
+                <a:schemeClr val="accent2"/>
+              </a:solidFill>
+              <a:latin typeface="Courier New" pitchFamily="49" charset="0"/>
+              <a:cs typeface="Courier New" pitchFamily="49" charset="0"/>
+            </a:endParaRPr>
           </a:p>
           <a:p>
             <a:pPr lvl="1"/>
@@ -13476,15 +13599,32 @@
               <a:t>holyHandGrenade</a:t>
             </a:r>
             <a:r>
-              <a:rPr lang="en-US" sz="1400" b="1" dirty="0">
-                <a:solidFill>
-                  <a:schemeClr val="accent2"/>
-                </a:solidFill>
-                <a:latin typeface="Courier New" pitchFamily="49" charset="0"/>
-                <a:cs typeface="Courier New" pitchFamily="49" charset="0"/>
-              </a:rPr>
-              <a:t>()</a:t>
-            </a:r>
+              <a:rPr lang="en-US" sz="1400" dirty="0">
+                <a:solidFill>
+                  <a:schemeClr val="accent2"/>
+                </a:solidFill>
+                <a:latin typeface="Courier New" pitchFamily="49" charset="0"/>
+                <a:cs typeface="Courier New" pitchFamily="49" charset="0"/>
+              </a:rPr>
+              <a:t>() </a:t>
+            </a:r>
+            <a:r>
+              <a:rPr lang="en-US" sz="1400" dirty="0">
+                <a:solidFill>
+                  <a:srgbClr val="FF0000"/>
+                </a:solidFill>
+                <a:latin typeface="Courier New" pitchFamily="49" charset="0"/>
+                <a:cs typeface="Courier New" pitchFamily="49" charset="0"/>
+              </a:rPr>
+              <a:t>(bad)</a:t>
+            </a:r>
+            <a:endParaRPr lang="en-US" sz="1400" b="1" dirty="0">
+              <a:solidFill>
+                <a:schemeClr val="accent2"/>
+              </a:solidFill>
+              <a:latin typeface="Courier New" pitchFamily="49" charset="0"/>
+              <a:cs typeface="Courier New" pitchFamily="49" charset="0"/>
+            </a:endParaRPr>
           </a:p>
           <a:p>
             <a:pPr lvl="1"/>
@@ -13520,12 +13660,22 @@
             <a:r>
               <a:rPr lang="en-US" sz="1400" b="1" dirty="0">
                 <a:solidFill>
-                  <a:schemeClr val="accent2"/>
-                </a:solidFill>
-                <a:latin typeface="Courier New" pitchFamily="49" charset="0"/>
-                <a:cs typeface="Courier New" pitchFamily="49" charset="0"/>
-              </a:rPr>
-              <a:t>Bad: fetch(), retrieve(), get</a:t>
+                  <a:srgbClr val="FF0000"/>
+                </a:solidFill>
+                <a:latin typeface="Courier New" pitchFamily="49" charset="0"/>
+                <a:cs typeface="Courier New" pitchFamily="49" charset="0"/>
+              </a:rPr>
+              <a:t>Bad:</a:t>
+            </a:r>
+            <a:r>
+              <a:rPr lang="en-US" sz="1400" b="1" dirty="0">
+                <a:solidFill>
+                  <a:schemeClr val="accent2"/>
+                </a:solidFill>
+                <a:latin typeface="Courier New" pitchFamily="49" charset="0"/>
+                <a:cs typeface="Courier New" pitchFamily="49" charset="0"/>
+              </a:rPr>
+              <a:t> fetch(), retrieve(), get</a:t>
             </a:r>
             <a:r>
               <a:rPr lang="en-US" sz="1400" b="1" dirty="0" smtClean="0">
@@ -14556,11 +14706,6 @@
               </a:rPr>
               <a:t>&gt; = &lt;token&gt;;  // now the complier can check your code</a:t>
             </a:r>
-            <a:endParaRPr lang="en-US" sz="1200" dirty="0" smtClean="0">
-              <a:solidFill>
-                <a:srgbClr val="FF0000"/>
-              </a:solidFill>
-            </a:endParaRPr>
           </a:p>
           <a:p>
             <a:pPr marL="400050" lvl="1" indent="0">

--- a/source/lessons/lsn21/Lsn21.pptx
+++ b/source/lessons/lsn21/Lsn21.pptx
@@ -1366,7 +1366,7 @@
           <a:p>
             <a:fld id="{834513E8-165F-4932-9E2D-FD497CB9A4FD}" type="datetimeFigureOut">
               <a:rPr lang="en-US" smtClean="0"/>
-              <a:t>7/16/2018</a:t>
+              <a:t>7/23/2018</a:t>
             </a:fld>
             <a:endParaRPr lang="en-US"/>
           </a:p>
@@ -1643,7 +1643,7 @@
           <a:p>
             <a:fld id="{834513E8-165F-4932-9E2D-FD497CB9A4FD}" type="datetimeFigureOut">
               <a:rPr lang="en-US" smtClean="0"/>
-              <a:t>7/16/2018</a:t>
+              <a:t>7/23/2018</a:t>
             </a:fld>
             <a:endParaRPr lang="en-US"/>
           </a:p>
@@ -1896,7 +1896,7 @@
           <a:p>
             <a:fld id="{834513E8-165F-4932-9E2D-FD497CB9A4FD}" type="datetimeFigureOut">
               <a:rPr lang="en-US" smtClean="0"/>
-              <a:t>7/16/2018</a:t>
+              <a:t>7/23/2018</a:t>
             </a:fld>
             <a:endParaRPr lang="en-US"/>
           </a:p>
@@ -2066,7 +2066,7 @@
           <a:p>
             <a:fld id="{834513E8-165F-4932-9E2D-FD497CB9A4FD}" type="datetimeFigureOut">
               <a:rPr lang="en-US" smtClean="0"/>
-              <a:t>7/16/2018</a:t>
+              <a:t>7/23/2018</a:t>
             </a:fld>
             <a:endParaRPr lang="en-US"/>
           </a:p>
@@ -2246,7 +2246,7 @@
           <a:p>
             <a:fld id="{834513E8-165F-4932-9E2D-FD497CB9A4FD}" type="datetimeFigureOut">
               <a:rPr lang="en-US" smtClean="0"/>
-              <a:t>7/16/2018</a:t>
+              <a:t>7/23/2018</a:t>
             </a:fld>
             <a:endParaRPr lang="en-US"/>
           </a:p>
@@ -2990,7 +2990,7 @@
           <a:p>
             <a:fld id="{834513E8-165F-4932-9E2D-FD497CB9A4FD}" type="datetimeFigureOut">
               <a:rPr lang="en-US" smtClean="0"/>
-              <a:t>7/16/2018</a:t>
+              <a:t>7/23/2018</a:t>
             </a:fld>
             <a:endParaRPr lang="en-US"/>
           </a:p>
@@ -3160,7 +3160,7 @@
           <a:p>
             <a:fld id="{834513E8-165F-4932-9E2D-FD497CB9A4FD}" type="datetimeFigureOut">
               <a:rPr lang="en-US" smtClean="0"/>
-              <a:t>7/16/2018</a:t>
+              <a:t>7/23/2018</a:t>
             </a:fld>
             <a:endParaRPr lang="en-US"/>
           </a:p>
@@ -3406,7 +3406,7 @@
           <a:p>
             <a:fld id="{834513E8-165F-4932-9E2D-FD497CB9A4FD}" type="datetimeFigureOut">
               <a:rPr lang="en-US" smtClean="0"/>
-              <a:t>7/16/2018</a:t>
+              <a:t>7/23/2018</a:t>
             </a:fld>
             <a:endParaRPr lang="en-US"/>
           </a:p>
@@ -3638,7 +3638,7 @@
           <a:p>
             <a:fld id="{834513E8-165F-4932-9E2D-FD497CB9A4FD}" type="datetimeFigureOut">
               <a:rPr lang="en-US" smtClean="0"/>
-              <a:t>7/16/2018</a:t>
+              <a:t>7/23/2018</a:t>
             </a:fld>
             <a:endParaRPr lang="en-US"/>
           </a:p>
@@ -4005,7 +4005,7 @@
           <a:p>
             <a:fld id="{834513E8-165F-4932-9E2D-FD497CB9A4FD}" type="datetimeFigureOut">
               <a:rPr lang="en-US" smtClean="0"/>
-              <a:t>7/16/2018</a:t>
+              <a:t>7/23/2018</a:t>
             </a:fld>
             <a:endParaRPr lang="en-US"/>
           </a:p>
@@ -4123,7 +4123,7 @@
           <a:p>
             <a:fld id="{834513E8-165F-4932-9E2D-FD497CB9A4FD}" type="datetimeFigureOut">
               <a:rPr lang="en-US" smtClean="0"/>
-              <a:t>7/16/2018</a:t>
+              <a:t>7/23/2018</a:t>
             </a:fld>
             <a:endParaRPr lang="en-US"/>
           </a:p>
@@ -5939,7 +5939,7 @@
           <a:p>
             <a:fld id="{834513E8-165F-4932-9E2D-FD497CB9A4FD}" type="datetimeFigureOut">
               <a:rPr lang="en-US" smtClean="0"/>
-              <a:t>7/16/2018</a:t>
+              <a:t>7/23/2018</a:t>
             </a:fld>
             <a:endParaRPr lang="en-US"/>
           </a:p>
@@ -10862,11 +10862,7 @@
             <a:pPr lvl="1"/>
             <a:r>
               <a:rPr lang="en-US" dirty="0" smtClean="0"/>
-              <a:t>Assembly code doesn’t have header files … remember</a:t>
-            </a:r>
-            <a:r>
-              <a:rPr lang="en-US" dirty="0" smtClean="0"/>
-              <a:t>?</a:t>
+              <a:t>Assembly code doesn’t have header files … remember?</a:t>
             </a:r>
           </a:p>
           <a:p>
@@ -11203,7 +11199,78 @@
             </a:r>
             <a:r>
               <a:rPr lang="en-US" sz="1400" dirty="0" smtClean="0"/>
-              <a:t>like subroutines in assembly.        Remember Modularity?</a:t>
+              <a:t>like subroutines in assembly.        Remember Modularity</a:t>
+            </a:r>
+            <a:r>
+              <a:rPr lang="en-US" sz="1400" dirty="0" smtClean="0"/>
+              <a:t>?</a:t>
+            </a:r>
+          </a:p>
+          <a:p>
+            <a:pPr marL="0" indent="0">
+              <a:buNone/>
+            </a:pPr>
+            <a:endParaRPr lang="en-US" sz="1400" b="1" dirty="0"/>
+          </a:p>
+          <a:p>
+            <a:pPr marL="0" indent="0">
+              <a:buNone/>
+            </a:pPr>
+            <a:r>
+              <a:rPr lang="en-US" sz="1400" dirty="0" err="1" smtClean="0">
+                <a:solidFill>
+                  <a:srgbClr val="FF0000"/>
+                </a:solidFill>
+              </a:rPr>
+              <a:t>r</a:t>
+            </a:r>
+            <a:r>
+              <a:rPr lang="en-US" sz="1400" dirty="0" err="1" smtClean="0">
+                <a:solidFill>
+                  <a:srgbClr val="FF0000"/>
+                </a:solidFill>
+              </a:rPr>
+              <a:t>eturn_type</a:t>
+            </a:r>
+            <a:r>
+              <a:rPr lang="en-US" sz="1400" dirty="0" smtClean="0">
+                <a:solidFill>
+                  <a:srgbClr val="FF0000"/>
+                </a:solidFill>
+              </a:rPr>
+              <a:t> </a:t>
+            </a:r>
+            <a:r>
+              <a:rPr lang="en-US" sz="1400" dirty="0" err="1" smtClean="0">
+                <a:solidFill>
+                  <a:schemeClr val="accent6"/>
+                </a:solidFill>
+              </a:rPr>
+              <a:t>function_name</a:t>
+            </a:r>
+            <a:r>
+              <a:rPr lang="en-US" sz="1400" dirty="0" smtClean="0"/>
+              <a:t>(</a:t>
+            </a:r>
+            <a:r>
+              <a:rPr lang="en-US" sz="1400" dirty="0" smtClean="0">
+                <a:solidFill>
+                  <a:srgbClr val="00B050"/>
+                </a:solidFill>
+              </a:rPr>
+              <a:t>arg</a:t>
+            </a:r>
+            <a:r>
+              <a:rPr lang="en-US" sz="1400" dirty="0" smtClean="0">
+                <a:solidFill>
+                  <a:srgbClr val="00B050"/>
+                </a:solidFill>
+              </a:rPr>
+              <a:t>1, arg2, …</a:t>
+            </a:r>
+            <a:r>
+              <a:rPr lang="en-US" sz="1400" dirty="0" smtClean="0"/>
+              <a:t>)</a:t>
             </a:r>
             <a:endParaRPr lang="en-US" sz="1400" b="1" dirty="0"/>
           </a:p>
@@ -11517,6 +11584,248 @@
               <a:latin typeface="Courier New" pitchFamily="49" charset="0"/>
               <a:cs typeface="Courier New" pitchFamily="49" charset="0"/>
             </a:endParaRPr>
+          </a:p>
+        </p:txBody>
+      </p:sp>
+      <p:pic>
+        <p:nvPicPr>
+          <p:cNvPr id="4" name="Picture 3"/>
+          <p:cNvPicPr>
+            <a:picLocks noChangeAspect="1"/>
+          </p:cNvPicPr>
+          <p:nvPr/>
+        </p:nvPicPr>
+        <p:blipFill>
+          <a:blip r:embed="rId2"/>
+          <a:stretch>
+            <a:fillRect/>
+          </a:stretch>
+        </p:blipFill>
+        <p:spPr>
+          <a:xfrm>
+            <a:off x="5349240" y="2061341"/>
+            <a:ext cx="2857500" cy="1600200"/>
+          </a:xfrm>
+          <a:prstGeom prst="rect">
+            <a:avLst/>
+          </a:prstGeom>
+        </p:spPr>
+      </p:pic>
+      <p:sp>
+        <p:nvSpPr>
+          <p:cNvPr id="5" name="Oval 4"/>
+          <p:cNvSpPr/>
+          <p:nvPr/>
+        </p:nvSpPr>
+        <p:spPr bwMode="auto">
+          <a:xfrm>
+            <a:off x="6101255" y="2542189"/>
+            <a:ext cx="1182414" cy="638503"/>
+          </a:xfrm>
+          <a:prstGeom prst="ellipse">
+            <a:avLst/>
+          </a:prstGeom>
+          <a:noFill/>
+          <a:ln w="12700" cap="flat" cmpd="sng" algn="ctr">
+            <a:solidFill>
+              <a:srgbClr val="FF0000"/>
+            </a:solidFill>
+            <a:prstDash val="solid"/>
+            <a:round/>
+            <a:headEnd type="none" w="med" len="med"/>
+            <a:tailEnd type="none" w="med" len="med"/>
+          </a:ln>
+          <a:effectLst/>
+        </p:spPr>
+        <p:txBody>
+          <a:bodyPr vert="horz" wrap="square" lIns="91440" tIns="45720" rIns="91440" bIns="45720" numCol="1" rtlCol="0" anchor="t" anchorCtr="0" compatLnSpc="1">
+            <a:prstTxWarp prst="textNoShape">
+              <a:avLst/>
+            </a:prstTxWarp>
+          </a:bodyPr>
+          <a:lstStyle/>
+          <a:p>
+            <a:pPr marL="0" marR="0" indent="0" algn="ctr" defTabSz="914400" rtl="0" eaLnBrk="0" fontAlgn="base" latinLnBrk="0" hangingPunct="0">
+              <a:lnSpc>
+                <a:spcPct val="100000"/>
+              </a:lnSpc>
+              <a:spcBef>
+                <a:spcPct val="0"/>
+              </a:spcBef>
+              <a:spcAft>
+                <a:spcPct val="0"/>
+              </a:spcAft>
+              <a:buClrTx/>
+              <a:buSzTx/>
+              <a:buFontTx/>
+              <a:buNone/>
+              <a:tabLst/>
+            </a:pPr>
+            <a:endParaRPr kumimoji="0" lang="en-US" sz="1600" b="0" i="0" u="none" strike="noStrike" cap="none" normalizeH="0" baseline="0" smtClean="0">
+              <a:ln>
+                <a:noFill/>
+              </a:ln>
+              <a:solidFill>
+                <a:schemeClr val="tx1"/>
+              </a:solidFill>
+              <a:effectLst/>
+              <a:latin typeface="Arial" charset="0"/>
+            </a:endParaRPr>
+          </a:p>
+        </p:txBody>
+      </p:sp>
+      <p:sp>
+        <p:nvSpPr>
+          <p:cNvPr id="6" name="Oval 5"/>
+          <p:cNvSpPr/>
+          <p:nvPr/>
+        </p:nvSpPr>
+        <p:spPr bwMode="auto">
+          <a:xfrm>
+            <a:off x="1466193" y="2794436"/>
+            <a:ext cx="667118" cy="386256"/>
+          </a:xfrm>
+          <a:prstGeom prst="ellipse">
+            <a:avLst/>
+          </a:prstGeom>
+          <a:noFill/>
+          <a:ln w="12700" cap="flat" cmpd="sng" algn="ctr">
+            <a:solidFill>
+              <a:srgbClr val="FF0000"/>
+            </a:solidFill>
+            <a:prstDash val="solid"/>
+            <a:round/>
+            <a:headEnd type="none" w="med" len="med"/>
+            <a:tailEnd type="none" w="med" len="med"/>
+          </a:ln>
+          <a:effectLst/>
+        </p:spPr>
+        <p:txBody>
+          <a:bodyPr vert="horz" wrap="square" lIns="91440" tIns="45720" rIns="91440" bIns="45720" numCol="1" rtlCol="0" anchor="t" anchorCtr="0" compatLnSpc="1">
+            <a:prstTxWarp prst="textNoShape">
+              <a:avLst/>
+            </a:prstTxWarp>
+          </a:bodyPr>
+          <a:lstStyle/>
+          <a:p>
+            <a:pPr marL="0" marR="0" indent="0" algn="ctr" defTabSz="914400" rtl="0" eaLnBrk="0" fontAlgn="base" latinLnBrk="0" hangingPunct="0">
+              <a:lnSpc>
+                <a:spcPct val="100000"/>
+              </a:lnSpc>
+              <a:spcBef>
+                <a:spcPct val="0"/>
+              </a:spcBef>
+              <a:spcAft>
+                <a:spcPct val="0"/>
+              </a:spcAft>
+              <a:buClrTx/>
+              <a:buSzTx/>
+              <a:buFontTx/>
+              <a:buNone/>
+              <a:tabLst/>
+            </a:pPr>
+            <a:endParaRPr kumimoji="0" lang="en-US" sz="1600" b="0" i="0" u="none" strike="noStrike" cap="none" normalizeH="0" baseline="0" smtClean="0">
+              <a:ln>
+                <a:noFill/>
+              </a:ln>
+              <a:solidFill>
+                <a:schemeClr val="tx1"/>
+              </a:solidFill>
+              <a:effectLst/>
+              <a:latin typeface="Arial" charset="0"/>
+            </a:endParaRPr>
+          </a:p>
+        </p:txBody>
+      </p:sp>
+      <p:sp>
+        <p:nvSpPr>
+          <p:cNvPr id="7" name="TextBox 6"/>
+          <p:cNvSpPr txBox="1"/>
+          <p:nvPr/>
+        </p:nvSpPr>
+        <p:spPr>
+          <a:xfrm>
+            <a:off x="5349240" y="3690201"/>
+            <a:ext cx="2805576" cy="461665"/>
+          </a:xfrm>
+          <a:prstGeom prst="rect">
+            <a:avLst/>
+          </a:prstGeom>
+          <a:noFill/>
+        </p:spPr>
+        <p:txBody>
+          <a:bodyPr wrap="none" rtlCol="0">
+            <a:spAutoFit/>
+          </a:bodyPr>
+          <a:lstStyle/>
+          <a:p>
+            <a:r>
+              <a:rPr lang="en-US" dirty="0" smtClean="0"/>
+              <a:t>An absence of matter</a:t>
+            </a:r>
+            <a:endParaRPr lang="en-US" dirty="0"/>
+          </a:p>
+        </p:txBody>
+      </p:sp>
+      <p:cxnSp>
+        <p:nvCxnSpPr>
+          <p:cNvPr id="9" name="Straight Arrow Connector 8"/>
+          <p:cNvCxnSpPr>
+            <a:stCxn id="6" idx="6"/>
+            <a:endCxn id="5" idx="2"/>
+          </p:cNvCxnSpPr>
+          <p:nvPr/>
+        </p:nvCxnSpPr>
+        <p:spPr bwMode="auto">
+          <a:xfrm flipV="1">
+            <a:off x="2133311" y="2861441"/>
+            <a:ext cx="3967944" cy="126123"/>
+          </a:xfrm>
+          <a:prstGeom prst="straightConnector1">
+            <a:avLst/>
+          </a:prstGeom>
+          <a:solidFill>
+            <a:srgbClr val="0C2D83"/>
+          </a:solidFill>
+          <a:ln w="12700" cap="flat" cmpd="sng" algn="ctr">
+            <a:solidFill>
+              <a:srgbClr val="FF0000"/>
+            </a:solidFill>
+            <a:prstDash val="solid"/>
+            <a:round/>
+            <a:headEnd type="none" w="med" len="med"/>
+            <a:tailEnd type="triangle"/>
+          </a:ln>
+          <a:effectLst/>
+        </p:spPr>
+      </p:cxnSp>
+      <p:sp>
+        <p:nvSpPr>
+          <p:cNvPr id="14" name="TextBox 13"/>
+          <p:cNvSpPr txBox="1"/>
+          <p:nvPr/>
+        </p:nvSpPr>
+        <p:spPr>
+          <a:xfrm>
+            <a:off x="5415455" y="4548352"/>
+            <a:ext cx="3287111" cy="1477328"/>
+          </a:xfrm>
+          <a:prstGeom prst="rect">
+            <a:avLst/>
+          </a:prstGeom>
+          <a:noFill/>
+        </p:spPr>
+        <p:txBody>
+          <a:bodyPr wrap="square" rtlCol="0">
+            <a:spAutoFit/>
+          </a:bodyPr>
+          <a:lstStyle/>
+          <a:p>
+            <a:r>
+              <a:rPr lang="en-US" sz="1800" dirty="0" smtClean="0"/>
+              <a:t>Previous we talked about integers and floats, void is a new type that means nothing is expected in or nothing is returned from a function.</a:t>
+            </a:r>
+            <a:endParaRPr lang="en-US" sz="1800" dirty="0"/>
           </a:p>
         </p:txBody>
       </p:sp>
@@ -13835,8 +14144,13 @@
           <a:p>
             <a:r>
               <a:rPr lang="en-US" sz="1400" dirty="0"/>
-              <a:t>Use descriptive names</a:t>
-            </a:r>
+              <a:t>Use descriptive </a:t>
+            </a:r>
+            <a:r>
+              <a:rPr lang="en-US" sz="1400" dirty="0" smtClean="0"/>
+              <a:t>names (self documenting)</a:t>
+            </a:r>
+            <a:endParaRPr lang="en-US" sz="1400" dirty="0"/>
           </a:p>
           <a:p>
             <a:r>
@@ -13868,13 +14182,18 @@
               <a:t>global </a:t>
             </a:r>
             <a:r>
-              <a:rPr lang="en-US" sz="1400" dirty="0">
+              <a:rPr lang="en-US" sz="1400" dirty="0" smtClean="0">
                 <a:solidFill>
                   <a:srgbClr val="FF0000"/>
                 </a:solidFill>
               </a:rPr>
               <a:t>variables</a:t>
             </a:r>
+            <a:r>
+              <a:rPr lang="en-US" sz="1400" dirty="0" smtClean="0"/>
+              <a:t>, any part of your code could change it and it is very difficult to track down bugs associated with them</a:t>
+            </a:r>
+            <a:endParaRPr lang="en-US" sz="1400" dirty="0"/>
           </a:p>
           <a:p>
             <a:r>
@@ -13900,18 +14219,35 @@
                   <a:srgbClr val="FF0000"/>
                 </a:solidFill>
               </a:rPr>
-              <a:t>Only one entry / exit point</a:t>
+              <a:t>Only </a:t>
+            </a:r>
+            <a:r>
+              <a:rPr lang="en-US" sz="1400" dirty="0" smtClean="0">
+                <a:solidFill>
+                  <a:srgbClr val="FF0000"/>
+                </a:solidFill>
+              </a:rPr>
+              <a:t>one exit </a:t>
+            </a:r>
+            <a:r>
+              <a:rPr lang="en-US" sz="1400" dirty="0">
+                <a:solidFill>
+                  <a:srgbClr val="FF0000"/>
+                </a:solidFill>
+              </a:rPr>
+              <a:t>point</a:t>
             </a:r>
           </a:p>
           <a:p>
             <a:r>
               <a:rPr lang="en-US" sz="1400" dirty="0"/>
-              <a:t>Indent correctly</a:t>
+              <a:t>Indent </a:t>
             </a:r>
             <a:r>
               <a:rPr lang="en-US" sz="1400" dirty="0" smtClean="0"/>
-              <a:t>!</a:t>
-            </a:r>
+              <a:t>correctly so it is easy to read and follow (or grade) your code!</a:t>
+            </a:r>
+            <a:endParaRPr lang="en-US" sz="1400" dirty="0" smtClean="0"/>
           </a:p>
           <a:p>
             <a:r>
@@ -14189,9 +14525,10 @@
               <a:t>TODO or FIXME </a:t>
             </a:r>
             <a:r>
-              <a:rPr lang="en-US" sz="1400" dirty="0"/>
+              <a:rPr lang="en-US" sz="1400" dirty="0" smtClean="0"/>
               <a:t>comments</a:t>
             </a:r>
+            <a:endParaRPr lang="en-US" sz="1400" dirty="0"/>
           </a:p>
           <a:p>
             <a:pPr lvl="1"/>
@@ -14841,7 +15178,35 @@
             </a:pPr>
             <a:r>
               <a:rPr lang="en-US" sz="1200" dirty="0" smtClean="0"/>
-              <a:t>Create your own type</a:t>
+              <a:t>Create your own </a:t>
+            </a:r>
+            <a:r>
+              <a:rPr lang="en-US" sz="1200" dirty="0" smtClean="0"/>
+              <a:t>type, so originally, </a:t>
+            </a:r>
+            <a:r>
+              <a:rPr lang="en-US" sz="1200" dirty="0" smtClean="0">
+                <a:solidFill>
+                  <a:srgbClr val="FF0000"/>
+                </a:solidFill>
+              </a:rPr>
+              <a:t>int16</a:t>
+            </a:r>
+            <a:r>
+              <a:rPr lang="en-US" sz="1200" dirty="0" smtClean="0"/>
+              <a:t> didn’t exist and the compiler would complain if you used it. Now, you can use </a:t>
+            </a:r>
+            <a:r>
+              <a:rPr lang="en-US" sz="1200" dirty="0" smtClean="0">
+                <a:solidFill>
+                  <a:srgbClr val="FF0000"/>
+                </a:solidFill>
+              </a:rPr>
+              <a:t>int16</a:t>
+            </a:r>
+            <a:r>
+              <a:rPr lang="en-US" sz="1200" dirty="0" smtClean="0"/>
+              <a:t> in your code no problem.</a:t>
             </a:r>
             <a:endParaRPr lang="en-US" sz="1200" dirty="0"/>
           </a:p>

--- a/source/lessons/lsn21/Lsn21.pptx
+++ b/source/lessons/lsn21/Lsn21.pptx
@@ -7,10 +7,10 @@
     <p:sldMasterId id="2147483667" r:id="rId3"/>
   </p:sldMasterIdLst>
   <p:notesMasterIdLst>
-    <p:notesMasterId r:id="rId20"/>
+    <p:notesMasterId r:id="rId22"/>
   </p:notesMasterIdLst>
   <p:handoutMasterIdLst>
-    <p:handoutMasterId r:id="rId21"/>
+    <p:handoutMasterId r:id="rId23"/>
   </p:handoutMasterIdLst>
   <p:sldIdLst>
     <p:sldId id="352" r:id="rId4"/>
@@ -20,15 +20,17 @@
     <p:sldId id="367" r:id="rId8"/>
     <p:sldId id="363" r:id="rId9"/>
     <p:sldId id="364" r:id="rId10"/>
-    <p:sldId id="365" r:id="rId11"/>
-    <p:sldId id="359" r:id="rId12"/>
-    <p:sldId id="360" r:id="rId13"/>
-    <p:sldId id="361" r:id="rId14"/>
-    <p:sldId id="358" r:id="rId15"/>
-    <p:sldId id="368" r:id="rId16"/>
-    <p:sldId id="362" r:id="rId17"/>
-    <p:sldId id="366" r:id="rId18"/>
-    <p:sldId id="353" r:id="rId19"/>
+    <p:sldId id="369" r:id="rId11"/>
+    <p:sldId id="365" r:id="rId12"/>
+    <p:sldId id="359" r:id="rId13"/>
+    <p:sldId id="360" r:id="rId14"/>
+    <p:sldId id="361" r:id="rId15"/>
+    <p:sldId id="358" r:id="rId16"/>
+    <p:sldId id="368" r:id="rId17"/>
+    <p:sldId id="362" r:id="rId18"/>
+    <p:sldId id="370" r:id="rId19"/>
+    <p:sldId id="366" r:id="rId20"/>
+    <p:sldId id="353" r:id="rId21"/>
   </p:sldIdLst>
   <p:sldSz cx="9144000" cy="6858000" type="screen4x3"/>
   <p:notesSz cx="7010400" cy="9296400"/>
@@ -1366,7 +1368,7 @@
           <a:p>
             <a:fld id="{834513E8-165F-4932-9E2D-FD497CB9A4FD}" type="datetimeFigureOut">
               <a:rPr lang="en-US" smtClean="0"/>
-              <a:t>7/23/2018</a:t>
+              <a:t>10/2/2018</a:t>
             </a:fld>
             <a:endParaRPr lang="en-US"/>
           </a:p>
@@ -1643,7 +1645,7 @@
           <a:p>
             <a:fld id="{834513E8-165F-4932-9E2D-FD497CB9A4FD}" type="datetimeFigureOut">
               <a:rPr lang="en-US" smtClean="0"/>
-              <a:t>7/23/2018</a:t>
+              <a:t>10/2/2018</a:t>
             </a:fld>
             <a:endParaRPr lang="en-US"/>
           </a:p>
@@ -1896,7 +1898,7 @@
           <a:p>
             <a:fld id="{834513E8-165F-4932-9E2D-FD497CB9A4FD}" type="datetimeFigureOut">
               <a:rPr lang="en-US" smtClean="0"/>
-              <a:t>7/23/2018</a:t>
+              <a:t>10/2/2018</a:t>
             </a:fld>
             <a:endParaRPr lang="en-US"/>
           </a:p>
@@ -2066,7 +2068,7 @@
           <a:p>
             <a:fld id="{834513E8-165F-4932-9E2D-FD497CB9A4FD}" type="datetimeFigureOut">
               <a:rPr lang="en-US" smtClean="0"/>
-              <a:t>7/23/2018</a:t>
+              <a:t>10/2/2018</a:t>
             </a:fld>
             <a:endParaRPr lang="en-US"/>
           </a:p>
@@ -2246,7 +2248,7 @@
           <a:p>
             <a:fld id="{834513E8-165F-4932-9E2D-FD497CB9A4FD}" type="datetimeFigureOut">
               <a:rPr lang="en-US" smtClean="0"/>
-              <a:t>7/23/2018</a:t>
+              <a:t>10/2/2018</a:t>
             </a:fld>
             <a:endParaRPr lang="en-US"/>
           </a:p>
@@ -2990,7 +2992,7 @@
           <a:p>
             <a:fld id="{834513E8-165F-4932-9E2D-FD497CB9A4FD}" type="datetimeFigureOut">
               <a:rPr lang="en-US" smtClean="0"/>
-              <a:t>7/23/2018</a:t>
+              <a:t>10/2/2018</a:t>
             </a:fld>
             <a:endParaRPr lang="en-US"/>
           </a:p>
@@ -3160,7 +3162,7 @@
           <a:p>
             <a:fld id="{834513E8-165F-4932-9E2D-FD497CB9A4FD}" type="datetimeFigureOut">
               <a:rPr lang="en-US" smtClean="0"/>
-              <a:t>7/23/2018</a:t>
+              <a:t>10/2/2018</a:t>
             </a:fld>
             <a:endParaRPr lang="en-US"/>
           </a:p>
@@ -3406,7 +3408,7 @@
           <a:p>
             <a:fld id="{834513E8-165F-4932-9E2D-FD497CB9A4FD}" type="datetimeFigureOut">
               <a:rPr lang="en-US" smtClean="0"/>
-              <a:t>7/23/2018</a:t>
+              <a:t>10/2/2018</a:t>
             </a:fld>
             <a:endParaRPr lang="en-US"/>
           </a:p>
@@ -3638,7 +3640,7 @@
           <a:p>
             <a:fld id="{834513E8-165F-4932-9E2D-FD497CB9A4FD}" type="datetimeFigureOut">
               <a:rPr lang="en-US" smtClean="0"/>
-              <a:t>7/23/2018</a:t>
+              <a:t>10/2/2018</a:t>
             </a:fld>
             <a:endParaRPr lang="en-US"/>
           </a:p>
@@ -4005,7 +4007,7 @@
           <a:p>
             <a:fld id="{834513E8-165F-4932-9E2D-FD497CB9A4FD}" type="datetimeFigureOut">
               <a:rPr lang="en-US" smtClean="0"/>
-              <a:t>7/23/2018</a:t>
+              <a:t>10/2/2018</a:t>
             </a:fld>
             <a:endParaRPr lang="en-US"/>
           </a:p>
@@ -4123,7 +4125,7 @@
           <a:p>
             <a:fld id="{834513E8-165F-4932-9E2D-FD497CB9A4FD}" type="datetimeFigureOut">
               <a:rPr lang="en-US" smtClean="0"/>
-              <a:t>7/23/2018</a:t>
+              <a:t>10/2/2018</a:t>
             </a:fld>
             <a:endParaRPr lang="en-US"/>
           </a:p>
@@ -5939,7 +5941,7 @@
           <a:p>
             <a:fld id="{834513E8-165F-4932-9E2D-FD497CB9A4FD}" type="datetimeFigureOut">
               <a:rPr lang="en-US" smtClean="0"/>
-              <a:t>7/23/2018</a:t>
+              <a:t>10/2/2018</a:t>
             </a:fld>
             <a:endParaRPr lang="en-US"/>
           </a:p>
@@ -6974,7 +6976,7 @@
           <a:p>
             <a:r>
               <a:rPr lang="en-US" b="1" dirty="0" smtClean="0"/>
-              <a:t>C Header files</a:t>
+              <a:t>C Language:  Preprocessor Commands</a:t>
             </a:r>
             <a:endParaRPr lang="en-US" dirty="0"/>
           </a:p>
@@ -6992,22 +6994,73 @@
         </p:nvSpPr>
         <p:spPr>
           <a:xfrm>
-            <a:off x="539199" y="1499018"/>
-            <a:ext cx="8083562" cy="4807190"/>
+            <a:off x="621622" y="1488369"/>
+            <a:ext cx="8083562" cy="5035231"/>
           </a:xfrm>
         </p:spPr>
         <p:txBody>
-          <a:bodyPr>
-            <a:normAutofit fontScale="92500" lnSpcReduction="10000"/>
-          </a:bodyPr>
+          <a:bodyPr/>
           <a:lstStyle/>
           <a:p>
             <a:pPr marL="0" indent="0">
               <a:buNone/>
             </a:pPr>
             <a:r>
+              <a:rPr lang="en-US" sz="1400" b="1" dirty="0" smtClean="0"/>
+              <a:t>Preprocessor Commands: </a:t>
+            </a:r>
+            <a:r>
               <a:rPr lang="en-US" sz="1400" dirty="0"/>
-              <a:t>A separate file that contains a related set of:</a:t>
+              <a:t>The preprocessor is executed before your code </a:t>
+            </a:r>
+            <a:r>
+              <a:rPr lang="en-US" sz="1400" dirty="0" smtClean="0"/>
+              <a:t>compiles</a:t>
+            </a:r>
+          </a:p>
+          <a:p>
+            <a:pPr marL="0" indent="0">
+              <a:buNone/>
+            </a:pPr>
+            <a:r>
+              <a:rPr lang="en-US" sz="1400" b="1" dirty="0" smtClean="0">
+                <a:solidFill>
+                  <a:schemeClr val="accent2"/>
+                </a:solidFill>
+                <a:latin typeface="Courier New" pitchFamily="49" charset="0"/>
+                <a:cs typeface="Courier New" pitchFamily="49" charset="0"/>
+              </a:rPr>
+              <a:t>#</a:t>
+            </a:r>
+            <a:r>
+              <a:rPr lang="en-US" sz="1400" b="1" dirty="0">
+                <a:solidFill>
+                  <a:schemeClr val="accent2"/>
+                </a:solidFill>
+                <a:latin typeface="Courier New" pitchFamily="49" charset="0"/>
+                <a:cs typeface="Courier New" pitchFamily="49" charset="0"/>
+              </a:rPr>
+              <a:t>include "</a:t>
+            </a:r>
+            <a:r>
+              <a:rPr lang="en-US" sz="1400" b="1" dirty="0" err="1">
+                <a:solidFill>
+                  <a:schemeClr val="accent2"/>
+                </a:solidFill>
+                <a:latin typeface="Courier New" pitchFamily="49" charset="0"/>
+                <a:cs typeface="Courier New" pitchFamily="49" charset="0"/>
+              </a:rPr>
+              <a:t>file_name.h</a:t>
+            </a:r>
+            <a:r>
+              <a:rPr lang="en-US" sz="1400" b="1" dirty="0">
+                <a:solidFill>
+                  <a:schemeClr val="accent2"/>
+                </a:solidFill>
+                <a:latin typeface="Courier New" pitchFamily="49" charset="0"/>
+                <a:cs typeface="Courier New" pitchFamily="49" charset="0"/>
+              </a:rPr>
+              <a:t>"</a:t>
             </a:r>
           </a:p>
           <a:p>
@@ -7015,12 +7068,16 @@
               <a:buNone/>
             </a:pPr>
             <a:r>
-              <a:rPr lang="en-US" sz="1400" dirty="0">
-                <a:solidFill>
-                  <a:schemeClr val="accent2"/>
-                </a:solidFill>
-              </a:rPr>
-              <a:t>Function prototypes</a:t>
+              <a:rPr lang="en-US" sz="1200" dirty="0"/>
+              <a:t>Essentially a "copy and paste" of the </a:t>
+            </a:r>
+            <a:r>
+              <a:rPr lang="en-US" sz="1200" dirty="0" err="1"/>
+              <a:t>file_name.h</a:t>
+            </a:r>
+            <a:r>
+              <a:rPr lang="en-US" sz="1200" dirty="0"/>
+              <a:t> into your file</a:t>
             </a:r>
           </a:p>
           <a:p>
@@ -7028,55 +7085,156 @@
               <a:buNone/>
             </a:pPr>
             <a:r>
-              <a:rPr lang="en-US" sz="1400" dirty="0" err="1">
-                <a:solidFill>
-                  <a:schemeClr val="accent2"/>
-                </a:solidFill>
-              </a:rPr>
-              <a:t>typedef</a:t>
-            </a:r>
-            <a:r>
-              <a:rPr lang="en-US" sz="1400" dirty="0">
-                <a:solidFill>
-                  <a:schemeClr val="accent2"/>
-                </a:solidFill>
-              </a:rPr>
-              <a:t> declarations</a:t>
+              <a:rPr lang="en-US" sz="1200" dirty="0" smtClean="0"/>
+              <a:t>"</a:t>
+            </a:r>
+            <a:r>
+              <a:rPr lang="en-US" sz="1200" dirty="0" err="1" smtClean="0"/>
+              <a:t>file_name.h</a:t>
+            </a:r>
+            <a:r>
+              <a:rPr lang="en-US" sz="1200" dirty="0" smtClean="0"/>
+              <a:t>", </a:t>
+            </a:r>
+            <a:r>
+              <a:rPr lang="en-US" sz="1200" dirty="0"/>
+              <a:t>the preprocessor will search in your project working </a:t>
+            </a:r>
+            <a:r>
+              <a:rPr lang="en-US" sz="1200" dirty="0" smtClean="0"/>
+              <a:t>directory.</a:t>
             </a:r>
           </a:p>
           <a:p>
             <a:pPr marL="400050" lvl="1" indent="0">
               <a:buNone/>
             </a:pPr>
-            <a:r>
-              <a:rPr lang="en-US" sz="1400" dirty="0">
-                <a:solidFill>
-                  <a:schemeClr val="accent2"/>
-                </a:solidFill>
-              </a:rPr>
-              <a:t>#define constants</a:t>
-            </a:r>
+            <a:endParaRPr lang="en-US" sz="1200" dirty="0" smtClean="0"/>
+          </a:p>
+          <a:p>
+            <a:pPr marL="0" indent="-3175">
+              <a:buNone/>
+            </a:pPr>
+            <a:r>
+              <a:rPr lang="en-US" sz="1600" dirty="0">
+                <a:solidFill>
+                  <a:schemeClr val="accent2"/>
+                </a:solidFill>
+                <a:latin typeface="Courier New" pitchFamily="49" charset="0"/>
+                <a:cs typeface="Courier New" pitchFamily="49" charset="0"/>
+              </a:rPr>
+              <a:t>#include </a:t>
+            </a:r>
+            <a:r>
+              <a:rPr lang="en-US" sz="1600" dirty="0" smtClean="0">
+                <a:solidFill>
+                  <a:schemeClr val="accent2"/>
+                </a:solidFill>
+                <a:latin typeface="Courier New" pitchFamily="49" charset="0"/>
+                <a:cs typeface="Courier New" pitchFamily="49" charset="0"/>
+              </a:rPr>
+              <a:t>&lt;</a:t>
+            </a:r>
+            <a:r>
+              <a:rPr lang="en-US" sz="1600" dirty="0" err="1" smtClean="0">
+                <a:solidFill>
+                  <a:schemeClr val="accent2"/>
+                </a:solidFill>
+                <a:latin typeface="Courier New" pitchFamily="49" charset="0"/>
+                <a:cs typeface="Courier New" pitchFamily="49" charset="0"/>
+              </a:rPr>
+              <a:t>file_name.h</a:t>
+            </a:r>
+            <a:r>
+              <a:rPr lang="en-US" sz="1600" dirty="0">
+                <a:solidFill>
+                  <a:schemeClr val="accent2"/>
+                </a:solidFill>
+                <a:latin typeface="Courier New" pitchFamily="49" charset="0"/>
+                <a:cs typeface="Courier New" pitchFamily="49" charset="0"/>
+              </a:rPr>
+              <a:t>&gt;</a:t>
+            </a:r>
+            <a:endParaRPr lang="en-US" sz="1600" dirty="0" smtClean="0">
+              <a:solidFill>
+                <a:schemeClr val="accent2"/>
+              </a:solidFill>
+              <a:latin typeface="Courier New" pitchFamily="49" charset="0"/>
+              <a:cs typeface="Courier New" pitchFamily="49" charset="0"/>
+            </a:endParaRPr>
+          </a:p>
+          <a:p>
+            <a:pPr marL="403225" lvl="1" indent="-3175">
+              <a:buNone/>
+            </a:pPr>
+            <a:r>
+              <a:rPr lang="en-US" sz="1200" dirty="0" smtClean="0">
+                <a:latin typeface="Courier New" pitchFamily="49" charset="0"/>
+                <a:cs typeface="Courier New" pitchFamily="49" charset="0"/>
+              </a:rPr>
+              <a:t>Same as above, </a:t>
+            </a:r>
+            <a:r>
+              <a:rPr lang="en-US" sz="1200" dirty="0" smtClean="0">
+                <a:solidFill>
+                  <a:srgbClr val="FF0000"/>
+                </a:solidFill>
+                <a:latin typeface="Courier New" pitchFamily="49" charset="0"/>
+                <a:cs typeface="Courier New" pitchFamily="49" charset="0"/>
+              </a:rPr>
+              <a:t>BUT</a:t>
+            </a:r>
+            <a:r>
+              <a:rPr lang="en-US" sz="1200" dirty="0" smtClean="0">
+                <a:latin typeface="Courier New" pitchFamily="49" charset="0"/>
+                <a:cs typeface="Courier New" pitchFamily="49" charset="0"/>
+              </a:rPr>
+              <a:t>, pulls from a standard or installed library</a:t>
+            </a:r>
+            <a:endParaRPr lang="en-US" sz="1200" dirty="0">
+              <a:latin typeface="Courier New" pitchFamily="49" charset="0"/>
+              <a:cs typeface="Courier New" pitchFamily="49" charset="0"/>
+            </a:endParaRPr>
           </a:p>
           <a:p>
             <a:pPr marL="400050" lvl="1" indent="0">
               <a:buNone/>
             </a:pPr>
-            <a:r>
-              <a:rPr lang="en-US" sz="1400" dirty="0">
-                <a:solidFill>
-                  <a:schemeClr val="accent2"/>
-                </a:solidFill>
-              </a:rPr>
-              <a:t>etc.</a:t>
-            </a:r>
+            <a:endParaRPr lang="en-US" sz="1200" dirty="0"/>
           </a:p>
           <a:p>
             <a:pPr marL="0" indent="0">
               <a:buNone/>
             </a:pPr>
             <a:r>
-              <a:rPr lang="en-US" sz="1400" dirty="0"/>
-              <a:t>File naming convention:</a:t>
+              <a:rPr lang="en-US" sz="1400" b="1" dirty="0">
+                <a:solidFill>
+                  <a:schemeClr val="accent2"/>
+                </a:solidFill>
+                <a:latin typeface="Courier New" pitchFamily="49" charset="0"/>
+                <a:cs typeface="Courier New" pitchFamily="49" charset="0"/>
+              </a:rPr>
+              <a:t>#define &lt;SINGLE_WORD&gt; &lt;</a:t>
+            </a:r>
+            <a:r>
+              <a:rPr lang="en-US" sz="1400" b="1" dirty="0" err="1">
+                <a:solidFill>
+                  <a:schemeClr val="accent2"/>
+                </a:solidFill>
+                <a:latin typeface="Courier New" pitchFamily="49" charset="0"/>
+                <a:cs typeface="Courier New" pitchFamily="49" charset="0"/>
+              </a:rPr>
+              <a:t>replacement_token</a:t>
+            </a:r>
+            <a:r>
+              <a:rPr lang="en-US" sz="1400" b="1" dirty="0">
+                <a:solidFill>
+                  <a:schemeClr val="accent2"/>
+                </a:solidFill>
+                <a:latin typeface="Courier New" pitchFamily="49" charset="0"/>
+                <a:cs typeface="Courier New" pitchFamily="49" charset="0"/>
+              </a:rPr>
+              <a:t>&gt;</a:t>
             </a:r>
           </a:p>
           <a:p>
@@ -7084,12 +7242,8 @@
               <a:buNone/>
             </a:pPr>
             <a:r>
-              <a:rPr lang="en-US" sz="1400" dirty="0">
-                <a:solidFill>
-                  <a:schemeClr val="accent2"/>
-                </a:solidFill>
-              </a:rPr>
-              <a:t>All lowercase</a:t>
+              <a:rPr lang="en-US" sz="1200" dirty="0"/>
+              <a:t>Essentially a global "search and replace" within your code</a:t>
             </a:r>
           </a:p>
           <a:p>
@@ -7097,12 +7251,12 @@
               <a:buNone/>
             </a:pPr>
             <a:r>
-              <a:rPr lang="en-US" sz="1400" dirty="0">
-                <a:solidFill>
-                  <a:schemeClr val="accent2"/>
-                </a:solidFill>
-              </a:rPr>
-              <a:t>Use "_" to combine words</a:t>
+              <a:rPr lang="en-US" sz="1200" dirty="0"/>
+              <a:t>Anytime the &lt;SINGLE_WORD&gt; token appears, it will be replaced by the &lt;replacement token</a:t>
+            </a:r>
+            <a:r>
+              <a:rPr lang="en-US" sz="1200" dirty="0" smtClean="0"/>
+              <a:t>&gt;</a:t>
             </a:r>
           </a:p>
           <a:p>
@@ -7110,68 +7264,77 @@
               <a:buNone/>
             </a:pPr>
             <a:r>
-              <a:rPr lang="en-US" sz="1400" dirty="0">
-                <a:solidFill>
-                  <a:schemeClr val="accent2"/>
-                </a:solidFill>
-              </a:rPr>
-              <a:t>".h" is the file extension</a:t>
-            </a:r>
+              <a:rPr lang="en-US" sz="1200" dirty="0" smtClean="0">
+                <a:solidFill>
+                  <a:srgbClr val="FF0000"/>
+                </a:solidFill>
+              </a:rPr>
+              <a:t>Prefer to use: </a:t>
+            </a:r>
+            <a:r>
+              <a:rPr lang="en-US" sz="1200" dirty="0" err="1" smtClean="0">
+                <a:solidFill>
+                  <a:srgbClr val="FF0000"/>
+                </a:solidFill>
+              </a:rPr>
+              <a:t>const</a:t>
+            </a:r>
+            <a:r>
+              <a:rPr lang="en-US" sz="1200" dirty="0" smtClean="0">
+                <a:solidFill>
+                  <a:srgbClr val="FF0000"/>
+                </a:solidFill>
+              </a:rPr>
+              <a:t> int8_t &lt;</a:t>
+            </a:r>
+            <a:r>
+              <a:rPr lang="en-US" sz="1200" dirty="0" err="1" smtClean="0">
+                <a:solidFill>
+                  <a:srgbClr val="FF0000"/>
+                </a:solidFill>
+              </a:rPr>
+              <a:t>single_word</a:t>
+            </a:r>
+            <a:r>
+              <a:rPr lang="en-US" sz="1200" dirty="0" smtClean="0">
+                <a:solidFill>
+                  <a:srgbClr val="FF0000"/>
+                </a:solidFill>
+              </a:rPr>
+              <a:t>&gt; = &lt;token&gt;;  // now the complier can check your code</a:t>
+            </a:r>
+          </a:p>
+          <a:p>
+            <a:pPr marL="400050" lvl="1" indent="0">
+              <a:buNone/>
+            </a:pPr>
+            <a:endParaRPr lang="en-US" sz="1200" dirty="0"/>
           </a:p>
           <a:p>
             <a:pPr marL="0" indent="0">
               <a:buNone/>
             </a:pPr>
             <a:r>
-              <a:rPr lang="en-US" sz="1400" dirty="0"/>
-              <a:t>Example: </a:t>
-            </a:r>
-            <a:r>
-              <a:rPr lang="en-US" sz="1400" dirty="0" err="1"/>
-              <a:t>atd_helper.h</a:t>
-            </a:r>
-            <a:endParaRPr lang="en-US" sz="1400" dirty="0"/>
-          </a:p>
-          <a:p>
-            <a:pPr marL="0" indent="0">
-              <a:buNone/>
-            </a:pPr>
-            <a:r>
-              <a:rPr lang="en-US" sz="1400" dirty="0"/>
-              <a:t>You </a:t>
-            </a:r>
-            <a:r>
-              <a:rPr lang="en-US" sz="1400" dirty="0" smtClean="0"/>
-              <a:t>must </a:t>
-            </a:r>
-            <a:r>
-              <a:rPr lang="en-US" sz="1400" dirty="0"/>
-              <a:t>"wrap" the header in a #</a:t>
-            </a:r>
-            <a:r>
-              <a:rPr lang="en-US" sz="1400" dirty="0" err="1"/>
+              <a:rPr lang="en-US" sz="1400" b="1" dirty="0">
+                <a:solidFill>
+                  <a:schemeClr val="accent2"/>
+                </a:solidFill>
+                <a:latin typeface="Courier New" pitchFamily="49" charset="0"/>
+                <a:cs typeface="Courier New" pitchFamily="49" charset="0"/>
+              </a:rPr>
+              <a:t>#</a:t>
+            </a:r>
+            <a:r>
+              <a:rPr lang="en-US" sz="1400" b="1" dirty="0" err="1">
+                <a:solidFill>
+                  <a:schemeClr val="accent2"/>
+                </a:solidFill>
+                <a:latin typeface="Courier New" pitchFamily="49" charset="0"/>
+                <a:cs typeface="Courier New" pitchFamily="49" charset="0"/>
+              </a:rPr>
               <a:t>ifndef</a:t>
             </a:r>
             <a:r>
-              <a:rPr lang="en-US" sz="1400" dirty="0"/>
-              <a:t> to prevent circular </a:t>
-            </a:r>
-            <a:r>
-              <a:rPr lang="en-US" sz="1400" dirty="0" smtClean="0"/>
-              <a:t>inclusions   (also called guarding)</a:t>
-            </a:r>
-          </a:p>
-          <a:p>
-            <a:pPr marL="0" indent="0">
-              <a:buNone/>
-            </a:pPr>
-            <a:endParaRPr lang="en-US" sz="1400" dirty="0"/>
-          </a:p>
-          <a:p>
-            <a:pPr marL="0" indent="0">
-              <a:buNone/>
-            </a:pPr>
-            <a:r>
               <a:rPr lang="en-US" sz="1400" b="1" dirty="0">
                 <a:solidFill>
                   <a:schemeClr val="accent2"/>
@@ -7179,7 +7342,7 @@
                 <a:latin typeface="Courier New" pitchFamily="49" charset="0"/>
                 <a:cs typeface="Courier New" pitchFamily="49" charset="0"/>
               </a:rPr>
-              <a:t>#</a:t>
+              <a:t> &lt;SOME_CONSTANT&gt; ... &lt;some code&gt; ... #</a:t>
             </a:r>
             <a:r>
               <a:rPr lang="en-US" sz="1400" b="1" dirty="0" err="1">
@@ -7189,27 +7352,7 @@
                 <a:latin typeface="Courier New" pitchFamily="49" charset="0"/>
                 <a:cs typeface="Courier New" pitchFamily="49" charset="0"/>
               </a:rPr>
-              <a:t>ifndef</a:t>
-            </a:r>
-            <a:r>
-              <a:rPr lang="en-US" sz="1400" b="1" dirty="0">
-                <a:solidFill>
-                  <a:schemeClr val="accent2"/>
-                </a:solidFill>
-                <a:latin typeface="Courier New" pitchFamily="49" charset="0"/>
-                <a:cs typeface="Courier New" pitchFamily="49" charset="0"/>
-              </a:rPr>
-              <a:t> </a:t>
-            </a:r>
-            <a:r>
-              <a:rPr lang="en-US" sz="1400" b="1" dirty="0" smtClean="0">
-                <a:solidFill>
-                  <a:schemeClr val="accent2"/>
-                </a:solidFill>
-                <a:latin typeface="Courier New" pitchFamily="49" charset="0"/>
-                <a:cs typeface="Courier New" pitchFamily="49" charset="0"/>
-              </a:rPr>
-              <a:t>__MYSTUFF_H__</a:t>
+              <a:t>endif</a:t>
             </a:r>
             <a:endParaRPr lang="en-US" sz="1400" b="1" dirty="0">
               <a:solidFill>
@@ -7220,10 +7363,48 @@
             </a:endParaRPr>
           </a:p>
           <a:p>
+            <a:pPr marL="400050" lvl="1" indent="0">
+              <a:buNone/>
+            </a:pPr>
+            <a:r>
+              <a:rPr lang="en-US" sz="1200" dirty="0"/>
+              <a:t>Code is only included if &lt;SOME_CONSTANT&gt; is not defined</a:t>
+            </a:r>
+          </a:p>
+          <a:p>
+            <a:pPr marL="400050" lvl="1" indent="0">
+              <a:buNone/>
+            </a:pPr>
+            <a:r>
+              <a:rPr lang="en-US" sz="1200" dirty="0"/>
+              <a:t>Usually, your first line of code will be to #define &lt;SOME_CONSTANT</a:t>
+            </a:r>
+            <a:r>
+              <a:rPr lang="en-US" sz="1200" dirty="0" smtClean="0"/>
+              <a:t>&gt;</a:t>
+            </a:r>
+          </a:p>
+          <a:p>
+            <a:pPr marL="400050" lvl="1" indent="0">
+              <a:buNone/>
+            </a:pPr>
+            <a:endParaRPr lang="en-US" sz="1200" dirty="0"/>
+          </a:p>
+          <a:p>
             <a:pPr marL="0" indent="0">
               <a:buNone/>
             </a:pPr>
             <a:r>
+              <a:rPr lang="en-US" sz="1400" b="1" dirty="0" err="1">
+                <a:solidFill>
+                  <a:schemeClr val="accent2"/>
+                </a:solidFill>
+                <a:latin typeface="Courier New" pitchFamily="49" charset="0"/>
+                <a:cs typeface="Courier New" pitchFamily="49" charset="0"/>
+              </a:rPr>
+              <a:t>typedef</a:t>
+            </a:r>
+            <a:r>
               <a:rPr lang="en-US" sz="1400" b="1" dirty="0">
                 <a:solidFill>
                   <a:schemeClr val="accent2"/>
@@ -7231,7 +7412,7 @@
                 <a:latin typeface="Courier New" pitchFamily="49" charset="0"/>
                 <a:cs typeface="Courier New" pitchFamily="49" charset="0"/>
               </a:rPr>
-              <a:t>#define </a:t>
+              <a:t> </a:t>
             </a:r>
             <a:r>
               <a:rPr lang="en-US" sz="1400" b="1" dirty="0" smtClean="0">
@@ -7241,27 +7422,7 @@
                 <a:latin typeface="Courier New" pitchFamily="49" charset="0"/>
                 <a:cs typeface="Courier New" pitchFamily="49" charset="0"/>
               </a:rPr>
-              <a:t>__</a:t>
-            </a:r>
-            <a:r>
-              <a:rPr lang="en-US" sz="1400" dirty="0" smtClean="0">
-                <a:solidFill>
-                  <a:schemeClr val="accent2"/>
-                </a:solidFill>
-                <a:latin typeface="Courier New" pitchFamily="49" charset="0"/>
-                <a:cs typeface="Courier New" pitchFamily="49" charset="0"/>
-              </a:rPr>
-              <a:t>MYSTUFF</a:t>
-            </a:r>
-            <a:r>
-              <a:rPr lang="en-US" sz="1400" b="1" dirty="0" smtClean="0">
-                <a:solidFill>
-                  <a:schemeClr val="accent2"/>
-                </a:solidFill>
-                <a:latin typeface="Courier New" pitchFamily="49" charset="0"/>
-                <a:cs typeface="Courier New" pitchFamily="49" charset="0"/>
-              </a:rPr>
-              <a:t>_H__</a:t>
+              <a:t>unsigned short int16;</a:t>
             </a:r>
             <a:endParaRPr lang="en-US" sz="1400" b="1" dirty="0">
               <a:solidFill>
@@ -7272,593 +7433,45 @@
             </a:endParaRPr>
           </a:p>
           <a:p>
-            <a:pPr marL="0" indent="0">
-              <a:buNone/>
-            </a:pPr>
-            <a:endParaRPr lang="en-US" sz="1400" b="1" dirty="0">
-              <a:solidFill>
-                <a:schemeClr val="accent2"/>
-              </a:solidFill>
-              <a:latin typeface="Courier New" pitchFamily="49" charset="0"/>
-              <a:cs typeface="Courier New" pitchFamily="49" charset="0"/>
-            </a:endParaRPr>
-          </a:p>
-          <a:p>
-            <a:pPr marL="0" indent="0">
-              <a:buNone/>
-            </a:pPr>
-            <a:r>
-              <a:rPr lang="en-US" sz="1400" b="1" dirty="0" smtClean="0">
-                <a:solidFill>
-                  <a:srgbClr val="00B050"/>
-                </a:solidFill>
-                <a:latin typeface="Courier New" pitchFamily="49" charset="0"/>
-                <a:cs typeface="Courier New" pitchFamily="49" charset="0"/>
-              </a:rPr>
-              <a:t>// #define is ok here</a:t>
-            </a:r>
-          </a:p>
-          <a:p>
-            <a:pPr marL="0" indent="0">
-              <a:buNone/>
-            </a:pPr>
-            <a:r>
-              <a:rPr lang="en-US" sz="1400" b="1" dirty="0" smtClean="0">
-                <a:solidFill>
-                  <a:srgbClr val="00B050"/>
-                </a:solidFill>
-                <a:latin typeface="Courier New" pitchFamily="49" charset="0"/>
-                <a:cs typeface="Courier New" pitchFamily="49" charset="0"/>
-              </a:rPr>
-              <a:t>// </a:t>
-            </a:r>
-            <a:r>
-              <a:rPr lang="en-US" sz="1400" b="1" dirty="0">
-                <a:solidFill>
-                  <a:srgbClr val="00B050"/>
-                </a:solidFill>
-                <a:latin typeface="Courier New" pitchFamily="49" charset="0"/>
-                <a:cs typeface="Courier New" pitchFamily="49" charset="0"/>
-              </a:rPr>
-              <a:t>Your header file code (</a:t>
-            </a:r>
-            <a:r>
-              <a:rPr lang="en-US" sz="1400" b="1" dirty="0" err="1">
-                <a:solidFill>
-                  <a:srgbClr val="00B050"/>
-                </a:solidFill>
-                <a:latin typeface="Courier New" pitchFamily="49" charset="0"/>
-                <a:cs typeface="Courier New" pitchFamily="49" charset="0"/>
-              </a:rPr>
-              <a:t>typedefs</a:t>
-            </a:r>
-            <a:r>
-              <a:rPr lang="en-US" sz="1400" b="1" dirty="0">
-                <a:solidFill>
-                  <a:srgbClr val="00B050"/>
-                </a:solidFill>
-                <a:latin typeface="Courier New" pitchFamily="49" charset="0"/>
-                <a:cs typeface="Courier New" pitchFamily="49" charset="0"/>
-              </a:rPr>
-              <a:t>, function prototypes, #defines, etc.)</a:t>
-            </a:r>
-          </a:p>
-          <a:p>
-            <a:pPr marL="0" indent="0">
-              <a:buNone/>
-            </a:pPr>
-            <a:r>
-              <a:rPr lang="en-US" sz="1400" b="1" dirty="0">
-                <a:solidFill>
-                  <a:srgbClr val="00B050"/>
-                </a:solidFill>
-                <a:latin typeface="Courier New" pitchFamily="49" charset="0"/>
-                <a:cs typeface="Courier New" pitchFamily="49" charset="0"/>
-              </a:rPr>
-              <a:t>// Use good comment headers to define each function (see example)</a:t>
-            </a:r>
-          </a:p>
-          <a:p>
-            <a:pPr marL="0" indent="0">
-              <a:buNone/>
-            </a:pPr>
-            <a:r>
-              <a:rPr lang="en-US" sz="1400" b="1" dirty="0">
-                <a:solidFill>
-                  <a:srgbClr val="00B050"/>
-                </a:solidFill>
-                <a:latin typeface="Courier New" pitchFamily="49" charset="0"/>
-                <a:cs typeface="Courier New" pitchFamily="49" charset="0"/>
-              </a:rPr>
-              <a:t>// ...</a:t>
-            </a:r>
-          </a:p>
-          <a:p>
-            <a:pPr marL="0" indent="0">
-              <a:buNone/>
-            </a:pPr>
-            <a:endParaRPr lang="en-US" sz="1400" b="1" dirty="0">
-              <a:solidFill>
-                <a:schemeClr val="accent2"/>
-              </a:solidFill>
-              <a:latin typeface="Courier New" pitchFamily="49" charset="0"/>
-              <a:cs typeface="Courier New" pitchFamily="49" charset="0"/>
-            </a:endParaRPr>
-          </a:p>
-          <a:p>
-            <a:pPr marL="0" indent="0">
-              <a:buNone/>
-            </a:pPr>
-            <a:r>
-              <a:rPr lang="en-US" sz="1400" b="1" dirty="0">
-                <a:solidFill>
-                  <a:schemeClr val="accent2"/>
-                </a:solidFill>
-                <a:latin typeface="Courier New" pitchFamily="49" charset="0"/>
-                <a:cs typeface="Courier New" pitchFamily="49" charset="0"/>
-              </a:rPr>
-              <a:t>#</a:t>
-            </a:r>
-            <a:r>
-              <a:rPr lang="en-US" sz="1400" b="1" dirty="0" err="1">
-                <a:solidFill>
-                  <a:schemeClr val="accent2"/>
-                </a:solidFill>
-                <a:latin typeface="Courier New" pitchFamily="49" charset="0"/>
-                <a:cs typeface="Courier New" pitchFamily="49" charset="0"/>
-              </a:rPr>
-              <a:t>endif</a:t>
-            </a:r>
-            <a:r>
-              <a:rPr lang="en-US" sz="1400" b="1" dirty="0">
-                <a:solidFill>
-                  <a:schemeClr val="accent2"/>
-                </a:solidFill>
-                <a:latin typeface="Courier New" pitchFamily="49" charset="0"/>
-                <a:cs typeface="Courier New" pitchFamily="49" charset="0"/>
-              </a:rPr>
-              <a:t> </a:t>
-            </a:r>
-            <a:r>
-              <a:rPr lang="en-US" sz="1400" b="1" dirty="0">
-                <a:solidFill>
-                  <a:srgbClr val="00B050"/>
-                </a:solidFill>
-                <a:latin typeface="Courier New" pitchFamily="49" charset="0"/>
-                <a:cs typeface="Courier New" pitchFamily="49" charset="0"/>
-              </a:rPr>
-              <a:t>// </a:t>
-            </a:r>
-            <a:r>
-              <a:rPr lang="en-US" sz="1400" dirty="0" smtClean="0">
-                <a:solidFill>
-                  <a:srgbClr val="00B050"/>
-                </a:solidFill>
-                <a:latin typeface="Courier New" pitchFamily="49" charset="0"/>
-                <a:cs typeface="Courier New" pitchFamily="49" charset="0"/>
-              </a:rPr>
-              <a:t>__MYSTUFF_H__</a:t>
-            </a:r>
-            <a:endParaRPr lang="en-US" sz="1400" b="1" dirty="0">
-              <a:solidFill>
-                <a:srgbClr val="00B050"/>
-              </a:solidFill>
-              <a:latin typeface="Courier New" pitchFamily="49" charset="0"/>
-              <a:cs typeface="Courier New" pitchFamily="49" charset="0"/>
-            </a:endParaRPr>
-          </a:p>
-        </p:txBody>
-      </p:sp>
-      <p:sp>
-        <p:nvSpPr>
-          <p:cNvPr id="4" name="Rectangle 3"/>
-          <p:cNvSpPr/>
-          <p:nvPr/>
-        </p:nvSpPr>
-        <p:spPr bwMode="auto">
-          <a:xfrm>
-            <a:off x="5349240" y="1571140"/>
-            <a:ext cx="3586655" cy="1943538"/>
-          </a:xfrm>
-          <a:prstGeom prst="rect">
-            <a:avLst/>
-          </a:prstGeom>
-          <a:solidFill>
-            <a:schemeClr val="bg1"/>
-          </a:solidFill>
-          <a:ln w="12700" cap="flat" cmpd="sng" algn="ctr">
-            <a:solidFill>
-              <a:schemeClr val="tx1"/>
-            </a:solidFill>
-            <a:prstDash val="solid"/>
-            <a:round/>
-            <a:headEnd type="none" w="med" len="med"/>
-            <a:tailEnd type="none" w="med" len="med"/>
-          </a:ln>
-          <a:effectLst/>
-        </p:spPr>
-        <p:txBody>
-          <a:bodyPr vert="horz" wrap="square" lIns="91440" tIns="45720" rIns="91440" bIns="45720" numCol="1" rtlCol="0" anchor="t" anchorCtr="0" compatLnSpc="1">
-            <a:prstTxWarp prst="textNoShape">
-              <a:avLst/>
-            </a:prstTxWarp>
-          </a:bodyPr>
-          <a:lstStyle/>
-          <a:p>
-            <a:pPr marL="0" indent="0">
-              <a:buFontTx/>
-              <a:buNone/>
-            </a:pPr>
-            <a:r>
-              <a:rPr lang="en-US" sz="1200" b="1" kern="0" dirty="0" err="1" smtClean="0">
-                <a:solidFill>
-                  <a:schemeClr val="accent2"/>
-                </a:solidFill>
-                <a:latin typeface="Courier New" pitchFamily="49" charset="0"/>
-                <a:cs typeface="Courier New" pitchFamily="49" charset="0"/>
-              </a:rPr>
-              <a:t>mystuff.h</a:t>
-            </a:r>
-            <a:r>
-              <a:rPr lang="en-US" sz="1200" b="1" kern="0" dirty="0" smtClean="0">
-                <a:solidFill>
-                  <a:schemeClr val="accent2"/>
-                </a:solidFill>
-                <a:latin typeface="Courier New" pitchFamily="49" charset="0"/>
-                <a:cs typeface="Courier New" pitchFamily="49" charset="0"/>
-              </a:rPr>
-              <a:t> (header)</a:t>
-            </a:r>
-          </a:p>
-          <a:p>
-            <a:pPr marL="0" indent="0">
-              <a:buFontTx/>
-              <a:buNone/>
-            </a:pPr>
-            <a:r>
-              <a:rPr lang="en-US" sz="1200" b="1" kern="0" dirty="0" smtClean="0">
-                <a:solidFill>
-                  <a:schemeClr val="accent2"/>
-                </a:solidFill>
-                <a:latin typeface="Courier New" pitchFamily="49" charset="0"/>
-                <a:cs typeface="Courier New" pitchFamily="49" charset="0"/>
-              </a:rPr>
-              <a:t>-----------------------------</a:t>
-            </a:r>
-          </a:p>
-          <a:p>
-            <a:pPr marL="0" indent="0">
-              <a:buFontTx/>
-              <a:buNone/>
-            </a:pPr>
-            <a:r>
-              <a:rPr lang="en-US" sz="1200" b="1" kern="0" dirty="0" smtClean="0">
-                <a:solidFill>
-                  <a:schemeClr val="accent2"/>
-                </a:solidFill>
-                <a:latin typeface="Courier New" pitchFamily="49" charset="0"/>
-                <a:cs typeface="Courier New" pitchFamily="49" charset="0"/>
-              </a:rPr>
-              <a:t>#include &lt;</a:t>
-            </a:r>
-            <a:r>
-              <a:rPr lang="en-US" sz="1200" b="1" kern="0" dirty="0" err="1" smtClean="0">
-                <a:solidFill>
-                  <a:schemeClr val="accent2"/>
-                </a:solidFill>
-                <a:latin typeface="Courier New" pitchFamily="49" charset="0"/>
-                <a:cs typeface="Courier New" pitchFamily="49" charset="0"/>
-              </a:rPr>
-              <a:t>stdlib.h</a:t>
-            </a:r>
-            <a:r>
-              <a:rPr lang="en-US" sz="1200" b="1" kern="0" dirty="0" smtClean="0">
-                <a:solidFill>
-                  <a:schemeClr val="accent2"/>
-                </a:solidFill>
-                <a:latin typeface="Courier New" pitchFamily="49" charset="0"/>
-                <a:cs typeface="Courier New" pitchFamily="49" charset="0"/>
-              </a:rPr>
-              <a:t>&gt;</a:t>
-            </a:r>
-          </a:p>
-          <a:p>
-            <a:pPr marL="0" indent="0">
-              <a:buFontTx/>
-              <a:buNone/>
-            </a:pPr>
-            <a:r>
-              <a:rPr lang="en-US" sz="1200" b="1" kern="0" dirty="0" smtClean="0">
-                <a:solidFill>
-                  <a:schemeClr val="accent2"/>
-                </a:solidFill>
-                <a:latin typeface="Courier New" pitchFamily="49" charset="0"/>
-                <a:cs typeface="Courier New" pitchFamily="49" charset="0"/>
-              </a:rPr>
-              <a:t>#</a:t>
-            </a:r>
-            <a:r>
-              <a:rPr lang="en-US" sz="1200" b="1" kern="0" dirty="0" err="1" smtClean="0">
-                <a:solidFill>
-                  <a:schemeClr val="accent2"/>
-                </a:solidFill>
-                <a:latin typeface="Courier New" pitchFamily="49" charset="0"/>
-                <a:cs typeface="Courier New" pitchFamily="49" charset="0"/>
-              </a:rPr>
-              <a:t>ifndef</a:t>
-            </a:r>
-            <a:r>
-              <a:rPr lang="en-US" sz="1200" b="1" kern="0" dirty="0" smtClean="0">
-                <a:solidFill>
-                  <a:schemeClr val="accent2"/>
-                </a:solidFill>
-                <a:latin typeface="Courier New" pitchFamily="49" charset="0"/>
-                <a:cs typeface="Courier New" pitchFamily="49" charset="0"/>
-              </a:rPr>
-              <a:t> __</a:t>
-            </a:r>
-            <a:r>
-              <a:rPr lang="en-US" sz="1200" b="1" kern="0" dirty="0" err="1" smtClean="0">
-                <a:solidFill>
-                  <a:schemeClr val="accent2"/>
-                </a:solidFill>
-                <a:latin typeface="Courier New" pitchFamily="49" charset="0"/>
-                <a:cs typeface="Courier New" pitchFamily="49" charset="0"/>
-              </a:rPr>
-              <a:t>mystuff_h</a:t>
-            </a:r>
-            <a:r>
-              <a:rPr lang="en-US" sz="1200" b="1" kern="0" dirty="0" smtClean="0">
-                <a:solidFill>
-                  <a:schemeClr val="accent2"/>
-                </a:solidFill>
-                <a:latin typeface="Courier New" pitchFamily="49" charset="0"/>
-                <a:cs typeface="Courier New" pitchFamily="49" charset="0"/>
-              </a:rPr>
-              <a:t>__</a:t>
-            </a:r>
-          </a:p>
-          <a:p>
-            <a:pPr marL="0" indent="0">
-              <a:buFontTx/>
-              <a:buNone/>
-            </a:pPr>
-            <a:r>
-              <a:rPr lang="en-US" sz="1200" b="1" kern="0" dirty="0" smtClean="0">
-                <a:solidFill>
-                  <a:schemeClr val="accent2"/>
-                </a:solidFill>
-                <a:latin typeface="Courier New" pitchFamily="49" charset="0"/>
-                <a:cs typeface="Courier New" pitchFamily="49" charset="0"/>
-              </a:rPr>
-              <a:t>#define __</a:t>
-            </a:r>
-            <a:r>
-              <a:rPr lang="en-US" sz="1200" b="1" kern="0" dirty="0" err="1" smtClean="0">
-                <a:solidFill>
-                  <a:schemeClr val="accent2"/>
-                </a:solidFill>
-                <a:latin typeface="Courier New" pitchFamily="49" charset="0"/>
-                <a:cs typeface="Courier New" pitchFamily="49" charset="0"/>
-              </a:rPr>
-              <a:t>mystuff_h</a:t>
-            </a:r>
-            <a:r>
-              <a:rPr lang="en-US" sz="1200" b="1" kern="0" dirty="0" smtClean="0">
-                <a:solidFill>
-                  <a:schemeClr val="accent2"/>
-                </a:solidFill>
-                <a:latin typeface="Courier New" pitchFamily="49" charset="0"/>
-                <a:cs typeface="Courier New" pitchFamily="49" charset="0"/>
-              </a:rPr>
-              <a:t>__</a:t>
-            </a:r>
-          </a:p>
-          <a:p>
-            <a:pPr marL="0" indent="0">
-              <a:buFontTx/>
-              <a:buNone/>
-            </a:pPr>
-            <a:r>
-              <a:rPr lang="en-US" sz="1200" b="1" kern="0" dirty="0" smtClean="0">
-                <a:solidFill>
-                  <a:schemeClr val="accent2"/>
-                </a:solidFill>
-                <a:latin typeface="Courier New" pitchFamily="49" charset="0"/>
-                <a:cs typeface="Courier New" pitchFamily="49" charset="0"/>
-              </a:rPr>
-              <a:t>unsigned </a:t>
-            </a:r>
-            <a:r>
-              <a:rPr lang="en-US" sz="1200" b="1" kern="0" dirty="0" err="1">
-                <a:solidFill>
-                  <a:schemeClr val="accent2"/>
-                </a:solidFill>
-                <a:latin typeface="Courier New" pitchFamily="49" charset="0"/>
-                <a:cs typeface="Courier New" pitchFamily="49" charset="0"/>
-              </a:rPr>
-              <a:t>int</a:t>
-            </a:r>
-            <a:r>
-              <a:rPr lang="en-US" sz="1200" b="1" kern="0" dirty="0">
-                <a:solidFill>
-                  <a:schemeClr val="accent2"/>
-                </a:solidFill>
-                <a:latin typeface="Courier New" pitchFamily="49" charset="0"/>
-                <a:cs typeface="Courier New" pitchFamily="49" charset="0"/>
-              </a:rPr>
-              <a:t> summation (uint8_t n</a:t>
-            </a:r>
-            <a:r>
-              <a:rPr lang="en-US" sz="1200" b="1" kern="0" dirty="0" smtClean="0">
-                <a:solidFill>
-                  <a:schemeClr val="accent2"/>
-                </a:solidFill>
-                <a:latin typeface="Courier New" pitchFamily="49" charset="0"/>
-                <a:cs typeface="Courier New" pitchFamily="49" charset="0"/>
-              </a:rPr>
-              <a:t>);</a:t>
-            </a:r>
-          </a:p>
-          <a:p>
-            <a:pPr marL="0" indent="0">
-              <a:buFontTx/>
-              <a:buNone/>
-            </a:pPr>
-            <a:r>
-              <a:rPr lang="en-US" sz="1200" b="1" kern="0" dirty="0" smtClean="0">
-                <a:solidFill>
-                  <a:schemeClr val="accent2"/>
-                </a:solidFill>
-                <a:latin typeface="Courier New" pitchFamily="49" charset="0"/>
-                <a:cs typeface="Courier New" pitchFamily="49" charset="0"/>
-              </a:rPr>
-              <a:t>#</a:t>
-            </a:r>
-            <a:r>
-              <a:rPr lang="en-US" sz="1200" b="1" kern="0" dirty="0" err="1" smtClean="0">
-                <a:solidFill>
-                  <a:schemeClr val="accent2"/>
-                </a:solidFill>
-                <a:latin typeface="Courier New" pitchFamily="49" charset="0"/>
-                <a:cs typeface="Courier New" pitchFamily="49" charset="0"/>
-              </a:rPr>
-              <a:t>endif</a:t>
-            </a:r>
-            <a:endParaRPr lang="en-US" sz="1200" b="1" kern="0" dirty="0">
-              <a:solidFill>
-                <a:schemeClr val="accent2"/>
-              </a:solidFill>
-              <a:latin typeface="Courier New" pitchFamily="49" charset="0"/>
-              <a:cs typeface="Courier New" pitchFamily="49" charset="0"/>
-            </a:endParaRPr>
-          </a:p>
-        </p:txBody>
-      </p:sp>
-      <p:sp>
-        <p:nvSpPr>
-          <p:cNvPr id="5" name="Rectangular Callout 4"/>
-          <p:cNvSpPr/>
-          <p:nvPr/>
-        </p:nvSpPr>
-        <p:spPr bwMode="auto">
-          <a:xfrm>
-            <a:off x="3756212" y="4078941"/>
-            <a:ext cx="3460376" cy="636494"/>
-          </a:xfrm>
-          <a:prstGeom prst="wedgeRectCallout">
-            <a:avLst>
-              <a:gd name="adj1" fmla="val -78951"/>
-              <a:gd name="adj2" fmla="val 7849"/>
-            </a:avLst>
-          </a:prstGeom>
-          <a:solidFill>
-            <a:srgbClr val="FFFF00"/>
-          </a:solidFill>
-          <a:ln w="12700" cap="flat" cmpd="sng" algn="ctr">
-            <a:solidFill>
-              <a:schemeClr val="tx1"/>
-            </a:solidFill>
-            <a:prstDash val="solid"/>
-            <a:round/>
-            <a:headEnd type="none" w="med" len="med"/>
-            <a:tailEnd type="none" w="med" len="med"/>
-          </a:ln>
-          <a:effectLst/>
-        </p:spPr>
-        <p:txBody>
-          <a:bodyPr vert="horz" wrap="square" lIns="91440" tIns="45720" rIns="91440" bIns="45720" numCol="1" rtlCol="0" anchor="t" anchorCtr="0" compatLnSpc="1">
-            <a:prstTxWarp prst="textNoShape">
-              <a:avLst/>
-            </a:prstTxWarp>
-          </a:bodyPr>
-          <a:lstStyle/>
-          <a:p>
-            <a:pPr marL="0" marR="0" indent="0" algn="ctr" defTabSz="914400" rtl="0" eaLnBrk="0" fontAlgn="base" latinLnBrk="0" hangingPunct="0">
-              <a:lnSpc>
-                <a:spcPct val="100000"/>
-              </a:lnSpc>
-              <a:spcBef>
-                <a:spcPct val="0"/>
-              </a:spcBef>
-              <a:spcAft>
-                <a:spcPct val="0"/>
-              </a:spcAft>
-              <a:buClrTx/>
-              <a:buSzTx/>
-              <a:buFontTx/>
-              <a:buNone/>
-              <a:tabLst/>
-            </a:pPr>
-            <a:r>
-              <a:rPr kumimoji="0" lang="en-US" sz="1600" b="0" i="0" u="none" strike="noStrike" cap="none" normalizeH="0" baseline="0" dirty="0" smtClean="0">
-                <a:ln>
-                  <a:noFill/>
-                </a:ln>
-                <a:solidFill>
-                  <a:schemeClr val="tx1"/>
-                </a:solidFill>
-                <a:effectLst/>
-                <a:latin typeface="Arial" charset="0"/>
-              </a:rPr>
-              <a:t>OK to use a #define here because this is an </a:t>
-            </a:r>
-            <a:r>
-              <a:rPr kumimoji="0" lang="en-US" sz="1600" b="0" i="0" u="none" strike="noStrike" cap="none" normalizeH="0" baseline="0" dirty="0" err="1" smtClean="0">
-                <a:ln>
-                  <a:noFill/>
-                </a:ln>
-                <a:solidFill>
-                  <a:schemeClr val="tx1"/>
-                </a:solidFill>
-                <a:effectLst/>
-                <a:latin typeface="Arial" charset="0"/>
-              </a:rPr>
-              <a:t>ifndef</a:t>
-            </a:r>
-            <a:r>
-              <a:rPr kumimoji="0" lang="en-US" sz="1600" b="0" i="0" u="none" strike="noStrike" cap="none" normalizeH="0" baseline="0" dirty="0" smtClean="0">
-                <a:ln>
-                  <a:noFill/>
-                </a:ln>
-                <a:solidFill>
-                  <a:schemeClr val="tx1"/>
-                </a:solidFill>
-                <a:effectLst/>
-                <a:latin typeface="Arial" charset="0"/>
-              </a:rPr>
-              <a:t>/define flow</a:t>
-            </a:r>
-            <a:r>
-              <a:rPr kumimoji="0" lang="en-US" sz="1600" b="0" i="0" u="none" strike="noStrike" cap="none" normalizeH="0" dirty="0" smtClean="0">
-                <a:ln>
-                  <a:noFill/>
-                </a:ln>
-                <a:solidFill>
-                  <a:schemeClr val="tx1"/>
-                </a:solidFill>
-                <a:effectLst/>
-                <a:latin typeface="Arial" charset="0"/>
-              </a:rPr>
-              <a:t> control</a:t>
-            </a:r>
-            <a:endParaRPr kumimoji="0" lang="en-US" sz="1600" b="0" i="0" u="none" strike="noStrike" cap="none" normalizeH="0" baseline="0" dirty="0" smtClean="0">
-              <a:ln>
-                <a:noFill/>
-              </a:ln>
-              <a:solidFill>
-                <a:schemeClr val="tx1"/>
-              </a:solidFill>
-              <a:effectLst/>
-              <a:latin typeface="Arial" charset="0"/>
-            </a:endParaRPr>
+            <a:pPr marL="400050" lvl="1" indent="0">
+              <a:buNone/>
+            </a:pPr>
+            <a:r>
+              <a:rPr lang="en-US" sz="1200" dirty="0" smtClean="0"/>
+              <a:t>Create your own type, so originally, </a:t>
+            </a:r>
+            <a:r>
+              <a:rPr lang="en-US" sz="1200" dirty="0" smtClean="0">
+                <a:solidFill>
+                  <a:srgbClr val="FF0000"/>
+                </a:solidFill>
+              </a:rPr>
+              <a:t>int16</a:t>
+            </a:r>
+            <a:r>
+              <a:rPr lang="en-US" sz="1200" dirty="0" smtClean="0"/>
+              <a:t> didn’t exist and the compiler would complain if you used it. Now, you can use </a:t>
+            </a:r>
+            <a:r>
+              <a:rPr lang="en-US" sz="1200" dirty="0" smtClean="0">
+                <a:solidFill>
+                  <a:srgbClr val="FF0000"/>
+                </a:solidFill>
+              </a:rPr>
+              <a:t>int16</a:t>
+            </a:r>
+            <a:r>
+              <a:rPr lang="en-US" sz="1200" dirty="0" smtClean="0"/>
+              <a:t> in your code no problem.</a:t>
+            </a:r>
+            <a:endParaRPr lang="en-US" sz="1200" dirty="0"/>
           </a:p>
         </p:txBody>
       </p:sp>
     </p:spTree>
     <p:extLst>
       <p:ext uri="{BB962C8B-B14F-4D97-AF65-F5344CB8AC3E}">
-        <p14:creationId xmlns:p14="http://schemas.microsoft.com/office/powerpoint/2010/main" val="4108330727"/>
+        <p14:creationId xmlns:p14="http://schemas.microsoft.com/office/powerpoint/2010/main" val="502200835"/>
       </p:ext>
     </p:extLst>
   </p:cSld>
@@ -7908,8 +7521,8 @@
           <a:lstStyle/>
           <a:p>
             <a:r>
-              <a:rPr lang="en-US" b="1" dirty="0"/>
-              <a:t>C Implementation Files</a:t>
+              <a:rPr lang="en-US" b="1" dirty="0" smtClean="0"/>
+              <a:t>C Header files</a:t>
             </a:r>
             <a:endParaRPr lang="en-US" dirty="0"/>
           </a:p>
@@ -7927,12 +7540,14 @@
         </p:nvSpPr>
         <p:spPr>
           <a:xfrm>
-            <a:off x="499785" y="1467486"/>
-            <a:ext cx="8083562" cy="4838721"/>
+            <a:off x="539199" y="1499018"/>
+            <a:ext cx="8083562" cy="4807190"/>
           </a:xfrm>
         </p:spPr>
         <p:txBody>
-          <a:bodyPr/>
+          <a:bodyPr>
+            <a:normAutofit fontScale="92500" lnSpcReduction="10000"/>
+          </a:bodyPr>
           <a:lstStyle/>
           <a:p>
             <a:pPr marL="0" indent="0">
@@ -7940,25 +7555,67 @@
             </a:pPr>
             <a:r>
               <a:rPr lang="en-US" sz="1400" dirty="0"/>
-              <a:t>A separate C file that implements the header file</a:t>
-            </a:r>
-          </a:p>
-          <a:p>
-            <a:pPr marL="0" indent="0">
-              <a:buNone/>
-            </a:pPr>
-            <a:r>
-              <a:rPr lang="en-US" sz="1400" dirty="0"/>
-              <a:t>Contains the function definitions</a:t>
-            </a:r>
-          </a:p>
-          <a:p>
-            <a:pPr marL="0" indent="0">
-              <a:buNone/>
-            </a:pPr>
-            <a:r>
-              <a:rPr lang="en-US" sz="1400" dirty="0"/>
-              <a:t>#include the header file as your first line</a:t>
+              <a:t>A separate file that contains a related set of:</a:t>
+            </a:r>
+          </a:p>
+          <a:p>
+            <a:pPr marL="400050" lvl="1" indent="0">
+              <a:buNone/>
+            </a:pPr>
+            <a:r>
+              <a:rPr lang="en-US" sz="1400" dirty="0">
+                <a:solidFill>
+                  <a:schemeClr val="accent2"/>
+                </a:solidFill>
+              </a:rPr>
+              <a:t>Function prototypes</a:t>
+            </a:r>
+          </a:p>
+          <a:p>
+            <a:pPr marL="400050" lvl="1" indent="0">
+              <a:buNone/>
+            </a:pPr>
+            <a:r>
+              <a:rPr lang="en-US" sz="1400" dirty="0" err="1">
+                <a:solidFill>
+                  <a:schemeClr val="accent2"/>
+                </a:solidFill>
+              </a:rPr>
+              <a:t>typedef</a:t>
+            </a:r>
+            <a:r>
+              <a:rPr lang="en-US" sz="1400" dirty="0">
+                <a:solidFill>
+                  <a:schemeClr val="accent2"/>
+                </a:solidFill>
+              </a:rPr>
+              <a:t> declarations</a:t>
+            </a:r>
+          </a:p>
+          <a:p>
+            <a:pPr marL="400050" lvl="1" indent="0">
+              <a:buNone/>
+            </a:pPr>
+            <a:r>
+              <a:rPr lang="en-US" sz="1400" dirty="0">
+                <a:solidFill>
+                  <a:schemeClr val="accent2"/>
+                </a:solidFill>
+              </a:rPr>
+              <a:t>#define constants</a:t>
+            </a:r>
+          </a:p>
+          <a:p>
+            <a:pPr marL="400050" lvl="1" indent="0">
+              <a:buNone/>
+            </a:pPr>
+            <a:r>
+              <a:rPr lang="en-US" sz="1400" dirty="0">
+                <a:solidFill>
+                  <a:schemeClr val="accent2"/>
+                </a:solidFill>
+              </a:rPr>
+              <a:t>etc.</a:t>
             </a:r>
           </a:p>
           <a:p>
@@ -7975,8 +7632,12 @@
               <a:buNone/>
             </a:pPr>
             <a:r>
-              <a:rPr lang="en-US" sz="1400" dirty="0"/>
-              <a:t>Same name as the header file!</a:t>
+              <a:rPr lang="en-US" sz="1400" dirty="0">
+                <a:solidFill>
+                  <a:schemeClr val="accent2"/>
+                </a:solidFill>
+              </a:rPr>
+              <a:t>All lowercase</a:t>
             </a:r>
           </a:p>
           <a:p>
@@ -7984,12 +7645,29 @@
               <a:buNone/>
             </a:pPr>
             <a:r>
-              <a:rPr lang="en-US" sz="1400" dirty="0"/>
-              <a:t>".c" is the file extension</a:t>
+              <a:rPr lang="en-US" sz="1400" dirty="0">
+                <a:solidFill>
+                  <a:schemeClr val="accent2"/>
+                </a:solidFill>
+              </a:rPr>
+              <a:t>Use "_" to combine words</a:t>
             </a:r>
           </a:p>
           <a:p>
             <a:pPr marL="400050" lvl="1" indent="0">
+              <a:buNone/>
+            </a:pPr>
+            <a:r>
+              <a:rPr lang="en-US" sz="1400" dirty="0">
+                <a:solidFill>
+                  <a:schemeClr val="accent2"/>
+                </a:solidFill>
+              </a:rPr>
+              <a:t>".h" is the file extension</a:t>
+            </a:r>
+          </a:p>
+          <a:p>
+            <a:pPr marL="0" indent="0">
               <a:buNone/>
             </a:pPr>
             <a:r>
@@ -7997,27 +7675,50 @@
               <a:t>Example: </a:t>
             </a:r>
             <a:r>
-              <a:rPr lang="en-US" sz="1400" dirty="0" err="1" smtClean="0"/>
-              <a:t>atd_helper.c</a:t>
-            </a:r>
-            <a:endParaRPr lang="en-US" sz="1400" dirty="0" smtClean="0"/>
+              <a:rPr lang="en-US" sz="1400" dirty="0" err="1"/>
+              <a:t>atd_helper.h</a:t>
+            </a:r>
+            <a:endParaRPr lang="en-US" sz="1400" dirty="0"/>
           </a:p>
           <a:p>
             <a:pPr marL="0" indent="0">
               <a:buNone/>
             </a:pPr>
-            <a:endParaRPr lang="en-US" sz="1400" b="1" dirty="0" smtClean="0">
-              <a:solidFill>
-                <a:schemeClr val="accent2"/>
-              </a:solidFill>
-              <a:latin typeface="Courier New" pitchFamily="49" charset="0"/>
-              <a:cs typeface="Courier New" pitchFamily="49" charset="0"/>
-            </a:endParaRPr>
+            <a:r>
+              <a:rPr lang="en-US" sz="1400" dirty="0"/>
+              <a:t>You </a:t>
+            </a:r>
+            <a:r>
+              <a:rPr lang="en-US" sz="1400" dirty="0" smtClean="0"/>
+              <a:t>must </a:t>
+            </a:r>
+            <a:r>
+              <a:rPr lang="en-US" sz="1400" dirty="0"/>
+              <a:t>"wrap" the header in a #</a:t>
+            </a:r>
+            <a:r>
+              <a:rPr lang="en-US" sz="1400" dirty="0" err="1"/>
+              <a:t>ifndef</a:t>
+            </a:r>
+            <a:r>
+              <a:rPr lang="en-US" sz="1400" dirty="0"/>
+              <a:t> to prevent circular </a:t>
+            </a:r>
+            <a:r>
+              <a:rPr lang="en-US" sz="1400" dirty="0" smtClean="0"/>
+              <a:t>inclusions   (also called guarding)</a:t>
+            </a:r>
           </a:p>
           <a:p>
             <a:pPr marL="0" indent="0">
               <a:buNone/>
             </a:pPr>
+            <a:endParaRPr lang="en-US" sz="1400" dirty="0"/>
+          </a:p>
+          <a:p>
+            <a:pPr marL="0" indent="0">
+              <a:buNone/>
+            </a:pPr>
             <a:r>
               <a:rPr lang="en-US" sz="1400" b="1" dirty="0">
                 <a:solidFill>
@@ -8026,7 +7727,27 @@
                 <a:latin typeface="Courier New" pitchFamily="49" charset="0"/>
                 <a:cs typeface="Courier New" pitchFamily="49" charset="0"/>
               </a:rPr>
-              <a:t>#include </a:t>
+              <a:t>#</a:t>
+            </a:r>
+            <a:r>
+              <a:rPr lang="en-US" sz="1400" b="1" dirty="0" err="1">
+                <a:solidFill>
+                  <a:schemeClr val="accent2"/>
+                </a:solidFill>
+                <a:latin typeface="Courier New" pitchFamily="49" charset="0"/>
+                <a:cs typeface="Courier New" pitchFamily="49" charset="0"/>
+              </a:rPr>
+              <a:t>ifndef</a:t>
+            </a:r>
+            <a:r>
+              <a:rPr lang="en-US" sz="1400" b="1" dirty="0">
+                <a:solidFill>
+                  <a:schemeClr val="accent2"/>
+                </a:solidFill>
+                <a:latin typeface="Courier New" pitchFamily="49" charset="0"/>
+                <a:cs typeface="Courier New" pitchFamily="49" charset="0"/>
+              </a:rPr>
+              <a:t> </a:t>
             </a:r>
             <a:r>
               <a:rPr lang="en-US" sz="1400" b="1" dirty="0" smtClean="0">
@@ -8036,43 +7757,8 @@
                 <a:latin typeface="Courier New" pitchFamily="49" charset="0"/>
                 <a:cs typeface="Courier New" pitchFamily="49" charset="0"/>
               </a:rPr>
-              <a:t>“</a:t>
-            </a:r>
-            <a:r>
-              <a:rPr lang="en-US" sz="1400" dirty="0" err="1" smtClean="0">
-                <a:solidFill>
-                  <a:schemeClr val="accent2"/>
-                </a:solidFill>
-                <a:latin typeface="Courier New" pitchFamily="49" charset="0"/>
-                <a:cs typeface="Courier New" pitchFamily="49" charset="0"/>
-              </a:rPr>
-              <a:t>mystuff</a:t>
-            </a:r>
-            <a:r>
-              <a:rPr lang="en-US" sz="1400" b="1" dirty="0" err="1" smtClean="0">
-                <a:solidFill>
-                  <a:schemeClr val="accent2"/>
-                </a:solidFill>
-                <a:latin typeface="Courier New" pitchFamily="49" charset="0"/>
-                <a:cs typeface="Courier New" pitchFamily="49" charset="0"/>
-              </a:rPr>
-              <a:t>.h</a:t>
-            </a:r>
-            <a:r>
-              <a:rPr lang="en-US" sz="1400" b="1" dirty="0">
-                <a:solidFill>
-                  <a:schemeClr val="accent2"/>
-                </a:solidFill>
-                <a:latin typeface="Courier New" pitchFamily="49" charset="0"/>
-                <a:cs typeface="Courier New" pitchFamily="49" charset="0"/>
-              </a:rPr>
-              <a:t>"</a:t>
-            </a:r>
-          </a:p>
-          <a:p>
-            <a:pPr marL="0" indent="0">
-              <a:buNone/>
-            </a:pPr>
+              <a:t>__MYSTUFF_H__</a:t>
+            </a:r>
             <a:endParaRPr lang="en-US" sz="1400" b="1" dirty="0">
               <a:solidFill>
                 <a:schemeClr val="accent2"/>
@@ -8088,12 +7774,76 @@
             <a:r>
               <a:rPr lang="en-US" sz="1400" b="1" dirty="0">
                 <a:solidFill>
+                  <a:schemeClr val="accent2"/>
+                </a:solidFill>
+                <a:latin typeface="Courier New" pitchFamily="49" charset="0"/>
+                <a:cs typeface="Courier New" pitchFamily="49" charset="0"/>
+              </a:rPr>
+              <a:t>#define </a:t>
+            </a:r>
+            <a:r>
+              <a:rPr lang="en-US" sz="1400" b="1" dirty="0" smtClean="0">
+                <a:solidFill>
+                  <a:schemeClr val="accent2"/>
+                </a:solidFill>
+                <a:latin typeface="Courier New" pitchFamily="49" charset="0"/>
+                <a:cs typeface="Courier New" pitchFamily="49" charset="0"/>
+              </a:rPr>
+              <a:t>__</a:t>
+            </a:r>
+            <a:r>
+              <a:rPr lang="en-US" sz="1400" dirty="0" smtClean="0">
+                <a:solidFill>
+                  <a:schemeClr val="accent2"/>
+                </a:solidFill>
+                <a:latin typeface="Courier New" pitchFamily="49" charset="0"/>
+                <a:cs typeface="Courier New" pitchFamily="49" charset="0"/>
+              </a:rPr>
+              <a:t>MYSTUFF</a:t>
+            </a:r>
+            <a:r>
+              <a:rPr lang="en-US" sz="1400" b="1" dirty="0" smtClean="0">
+                <a:solidFill>
+                  <a:schemeClr val="accent2"/>
+                </a:solidFill>
+                <a:latin typeface="Courier New" pitchFamily="49" charset="0"/>
+                <a:cs typeface="Courier New" pitchFamily="49" charset="0"/>
+              </a:rPr>
+              <a:t>_H__</a:t>
+            </a:r>
+            <a:endParaRPr lang="en-US" sz="1400" b="1" dirty="0">
+              <a:solidFill>
+                <a:schemeClr val="accent2"/>
+              </a:solidFill>
+              <a:latin typeface="Courier New" pitchFamily="49" charset="0"/>
+              <a:cs typeface="Courier New" pitchFamily="49" charset="0"/>
+            </a:endParaRPr>
+          </a:p>
+          <a:p>
+            <a:pPr marL="0" indent="0">
+              <a:buNone/>
+            </a:pPr>
+            <a:endParaRPr lang="en-US" sz="1400" b="1" dirty="0">
+              <a:solidFill>
+                <a:schemeClr val="accent2"/>
+              </a:solidFill>
+              <a:latin typeface="Courier New" pitchFamily="49" charset="0"/>
+              <a:cs typeface="Courier New" pitchFamily="49" charset="0"/>
+            </a:endParaRPr>
+          </a:p>
+          <a:p>
+            <a:pPr marL="0" indent="0">
+              <a:buNone/>
+            </a:pPr>
+            <a:r>
+              <a:rPr lang="en-US" sz="1400" b="1" dirty="0" smtClean="0">
+                <a:solidFill>
                   <a:srgbClr val="00B050"/>
                 </a:solidFill>
                 <a:latin typeface="Courier New" pitchFamily="49" charset="0"/>
                 <a:cs typeface="Courier New" pitchFamily="49" charset="0"/>
               </a:rPr>
-              <a:t>// Function definitions</a:t>
+              <a:t>// #define is ok here</a:t>
             </a:r>
           </a:p>
           <a:p>
@@ -8101,6 +7851,16 @@
               <a:buNone/>
             </a:pPr>
             <a:r>
+              <a:rPr lang="en-US" sz="1400" b="1" dirty="0" smtClean="0">
+                <a:solidFill>
+                  <a:srgbClr val="00B050"/>
+                </a:solidFill>
+                <a:latin typeface="Courier New" pitchFamily="49" charset="0"/>
+                <a:cs typeface="Courier New" pitchFamily="49" charset="0"/>
+              </a:rPr>
+              <a:t>// </a:t>
+            </a:r>
+            <a:r>
               <a:rPr lang="en-US" sz="1400" b="1" dirty="0">
                 <a:solidFill>
                   <a:srgbClr val="00B050"/>
@@ -8108,8 +7868,132 @@
                 <a:latin typeface="Courier New" pitchFamily="49" charset="0"/>
                 <a:cs typeface="Courier New" pitchFamily="49" charset="0"/>
               </a:rPr>
+              <a:t>Your header file code (</a:t>
+            </a:r>
+            <a:r>
+              <a:rPr lang="en-US" sz="1400" b="1" dirty="0" err="1">
+                <a:solidFill>
+                  <a:srgbClr val="00B050"/>
+                </a:solidFill>
+                <a:latin typeface="Courier New" pitchFamily="49" charset="0"/>
+                <a:cs typeface="Courier New" pitchFamily="49" charset="0"/>
+              </a:rPr>
+              <a:t>typedefs</a:t>
+            </a:r>
+            <a:r>
+              <a:rPr lang="en-US" sz="1400" b="1" dirty="0">
+                <a:solidFill>
+                  <a:srgbClr val="00B050"/>
+                </a:solidFill>
+                <a:latin typeface="Courier New" pitchFamily="49" charset="0"/>
+                <a:cs typeface="Courier New" pitchFamily="49" charset="0"/>
+              </a:rPr>
+              <a:t>, function prototypes, #defines, etc.)</a:t>
+            </a:r>
+          </a:p>
+          <a:p>
+            <a:pPr marL="0" indent="0">
+              <a:buNone/>
+            </a:pPr>
+            <a:r>
+              <a:rPr lang="en-US" sz="1400" b="1" dirty="0">
+                <a:solidFill>
+                  <a:srgbClr val="00B050"/>
+                </a:solidFill>
+                <a:latin typeface="Courier New" pitchFamily="49" charset="0"/>
+                <a:cs typeface="Courier New" pitchFamily="49" charset="0"/>
+              </a:rPr>
+              <a:t>// Use good comment headers to define each function (see example)</a:t>
+            </a:r>
+          </a:p>
+          <a:p>
+            <a:pPr marL="0" indent="0">
+              <a:buNone/>
+            </a:pPr>
+            <a:r>
+              <a:rPr lang="en-US" sz="1400" b="1" dirty="0">
+                <a:solidFill>
+                  <a:srgbClr val="00B050"/>
+                </a:solidFill>
+                <a:latin typeface="Courier New" pitchFamily="49" charset="0"/>
+                <a:cs typeface="Courier New" pitchFamily="49" charset="0"/>
+              </a:rPr>
               <a:t>// ...</a:t>
             </a:r>
+          </a:p>
+          <a:p>
+            <a:pPr marL="0" indent="0">
+              <a:buNone/>
+            </a:pPr>
+            <a:endParaRPr lang="en-US" sz="1400" b="1" dirty="0">
+              <a:solidFill>
+                <a:schemeClr val="accent2"/>
+              </a:solidFill>
+              <a:latin typeface="Courier New" pitchFamily="49" charset="0"/>
+              <a:cs typeface="Courier New" pitchFamily="49" charset="0"/>
+            </a:endParaRPr>
+          </a:p>
+          <a:p>
+            <a:pPr marL="0" indent="0">
+              <a:buNone/>
+            </a:pPr>
+            <a:r>
+              <a:rPr lang="en-US" sz="1400" b="1" dirty="0">
+                <a:solidFill>
+                  <a:schemeClr val="accent2"/>
+                </a:solidFill>
+                <a:latin typeface="Courier New" pitchFamily="49" charset="0"/>
+                <a:cs typeface="Courier New" pitchFamily="49" charset="0"/>
+              </a:rPr>
+              <a:t>#</a:t>
+            </a:r>
+            <a:r>
+              <a:rPr lang="en-US" sz="1400" b="1" dirty="0" err="1">
+                <a:solidFill>
+                  <a:schemeClr val="accent2"/>
+                </a:solidFill>
+                <a:latin typeface="Courier New" pitchFamily="49" charset="0"/>
+                <a:cs typeface="Courier New" pitchFamily="49" charset="0"/>
+              </a:rPr>
+              <a:t>endif</a:t>
+            </a:r>
+            <a:r>
+              <a:rPr lang="en-US" sz="1400" b="1" dirty="0">
+                <a:solidFill>
+                  <a:schemeClr val="accent2"/>
+                </a:solidFill>
+                <a:latin typeface="Courier New" pitchFamily="49" charset="0"/>
+                <a:cs typeface="Courier New" pitchFamily="49" charset="0"/>
+              </a:rPr>
+              <a:t> </a:t>
+            </a:r>
+            <a:r>
+              <a:rPr lang="en-US" sz="1400" b="1" dirty="0">
+                <a:solidFill>
+                  <a:srgbClr val="00B050"/>
+                </a:solidFill>
+                <a:latin typeface="Courier New" pitchFamily="49" charset="0"/>
+                <a:cs typeface="Courier New" pitchFamily="49" charset="0"/>
+              </a:rPr>
+              <a:t>// </a:t>
+            </a:r>
+            <a:r>
+              <a:rPr lang="en-US" sz="1400" dirty="0" smtClean="0">
+                <a:solidFill>
+                  <a:srgbClr val="00B050"/>
+                </a:solidFill>
+                <a:latin typeface="Courier New" pitchFamily="49" charset="0"/>
+                <a:cs typeface="Courier New" pitchFamily="49" charset="0"/>
+              </a:rPr>
+              <a:t>__MYSTUFF_H__</a:t>
+            </a:r>
+            <a:endParaRPr lang="en-US" sz="1400" b="1" dirty="0">
+              <a:solidFill>
+                <a:srgbClr val="00B050"/>
+              </a:solidFill>
+              <a:latin typeface="Courier New" pitchFamily="49" charset="0"/>
+              <a:cs typeface="Courier New" pitchFamily="49" charset="0"/>
+            </a:endParaRPr>
           </a:p>
         </p:txBody>
       </p:sp>
@@ -8121,8 +8005,8 @@
         </p:nvSpPr>
         <p:spPr bwMode="auto">
           <a:xfrm>
-            <a:off x="4906809" y="2694149"/>
-            <a:ext cx="3586655" cy="2784368"/>
+            <a:off x="5349240" y="1571140"/>
+            <a:ext cx="3586655" cy="1943538"/>
           </a:xfrm>
           <a:prstGeom prst="rect">
             <a:avLst/>
@@ -8161,7 +8045,7 @@
                 <a:latin typeface="Courier New" pitchFamily="49" charset="0"/>
                 <a:cs typeface="Courier New" pitchFamily="49" charset="0"/>
               </a:rPr>
-              <a:t>mystuff.c</a:t>
+              <a:t>mystuff.h</a:t>
             </a:r>
             <a:r>
               <a:rPr lang="en-US" sz="1200" b="1" kern="0" dirty="0" smtClean="0">
@@ -8171,7 +8055,7 @@
                 <a:latin typeface="Courier New" pitchFamily="49" charset="0"/>
                 <a:cs typeface="Courier New" pitchFamily="49" charset="0"/>
               </a:rPr>
-              <a:t> (implementation)</a:t>
+              <a:t> (header)</a:t>
             </a:r>
           </a:p>
           <a:p>
@@ -8203,7 +8087,7 @@
                 <a:latin typeface="Courier New" pitchFamily="49" charset="0"/>
                 <a:cs typeface="Courier New" pitchFamily="49" charset="0"/>
               </a:rPr>
-              <a:t>#include “</a:t>
+              <a:t>#include &lt;</a:t>
             </a:r>
             <a:r>
               <a:rPr lang="en-US" sz="1200" b="1" kern="0" dirty="0" err="1" smtClean="0">
@@ -8213,7 +8097,7 @@
                 <a:latin typeface="Courier New" pitchFamily="49" charset="0"/>
                 <a:cs typeface="Courier New" pitchFamily="49" charset="0"/>
               </a:rPr>
-              <a:t>mystuff.h</a:t>
+              <a:t>stdlib.h</a:t>
             </a:r>
             <a:r>
               <a:rPr lang="en-US" sz="1200" b="1" kern="0" dirty="0" smtClean="0">
@@ -8223,7 +8107,7 @@
                 <a:latin typeface="Courier New" pitchFamily="49" charset="0"/>
                 <a:cs typeface="Courier New" pitchFamily="49" charset="0"/>
               </a:rPr>
-              <a:t>”</a:t>
+              <a:t>&gt;</a:t>
             </a:r>
           </a:p>
           <a:p>
@@ -8239,17 +8123,47 @@
                 <a:latin typeface="Courier New" pitchFamily="49" charset="0"/>
                 <a:cs typeface="Courier New" pitchFamily="49" charset="0"/>
               </a:rPr>
-              <a:t>uint8_t </a:t>
-            </a:r>
-            <a:r>
-              <a:rPr lang="en-US" sz="1200" b="1" kern="0" dirty="0">
-                <a:solidFill>
-                  <a:schemeClr val="accent2"/>
-                </a:solidFill>
-                <a:latin typeface="Courier New" pitchFamily="49" charset="0"/>
-                <a:cs typeface="Courier New" pitchFamily="49" charset="0"/>
-              </a:rPr>
-              <a:t>summation(uint8_t n){</a:t>
+              <a:t>#</a:t>
+            </a:r>
+            <a:r>
+              <a:rPr lang="en-US" sz="1200" b="1" kern="0" dirty="0" err="1" smtClean="0">
+                <a:solidFill>
+                  <a:schemeClr val="accent2"/>
+                </a:solidFill>
+                <a:latin typeface="Courier New" pitchFamily="49" charset="0"/>
+                <a:cs typeface="Courier New" pitchFamily="49" charset="0"/>
+              </a:rPr>
+              <a:t>ifndef</a:t>
+            </a:r>
+            <a:r>
+              <a:rPr lang="en-US" sz="1200" b="1" kern="0" dirty="0" smtClean="0">
+                <a:solidFill>
+                  <a:schemeClr val="accent2"/>
+                </a:solidFill>
+                <a:latin typeface="Courier New" pitchFamily="49" charset="0"/>
+                <a:cs typeface="Courier New" pitchFamily="49" charset="0"/>
+              </a:rPr>
+              <a:t> __</a:t>
+            </a:r>
+            <a:r>
+              <a:rPr lang="en-US" sz="1200" b="1" kern="0" dirty="0" err="1" smtClean="0">
+                <a:solidFill>
+                  <a:schemeClr val="accent2"/>
+                </a:solidFill>
+                <a:latin typeface="Courier New" pitchFamily="49" charset="0"/>
+                <a:cs typeface="Courier New" pitchFamily="49" charset="0"/>
+              </a:rPr>
+              <a:t>mystuff_h</a:t>
+            </a:r>
+            <a:r>
+              <a:rPr lang="en-US" sz="1200" b="1" kern="0" dirty="0" smtClean="0">
+                <a:solidFill>
+                  <a:schemeClr val="accent2"/>
+                </a:solidFill>
+                <a:latin typeface="Courier New" pitchFamily="49" charset="0"/>
+                <a:cs typeface="Courier New" pitchFamily="49" charset="0"/>
+              </a:rPr>
+              <a:t>__</a:t>
             </a:r>
           </a:p>
           <a:p>
@@ -8258,6 +8172,62 @@
               <a:buNone/>
             </a:pPr>
             <a:r>
+              <a:rPr lang="en-US" sz="1200" b="1" kern="0" dirty="0" smtClean="0">
+                <a:solidFill>
+                  <a:schemeClr val="accent2"/>
+                </a:solidFill>
+                <a:latin typeface="Courier New" pitchFamily="49" charset="0"/>
+                <a:cs typeface="Courier New" pitchFamily="49" charset="0"/>
+              </a:rPr>
+              <a:t>#define __</a:t>
+            </a:r>
+            <a:r>
+              <a:rPr lang="en-US" sz="1200" b="1" kern="0" dirty="0" err="1" smtClean="0">
+                <a:solidFill>
+                  <a:schemeClr val="accent2"/>
+                </a:solidFill>
+                <a:latin typeface="Courier New" pitchFamily="49" charset="0"/>
+                <a:cs typeface="Courier New" pitchFamily="49" charset="0"/>
+              </a:rPr>
+              <a:t>mystuff_h</a:t>
+            </a:r>
+            <a:r>
+              <a:rPr lang="en-US" sz="1200" b="1" kern="0" dirty="0" smtClean="0">
+                <a:solidFill>
+                  <a:schemeClr val="accent2"/>
+                </a:solidFill>
+                <a:latin typeface="Courier New" pitchFamily="49" charset="0"/>
+                <a:cs typeface="Courier New" pitchFamily="49" charset="0"/>
+              </a:rPr>
+              <a:t>__</a:t>
+            </a:r>
+          </a:p>
+          <a:p>
+            <a:pPr marL="0" indent="0">
+              <a:buFontTx/>
+              <a:buNone/>
+            </a:pPr>
+            <a:r>
+              <a:rPr lang="en-US" sz="1200" b="1" kern="0" dirty="0" smtClean="0">
+                <a:solidFill>
+                  <a:schemeClr val="accent2"/>
+                </a:solidFill>
+                <a:latin typeface="Courier New" pitchFamily="49" charset="0"/>
+                <a:cs typeface="Courier New" pitchFamily="49" charset="0"/>
+              </a:rPr>
+              <a:t>unsigned </a:t>
+            </a:r>
+            <a:r>
+              <a:rPr lang="en-US" sz="1200" b="1" kern="0" dirty="0" err="1">
+                <a:solidFill>
+                  <a:schemeClr val="accent2"/>
+                </a:solidFill>
+                <a:latin typeface="Courier New" pitchFamily="49" charset="0"/>
+                <a:cs typeface="Courier New" pitchFamily="49" charset="0"/>
+              </a:rPr>
+              <a:t>int</a:t>
+            </a:r>
+            <a:r>
               <a:rPr lang="en-US" sz="1200" b="1" kern="0" dirty="0">
                 <a:solidFill>
                   <a:schemeClr val="accent2"/>
@@ -8265,142 +8235,178 @@
                 <a:latin typeface="Courier New" pitchFamily="49" charset="0"/>
                 <a:cs typeface="Courier New" pitchFamily="49" charset="0"/>
               </a:rPr>
-              <a:t>    </a:t>
-            </a:r>
-            <a:r>
-              <a:rPr lang="en-US" sz="1200" b="1" kern="0" dirty="0">
-                <a:solidFill>
-                  <a:srgbClr val="00B050"/>
-                </a:solidFill>
-                <a:latin typeface="Courier New" pitchFamily="49" charset="0"/>
-                <a:cs typeface="Courier New" pitchFamily="49" charset="0"/>
-              </a:rPr>
-              <a:t>// recursion! </a:t>
-            </a:r>
-            <a:endParaRPr lang="en-US" sz="1200" b="1" kern="0" dirty="0" smtClean="0">
+              <a:t> summation (uint8_t n</a:t>
+            </a:r>
+            <a:r>
+              <a:rPr lang="en-US" sz="1200" b="1" kern="0" dirty="0" smtClean="0">
+                <a:solidFill>
+                  <a:schemeClr val="accent2"/>
+                </a:solidFill>
+                <a:latin typeface="Courier New" pitchFamily="49" charset="0"/>
+                <a:cs typeface="Courier New" pitchFamily="49" charset="0"/>
+              </a:rPr>
+              <a:t>);</a:t>
+            </a:r>
+          </a:p>
+          <a:p>
+            <a:pPr marL="0" indent="0">
+              <a:buFontTx/>
+              <a:buNone/>
+            </a:pPr>
+            <a:r>
+              <a:rPr lang="en-US" sz="1200" b="1" kern="0" dirty="0" smtClean="0">
+                <a:solidFill>
+                  <a:schemeClr val="accent2"/>
+                </a:solidFill>
+                <a:latin typeface="Courier New" pitchFamily="49" charset="0"/>
+                <a:cs typeface="Courier New" pitchFamily="49" charset="0"/>
+              </a:rPr>
+              <a:t>#</a:t>
+            </a:r>
+            <a:r>
+              <a:rPr lang="en-US" sz="1200" b="1" kern="0" dirty="0" err="1" smtClean="0">
+                <a:solidFill>
+                  <a:schemeClr val="accent2"/>
+                </a:solidFill>
+                <a:latin typeface="Courier New" pitchFamily="49" charset="0"/>
+                <a:cs typeface="Courier New" pitchFamily="49" charset="0"/>
+              </a:rPr>
+              <a:t>endif</a:t>
+            </a:r>
+            <a:endParaRPr lang="en-US" sz="1200" b="1" kern="0" dirty="0">
               <a:solidFill>
-                <a:srgbClr val="00B050"/>
+                <a:schemeClr val="accent2"/>
               </a:solidFill>
               <a:latin typeface="Courier New" pitchFamily="49" charset="0"/>
               <a:cs typeface="Courier New" pitchFamily="49" charset="0"/>
             </a:endParaRPr>
           </a:p>
-          <a:p>
-            <a:pPr marL="0" indent="0">
+        </p:txBody>
+      </p:sp>
+      <p:sp>
+        <p:nvSpPr>
+          <p:cNvPr id="5" name="Rectangular Callout 4"/>
+          <p:cNvSpPr/>
+          <p:nvPr/>
+        </p:nvSpPr>
+        <p:spPr bwMode="auto">
+          <a:xfrm>
+            <a:off x="3756212" y="4078941"/>
+            <a:ext cx="3460376" cy="636494"/>
+          </a:xfrm>
+          <a:prstGeom prst="wedgeRectCallout">
+            <a:avLst>
+              <a:gd name="adj1" fmla="val -78951"/>
+              <a:gd name="adj2" fmla="val 7849"/>
+            </a:avLst>
+          </a:prstGeom>
+          <a:solidFill>
+            <a:srgbClr val="FFFF00"/>
+          </a:solidFill>
+          <a:ln w="12700" cap="flat" cmpd="sng" algn="ctr">
+            <a:solidFill>
+              <a:schemeClr val="tx1"/>
+            </a:solidFill>
+            <a:prstDash val="solid"/>
+            <a:round/>
+            <a:headEnd type="none" w="med" len="med"/>
+            <a:tailEnd type="none" w="med" len="med"/>
+          </a:ln>
+          <a:effectLst/>
+        </p:spPr>
+        <p:txBody>
+          <a:bodyPr vert="horz" wrap="square" lIns="91440" tIns="45720" rIns="91440" bIns="45720" numCol="1" rtlCol="0" anchor="t" anchorCtr="0" compatLnSpc="1">
+            <a:prstTxWarp prst="textNoShape">
+              <a:avLst/>
+            </a:prstTxWarp>
+          </a:bodyPr>
+          <a:lstStyle/>
+          <a:p>
+            <a:pPr marL="0" marR="0" indent="0" algn="ctr" defTabSz="914400" rtl="0" eaLnBrk="0" fontAlgn="base" latinLnBrk="0" hangingPunct="0">
+              <a:lnSpc>
+                <a:spcPct val="100000"/>
+              </a:lnSpc>
+              <a:spcBef>
+                <a:spcPct val="0"/>
+              </a:spcBef>
+              <a:spcAft>
+                <a:spcPct val="0"/>
+              </a:spcAft>
+              <a:buClrTx/>
+              <a:buSzTx/>
               <a:buFontTx/>
               <a:buNone/>
-            </a:pPr>
-            <a:r>
-              <a:rPr lang="en-US" sz="1200" b="1" kern="0" dirty="0">
-                <a:solidFill>
-                  <a:srgbClr val="00B050"/>
-                </a:solidFill>
-                <a:latin typeface="Courier New" pitchFamily="49" charset="0"/>
-                <a:cs typeface="Courier New" pitchFamily="49" charset="0"/>
-              </a:rPr>
-              <a:t> </a:t>
-            </a:r>
-            <a:r>
-              <a:rPr lang="en-US" sz="1200" b="1" kern="0" dirty="0" smtClean="0">
-                <a:solidFill>
-                  <a:srgbClr val="00B050"/>
-                </a:solidFill>
-                <a:latin typeface="Courier New" pitchFamily="49" charset="0"/>
-                <a:cs typeface="Courier New" pitchFamily="49" charset="0"/>
-              </a:rPr>
-              <a:t>   </a:t>
-            </a:r>
-            <a:r>
-              <a:rPr lang="en-US" sz="1200" b="1" kern="0" dirty="0" smtClean="0">
-                <a:solidFill>
-                  <a:schemeClr val="accent2"/>
-                </a:solidFill>
-                <a:latin typeface="Courier New" pitchFamily="49" charset="0"/>
-                <a:cs typeface="Courier New" pitchFamily="49" charset="0"/>
-              </a:rPr>
-              <a:t>if </a:t>
-            </a:r>
-            <a:r>
-              <a:rPr lang="en-US" sz="1200" b="1" kern="0" dirty="0">
-                <a:solidFill>
-                  <a:schemeClr val="accent2"/>
-                </a:solidFill>
-                <a:latin typeface="Courier New" pitchFamily="49" charset="0"/>
-                <a:cs typeface="Courier New" pitchFamily="49" charset="0"/>
-              </a:rPr>
-              <a:t>(n &lt;= 0)</a:t>
-            </a:r>
-          </a:p>
-          <a:p>
-            <a:pPr marL="0" indent="0">
-              <a:buFontTx/>
-              <a:buNone/>
-            </a:pPr>
-            <a:r>
-              <a:rPr lang="en-US" sz="1200" b="1" kern="0" dirty="0">
-                <a:solidFill>
-                  <a:schemeClr val="accent2"/>
-                </a:solidFill>
-                <a:latin typeface="Courier New" pitchFamily="49" charset="0"/>
-                <a:cs typeface="Courier New" pitchFamily="49" charset="0"/>
-              </a:rPr>
-              <a:t>        return 0;</a:t>
-            </a:r>
-          </a:p>
-          <a:p>
-            <a:pPr marL="0" indent="0">
-              <a:buFontTx/>
-              <a:buNone/>
-            </a:pPr>
-            <a:r>
-              <a:rPr lang="en-US" sz="1200" b="1" kern="0" dirty="0">
-                <a:solidFill>
-                  <a:schemeClr val="accent2"/>
-                </a:solidFill>
-                <a:latin typeface="Courier New" pitchFamily="49" charset="0"/>
-                <a:cs typeface="Courier New" pitchFamily="49" charset="0"/>
-              </a:rPr>
-              <a:t>    else</a:t>
-            </a:r>
-          </a:p>
-          <a:p>
-            <a:pPr marL="0" indent="0">
-              <a:buFontTx/>
-              <a:buNone/>
-            </a:pPr>
-            <a:r>
-              <a:rPr lang="en-US" sz="1200" b="1" kern="0" dirty="0">
-                <a:solidFill>
-                  <a:schemeClr val="accent2"/>
-                </a:solidFill>
-                <a:latin typeface="Courier New" pitchFamily="49" charset="0"/>
-                <a:cs typeface="Courier New" pitchFamily="49" charset="0"/>
-              </a:rPr>
-              <a:t>        return n + summation(n-1);</a:t>
-            </a:r>
-          </a:p>
-          <a:p>
-            <a:pPr marL="0" indent="0">
-              <a:buFontTx/>
-              <a:buNone/>
-            </a:pPr>
-            <a:r>
-              <a:rPr lang="en-US" sz="1200" b="1" kern="0" dirty="0">
-                <a:solidFill>
-                  <a:schemeClr val="accent2"/>
-                </a:solidFill>
-                <a:latin typeface="Courier New" pitchFamily="49" charset="0"/>
-                <a:cs typeface="Courier New" pitchFamily="49" charset="0"/>
-              </a:rPr>
-              <a:t>}</a:t>
-            </a:r>
+              <a:tabLst/>
+            </a:pPr>
+            <a:r>
+              <a:rPr kumimoji="0" lang="en-US" sz="1600" b="0" i="0" u="none" strike="noStrike" cap="none" normalizeH="0" baseline="0" dirty="0" smtClean="0">
+                <a:ln>
+                  <a:noFill/>
+                </a:ln>
+                <a:solidFill>
+                  <a:schemeClr val="tx1"/>
+                </a:solidFill>
+                <a:effectLst/>
+                <a:latin typeface="Arial" charset="0"/>
+              </a:rPr>
+              <a:t>OK to use a #define here because this is an </a:t>
+            </a:r>
+            <a:r>
+              <a:rPr kumimoji="0" lang="en-US" sz="1600" b="0" i="0" u="none" strike="noStrike" cap="none" normalizeH="0" baseline="0" dirty="0" err="1" smtClean="0">
+                <a:ln>
+                  <a:noFill/>
+                </a:ln>
+                <a:solidFill>
+                  <a:schemeClr val="tx1"/>
+                </a:solidFill>
+                <a:effectLst/>
+                <a:latin typeface="Arial" charset="0"/>
+              </a:rPr>
+              <a:t>ifndef</a:t>
+            </a:r>
+            <a:r>
+              <a:rPr kumimoji="0" lang="en-US" sz="1600" b="0" i="0" u="none" strike="noStrike" cap="none" normalizeH="0" baseline="0" dirty="0" smtClean="0">
+                <a:ln>
+                  <a:noFill/>
+                </a:ln>
+                <a:solidFill>
+                  <a:schemeClr val="tx1"/>
+                </a:solidFill>
+                <a:effectLst/>
+                <a:latin typeface="Arial" charset="0"/>
+              </a:rPr>
+              <a:t>/define flow</a:t>
+            </a:r>
+            <a:r>
+              <a:rPr kumimoji="0" lang="en-US" sz="1600" b="0" i="0" u="none" strike="noStrike" cap="none" normalizeH="0" dirty="0" smtClean="0">
+                <a:ln>
+                  <a:noFill/>
+                </a:ln>
+                <a:solidFill>
+                  <a:schemeClr val="tx1"/>
+                </a:solidFill>
+                <a:effectLst/>
+                <a:latin typeface="Arial" charset="0"/>
+              </a:rPr>
+              <a:t> control</a:t>
+            </a:r>
+            <a:endParaRPr kumimoji="0" lang="en-US" sz="1600" b="0" i="0" u="none" strike="noStrike" cap="none" normalizeH="0" baseline="0" dirty="0" smtClean="0">
+              <a:ln>
+                <a:noFill/>
+              </a:ln>
+              <a:solidFill>
+                <a:schemeClr val="tx1"/>
+              </a:solidFill>
+              <a:effectLst/>
+              <a:latin typeface="Arial" charset="0"/>
+            </a:endParaRPr>
           </a:p>
         </p:txBody>
       </p:sp>
     </p:spTree>
     <p:extLst>
       <p:ext uri="{BB962C8B-B14F-4D97-AF65-F5344CB8AC3E}">
-        <p14:creationId xmlns:p14="http://schemas.microsoft.com/office/powerpoint/2010/main" val="3486206904"/>
+        <p14:creationId xmlns:p14="http://schemas.microsoft.com/office/powerpoint/2010/main" val="4108330727"/>
       </p:ext>
     </p:extLst>
   </p:cSld>
@@ -8450,8 +8456,8 @@
           <a:lstStyle/>
           <a:p>
             <a:r>
-              <a:rPr lang="en-US" b="1" dirty="0" smtClean="0"/>
-              <a:t>C Language:  Libraries</a:t>
+              <a:rPr lang="en-US" b="1" dirty="0"/>
+              <a:t>C Implementation Files</a:t>
             </a:r>
             <a:endParaRPr lang="en-US" dirty="0"/>
           </a:p>
@@ -8459,14 +8465,212 @@
       </p:sp>
       <p:sp>
         <p:nvSpPr>
-          <p:cNvPr id="6" name="Rectangle 5"/>
+          <p:cNvPr id="3" name="Content Placeholder 2"/>
+          <p:cNvSpPr>
+            <a:spLocks noGrp="1"/>
+          </p:cNvSpPr>
+          <p:nvPr>
+            <p:ph idx="1"/>
+          </p:nvPr>
+        </p:nvSpPr>
+        <p:spPr>
+          <a:xfrm>
+            <a:off x="499785" y="1467486"/>
+            <a:ext cx="8083562" cy="4838721"/>
+          </a:xfrm>
+        </p:spPr>
+        <p:txBody>
+          <a:bodyPr/>
+          <a:lstStyle/>
+          <a:p>
+            <a:pPr marL="0" indent="0">
+              <a:buNone/>
+            </a:pPr>
+            <a:r>
+              <a:rPr lang="en-US" sz="1400" dirty="0"/>
+              <a:t>A separate C file that implements the header file</a:t>
+            </a:r>
+          </a:p>
+          <a:p>
+            <a:pPr marL="0" indent="0">
+              <a:buNone/>
+            </a:pPr>
+            <a:r>
+              <a:rPr lang="en-US" sz="1400" dirty="0"/>
+              <a:t>Contains the function definitions</a:t>
+            </a:r>
+          </a:p>
+          <a:p>
+            <a:pPr marL="0" indent="0">
+              <a:buNone/>
+            </a:pPr>
+            <a:r>
+              <a:rPr lang="en-US" sz="1400" dirty="0"/>
+              <a:t>#include the header file as your first line</a:t>
+            </a:r>
+          </a:p>
+          <a:p>
+            <a:pPr marL="0" indent="0">
+              <a:buNone/>
+            </a:pPr>
+            <a:r>
+              <a:rPr lang="en-US" sz="1400" dirty="0"/>
+              <a:t>File naming convention:</a:t>
+            </a:r>
+          </a:p>
+          <a:p>
+            <a:pPr marL="400050" lvl="1" indent="0">
+              <a:buNone/>
+            </a:pPr>
+            <a:r>
+              <a:rPr lang="en-US" sz="1400" dirty="0"/>
+              <a:t>Same name as the header file!</a:t>
+            </a:r>
+          </a:p>
+          <a:p>
+            <a:pPr marL="400050" lvl="1" indent="0">
+              <a:buNone/>
+            </a:pPr>
+            <a:r>
+              <a:rPr lang="en-US" sz="1400" dirty="0"/>
+              <a:t>".c" is the file extension</a:t>
+            </a:r>
+          </a:p>
+          <a:p>
+            <a:pPr marL="400050" lvl="1" indent="0">
+              <a:buNone/>
+            </a:pPr>
+            <a:r>
+              <a:rPr lang="en-US" sz="1400" dirty="0"/>
+              <a:t>Example: </a:t>
+            </a:r>
+            <a:r>
+              <a:rPr lang="en-US" sz="1400" dirty="0" err="1" smtClean="0"/>
+              <a:t>atd_helper.c</a:t>
+            </a:r>
+            <a:endParaRPr lang="en-US" sz="1400" dirty="0" smtClean="0"/>
+          </a:p>
+          <a:p>
+            <a:pPr marL="0" indent="0">
+              <a:buNone/>
+            </a:pPr>
+            <a:endParaRPr lang="en-US" sz="1400" b="1" dirty="0" smtClean="0">
+              <a:solidFill>
+                <a:schemeClr val="accent2"/>
+              </a:solidFill>
+              <a:latin typeface="Courier New" pitchFamily="49" charset="0"/>
+              <a:cs typeface="Courier New" pitchFamily="49" charset="0"/>
+            </a:endParaRPr>
+          </a:p>
+          <a:p>
+            <a:pPr marL="0" indent="0">
+              <a:buNone/>
+            </a:pPr>
+            <a:r>
+              <a:rPr lang="en-US" sz="1400" b="1" dirty="0">
+                <a:solidFill>
+                  <a:schemeClr val="accent2"/>
+                </a:solidFill>
+                <a:latin typeface="Courier New" pitchFamily="49" charset="0"/>
+                <a:cs typeface="Courier New" pitchFamily="49" charset="0"/>
+              </a:rPr>
+              <a:t>#include </a:t>
+            </a:r>
+            <a:r>
+              <a:rPr lang="en-US" sz="1400" b="1" dirty="0" smtClean="0">
+                <a:solidFill>
+                  <a:schemeClr val="accent2"/>
+                </a:solidFill>
+                <a:latin typeface="Courier New" pitchFamily="49" charset="0"/>
+                <a:cs typeface="Courier New" pitchFamily="49" charset="0"/>
+              </a:rPr>
+              <a:t>“</a:t>
+            </a:r>
+            <a:r>
+              <a:rPr lang="en-US" sz="1400" dirty="0" err="1" smtClean="0">
+                <a:solidFill>
+                  <a:schemeClr val="accent2"/>
+                </a:solidFill>
+                <a:latin typeface="Courier New" pitchFamily="49" charset="0"/>
+                <a:cs typeface="Courier New" pitchFamily="49" charset="0"/>
+              </a:rPr>
+              <a:t>mystuff</a:t>
+            </a:r>
+            <a:r>
+              <a:rPr lang="en-US" sz="1400" b="1" dirty="0" err="1" smtClean="0">
+                <a:solidFill>
+                  <a:schemeClr val="accent2"/>
+                </a:solidFill>
+                <a:latin typeface="Courier New" pitchFamily="49" charset="0"/>
+                <a:cs typeface="Courier New" pitchFamily="49" charset="0"/>
+              </a:rPr>
+              <a:t>.h</a:t>
+            </a:r>
+            <a:r>
+              <a:rPr lang="en-US" sz="1400" b="1" dirty="0">
+                <a:solidFill>
+                  <a:schemeClr val="accent2"/>
+                </a:solidFill>
+                <a:latin typeface="Courier New" pitchFamily="49" charset="0"/>
+                <a:cs typeface="Courier New" pitchFamily="49" charset="0"/>
+              </a:rPr>
+              <a:t>"</a:t>
+            </a:r>
+          </a:p>
+          <a:p>
+            <a:pPr marL="0" indent="0">
+              <a:buNone/>
+            </a:pPr>
+            <a:endParaRPr lang="en-US" sz="1400" b="1" dirty="0">
+              <a:solidFill>
+                <a:schemeClr val="accent2"/>
+              </a:solidFill>
+              <a:latin typeface="Courier New" pitchFamily="49" charset="0"/>
+              <a:cs typeface="Courier New" pitchFamily="49" charset="0"/>
+            </a:endParaRPr>
+          </a:p>
+          <a:p>
+            <a:pPr marL="0" indent="0">
+              <a:buNone/>
+            </a:pPr>
+            <a:r>
+              <a:rPr lang="en-US" sz="1400" b="1" dirty="0">
+                <a:solidFill>
+                  <a:srgbClr val="00B050"/>
+                </a:solidFill>
+                <a:latin typeface="Courier New" pitchFamily="49" charset="0"/>
+                <a:cs typeface="Courier New" pitchFamily="49" charset="0"/>
+              </a:rPr>
+              <a:t>// Function definitions</a:t>
+            </a:r>
+          </a:p>
+          <a:p>
+            <a:pPr marL="0" indent="0">
+              <a:buNone/>
+            </a:pPr>
+            <a:r>
+              <a:rPr lang="en-US" sz="1400" b="1" dirty="0">
+                <a:solidFill>
+                  <a:srgbClr val="00B050"/>
+                </a:solidFill>
+                <a:latin typeface="Courier New" pitchFamily="49" charset="0"/>
+                <a:cs typeface="Courier New" pitchFamily="49" charset="0"/>
+              </a:rPr>
+              <a:t>// ...</a:t>
+            </a:r>
+          </a:p>
+        </p:txBody>
+      </p:sp>
+      <p:sp>
+        <p:nvSpPr>
+          <p:cNvPr id="4" name="Rectangle 3"/>
           <p:cNvSpPr/>
           <p:nvPr/>
         </p:nvSpPr>
         <p:spPr bwMode="auto">
           <a:xfrm>
-            <a:off x="480433" y="1595783"/>
-            <a:ext cx="3586655" cy="3486762"/>
+            <a:off x="4906809" y="2694149"/>
+            <a:ext cx="3586655" cy="2784368"/>
           </a:xfrm>
           <a:prstGeom prst="rect">
             <a:avLst/>
@@ -8498,357 +8702,6 @@
               <a:buNone/>
             </a:pPr>
             <a:r>
-              <a:rPr lang="en-US" sz="1200" b="1" kern="0" dirty="0" err="1">
-                <a:solidFill>
-                  <a:schemeClr val="accent2"/>
-                </a:solidFill>
-                <a:latin typeface="Courier New" pitchFamily="49" charset="0"/>
-                <a:cs typeface="Courier New" pitchFamily="49" charset="0"/>
-              </a:rPr>
-              <a:t>m</a:t>
-            </a:r>
-            <a:r>
-              <a:rPr lang="en-US" sz="1200" b="1" kern="0" dirty="0" err="1" smtClean="0">
-                <a:solidFill>
-                  <a:schemeClr val="accent2"/>
-                </a:solidFill>
-                <a:latin typeface="Courier New" pitchFamily="49" charset="0"/>
-                <a:cs typeface="Courier New" pitchFamily="49" charset="0"/>
-              </a:rPr>
-              <a:t>ain.c</a:t>
-            </a:r>
-            <a:endParaRPr lang="en-US" sz="1200" b="1" kern="0" dirty="0" smtClean="0">
-              <a:solidFill>
-                <a:schemeClr val="accent2"/>
-              </a:solidFill>
-              <a:latin typeface="Courier New" pitchFamily="49" charset="0"/>
-              <a:cs typeface="Courier New" pitchFamily="49" charset="0"/>
-            </a:endParaRPr>
-          </a:p>
-          <a:p>
-            <a:pPr marL="0" indent="0">
-              <a:buFontTx/>
-              <a:buNone/>
-            </a:pPr>
-            <a:r>
-              <a:rPr lang="en-US" sz="1200" b="1" kern="0" dirty="0" smtClean="0">
-                <a:solidFill>
-                  <a:schemeClr val="accent2"/>
-                </a:solidFill>
-                <a:latin typeface="Courier New" pitchFamily="49" charset="0"/>
-                <a:cs typeface="Courier New" pitchFamily="49" charset="0"/>
-              </a:rPr>
-              <a:t>-----------------------------</a:t>
-            </a:r>
-          </a:p>
-          <a:p>
-            <a:pPr marL="0" indent="0">
-              <a:buFontTx/>
-              <a:buNone/>
-            </a:pPr>
-            <a:r>
-              <a:rPr lang="en-US" sz="1200" b="1" kern="0" dirty="0" smtClean="0">
-                <a:solidFill>
-                  <a:schemeClr val="accent2"/>
-                </a:solidFill>
-                <a:latin typeface="Courier New" pitchFamily="49" charset="0"/>
-                <a:cs typeface="Courier New" pitchFamily="49" charset="0"/>
-              </a:rPr>
-              <a:t>#include “</a:t>
-            </a:r>
-            <a:r>
-              <a:rPr lang="en-US" sz="1200" b="1" kern="0" dirty="0" err="1" smtClean="0">
-                <a:solidFill>
-                  <a:schemeClr val="accent2"/>
-                </a:solidFill>
-                <a:latin typeface="Courier New" pitchFamily="49" charset="0"/>
-                <a:cs typeface="Courier New" pitchFamily="49" charset="0"/>
-              </a:rPr>
-              <a:t>mystuff.h</a:t>
-            </a:r>
-            <a:r>
-              <a:rPr lang="en-US" sz="1200" b="1" kern="0" dirty="0" smtClean="0">
-                <a:solidFill>
-                  <a:schemeClr val="accent2"/>
-                </a:solidFill>
-                <a:latin typeface="Courier New" pitchFamily="49" charset="0"/>
-                <a:cs typeface="Courier New" pitchFamily="49" charset="0"/>
-              </a:rPr>
-              <a:t>”</a:t>
-            </a:r>
-            <a:endParaRPr lang="en-US" sz="1200" b="1" kern="0" dirty="0">
-              <a:solidFill>
-                <a:schemeClr val="accent2"/>
-              </a:solidFill>
-              <a:latin typeface="Courier New" pitchFamily="49" charset="0"/>
-              <a:cs typeface="Courier New" pitchFamily="49" charset="0"/>
-            </a:endParaRPr>
-          </a:p>
-          <a:p>
-            <a:pPr marL="0" indent="0">
-              <a:buFontTx/>
-              <a:buNone/>
-            </a:pPr>
-            <a:endParaRPr lang="en-US" sz="1200" b="1" kern="0" dirty="0">
-              <a:solidFill>
-                <a:schemeClr val="accent2"/>
-              </a:solidFill>
-              <a:latin typeface="Courier New" pitchFamily="49" charset="0"/>
-              <a:cs typeface="Courier New" pitchFamily="49" charset="0"/>
-            </a:endParaRPr>
-          </a:p>
-          <a:p>
-            <a:pPr marL="0" indent="0">
-              <a:buFontTx/>
-              <a:buNone/>
-            </a:pPr>
-            <a:r>
-              <a:rPr lang="en-US" sz="1200" b="1" kern="0" dirty="0">
-                <a:solidFill>
-                  <a:schemeClr val="accent2"/>
-                </a:solidFill>
-                <a:latin typeface="Courier New" pitchFamily="49" charset="0"/>
-                <a:cs typeface="Courier New" pitchFamily="49" charset="0"/>
-              </a:rPr>
-              <a:t>void main(void){</a:t>
-            </a:r>
-          </a:p>
-          <a:p>
-            <a:pPr marL="0" indent="0">
-              <a:buFontTx/>
-              <a:buNone/>
-            </a:pPr>
-            <a:r>
-              <a:rPr lang="en-US" sz="1200" b="1" kern="0" dirty="0">
-                <a:solidFill>
-                  <a:schemeClr val="accent2"/>
-                </a:solidFill>
-                <a:latin typeface="Courier New" pitchFamily="49" charset="0"/>
-                <a:cs typeface="Courier New" pitchFamily="49" charset="0"/>
-              </a:rPr>
-              <a:t>    uint8_t </a:t>
-            </a:r>
-            <a:r>
-              <a:rPr lang="en-US" sz="1200" b="1" kern="0" dirty="0" err="1">
-                <a:solidFill>
-                  <a:schemeClr val="accent2"/>
-                </a:solidFill>
-                <a:latin typeface="Courier New" pitchFamily="49" charset="0"/>
-                <a:cs typeface="Courier New" pitchFamily="49" charset="0"/>
-              </a:rPr>
-              <a:t>mySummation</a:t>
-            </a:r>
-            <a:r>
-              <a:rPr lang="en-US" sz="1200" b="1" kern="0" dirty="0">
-                <a:solidFill>
-                  <a:schemeClr val="accent2"/>
-                </a:solidFill>
-                <a:latin typeface="Courier New" pitchFamily="49" charset="0"/>
-                <a:cs typeface="Courier New" pitchFamily="49" charset="0"/>
-              </a:rPr>
-              <a:t>;</a:t>
-            </a:r>
-          </a:p>
-          <a:p>
-            <a:pPr marL="0" indent="0">
-              <a:buFontTx/>
-              <a:buNone/>
-            </a:pPr>
-            <a:r>
-              <a:rPr lang="en-US" sz="1200" b="1" kern="0" dirty="0">
-                <a:solidFill>
-                  <a:schemeClr val="accent2"/>
-                </a:solidFill>
-                <a:latin typeface="Courier New" pitchFamily="49" charset="0"/>
-                <a:cs typeface="Courier New" pitchFamily="49" charset="0"/>
-              </a:rPr>
-              <a:t>    uint8_t </a:t>
-            </a:r>
-            <a:r>
-              <a:rPr lang="en-US" sz="1200" b="1" kern="0" dirty="0" err="1">
-                <a:solidFill>
-                  <a:schemeClr val="accent2"/>
-                </a:solidFill>
-                <a:latin typeface="Courier New" pitchFamily="49" charset="0"/>
-                <a:cs typeface="Courier New" pitchFamily="49" charset="0"/>
-              </a:rPr>
-              <a:t>maxN</a:t>
-            </a:r>
-            <a:r>
-              <a:rPr lang="en-US" sz="1200" b="1" kern="0" dirty="0">
-                <a:solidFill>
-                  <a:schemeClr val="accent2"/>
-                </a:solidFill>
-                <a:latin typeface="Courier New" pitchFamily="49" charset="0"/>
-                <a:cs typeface="Courier New" pitchFamily="49" charset="0"/>
-              </a:rPr>
-              <a:t> = 42;</a:t>
-            </a:r>
-          </a:p>
-          <a:p>
-            <a:pPr marL="0" indent="0">
-              <a:buFontTx/>
-              <a:buNone/>
-            </a:pPr>
-            <a:endParaRPr lang="en-US" sz="1200" b="1" kern="0" dirty="0">
-              <a:solidFill>
-                <a:schemeClr val="accent2"/>
-              </a:solidFill>
-              <a:latin typeface="Courier New" pitchFamily="49" charset="0"/>
-              <a:cs typeface="Courier New" pitchFamily="49" charset="0"/>
-            </a:endParaRPr>
-          </a:p>
-          <a:p>
-            <a:pPr marL="0" indent="0">
-              <a:buFontTx/>
-              <a:buNone/>
-            </a:pPr>
-            <a:r>
-              <a:rPr lang="en-US" sz="1200" b="1" kern="0" dirty="0">
-                <a:solidFill>
-                  <a:schemeClr val="accent2"/>
-                </a:solidFill>
-                <a:latin typeface="Courier New" pitchFamily="49" charset="0"/>
-                <a:cs typeface="Courier New" pitchFamily="49" charset="0"/>
-              </a:rPr>
-              <a:t>    </a:t>
-            </a:r>
-            <a:r>
-              <a:rPr lang="en-US" sz="1200" b="1" kern="0" dirty="0" err="1">
-                <a:solidFill>
-                  <a:schemeClr val="accent2"/>
-                </a:solidFill>
-                <a:latin typeface="Courier New" pitchFamily="49" charset="0"/>
-                <a:cs typeface="Courier New" pitchFamily="49" charset="0"/>
-              </a:rPr>
-              <a:t>mySummation</a:t>
-            </a:r>
-            <a:r>
-              <a:rPr lang="en-US" sz="1200" b="1" kern="0" dirty="0">
-                <a:solidFill>
-                  <a:schemeClr val="accent2"/>
-                </a:solidFill>
-                <a:latin typeface="Courier New" pitchFamily="49" charset="0"/>
-                <a:cs typeface="Courier New" pitchFamily="49" charset="0"/>
-              </a:rPr>
-              <a:t> = summation(23);</a:t>
-            </a:r>
-          </a:p>
-          <a:p>
-            <a:pPr marL="0" indent="0">
-              <a:buFontTx/>
-              <a:buNone/>
-            </a:pPr>
-            <a:r>
-              <a:rPr lang="en-US" sz="1200" b="1" kern="0" dirty="0">
-                <a:solidFill>
-                  <a:schemeClr val="accent2"/>
-                </a:solidFill>
-                <a:latin typeface="Courier New" pitchFamily="49" charset="0"/>
-                <a:cs typeface="Courier New" pitchFamily="49" charset="0"/>
-              </a:rPr>
-              <a:t>    </a:t>
-            </a:r>
-            <a:r>
-              <a:rPr lang="en-US" sz="1200" b="1" kern="0" dirty="0" err="1">
-                <a:solidFill>
-                  <a:schemeClr val="accent2"/>
-                </a:solidFill>
-                <a:latin typeface="Courier New" pitchFamily="49" charset="0"/>
-                <a:cs typeface="Courier New" pitchFamily="49" charset="0"/>
-              </a:rPr>
-              <a:t>mySummation</a:t>
-            </a:r>
-            <a:r>
-              <a:rPr lang="en-US" sz="1200" b="1" kern="0" dirty="0">
-                <a:solidFill>
-                  <a:schemeClr val="accent2"/>
-                </a:solidFill>
-                <a:latin typeface="Courier New" pitchFamily="49" charset="0"/>
-                <a:cs typeface="Courier New" pitchFamily="49" charset="0"/>
-              </a:rPr>
-              <a:t> = summation(</a:t>
-            </a:r>
-            <a:r>
-              <a:rPr lang="en-US" sz="1200" b="1" kern="0" dirty="0" err="1">
-                <a:solidFill>
-                  <a:schemeClr val="accent2"/>
-                </a:solidFill>
-                <a:latin typeface="Courier New" pitchFamily="49" charset="0"/>
-                <a:cs typeface="Courier New" pitchFamily="49" charset="0"/>
-              </a:rPr>
-              <a:t>maxN</a:t>
-            </a:r>
-            <a:r>
-              <a:rPr lang="en-US" sz="1200" b="1" kern="0" dirty="0">
-                <a:solidFill>
-                  <a:schemeClr val="accent2"/>
-                </a:solidFill>
-                <a:latin typeface="Courier New" pitchFamily="49" charset="0"/>
-                <a:cs typeface="Courier New" pitchFamily="49" charset="0"/>
-              </a:rPr>
-              <a:t>);</a:t>
-            </a:r>
-          </a:p>
-          <a:p>
-            <a:pPr marL="0" indent="0">
-              <a:buFontTx/>
-              <a:buNone/>
-            </a:pPr>
-            <a:r>
-              <a:rPr lang="en-US" sz="1200" b="1" kern="0" dirty="0">
-                <a:solidFill>
-                  <a:schemeClr val="accent2"/>
-                </a:solidFill>
-                <a:latin typeface="Courier New" pitchFamily="49" charset="0"/>
-                <a:cs typeface="Courier New" pitchFamily="49" charset="0"/>
-              </a:rPr>
-              <a:t>}</a:t>
-            </a:r>
-          </a:p>
-        </p:txBody>
-      </p:sp>
-      <p:sp>
-        <p:nvSpPr>
-          <p:cNvPr id="7" name="Rectangle 6"/>
-          <p:cNvSpPr/>
-          <p:nvPr/>
-        </p:nvSpPr>
-        <p:spPr bwMode="auto">
-          <a:xfrm>
-            <a:off x="4331368" y="3671612"/>
-            <a:ext cx="3586655" cy="2564559"/>
-          </a:xfrm>
-          <a:prstGeom prst="rect">
-            <a:avLst/>
-          </a:prstGeom>
-          <a:solidFill>
-            <a:schemeClr val="bg1"/>
-          </a:solidFill>
-          <a:ln w="12700" cap="flat" cmpd="sng" algn="ctr">
-            <a:solidFill>
-              <a:schemeClr val="tx1"/>
-            </a:solidFill>
-            <a:prstDash val="solid"/>
-            <a:round/>
-            <a:headEnd type="none" w="med" len="med"/>
-            <a:tailEnd type="none" w="med" len="med"/>
-          </a:ln>
-          <a:effectLst/>
-        </p:spPr>
-        <p:txBody>
-          <a:bodyPr vert="horz" wrap="square" lIns="91440" tIns="45720" rIns="91440" bIns="45720" numCol="1" rtlCol="0" anchor="t" anchorCtr="0" compatLnSpc="1">
-            <a:prstTxWarp prst="textNoShape">
-              <a:avLst/>
-            </a:prstTxWarp>
-          </a:bodyPr>
-          <a:lstStyle/>
-          <a:p>
-            <a:pPr marL="0" indent="0">
-              <a:buFontTx/>
-              <a:buNone/>
-            </a:pPr>
-            <a:r>
               <a:rPr lang="en-US" sz="1200" b="1" kern="0" dirty="0" err="1" smtClean="0">
                 <a:solidFill>
                   <a:schemeClr val="accent2"/>
@@ -9071,27 +8924,7 @@
                 <a:latin typeface="Courier New" pitchFamily="49" charset="0"/>
                 <a:cs typeface="Courier New" pitchFamily="49" charset="0"/>
               </a:rPr>
-              <a:t>        return n + </a:t>
-            </a:r>
-            <a:r>
-              <a:rPr lang="en-US" sz="1200" b="1" kern="0" dirty="0">
-                <a:solidFill>
-                  <a:srgbClr val="FF0000"/>
-                </a:solidFill>
-                <a:latin typeface="Courier New" pitchFamily="49" charset="0"/>
-                <a:cs typeface="Courier New" pitchFamily="49" charset="0"/>
-              </a:rPr>
-              <a:t>summation</a:t>
-            </a:r>
-            <a:r>
-              <a:rPr lang="en-US" sz="1200" b="1" kern="0" dirty="0">
-                <a:solidFill>
-                  <a:schemeClr val="accent2"/>
-                </a:solidFill>
-                <a:latin typeface="Courier New" pitchFamily="49" charset="0"/>
-                <a:cs typeface="Courier New" pitchFamily="49" charset="0"/>
-              </a:rPr>
-              <a:t>(n-1);</a:t>
+              <a:t>        return n + summation(n-1);</a:t>
             </a:r>
           </a:p>
           <a:p>
@@ -9108,393 +8941,6 @@
                 <a:cs typeface="Courier New" pitchFamily="49" charset="0"/>
               </a:rPr>
               <a:t>}</a:t>
-            </a:r>
-          </a:p>
-        </p:txBody>
-      </p:sp>
-      <p:sp>
-        <p:nvSpPr>
-          <p:cNvPr id="8" name="Rectangle 7"/>
-          <p:cNvSpPr/>
-          <p:nvPr/>
-        </p:nvSpPr>
-        <p:spPr bwMode="auto">
-          <a:xfrm>
-            <a:off x="4331368" y="1563257"/>
-            <a:ext cx="3586655" cy="1943538"/>
-          </a:xfrm>
-          <a:prstGeom prst="rect">
-            <a:avLst/>
-          </a:prstGeom>
-          <a:solidFill>
-            <a:schemeClr val="bg1"/>
-          </a:solidFill>
-          <a:ln w="12700" cap="flat" cmpd="sng" algn="ctr">
-            <a:solidFill>
-              <a:schemeClr val="tx1"/>
-            </a:solidFill>
-            <a:prstDash val="solid"/>
-            <a:round/>
-            <a:headEnd type="none" w="med" len="med"/>
-            <a:tailEnd type="none" w="med" len="med"/>
-          </a:ln>
-          <a:effectLst/>
-        </p:spPr>
-        <p:txBody>
-          <a:bodyPr vert="horz" wrap="square" lIns="91440" tIns="45720" rIns="91440" bIns="45720" numCol="1" rtlCol="0" anchor="t" anchorCtr="0" compatLnSpc="1">
-            <a:prstTxWarp prst="textNoShape">
-              <a:avLst/>
-            </a:prstTxWarp>
-          </a:bodyPr>
-          <a:lstStyle/>
-          <a:p>
-            <a:pPr marL="0" indent="0">
-              <a:buFontTx/>
-              <a:buNone/>
-            </a:pPr>
-            <a:r>
-              <a:rPr lang="en-US" sz="1200" b="1" kern="0" dirty="0" err="1" smtClean="0">
-                <a:solidFill>
-                  <a:schemeClr val="accent2"/>
-                </a:solidFill>
-                <a:latin typeface="Courier New" pitchFamily="49" charset="0"/>
-                <a:cs typeface="Courier New" pitchFamily="49" charset="0"/>
-              </a:rPr>
-              <a:t>mystuff.h</a:t>
-            </a:r>
-            <a:r>
-              <a:rPr lang="en-US" sz="1200" b="1" kern="0" dirty="0" smtClean="0">
-                <a:solidFill>
-                  <a:schemeClr val="accent2"/>
-                </a:solidFill>
-                <a:latin typeface="Courier New" pitchFamily="49" charset="0"/>
-                <a:cs typeface="Courier New" pitchFamily="49" charset="0"/>
-              </a:rPr>
-              <a:t> (header)</a:t>
-            </a:r>
-          </a:p>
-          <a:p>
-            <a:pPr marL="0" indent="0">
-              <a:buFontTx/>
-              <a:buNone/>
-            </a:pPr>
-            <a:r>
-              <a:rPr lang="en-US" sz="1200" b="1" kern="0" dirty="0" smtClean="0">
-                <a:solidFill>
-                  <a:schemeClr val="accent2"/>
-                </a:solidFill>
-                <a:latin typeface="Courier New" pitchFamily="49" charset="0"/>
-                <a:cs typeface="Courier New" pitchFamily="49" charset="0"/>
-              </a:rPr>
-              <a:t>-----------------------------</a:t>
-            </a:r>
-          </a:p>
-          <a:p>
-            <a:pPr marL="0" indent="0">
-              <a:buFontTx/>
-              <a:buNone/>
-            </a:pPr>
-            <a:r>
-              <a:rPr lang="en-US" sz="1200" b="1" kern="0" dirty="0" smtClean="0">
-                <a:solidFill>
-                  <a:schemeClr val="accent2"/>
-                </a:solidFill>
-                <a:latin typeface="Courier New" pitchFamily="49" charset="0"/>
-                <a:cs typeface="Courier New" pitchFamily="49" charset="0"/>
-              </a:rPr>
-              <a:t>#include &lt;</a:t>
-            </a:r>
-            <a:r>
-              <a:rPr lang="en-US" sz="1200" b="1" kern="0" dirty="0" err="1" smtClean="0">
-                <a:solidFill>
-                  <a:schemeClr val="accent2"/>
-                </a:solidFill>
-                <a:latin typeface="Courier New" pitchFamily="49" charset="0"/>
-                <a:cs typeface="Courier New" pitchFamily="49" charset="0"/>
-              </a:rPr>
-              <a:t>stdlib.h</a:t>
-            </a:r>
-            <a:r>
-              <a:rPr lang="en-US" sz="1200" b="1" kern="0" dirty="0" smtClean="0">
-                <a:solidFill>
-                  <a:schemeClr val="accent2"/>
-                </a:solidFill>
-                <a:latin typeface="Courier New" pitchFamily="49" charset="0"/>
-                <a:cs typeface="Courier New" pitchFamily="49" charset="0"/>
-              </a:rPr>
-              <a:t>&gt;</a:t>
-            </a:r>
-          </a:p>
-          <a:p>
-            <a:pPr marL="0" indent="0">
-              <a:buFontTx/>
-              <a:buNone/>
-            </a:pPr>
-            <a:r>
-              <a:rPr lang="en-US" sz="1200" b="1" kern="0" dirty="0" smtClean="0">
-                <a:solidFill>
-                  <a:schemeClr val="accent2"/>
-                </a:solidFill>
-                <a:latin typeface="Courier New" pitchFamily="49" charset="0"/>
-                <a:cs typeface="Courier New" pitchFamily="49" charset="0"/>
-              </a:rPr>
-              <a:t>#</a:t>
-            </a:r>
-            <a:r>
-              <a:rPr lang="en-US" sz="1200" b="1" kern="0" dirty="0" err="1" smtClean="0">
-                <a:solidFill>
-                  <a:schemeClr val="accent2"/>
-                </a:solidFill>
-                <a:latin typeface="Courier New" pitchFamily="49" charset="0"/>
-                <a:cs typeface="Courier New" pitchFamily="49" charset="0"/>
-              </a:rPr>
-              <a:t>ifndef</a:t>
-            </a:r>
-            <a:r>
-              <a:rPr lang="en-US" sz="1200" b="1" kern="0" dirty="0" smtClean="0">
-                <a:solidFill>
-                  <a:schemeClr val="accent2"/>
-                </a:solidFill>
-                <a:latin typeface="Courier New" pitchFamily="49" charset="0"/>
-                <a:cs typeface="Courier New" pitchFamily="49" charset="0"/>
-              </a:rPr>
-              <a:t> __</a:t>
-            </a:r>
-            <a:r>
-              <a:rPr lang="en-US" sz="1200" b="1" kern="0" dirty="0" err="1" smtClean="0">
-                <a:solidFill>
-                  <a:schemeClr val="accent2"/>
-                </a:solidFill>
-                <a:latin typeface="Courier New" pitchFamily="49" charset="0"/>
-                <a:cs typeface="Courier New" pitchFamily="49" charset="0"/>
-              </a:rPr>
-              <a:t>mystuff_h</a:t>
-            </a:r>
-            <a:r>
-              <a:rPr lang="en-US" sz="1200" b="1" kern="0" dirty="0" smtClean="0">
-                <a:solidFill>
-                  <a:schemeClr val="accent2"/>
-                </a:solidFill>
-                <a:latin typeface="Courier New" pitchFamily="49" charset="0"/>
-                <a:cs typeface="Courier New" pitchFamily="49" charset="0"/>
-              </a:rPr>
-              <a:t>__</a:t>
-            </a:r>
-          </a:p>
-          <a:p>
-            <a:pPr marL="0" indent="0">
-              <a:buFontTx/>
-              <a:buNone/>
-            </a:pPr>
-            <a:r>
-              <a:rPr lang="en-US" sz="1200" b="1" kern="0" dirty="0" smtClean="0">
-                <a:solidFill>
-                  <a:schemeClr val="accent2"/>
-                </a:solidFill>
-                <a:latin typeface="Courier New" pitchFamily="49" charset="0"/>
-                <a:cs typeface="Courier New" pitchFamily="49" charset="0"/>
-              </a:rPr>
-              <a:t>#define __</a:t>
-            </a:r>
-            <a:r>
-              <a:rPr lang="en-US" sz="1200" b="1" kern="0" dirty="0" err="1" smtClean="0">
-                <a:solidFill>
-                  <a:schemeClr val="accent2"/>
-                </a:solidFill>
-                <a:latin typeface="Courier New" pitchFamily="49" charset="0"/>
-                <a:cs typeface="Courier New" pitchFamily="49" charset="0"/>
-              </a:rPr>
-              <a:t>mystuff_h</a:t>
-            </a:r>
-            <a:r>
-              <a:rPr lang="en-US" sz="1200" b="1" kern="0" dirty="0" smtClean="0">
-                <a:solidFill>
-                  <a:schemeClr val="accent2"/>
-                </a:solidFill>
-                <a:latin typeface="Courier New" pitchFamily="49" charset="0"/>
-                <a:cs typeface="Courier New" pitchFamily="49" charset="0"/>
-              </a:rPr>
-              <a:t>__</a:t>
-            </a:r>
-          </a:p>
-          <a:p>
-            <a:pPr marL="0" indent="0">
-              <a:buFontTx/>
-              <a:buNone/>
-            </a:pPr>
-            <a:r>
-              <a:rPr lang="en-US" sz="1200" b="1" kern="0" dirty="0" smtClean="0">
-                <a:solidFill>
-                  <a:schemeClr val="accent2"/>
-                </a:solidFill>
-                <a:latin typeface="Courier New" pitchFamily="49" charset="0"/>
-                <a:cs typeface="Courier New" pitchFamily="49" charset="0"/>
-              </a:rPr>
-              <a:t>unsigned </a:t>
-            </a:r>
-            <a:r>
-              <a:rPr lang="en-US" sz="1200" b="1" kern="0" dirty="0" err="1">
-                <a:solidFill>
-                  <a:schemeClr val="accent2"/>
-                </a:solidFill>
-                <a:latin typeface="Courier New" pitchFamily="49" charset="0"/>
-                <a:cs typeface="Courier New" pitchFamily="49" charset="0"/>
-              </a:rPr>
-              <a:t>int</a:t>
-            </a:r>
-            <a:r>
-              <a:rPr lang="en-US" sz="1200" b="1" kern="0" dirty="0">
-                <a:solidFill>
-                  <a:schemeClr val="accent2"/>
-                </a:solidFill>
-                <a:latin typeface="Courier New" pitchFamily="49" charset="0"/>
-                <a:cs typeface="Courier New" pitchFamily="49" charset="0"/>
-              </a:rPr>
-              <a:t> summation (uint8_t n</a:t>
-            </a:r>
-            <a:r>
-              <a:rPr lang="en-US" sz="1200" b="1" kern="0" dirty="0" smtClean="0">
-                <a:solidFill>
-                  <a:schemeClr val="accent2"/>
-                </a:solidFill>
-                <a:latin typeface="Courier New" pitchFamily="49" charset="0"/>
-                <a:cs typeface="Courier New" pitchFamily="49" charset="0"/>
-              </a:rPr>
-              <a:t>);</a:t>
-            </a:r>
-          </a:p>
-          <a:p>
-            <a:pPr marL="0" indent="0">
-              <a:buFontTx/>
-              <a:buNone/>
-            </a:pPr>
-            <a:r>
-              <a:rPr lang="en-US" sz="1200" b="1" kern="0" dirty="0" smtClean="0">
-                <a:solidFill>
-                  <a:schemeClr val="accent2"/>
-                </a:solidFill>
-                <a:latin typeface="Courier New" pitchFamily="49" charset="0"/>
-                <a:cs typeface="Courier New" pitchFamily="49" charset="0"/>
-              </a:rPr>
-              <a:t>#</a:t>
-            </a:r>
-            <a:r>
-              <a:rPr lang="en-US" sz="1200" b="1" kern="0" dirty="0" err="1" smtClean="0">
-                <a:solidFill>
-                  <a:schemeClr val="accent2"/>
-                </a:solidFill>
-                <a:latin typeface="Courier New" pitchFamily="49" charset="0"/>
-                <a:cs typeface="Courier New" pitchFamily="49" charset="0"/>
-              </a:rPr>
-              <a:t>endif</a:t>
-            </a:r>
-            <a:endParaRPr lang="en-US" sz="1200" b="1" kern="0" dirty="0">
-              <a:solidFill>
-                <a:schemeClr val="accent2"/>
-              </a:solidFill>
-              <a:latin typeface="Courier New" pitchFamily="49" charset="0"/>
-              <a:cs typeface="Courier New" pitchFamily="49" charset="0"/>
-            </a:endParaRPr>
-          </a:p>
-        </p:txBody>
-      </p:sp>
-      <p:sp>
-        <p:nvSpPr>
-          <p:cNvPr id="9" name="TextBox 8"/>
-          <p:cNvSpPr txBox="1"/>
-          <p:nvPr/>
-        </p:nvSpPr>
-        <p:spPr>
-          <a:xfrm>
-            <a:off x="480433" y="5279927"/>
-            <a:ext cx="3527742" cy="830997"/>
-          </a:xfrm>
-          <a:prstGeom prst="rect">
-            <a:avLst/>
-          </a:prstGeom>
-          <a:noFill/>
-        </p:spPr>
-        <p:txBody>
-          <a:bodyPr wrap="square" rtlCol="0">
-            <a:spAutoFit/>
-          </a:bodyPr>
-          <a:lstStyle/>
-          <a:p>
-            <a:r>
-              <a:rPr lang="en-US" dirty="0" smtClean="0"/>
-              <a:t>Modular, reusable code any project can use.</a:t>
-            </a:r>
-            <a:endParaRPr lang="en-US" dirty="0"/>
-          </a:p>
-        </p:txBody>
-      </p:sp>
-      <p:sp>
-        <p:nvSpPr>
-          <p:cNvPr id="10" name="Rectangular Callout 9"/>
-          <p:cNvSpPr/>
-          <p:nvPr/>
-        </p:nvSpPr>
-        <p:spPr bwMode="auto">
-          <a:xfrm>
-            <a:off x="6818586" y="1742090"/>
-            <a:ext cx="2207173" cy="898634"/>
-          </a:xfrm>
-          <a:prstGeom prst="wedgeRectCallout">
-            <a:avLst>
-              <a:gd name="adj1" fmla="val -65893"/>
-              <a:gd name="adj2" fmla="val 51392"/>
-            </a:avLst>
-          </a:prstGeom>
-          <a:solidFill>
-            <a:srgbClr val="FFFF00"/>
-          </a:solidFill>
-          <a:ln w="12700" cap="flat" cmpd="sng" algn="ctr">
-            <a:solidFill>
-              <a:schemeClr val="tx1"/>
-            </a:solidFill>
-            <a:prstDash val="solid"/>
-            <a:round/>
-            <a:headEnd type="none" w="med" len="med"/>
-            <a:tailEnd type="none" w="med" len="med"/>
-          </a:ln>
-          <a:effectLst/>
-        </p:spPr>
-        <p:txBody>
-          <a:bodyPr vert="horz" wrap="square" lIns="91440" tIns="45720" rIns="91440" bIns="45720" numCol="1" rtlCol="0" anchor="ctr" anchorCtr="0" compatLnSpc="1">
-            <a:prstTxWarp prst="textNoShape">
-              <a:avLst/>
-            </a:prstTxWarp>
-          </a:bodyPr>
-          <a:lstStyle/>
-          <a:p>
-            <a:pPr marL="0" marR="0" indent="0" algn="ctr" defTabSz="914400" rtl="0" eaLnBrk="0" fontAlgn="base" latinLnBrk="0" hangingPunct="0">
-              <a:lnSpc>
-                <a:spcPct val="100000"/>
-              </a:lnSpc>
-              <a:spcBef>
-                <a:spcPct val="0"/>
-              </a:spcBef>
-              <a:spcAft>
-                <a:spcPct val="0"/>
-              </a:spcAft>
-              <a:buClrTx/>
-              <a:buSzTx/>
-              <a:buFontTx/>
-              <a:buNone/>
-              <a:tabLst/>
-            </a:pPr>
-            <a:r>
-              <a:rPr kumimoji="0" lang="en-US" sz="1600" b="0" i="0" u="none" strike="noStrike" cap="none" normalizeH="0" baseline="0" dirty="0" smtClean="0">
-                <a:ln>
-                  <a:noFill/>
-                </a:ln>
-                <a:solidFill>
-                  <a:schemeClr val="tx1"/>
-                </a:solidFill>
-                <a:effectLst/>
-                <a:latin typeface="Arial" charset="0"/>
-              </a:rPr>
-              <a:t>These ensure the header is included in code only ONCE</a:t>
             </a:r>
           </a:p>
         </p:txBody>
@@ -9502,7 +8948,7 @@
     </p:spTree>
     <p:extLst>
       <p:ext uri="{BB962C8B-B14F-4D97-AF65-F5344CB8AC3E}">
-        <p14:creationId xmlns:p14="http://schemas.microsoft.com/office/powerpoint/2010/main" val="4005932247"/>
+        <p14:creationId xmlns:p14="http://schemas.microsoft.com/office/powerpoint/2010/main" val="3486206904"/>
       </p:ext>
     </p:extLst>
   </p:cSld>
@@ -10304,7 +9750,27 @@
                 <a:latin typeface="Courier New" pitchFamily="49" charset="0"/>
                 <a:cs typeface="Courier New" pitchFamily="49" charset="0"/>
               </a:rPr>
-              <a:t>#pragma once</a:t>
+              <a:t>#include &lt;</a:t>
+            </a:r>
+            <a:r>
+              <a:rPr lang="en-US" sz="1200" b="1" kern="0" dirty="0" err="1" smtClean="0">
+                <a:solidFill>
+                  <a:schemeClr val="accent2"/>
+                </a:solidFill>
+                <a:latin typeface="Courier New" pitchFamily="49" charset="0"/>
+                <a:cs typeface="Courier New" pitchFamily="49" charset="0"/>
+              </a:rPr>
+              <a:t>stdlib.h</a:t>
+            </a:r>
+            <a:r>
+              <a:rPr lang="en-US" sz="1200" b="1" kern="0" dirty="0" smtClean="0">
+                <a:solidFill>
+                  <a:schemeClr val="accent2"/>
+                </a:solidFill>
+                <a:latin typeface="Courier New" pitchFamily="49" charset="0"/>
+                <a:cs typeface="Courier New" pitchFamily="49" charset="0"/>
+              </a:rPr>
+              <a:t>&gt;</a:t>
             </a:r>
           </a:p>
           <a:p>
@@ -10320,7 +9786,7 @@
                 <a:latin typeface="Courier New" pitchFamily="49" charset="0"/>
                 <a:cs typeface="Courier New" pitchFamily="49" charset="0"/>
               </a:rPr>
-              <a:t>#include &lt;</a:t>
+              <a:t>#</a:t>
             </a:r>
             <a:r>
               <a:rPr lang="en-US" sz="1200" b="1" kern="0" dirty="0" err="1" smtClean="0">
@@ -10330,7 +9796,7 @@
                 <a:latin typeface="Courier New" pitchFamily="49" charset="0"/>
                 <a:cs typeface="Courier New" pitchFamily="49" charset="0"/>
               </a:rPr>
-              <a:t>stdlib.h</a:t>
+              <a:t>ifndef</a:t>
             </a:r>
             <a:r>
               <a:rPr lang="en-US" sz="1200" b="1" kern="0" dirty="0" smtClean="0">
@@ -10340,7 +9806,27 @@
                 <a:latin typeface="Courier New" pitchFamily="49" charset="0"/>
                 <a:cs typeface="Courier New" pitchFamily="49" charset="0"/>
               </a:rPr>
-              <a:t>&gt;</a:t>
+              <a:t> __</a:t>
+            </a:r>
+            <a:r>
+              <a:rPr lang="en-US" sz="1200" b="1" kern="0" dirty="0" err="1" smtClean="0">
+                <a:solidFill>
+                  <a:schemeClr val="accent2"/>
+                </a:solidFill>
+                <a:latin typeface="Courier New" pitchFamily="49" charset="0"/>
+                <a:cs typeface="Courier New" pitchFamily="49" charset="0"/>
+              </a:rPr>
+              <a:t>mystuff_h</a:t>
+            </a:r>
+            <a:r>
+              <a:rPr lang="en-US" sz="1200" b="1" kern="0" dirty="0" smtClean="0">
+                <a:solidFill>
+                  <a:schemeClr val="accent2"/>
+                </a:solidFill>
+                <a:latin typeface="Courier New" pitchFamily="49" charset="0"/>
+                <a:cs typeface="Courier New" pitchFamily="49" charset="0"/>
+              </a:rPr>
+              <a:t>__</a:t>
             </a:r>
           </a:p>
           <a:p>
@@ -10348,59 +9834,115 @@
               <a:buFontTx/>
               <a:buNone/>
             </a:pPr>
-            <a:endParaRPr lang="en-US" sz="1200" b="1" kern="0" dirty="0" smtClean="0">
+            <a:r>
+              <a:rPr lang="en-US" sz="1200" b="1" kern="0" dirty="0" smtClean="0">
+                <a:solidFill>
+                  <a:schemeClr val="accent2"/>
+                </a:solidFill>
+                <a:latin typeface="Courier New" pitchFamily="49" charset="0"/>
+                <a:cs typeface="Courier New" pitchFamily="49" charset="0"/>
+              </a:rPr>
+              <a:t>#define __</a:t>
+            </a:r>
+            <a:r>
+              <a:rPr lang="en-US" sz="1200" b="1" kern="0" dirty="0" err="1" smtClean="0">
+                <a:solidFill>
+                  <a:schemeClr val="accent2"/>
+                </a:solidFill>
+                <a:latin typeface="Courier New" pitchFamily="49" charset="0"/>
+                <a:cs typeface="Courier New" pitchFamily="49" charset="0"/>
+              </a:rPr>
+              <a:t>mystuff_h</a:t>
+            </a:r>
+            <a:r>
+              <a:rPr lang="en-US" sz="1200" b="1" kern="0" dirty="0" smtClean="0">
+                <a:solidFill>
+                  <a:schemeClr val="accent2"/>
+                </a:solidFill>
+                <a:latin typeface="Courier New" pitchFamily="49" charset="0"/>
+                <a:cs typeface="Courier New" pitchFamily="49" charset="0"/>
+              </a:rPr>
+              <a:t>__</a:t>
+            </a:r>
+          </a:p>
+          <a:p>
+            <a:pPr marL="0" indent="0">
+              <a:buFontTx/>
+              <a:buNone/>
+            </a:pPr>
+            <a:r>
+              <a:rPr lang="en-US" sz="1200" b="1" kern="0" dirty="0" smtClean="0">
+                <a:solidFill>
+                  <a:schemeClr val="accent2"/>
+                </a:solidFill>
+                <a:latin typeface="Courier New" pitchFamily="49" charset="0"/>
+                <a:cs typeface="Courier New" pitchFamily="49" charset="0"/>
+              </a:rPr>
+              <a:t>unsigned </a:t>
+            </a:r>
+            <a:r>
+              <a:rPr lang="en-US" sz="1200" b="1" kern="0" dirty="0" err="1">
+                <a:solidFill>
+                  <a:schemeClr val="accent2"/>
+                </a:solidFill>
+                <a:latin typeface="Courier New" pitchFamily="49" charset="0"/>
+                <a:cs typeface="Courier New" pitchFamily="49" charset="0"/>
+              </a:rPr>
+              <a:t>int</a:t>
+            </a:r>
+            <a:r>
+              <a:rPr lang="en-US" sz="1200" b="1" kern="0" dirty="0">
+                <a:solidFill>
+                  <a:schemeClr val="accent2"/>
+                </a:solidFill>
+                <a:latin typeface="Courier New" pitchFamily="49" charset="0"/>
+                <a:cs typeface="Courier New" pitchFamily="49" charset="0"/>
+              </a:rPr>
+              <a:t> summation (uint8_t n</a:t>
+            </a:r>
+            <a:r>
+              <a:rPr lang="en-US" sz="1200" b="1" kern="0" dirty="0" smtClean="0">
+                <a:solidFill>
+                  <a:schemeClr val="accent2"/>
+                </a:solidFill>
+                <a:latin typeface="Courier New" pitchFamily="49" charset="0"/>
+                <a:cs typeface="Courier New" pitchFamily="49" charset="0"/>
+              </a:rPr>
+              <a:t>);</a:t>
+            </a:r>
+          </a:p>
+          <a:p>
+            <a:pPr marL="0" indent="0">
+              <a:buFontTx/>
+              <a:buNone/>
+            </a:pPr>
+            <a:r>
+              <a:rPr lang="en-US" sz="1200" b="1" kern="0" dirty="0" smtClean="0">
+                <a:solidFill>
+                  <a:schemeClr val="accent2"/>
+                </a:solidFill>
+                <a:latin typeface="Courier New" pitchFamily="49" charset="0"/>
+                <a:cs typeface="Courier New" pitchFamily="49" charset="0"/>
+              </a:rPr>
+              <a:t>#</a:t>
+            </a:r>
+            <a:r>
+              <a:rPr lang="en-US" sz="1200" b="1" kern="0" dirty="0" err="1" smtClean="0">
+                <a:solidFill>
+                  <a:schemeClr val="accent2"/>
+                </a:solidFill>
+                <a:latin typeface="Courier New" pitchFamily="49" charset="0"/>
+                <a:cs typeface="Courier New" pitchFamily="49" charset="0"/>
+              </a:rPr>
+              <a:t>endif</a:t>
+            </a:r>
+            <a:endParaRPr lang="en-US" sz="1200" b="1" kern="0" dirty="0">
               <a:solidFill>
                 <a:schemeClr val="accent2"/>
               </a:solidFill>
               <a:latin typeface="Courier New" pitchFamily="49" charset="0"/>
               <a:cs typeface="Courier New" pitchFamily="49" charset="0"/>
             </a:endParaRPr>
-          </a:p>
-          <a:p>
-            <a:pPr marL="0" indent="0">
-              <a:buFontTx/>
-              <a:buNone/>
-            </a:pPr>
-            <a:r>
-              <a:rPr lang="en-US" sz="1200" b="1" kern="0" dirty="0" smtClean="0">
-                <a:solidFill>
-                  <a:schemeClr val="accent2"/>
-                </a:solidFill>
-                <a:latin typeface="Courier New" pitchFamily="49" charset="0"/>
-                <a:cs typeface="Courier New" pitchFamily="49" charset="0"/>
-              </a:rPr>
-              <a:t>unsigned </a:t>
-            </a:r>
-            <a:r>
-              <a:rPr lang="en-US" sz="1200" b="1" kern="0" dirty="0" err="1">
-                <a:solidFill>
-                  <a:schemeClr val="accent2"/>
-                </a:solidFill>
-                <a:latin typeface="Courier New" pitchFamily="49" charset="0"/>
-                <a:cs typeface="Courier New" pitchFamily="49" charset="0"/>
-              </a:rPr>
-              <a:t>int</a:t>
-            </a:r>
-            <a:r>
-              <a:rPr lang="en-US" sz="1200" b="1" kern="0" dirty="0">
-                <a:solidFill>
-                  <a:schemeClr val="accent2"/>
-                </a:solidFill>
-                <a:latin typeface="Courier New" pitchFamily="49" charset="0"/>
-                <a:cs typeface="Courier New" pitchFamily="49" charset="0"/>
-              </a:rPr>
-              <a:t> summation (uint8_t n</a:t>
-            </a:r>
-            <a:r>
-              <a:rPr lang="en-US" sz="1200" b="1" kern="0" dirty="0" smtClean="0">
-                <a:solidFill>
-                  <a:schemeClr val="accent2"/>
-                </a:solidFill>
-                <a:latin typeface="Courier New" pitchFamily="49" charset="0"/>
-                <a:cs typeface="Courier New" pitchFamily="49" charset="0"/>
-              </a:rPr>
-              <a:t>);</a:t>
-            </a:r>
           </a:p>
         </p:txBody>
       </p:sp>
@@ -10447,8 +9989,8 @@
           </a:xfrm>
           <a:prstGeom prst="wedgeRectCallout">
             <a:avLst>
-              <a:gd name="adj1" fmla="val -107321"/>
-              <a:gd name="adj2" fmla="val 6500"/>
+              <a:gd name="adj1" fmla="val -65893"/>
+              <a:gd name="adj2" fmla="val 51392"/>
             </a:avLst>
           </a:prstGeom>
           <a:solidFill>
@@ -10500,104 +10042,7 @@
                 <a:effectLst/>
                 <a:latin typeface="Arial" charset="0"/>
               </a:rPr>
-              <a:t>This</a:t>
-            </a:r>
-            <a:r>
-              <a:rPr kumimoji="0" lang="en-US" sz="1600" b="0" i="0" u="none" strike="noStrike" cap="none" normalizeH="0" dirty="0" smtClean="0">
-                <a:ln>
-                  <a:noFill/>
-                </a:ln>
-                <a:solidFill>
-                  <a:schemeClr val="tx1"/>
-                </a:solidFill>
-                <a:effectLst/>
-                <a:latin typeface="Arial" charset="0"/>
-              </a:rPr>
-              <a:t> also</a:t>
-            </a:r>
-            <a:r>
-              <a:rPr kumimoji="0" lang="en-US" sz="1600" b="0" i="0" u="none" strike="noStrike" cap="none" normalizeH="0" baseline="0" dirty="0" smtClean="0">
-                <a:ln>
-                  <a:noFill/>
-                </a:ln>
-                <a:solidFill>
-                  <a:schemeClr val="tx1"/>
-                </a:solidFill>
-                <a:effectLst/>
-                <a:latin typeface="Arial" charset="0"/>
-              </a:rPr>
-              <a:t> ensures the header is included in code only ONCE</a:t>
-            </a:r>
-          </a:p>
-        </p:txBody>
-      </p:sp>
-      <p:sp>
-        <p:nvSpPr>
-          <p:cNvPr id="3" name="Rectangular Callout 2"/>
-          <p:cNvSpPr/>
-          <p:nvPr/>
-        </p:nvSpPr>
-        <p:spPr bwMode="auto">
-          <a:xfrm>
-            <a:off x="654423" y="3774141"/>
-            <a:ext cx="3550023" cy="1183341"/>
-          </a:xfrm>
-          <a:prstGeom prst="wedgeRectCallout">
-            <a:avLst>
-              <a:gd name="adj1" fmla="val 59704"/>
-              <a:gd name="adj2" fmla="val -174120"/>
-            </a:avLst>
-          </a:prstGeom>
-          <a:solidFill>
-            <a:srgbClr val="FFFF00"/>
-          </a:solidFill>
-          <a:ln w="12700" cap="flat" cmpd="sng" algn="ctr">
-            <a:solidFill>
-              <a:schemeClr val="tx1"/>
-            </a:solidFill>
-            <a:prstDash val="solid"/>
-            <a:round/>
-            <a:headEnd type="none" w="med" len="med"/>
-            <a:tailEnd type="none" w="med" len="med"/>
-          </a:ln>
-          <a:effectLst/>
-        </p:spPr>
-        <p:txBody>
-          <a:bodyPr vert="horz" wrap="square" lIns="91440" tIns="45720" rIns="91440" bIns="45720" numCol="1" rtlCol="0" anchor="t" anchorCtr="0" compatLnSpc="1">
-            <a:prstTxWarp prst="textNoShape">
-              <a:avLst/>
-            </a:prstTxWarp>
-          </a:bodyPr>
-          <a:lstStyle/>
-          <a:p>
-            <a:pPr marL="0" marR="0" indent="0" algn="ctr" defTabSz="914400" rtl="0" eaLnBrk="0" fontAlgn="base" latinLnBrk="0" hangingPunct="0">
-              <a:lnSpc>
-                <a:spcPct val="100000"/>
-              </a:lnSpc>
-              <a:spcBef>
-                <a:spcPct val="0"/>
-              </a:spcBef>
-              <a:spcAft>
-                <a:spcPct val="0"/>
-              </a:spcAft>
-              <a:buClrTx/>
-              <a:buSzTx/>
-              <a:buFontTx/>
-              <a:buNone/>
-              <a:tabLst/>
-            </a:pPr>
-            <a:r>
-              <a:rPr kumimoji="0" lang="en-US" sz="1600" b="0" i="0" u="none" strike="noStrike" cap="none" normalizeH="0" baseline="0" dirty="0" smtClean="0">
-                <a:ln>
-                  <a:noFill/>
-                </a:ln>
-                <a:solidFill>
-                  <a:schemeClr val="tx1"/>
-                </a:solidFill>
-                <a:effectLst/>
-                <a:latin typeface="Arial" charset="0"/>
-              </a:rPr>
-              <a:t>This depends on the version of your compiler and SEEMS to be viewed as “poor form” by some programmers</a:t>
+              <a:t>These ensure the header is included in code only ONCE</a:t>
             </a:r>
           </a:p>
         </p:txBody>
@@ -10605,7 +10050,7 @@
     </p:spTree>
     <p:extLst>
       <p:ext uri="{BB962C8B-B14F-4D97-AF65-F5344CB8AC3E}">
-        <p14:creationId xmlns:p14="http://schemas.microsoft.com/office/powerpoint/2010/main" val="1723548373"/>
+        <p14:creationId xmlns:p14="http://schemas.microsoft.com/office/powerpoint/2010/main" val="4005932247"/>
       </p:ext>
     </p:extLst>
   </p:cSld>
@@ -10655,8 +10100,8 @@
           <a:lstStyle/>
           <a:p>
             <a:r>
-              <a:rPr lang="en-US" dirty="0" smtClean="0"/>
-              <a:t>C Language: Libraries</a:t>
+              <a:rPr lang="en-US" b="1" dirty="0" smtClean="0"/>
+              <a:t>C Language:  Libraries</a:t>
             </a:r>
             <a:endParaRPr lang="en-US" dirty="0"/>
           </a:p>
@@ -10664,77 +10109,1064 @@
       </p:sp>
       <p:sp>
         <p:nvSpPr>
-          <p:cNvPr id="3" name="Content Placeholder 2"/>
-          <p:cNvSpPr>
-            <a:spLocks noGrp="1"/>
-          </p:cNvSpPr>
-          <p:nvPr>
-            <p:ph idx="1"/>
-          </p:nvPr>
+          <p:cNvPr id="6" name="Rectangle 5"/>
+          <p:cNvSpPr/>
+          <p:nvPr/>
         </p:nvSpPr>
-        <p:spPr/>
+        <p:spPr bwMode="auto">
+          <a:xfrm>
+            <a:off x="480433" y="1595783"/>
+            <a:ext cx="3586655" cy="3486762"/>
+          </a:xfrm>
+          <a:prstGeom prst="rect">
+            <a:avLst/>
+          </a:prstGeom>
+          <a:solidFill>
+            <a:schemeClr val="bg1"/>
+          </a:solidFill>
+          <a:ln w="12700" cap="flat" cmpd="sng" algn="ctr">
+            <a:solidFill>
+              <a:schemeClr val="tx1"/>
+            </a:solidFill>
+            <a:prstDash val="solid"/>
+            <a:round/>
+            <a:headEnd type="none" w="med" len="med"/>
+            <a:tailEnd type="none" w="med" len="med"/>
+          </a:ln>
+          <a:effectLst/>
+        </p:spPr>
         <p:txBody>
-          <a:bodyPr/>
+          <a:bodyPr vert="horz" wrap="square" lIns="91440" tIns="45720" rIns="91440" bIns="45720" numCol="1" rtlCol="0" anchor="t" anchorCtr="0" compatLnSpc="1">
+            <a:prstTxWarp prst="textNoShape">
+              <a:avLst/>
+            </a:prstTxWarp>
+          </a:bodyPr>
           <a:lstStyle/>
           <a:p>
+            <a:pPr marL="0" indent="0">
+              <a:buFontTx/>
+              <a:buNone/>
+            </a:pPr>
+            <a:r>
+              <a:rPr lang="en-US" sz="1200" b="1" kern="0" dirty="0" err="1">
+                <a:solidFill>
+                  <a:schemeClr val="accent2"/>
+                </a:solidFill>
+                <a:latin typeface="Courier New" pitchFamily="49" charset="0"/>
+                <a:cs typeface="Courier New" pitchFamily="49" charset="0"/>
+              </a:rPr>
+              <a:t>m</a:t>
+            </a:r>
+            <a:r>
+              <a:rPr lang="en-US" sz="1200" b="1" kern="0" dirty="0" err="1" smtClean="0">
+                <a:solidFill>
+                  <a:schemeClr val="accent2"/>
+                </a:solidFill>
+                <a:latin typeface="Courier New" pitchFamily="49" charset="0"/>
+                <a:cs typeface="Courier New" pitchFamily="49" charset="0"/>
+              </a:rPr>
+              <a:t>ain.c</a:t>
+            </a:r>
+            <a:endParaRPr lang="en-US" sz="1200" b="1" kern="0" dirty="0" smtClean="0">
+              <a:solidFill>
+                <a:schemeClr val="accent2"/>
+              </a:solidFill>
+              <a:latin typeface="Courier New" pitchFamily="49" charset="0"/>
+              <a:cs typeface="Courier New" pitchFamily="49" charset="0"/>
+            </a:endParaRPr>
+          </a:p>
+          <a:p>
+            <a:pPr marL="0" indent="0">
+              <a:buFontTx/>
+              <a:buNone/>
+            </a:pPr>
+            <a:r>
+              <a:rPr lang="en-US" sz="1200" b="1" kern="0" dirty="0" smtClean="0">
+                <a:solidFill>
+                  <a:schemeClr val="accent2"/>
+                </a:solidFill>
+                <a:latin typeface="Courier New" pitchFamily="49" charset="0"/>
+                <a:cs typeface="Courier New" pitchFamily="49" charset="0"/>
+              </a:rPr>
+              <a:t>-----------------------------</a:t>
+            </a:r>
+          </a:p>
+          <a:p>
+            <a:pPr marL="0" indent="0">
+              <a:buFontTx/>
+              <a:buNone/>
+            </a:pPr>
+            <a:r>
+              <a:rPr lang="en-US" sz="1200" b="1" kern="0" dirty="0" smtClean="0">
+                <a:solidFill>
+                  <a:schemeClr val="accent2"/>
+                </a:solidFill>
+                <a:latin typeface="Courier New" pitchFamily="49" charset="0"/>
+                <a:cs typeface="Courier New" pitchFamily="49" charset="0"/>
+              </a:rPr>
+              <a:t>#include “</a:t>
+            </a:r>
+            <a:r>
+              <a:rPr lang="en-US" sz="1200" b="1" kern="0" dirty="0" err="1" smtClean="0">
+                <a:solidFill>
+                  <a:schemeClr val="accent2"/>
+                </a:solidFill>
+                <a:latin typeface="Courier New" pitchFamily="49" charset="0"/>
+                <a:cs typeface="Courier New" pitchFamily="49" charset="0"/>
+              </a:rPr>
+              <a:t>mystuff.h</a:t>
+            </a:r>
+            <a:r>
+              <a:rPr lang="en-US" sz="1200" b="1" kern="0" dirty="0" smtClean="0">
+                <a:solidFill>
+                  <a:schemeClr val="accent2"/>
+                </a:solidFill>
+                <a:latin typeface="Courier New" pitchFamily="49" charset="0"/>
+                <a:cs typeface="Courier New" pitchFamily="49" charset="0"/>
+              </a:rPr>
+              <a:t>”</a:t>
+            </a:r>
+            <a:endParaRPr lang="en-US" sz="1200" b="1" kern="0" dirty="0">
+              <a:solidFill>
+                <a:schemeClr val="accent2"/>
+              </a:solidFill>
+              <a:latin typeface="Courier New" pitchFamily="49" charset="0"/>
+              <a:cs typeface="Courier New" pitchFamily="49" charset="0"/>
+            </a:endParaRPr>
+          </a:p>
+          <a:p>
+            <a:pPr marL="0" indent="0">
+              <a:buFontTx/>
+              <a:buNone/>
+            </a:pPr>
+            <a:endParaRPr lang="en-US" sz="1200" b="1" kern="0" dirty="0">
+              <a:solidFill>
+                <a:schemeClr val="accent2"/>
+              </a:solidFill>
+              <a:latin typeface="Courier New" pitchFamily="49" charset="0"/>
+              <a:cs typeface="Courier New" pitchFamily="49" charset="0"/>
+            </a:endParaRPr>
+          </a:p>
+          <a:p>
+            <a:pPr marL="0" indent="0">
+              <a:buFontTx/>
+              <a:buNone/>
+            </a:pPr>
+            <a:r>
+              <a:rPr lang="en-US" sz="1200" b="1" kern="0" dirty="0">
+                <a:solidFill>
+                  <a:schemeClr val="accent2"/>
+                </a:solidFill>
+                <a:latin typeface="Courier New" pitchFamily="49" charset="0"/>
+                <a:cs typeface="Courier New" pitchFamily="49" charset="0"/>
+              </a:rPr>
+              <a:t>void main(void){</a:t>
+            </a:r>
+          </a:p>
+          <a:p>
+            <a:pPr marL="0" indent="0">
+              <a:buFontTx/>
+              <a:buNone/>
+            </a:pPr>
+            <a:r>
+              <a:rPr lang="en-US" sz="1200" b="1" kern="0" dirty="0">
+                <a:solidFill>
+                  <a:schemeClr val="accent2"/>
+                </a:solidFill>
+                <a:latin typeface="Courier New" pitchFamily="49" charset="0"/>
+                <a:cs typeface="Courier New" pitchFamily="49" charset="0"/>
+              </a:rPr>
+              <a:t>    uint8_t </a:t>
+            </a:r>
+            <a:r>
+              <a:rPr lang="en-US" sz="1200" b="1" kern="0" dirty="0" err="1">
+                <a:solidFill>
+                  <a:schemeClr val="accent2"/>
+                </a:solidFill>
+                <a:latin typeface="Courier New" pitchFamily="49" charset="0"/>
+                <a:cs typeface="Courier New" pitchFamily="49" charset="0"/>
+              </a:rPr>
+              <a:t>mySummation</a:t>
+            </a:r>
+            <a:r>
+              <a:rPr lang="en-US" sz="1200" b="1" kern="0" dirty="0">
+                <a:solidFill>
+                  <a:schemeClr val="accent2"/>
+                </a:solidFill>
+                <a:latin typeface="Courier New" pitchFamily="49" charset="0"/>
+                <a:cs typeface="Courier New" pitchFamily="49" charset="0"/>
+              </a:rPr>
+              <a:t>;</a:t>
+            </a:r>
+          </a:p>
+          <a:p>
+            <a:pPr marL="0" indent="0">
+              <a:buFontTx/>
+              <a:buNone/>
+            </a:pPr>
+            <a:r>
+              <a:rPr lang="en-US" sz="1200" b="1" kern="0" dirty="0">
+                <a:solidFill>
+                  <a:schemeClr val="accent2"/>
+                </a:solidFill>
+                <a:latin typeface="Courier New" pitchFamily="49" charset="0"/>
+                <a:cs typeface="Courier New" pitchFamily="49" charset="0"/>
+              </a:rPr>
+              <a:t>    uint8_t </a:t>
+            </a:r>
+            <a:r>
+              <a:rPr lang="en-US" sz="1200" b="1" kern="0" dirty="0" err="1">
+                <a:solidFill>
+                  <a:schemeClr val="accent2"/>
+                </a:solidFill>
+                <a:latin typeface="Courier New" pitchFamily="49" charset="0"/>
+                <a:cs typeface="Courier New" pitchFamily="49" charset="0"/>
+              </a:rPr>
+              <a:t>maxN</a:t>
+            </a:r>
+            <a:r>
+              <a:rPr lang="en-US" sz="1200" b="1" kern="0" dirty="0">
+                <a:solidFill>
+                  <a:schemeClr val="accent2"/>
+                </a:solidFill>
+                <a:latin typeface="Courier New" pitchFamily="49" charset="0"/>
+                <a:cs typeface="Courier New" pitchFamily="49" charset="0"/>
+              </a:rPr>
+              <a:t> = 42;</a:t>
+            </a:r>
+          </a:p>
+          <a:p>
+            <a:pPr marL="0" indent="0">
+              <a:buFontTx/>
+              <a:buNone/>
+            </a:pPr>
+            <a:endParaRPr lang="en-US" sz="1200" b="1" kern="0" dirty="0">
+              <a:solidFill>
+                <a:schemeClr val="accent2"/>
+              </a:solidFill>
+              <a:latin typeface="Courier New" pitchFamily="49" charset="0"/>
+              <a:cs typeface="Courier New" pitchFamily="49" charset="0"/>
+            </a:endParaRPr>
+          </a:p>
+          <a:p>
+            <a:pPr marL="0" indent="0">
+              <a:buFontTx/>
+              <a:buNone/>
+            </a:pPr>
+            <a:r>
+              <a:rPr lang="en-US" sz="1200" b="1" kern="0" dirty="0">
+                <a:solidFill>
+                  <a:schemeClr val="accent2"/>
+                </a:solidFill>
+                <a:latin typeface="Courier New" pitchFamily="49" charset="0"/>
+                <a:cs typeface="Courier New" pitchFamily="49" charset="0"/>
+              </a:rPr>
+              <a:t>    </a:t>
+            </a:r>
+            <a:r>
+              <a:rPr lang="en-US" sz="1200" b="1" kern="0" dirty="0" err="1">
+                <a:solidFill>
+                  <a:schemeClr val="accent2"/>
+                </a:solidFill>
+                <a:latin typeface="Courier New" pitchFamily="49" charset="0"/>
+                <a:cs typeface="Courier New" pitchFamily="49" charset="0"/>
+              </a:rPr>
+              <a:t>mySummation</a:t>
+            </a:r>
+            <a:r>
+              <a:rPr lang="en-US" sz="1200" b="1" kern="0" dirty="0">
+                <a:solidFill>
+                  <a:schemeClr val="accent2"/>
+                </a:solidFill>
+                <a:latin typeface="Courier New" pitchFamily="49" charset="0"/>
+                <a:cs typeface="Courier New" pitchFamily="49" charset="0"/>
+              </a:rPr>
+              <a:t> = summation(23);</a:t>
+            </a:r>
+          </a:p>
+          <a:p>
+            <a:pPr marL="0" indent="0">
+              <a:buFontTx/>
+              <a:buNone/>
+            </a:pPr>
+            <a:r>
+              <a:rPr lang="en-US" sz="1200" b="1" kern="0" dirty="0">
+                <a:solidFill>
+                  <a:schemeClr val="accent2"/>
+                </a:solidFill>
+                <a:latin typeface="Courier New" pitchFamily="49" charset="0"/>
+                <a:cs typeface="Courier New" pitchFamily="49" charset="0"/>
+              </a:rPr>
+              <a:t>    </a:t>
+            </a:r>
+            <a:r>
+              <a:rPr lang="en-US" sz="1200" b="1" kern="0" dirty="0" err="1">
+                <a:solidFill>
+                  <a:schemeClr val="accent2"/>
+                </a:solidFill>
+                <a:latin typeface="Courier New" pitchFamily="49" charset="0"/>
+                <a:cs typeface="Courier New" pitchFamily="49" charset="0"/>
+              </a:rPr>
+              <a:t>mySummation</a:t>
+            </a:r>
+            <a:r>
+              <a:rPr lang="en-US" sz="1200" b="1" kern="0" dirty="0">
+                <a:solidFill>
+                  <a:schemeClr val="accent2"/>
+                </a:solidFill>
+                <a:latin typeface="Courier New" pitchFamily="49" charset="0"/>
+                <a:cs typeface="Courier New" pitchFamily="49" charset="0"/>
+              </a:rPr>
+              <a:t> = summation(</a:t>
+            </a:r>
+            <a:r>
+              <a:rPr lang="en-US" sz="1200" b="1" kern="0" dirty="0" err="1">
+                <a:solidFill>
+                  <a:schemeClr val="accent2"/>
+                </a:solidFill>
+                <a:latin typeface="Courier New" pitchFamily="49" charset="0"/>
+                <a:cs typeface="Courier New" pitchFamily="49" charset="0"/>
+              </a:rPr>
+              <a:t>maxN</a:t>
+            </a:r>
+            <a:r>
+              <a:rPr lang="en-US" sz="1200" b="1" kern="0" dirty="0">
+                <a:solidFill>
+                  <a:schemeClr val="accent2"/>
+                </a:solidFill>
+                <a:latin typeface="Courier New" pitchFamily="49" charset="0"/>
+                <a:cs typeface="Courier New" pitchFamily="49" charset="0"/>
+              </a:rPr>
+              <a:t>);</a:t>
+            </a:r>
+          </a:p>
+          <a:p>
+            <a:pPr marL="0" indent="0">
+              <a:buFontTx/>
+              <a:buNone/>
+            </a:pPr>
+            <a:r>
+              <a:rPr lang="en-US" sz="1200" b="1" kern="0" dirty="0">
+                <a:solidFill>
+                  <a:schemeClr val="accent2"/>
+                </a:solidFill>
+                <a:latin typeface="Courier New" pitchFamily="49" charset="0"/>
+                <a:cs typeface="Courier New" pitchFamily="49" charset="0"/>
+              </a:rPr>
+              <a:t>}</a:t>
+            </a:r>
+          </a:p>
+        </p:txBody>
+      </p:sp>
+      <p:sp>
+        <p:nvSpPr>
+          <p:cNvPr id="7" name="Rectangle 6"/>
+          <p:cNvSpPr/>
+          <p:nvPr/>
+        </p:nvSpPr>
+        <p:spPr bwMode="auto">
+          <a:xfrm>
+            <a:off x="4331368" y="3671612"/>
+            <a:ext cx="3586655" cy="2564559"/>
+          </a:xfrm>
+          <a:prstGeom prst="rect">
+            <a:avLst/>
+          </a:prstGeom>
+          <a:solidFill>
+            <a:schemeClr val="bg1"/>
+          </a:solidFill>
+          <a:ln w="12700" cap="flat" cmpd="sng" algn="ctr">
+            <a:solidFill>
+              <a:schemeClr val="tx1"/>
+            </a:solidFill>
+            <a:prstDash val="solid"/>
+            <a:round/>
+            <a:headEnd type="none" w="med" len="med"/>
+            <a:tailEnd type="none" w="med" len="med"/>
+          </a:ln>
+          <a:effectLst/>
+        </p:spPr>
+        <p:txBody>
+          <a:bodyPr vert="horz" wrap="square" lIns="91440" tIns="45720" rIns="91440" bIns="45720" numCol="1" rtlCol="0" anchor="t" anchorCtr="0" compatLnSpc="1">
+            <a:prstTxWarp prst="textNoShape">
+              <a:avLst/>
+            </a:prstTxWarp>
+          </a:bodyPr>
+          <a:lstStyle/>
+          <a:p>
+            <a:pPr marL="0" indent="0">
+              <a:buFontTx/>
+              <a:buNone/>
+            </a:pPr>
+            <a:r>
+              <a:rPr lang="en-US" sz="1200" b="1" kern="0" dirty="0" err="1" smtClean="0">
+                <a:solidFill>
+                  <a:schemeClr val="accent2"/>
+                </a:solidFill>
+                <a:latin typeface="Courier New" pitchFamily="49" charset="0"/>
+                <a:cs typeface="Courier New" pitchFamily="49" charset="0"/>
+              </a:rPr>
+              <a:t>mystuff.c</a:t>
+            </a:r>
+            <a:r>
+              <a:rPr lang="en-US" sz="1200" b="1" kern="0" dirty="0" smtClean="0">
+                <a:solidFill>
+                  <a:schemeClr val="accent2"/>
+                </a:solidFill>
+                <a:latin typeface="Courier New" pitchFamily="49" charset="0"/>
+                <a:cs typeface="Courier New" pitchFamily="49" charset="0"/>
+              </a:rPr>
+              <a:t> (implementation)</a:t>
+            </a:r>
+          </a:p>
+          <a:p>
+            <a:pPr marL="0" indent="0">
+              <a:buFontTx/>
+              <a:buNone/>
+            </a:pPr>
+            <a:r>
+              <a:rPr lang="en-US" sz="1200" b="1" kern="0" dirty="0" smtClean="0">
+                <a:solidFill>
+                  <a:schemeClr val="accent2"/>
+                </a:solidFill>
+                <a:latin typeface="Courier New" pitchFamily="49" charset="0"/>
+                <a:cs typeface="Courier New" pitchFamily="49" charset="0"/>
+              </a:rPr>
+              <a:t>-----------------------------</a:t>
+            </a:r>
+          </a:p>
+          <a:p>
+            <a:pPr marL="0" indent="0">
+              <a:buFontTx/>
+              <a:buNone/>
+            </a:pPr>
+            <a:r>
+              <a:rPr lang="en-US" sz="1200" b="1" kern="0" dirty="0" smtClean="0">
+                <a:solidFill>
+                  <a:schemeClr val="accent2"/>
+                </a:solidFill>
+                <a:latin typeface="Courier New" pitchFamily="49" charset="0"/>
+                <a:cs typeface="Courier New" pitchFamily="49" charset="0"/>
+              </a:rPr>
+              <a:t>#include “</a:t>
+            </a:r>
+            <a:r>
+              <a:rPr lang="en-US" sz="1200" b="1" kern="0" dirty="0" err="1" smtClean="0">
+                <a:solidFill>
+                  <a:schemeClr val="accent2"/>
+                </a:solidFill>
+                <a:latin typeface="Courier New" pitchFamily="49" charset="0"/>
+                <a:cs typeface="Courier New" pitchFamily="49" charset="0"/>
+              </a:rPr>
+              <a:t>mystuff.h</a:t>
+            </a:r>
+            <a:r>
+              <a:rPr lang="en-US" sz="1200" b="1" kern="0" dirty="0" smtClean="0">
+                <a:solidFill>
+                  <a:schemeClr val="accent2"/>
+                </a:solidFill>
+                <a:latin typeface="Courier New" pitchFamily="49" charset="0"/>
+                <a:cs typeface="Courier New" pitchFamily="49" charset="0"/>
+              </a:rPr>
+              <a:t>”</a:t>
+            </a:r>
+          </a:p>
+          <a:p>
+            <a:pPr marL="0" indent="0">
+              <a:buFontTx/>
+              <a:buNone/>
+            </a:pPr>
+            <a:r>
+              <a:rPr lang="en-US" sz="1200" b="1" kern="0" dirty="0" smtClean="0">
+                <a:solidFill>
+                  <a:schemeClr val="accent2"/>
+                </a:solidFill>
+                <a:latin typeface="Courier New" pitchFamily="49" charset="0"/>
+                <a:cs typeface="Courier New" pitchFamily="49" charset="0"/>
+              </a:rPr>
+              <a:t>uint8_t </a:t>
+            </a:r>
+            <a:r>
+              <a:rPr lang="en-US" sz="1200" b="1" kern="0" dirty="0">
+                <a:solidFill>
+                  <a:schemeClr val="accent2"/>
+                </a:solidFill>
+                <a:latin typeface="Courier New" pitchFamily="49" charset="0"/>
+                <a:cs typeface="Courier New" pitchFamily="49" charset="0"/>
+              </a:rPr>
+              <a:t>summation(uint8_t n){</a:t>
+            </a:r>
+          </a:p>
+          <a:p>
+            <a:pPr marL="0" indent="0">
+              <a:buFontTx/>
+              <a:buNone/>
+            </a:pPr>
+            <a:r>
+              <a:rPr lang="en-US" sz="1200" b="1" kern="0" dirty="0">
+                <a:solidFill>
+                  <a:schemeClr val="accent2"/>
+                </a:solidFill>
+                <a:latin typeface="Courier New" pitchFamily="49" charset="0"/>
+                <a:cs typeface="Courier New" pitchFamily="49" charset="0"/>
+              </a:rPr>
+              <a:t>    </a:t>
+            </a:r>
+            <a:r>
+              <a:rPr lang="en-US" sz="1200" b="1" kern="0" dirty="0">
+                <a:solidFill>
+                  <a:srgbClr val="00B050"/>
+                </a:solidFill>
+                <a:latin typeface="Courier New" pitchFamily="49" charset="0"/>
+                <a:cs typeface="Courier New" pitchFamily="49" charset="0"/>
+              </a:rPr>
+              <a:t>// recursion! </a:t>
+            </a:r>
+            <a:endParaRPr lang="en-US" sz="1200" b="1" kern="0" dirty="0" smtClean="0">
+              <a:solidFill>
+                <a:srgbClr val="00B050"/>
+              </a:solidFill>
+              <a:latin typeface="Courier New" pitchFamily="49" charset="0"/>
+              <a:cs typeface="Courier New" pitchFamily="49" charset="0"/>
+            </a:endParaRPr>
+          </a:p>
+          <a:p>
+            <a:pPr marL="0" indent="0">
+              <a:buFontTx/>
+              <a:buNone/>
+            </a:pPr>
+            <a:r>
+              <a:rPr lang="en-US" sz="1200" b="1" kern="0" dirty="0">
+                <a:solidFill>
+                  <a:srgbClr val="00B050"/>
+                </a:solidFill>
+                <a:latin typeface="Courier New" pitchFamily="49" charset="0"/>
+                <a:cs typeface="Courier New" pitchFamily="49" charset="0"/>
+              </a:rPr>
+              <a:t> </a:t>
+            </a:r>
+            <a:r>
+              <a:rPr lang="en-US" sz="1200" b="1" kern="0" dirty="0" smtClean="0">
+                <a:solidFill>
+                  <a:srgbClr val="00B050"/>
+                </a:solidFill>
+                <a:latin typeface="Courier New" pitchFamily="49" charset="0"/>
+                <a:cs typeface="Courier New" pitchFamily="49" charset="0"/>
+              </a:rPr>
+              <a:t>   </a:t>
+            </a:r>
+            <a:r>
+              <a:rPr lang="en-US" sz="1200" b="1" kern="0" dirty="0" smtClean="0">
+                <a:solidFill>
+                  <a:schemeClr val="accent2"/>
+                </a:solidFill>
+                <a:latin typeface="Courier New" pitchFamily="49" charset="0"/>
+                <a:cs typeface="Courier New" pitchFamily="49" charset="0"/>
+              </a:rPr>
+              <a:t>if </a:t>
+            </a:r>
+            <a:r>
+              <a:rPr lang="en-US" sz="1200" b="1" kern="0" dirty="0">
+                <a:solidFill>
+                  <a:schemeClr val="accent2"/>
+                </a:solidFill>
+                <a:latin typeface="Courier New" pitchFamily="49" charset="0"/>
+                <a:cs typeface="Courier New" pitchFamily="49" charset="0"/>
+              </a:rPr>
+              <a:t>(n &lt;= 0)</a:t>
+            </a:r>
+          </a:p>
+          <a:p>
+            <a:pPr marL="0" indent="0">
+              <a:buFontTx/>
+              <a:buNone/>
+            </a:pPr>
+            <a:r>
+              <a:rPr lang="en-US" sz="1200" b="1" kern="0" dirty="0">
+                <a:solidFill>
+                  <a:schemeClr val="accent2"/>
+                </a:solidFill>
+                <a:latin typeface="Courier New" pitchFamily="49" charset="0"/>
+                <a:cs typeface="Courier New" pitchFamily="49" charset="0"/>
+              </a:rPr>
+              <a:t>        return 0;</a:t>
+            </a:r>
+          </a:p>
+          <a:p>
+            <a:pPr marL="0" indent="0">
+              <a:buFontTx/>
+              <a:buNone/>
+            </a:pPr>
+            <a:r>
+              <a:rPr lang="en-US" sz="1200" b="1" kern="0" dirty="0">
+                <a:solidFill>
+                  <a:schemeClr val="accent2"/>
+                </a:solidFill>
+                <a:latin typeface="Courier New" pitchFamily="49" charset="0"/>
+                <a:cs typeface="Courier New" pitchFamily="49" charset="0"/>
+              </a:rPr>
+              <a:t>    else</a:t>
+            </a:r>
+          </a:p>
+          <a:p>
+            <a:pPr marL="0" indent="0">
+              <a:buFontTx/>
+              <a:buNone/>
+            </a:pPr>
+            <a:r>
+              <a:rPr lang="en-US" sz="1200" b="1" kern="0" dirty="0">
+                <a:solidFill>
+                  <a:schemeClr val="accent2"/>
+                </a:solidFill>
+                <a:latin typeface="Courier New" pitchFamily="49" charset="0"/>
+                <a:cs typeface="Courier New" pitchFamily="49" charset="0"/>
+              </a:rPr>
+              <a:t>        return n + </a:t>
+            </a:r>
+            <a:r>
+              <a:rPr lang="en-US" sz="1200" b="1" kern="0" dirty="0">
+                <a:solidFill>
+                  <a:srgbClr val="FF0000"/>
+                </a:solidFill>
+                <a:latin typeface="Courier New" pitchFamily="49" charset="0"/>
+                <a:cs typeface="Courier New" pitchFamily="49" charset="0"/>
+              </a:rPr>
+              <a:t>summation</a:t>
+            </a:r>
+            <a:r>
+              <a:rPr lang="en-US" sz="1200" b="1" kern="0" dirty="0">
+                <a:solidFill>
+                  <a:schemeClr val="accent2"/>
+                </a:solidFill>
+                <a:latin typeface="Courier New" pitchFamily="49" charset="0"/>
+                <a:cs typeface="Courier New" pitchFamily="49" charset="0"/>
+              </a:rPr>
+              <a:t>(n-1);</a:t>
+            </a:r>
+          </a:p>
+          <a:p>
+            <a:pPr marL="0" indent="0">
+              <a:buFontTx/>
+              <a:buNone/>
+            </a:pPr>
+            <a:r>
+              <a:rPr lang="en-US" sz="1200" b="1" kern="0" dirty="0">
+                <a:solidFill>
+                  <a:schemeClr val="accent2"/>
+                </a:solidFill>
+                <a:latin typeface="Courier New" pitchFamily="49" charset="0"/>
+                <a:cs typeface="Courier New" pitchFamily="49" charset="0"/>
+              </a:rPr>
+              <a:t>}</a:t>
+            </a:r>
+          </a:p>
+        </p:txBody>
+      </p:sp>
+      <p:sp>
+        <p:nvSpPr>
+          <p:cNvPr id="8" name="Rectangle 7"/>
+          <p:cNvSpPr/>
+          <p:nvPr/>
+        </p:nvSpPr>
+        <p:spPr bwMode="auto">
+          <a:xfrm>
+            <a:off x="4331368" y="1563257"/>
+            <a:ext cx="3586655" cy="1943538"/>
+          </a:xfrm>
+          <a:prstGeom prst="rect">
+            <a:avLst/>
+          </a:prstGeom>
+          <a:solidFill>
+            <a:schemeClr val="bg1"/>
+          </a:solidFill>
+          <a:ln w="12700" cap="flat" cmpd="sng" algn="ctr">
+            <a:solidFill>
+              <a:schemeClr val="tx1"/>
+            </a:solidFill>
+            <a:prstDash val="solid"/>
+            <a:round/>
+            <a:headEnd type="none" w="med" len="med"/>
+            <a:tailEnd type="none" w="med" len="med"/>
+          </a:ln>
+          <a:effectLst/>
+        </p:spPr>
+        <p:txBody>
+          <a:bodyPr vert="horz" wrap="square" lIns="91440" tIns="45720" rIns="91440" bIns="45720" numCol="1" rtlCol="0" anchor="t" anchorCtr="0" compatLnSpc="1">
+            <a:prstTxWarp prst="textNoShape">
+              <a:avLst/>
+            </a:prstTxWarp>
+          </a:bodyPr>
+          <a:lstStyle/>
+          <a:p>
+            <a:pPr marL="0" indent="0">
+              <a:buFontTx/>
+              <a:buNone/>
+            </a:pPr>
+            <a:r>
+              <a:rPr lang="en-US" sz="1200" b="1" kern="0" dirty="0" err="1" smtClean="0">
+                <a:solidFill>
+                  <a:schemeClr val="accent2"/>
+                </a:solidFill>
+                <a:latin typeface="Courier New" pitchFamily="49" charset="0"/>
+                <a:cs typeface="Courier New" pitchFamily="49" charset="0"/>
+              </a:rPr>
+              <a:t>mystuff.h</a:t>
+            </a:r>
+            <a:r>
+              <a:rPr lang="en-US" sz="1200" b="1" kern="0" dirty="0" smtClean="0">
+                <a:solidFill>
+                  <a:schemeClr val="accent2"/>
+                </a:solidFill>
+                <a:latin typeface="Courier New" pitchFamily="49" charset="0"/>
+                <a:cs typeface="Courier New" pitchFamily="49" charset="0"/>
+              </a:rPr>
+              <a:t> (header)</a:t>
+            </a:r>
+          </a:p>
+          <a:p>
+            <a:pPr marL="0" indent="0">
+              <a:buFontTx/>
+              <a:buNone/>
+            </a:pPr>
+            <a:r>
+              <a:rPr lang="en-US" sz="1200" b="1" kern="0" dirty="0" smtClean="0">
+                <a:solidFill>
+                  <a:schemeClr val="accent2"/>
+                </a:solidFill>
+                <a:latin typeface="Courier New" pitchFamily="49" charset="0"/>
+                <a:cs typeface="Courier New" pitchFamily="49" charset="0"/>
+              </a:rPr>
+              <a:t>-----------------------------</a:t>
+            </a:r>
+          </a:p>
+          <a:p>
+            <a:pPr marL="0" indent="0">
+              <a:buFontTx/>
+              <a:buNone/>
+            </a:pPr>
+            <a:r>
+              <a:rPr lang="en-US" sz="1200" b="1" kern="0" dirty="0" smtClean="0">
+                <a:solidFill>
+                  <a:schemeClr val="accent2"/>
+                </a:solidFill>
+                <a:latin typeface="Courier New" pitchFamily="49" charset="0"/>
+                <a:cs typeface="Courier New" pitchFamily="49" charset="0"/>
+              </a:rPr>
+              <a:t>#pragma once</a:t>
+            </a:r>
+          </a:p>
+          <a:p>
+            <a:pPr marL="0" indent="0">
+              <a:buFontTx/>
+              <a:buNone/>
+            </a:pPr>
+            <a:r>
+              <a:rPr lang="en-US" sz="1200" b="1" kern="0" dirty="0" smtClean="0">
+                <a:solidFill>
+                  <a:schemeClr val="accent2"/>
+                </a:solidFill>
+                <a:latin typeface="Courier New" pitchFamily="49" charset="0"/>
+                <a:cs typeface="Courier New" pitchFamily="49" charset="0"/>
+              </a:rPr>
+              <a:t>#include &lt;</a:t>
+            </a:r>
+            <a:r>
+              <a:rPr lang="en-US" sz="1200" b="1" kern="0" dirty="0" err="1" smtClean="0">
+                <a:solidFill>
+                  <a:schemeClr val="accent2"/>
+                </a:solidFill>
+                <a:latin typeface="Courier New" pitchFamily="49" charset="0"/>
+                <a:cs typeface="Courier New" pitchFamily="49" charset="0"/>
+              </a:rPr>
+              <a:t>stdlib.h</a:t>
+            </a:r>
+            <a:r>
+              <a:rPr lang="en-US" sz="1200" b="1" kern="0" dirty="0" smtClean="0">
+                <a:solidFill>
+                  <a:schemeClr val="accent2"/>
+                </a:solidFill>
+                <a:latin typeface="Courier New" pitchFamily="49" charset="0"/>
+                <a:cs typeface="Courier New" pitchFamily="49" charset="0"/>
+              </a:rPr>
+              <a:t>&gt;</a:t>
+            </a:r>
+          </a:p>
+          <a:p>
+            <a:pPr marL="0" indent="0">
+              <a:buFontTx/>
+              <a:buNone/>
+            </a:pPr>
+            <a:endParaRPr lang="en-US" sz="1200" b="1" kern="0" dirty="0" smtClean="0">
+              <a:solidFill>
+                <a:schemeClr val="accent2"/>
+              </a:solidFill>
+              <a:latin typeface="Courier New" pitchFamily="49" charset="0"/>
+              <a:cs typeface="Courier New" pitchFamily="49" charset="0"/>
+            </a:endParaRPr>
+          </a:p>
+          <a:p>
+            <a:pPr marL="0" indent="0">
+              <a:buFontTx/>
+              <a:buNone/>
+            </a:pPr>
+            <a:r>
+              <a:rPr lang="en-US" sz="1200" b="1" kern="0" dirty="0" smtClean="0">
+                <a:solidFill>
+                  <a:schemeClr val="accent2"/>
+                </a:solidFill>
+                <a:latin typeface="Courier New" pitchFamily="49" charset="0"/>
+                <a:cs typeface="Courier New" pitchFamily="49" charset="0"/>
+              </a:rPr>
+              <a:t>unsigned </a:t>
+            </a:r>
+            <a:r>
+              <a:rPr lang="en-US" sz="1200" b="1" kern="0" dirty="0" err="1">
+                <a:solidFill>
+                  <a:schemeClr val="accent2"/>
+                </a:solidFill>
+                <a:latin typeface="Courier New" pitchFamily="49" charset="0"/>
+                <a:cs typeface="Courier New" pitchFamily="49" charset="0"/>
+              </a:rPr>
+              <a:t>int</a:t>
+            </a:r>
+            <a:r>
+              <a:rPr lang="en-US" sz="1200" b="1" kern="0" dirty="0">
+                <a:solidFill>
+                  <a:schemeClr val="accent2"/>
+                </a:solidFill>
+                <a:latin typeface="Courier New" pitchFamily="49" charset="0"/>
+                <a:cs typeface="Courier New" pitchFamily="49" charset="0"/>
+              </a:rPr>
+              <a:t> summation (uint8_t n</a:t>
+            </a:r>
+            <a:r>
+              <a:rPr lang="en-US" sz="1200" b="1" kern="0" dirty="0" smtClean="0">
+                <a:solidFill>
+                  <a:schemeClr val="accent2"/>
+                </a:solidFill>
+                <a:latin typeface="Courier New" pitchFamily="49" charset="0"/>
+                <a:cs typeface="Courier New" pitchFamily="49" charset="0"/>
+              </a:rPr>
+              <a:t>);</a:t>
+            </a:r>
+          </a:p>
+        </p:txBody>
+      </p:sp>
+      <p:sp>
+        <p:nvSpPr>
+          <p:cNvPr id="9" name="TextBox 8"/>
+          <p:cNvSpPr txBox="1"/>
+          <p:nvPr/>
+        </p:nvSpPr>
+        <p:spPr>
+          <a:xfrm>
+            <a:off x="480433" y="5279927"/>
+            <a:ext cx="3527742" cy="830997"/>
+          </a:xfrm>
+          <a:prstGeom prst="rect">
+            <a:avLst/>
+          </a:prstGeom>
+          <a:noFill/>
+        </p:spPr>
+        <p:txBody>
+          <a:bodyPr wrap="square" rtlCol="0">
+            <a:spAutoFit/>
+          </a:bodyPr>
+          <a:lstStyle/>
+          <a:p>
             <a:r>
               <a:rPr lang="en-US" dirty="0" smtClean="0"/>
-              <a:t>Using libraries helps you:</a:t>
-            </a:r>
-          </a:p>
-          <a:p>
-            <a:pPr lvl="1"/>
-            <a:r>
-              <a:rPr lang="en-US" dirty="0" smtClean="0"/>
-              <a:t>Write modular, reusable code that multiple projects can use</a:t>
-            </a:r>
-          </a:p>
-          <a:p>
-            <a:pPr lvl="1"/>
-            <a:r>
-              <a:rPr lang="en-US" dirty="0" smtClean="0"/>
-              <a:t>Reduces errors in your code</a:t>
-            </a:r>
-          </a:p>
-          <a:p>
-            <a:pPr lvl="2"/>
-            <a:r>
-              <a:rPr lang="en-US" dirty="0" smtClean="0"/>
-              <a:t>Once a library is written </a:t>
-            </a:r>
-            <a:r>
-              <a:rPr lang="en-US" dirty="0" smtClean="0">
-                <a:solidFill>
-                  <a:srgbClr val="FF0000"/>
-                </a:solidFill>
-              </a:rPr>
-              <a:t>AND tested</a:t>
-            </a:r>
-            <a:r>
-              <a:rPr lang="en-US" dirty="0" smtClean="0"/>
-              <a:t>, it should NEVER introduce bugs into your code</a:t>
-            </a:r>
-          </a:p>
-          <a:p>
-            <a:pPr lvl="2"/>
-            <a:r>
-              <a:rPr lang="en-US" dirty="0" smtClean="0"/>
-              <a:t>Writing test cases (unit tests) are common practice when developing code</a:t>
+              <a:t>Modular, reusable code any project can use.</a:t>
             </a:r>
             <a:endParaRPr lang="en-US" dirty="0"/>
+          </a:p>
+        </p:txBody>
+      </p:sp>
+      <p:sp>
+        <p:nvSpPr>
+          <p:cNvPr id="10" name="Rectangular Callout 9"/>
+          <p:cNvSpPr/>
+          <p:nvPr/>
+        </p:nvSpPr>
+        <p:spPr bwMode="auto">
+          <a:xfrm>
+            <a:off x="6818586" y="1742090"/>
+            <a:ext cx="2207173" cy="898634"/>
+          </a:xfrm>
+          <a:prstGeom prst="wedgeRectCallout">
+            <a:avLst>
+              <a:gd name="adj1" fmla="val -107321"/>
+              <a:gd name="adj2" fmla="val 6500"/>
+            </a:avLst>
+          </a:prstGeom>
+          <a:solidFill>
+            <a:srgbClr val="FFFF00"/>
+          </a:solidFill>
+          <a:ln w="12700" cap="flat" cmpd="sng" algn="ctr">
+            <a:solidFill>
+              <a:schemeClr val="tx1"/>
+            </a:solidFill>
+            <a:prstDash val="solid"/>
+            <a:round/>
+            <a:headEnd type="none" w="med" len="med"/>
+            <a:tailEnd type="none" w="med" len="med"/>
+          </a:ln>
+          <a:effectLst/>
+        </p:spPr>
+        <p:txBody>
+          <a:bodyPr vert="horz" wrap="square" lIns="91440" tIns="45720" rIns="91440" bIns="45720" numCol="1" rtlCol="0" anchor="ctr" anchorCtr="0" compatLnSpc="1">
+            <a:prstTxWarp prst="textNoShape">
+              <a:avLst/>
+            </a:prstTxWarp>
+          </a:bodyPr>
+          <a:lstStyle/>
+          <a:p>
+            <a:pPr marL="0" marR="0" indent="0" algn="ctr" defTabSz="914400" rtl="0" eaLnBrk="0" fontAlgn="base" latinLnBrk="0" hangingPunct="0">
+              <a:lnSpc>
+                <a:spcPct val="100000"/>
+              </a:lnSpc>
+              <a:spcBef>
+                <a:spcPct val="0"/>
+              </a:spcBef>
+              <a:spcAft>
+                <a:spcPct val="0"/>
+              </a:spcAft>
+              <a:buClrTx/>
+              <a:buSzTx/>
+              <a:buFontTx/>
+              <a:buNone/>
+              <a:tabLst/>
+            </a:pPr>
+            <a:r>
+              <a:rPr kumimoji="0" lang="en-US" sz="1600" b="0" i="0" u="none" strike="noStrike" cap="none" normalizeH="0" baseline="0" dirty="0" smtClean="0">
+                <a:ln>
+                  <a:noFill/>
+                </a:ln>
+                <a:solidFill>
+                  <a:schemeClr val="tx1"/>
+                </a:solidFill>
+                <a:effectLst/>
+                <a:latin typeface="Arial" charset="0"/>
+              </a:rPr>
+              <a:t>This</a:t>
+            </a:r>
+            <a:r>
+              <a:rPr kumimoji="0" lang="en-US" sz="1600" b="0" i="0" u="none" strike="noStrike" cap="none" normalizeH="0" dirty="0" smtClean="0">
+                <a:ln>
+                  <a:noFill/>
+                </a:ln>
+                <a:solidFill>
+                  <a:schemeClr val="tx1"/>
+                </a:solidFill>
+                <a:effectLst/>
+                <a:latin typeface="Arial" charset="0"/>
+              </a:rPr>
+              <a:t> also</a:t>
+            </a:r>
+            <a:r>
+              <a:rPr kumimoji="0" lang="en-US" sz="1600" b="0" i="0" u="none" strike="noStrike" cap="none" normalizeH="0" baseline="0" dirty="0" smtClean="0">
+                <a:ln>
+                  <a:noFill/>
+                </a:ln>
+                <a:solidFill>
+                  <a:schemeClr val="tx1"/>
+                </a:solidFill>
+                <a:effectLst/>
+                <a:latin typeface="Arial" charset="0"/>
+              </a:rPr>
+              <a:t> ensures the header is included in code only ONCE</a:t>
+            </a:r>
+          </a:p>
+        </p:txBody>
+      </p:sp>
+      <p:sp>
+        <p:nvSpPr>
+          <p:cNvPr id="3" name="Rectangular Callout 2"/>
+          <p:cNvSpPr/>
+          <p:nvPr/>
+        </p:nvSpPr>
+        <p:spPr bwMode="auto">
+          <a:xfrm>
+            <a:off x="654423" y="3774141"/>
+            <a:ext cx="3550023" cy="1183341"/>
+          </a:xfrm>
+          <a:prstGeom prst="wedgeRectCallout">
+            <a:avLst>
+              <a:gd name="adj1" fmla="val 59704"/>
+              <a:gd name="adj2" fmla="val -174120"/>
+            </a:avLst>
+          </a:prstGeom>
+          <a:solidFill>
+            <a:srgbClr val="FFFF00"/>
+          </a:solidFill>
+          <a:ln w="12700" cap="flat" cmpd="sng" algn="ctr">
+            <a:solidFill>
+              <a:schemeClr val="tx1"/>
+            </a:solidFill>
+            <a:prstDash val="solid"/>
+            <a:round/>
+            <a:headEnd type="none" w="med" len="med"/>
+            <a:tailEnd type="none" w="med" len="med"/>
+          </a:ln>
+          <a:effectLst/>
+        </p:spPr>
+        <p:txBody>
+          <a:bodyPr vert="horz" wrap="square" lIns="91440" tIns="45720" rIns="91440" bIns="45720" numCol="1" rtlCol="0" anchor="t" anchorCtr="0" compatLnSpc="1">
+            <a:prstTxWarp prst="textNoShape">
+              <a:avLst/>
+            </a:prstTxWarp>
+          </a:bodyPr>
+          <a:lstStyle/>
+          <a:p>
+            <a:pPr marL="0" marR="0" indent="0" algn="ctr" defTabSz="914400" rtl="0" eaLnBrk="0" fontAlgn="base" latinLnBrk="0" hangingPunct="0">
+              <a:lnSpc>
+                <a:spcPct val="100000"/>
+              </a:lnSpc>
+              <a:spcBef>
+                <a:spcPct val="0"/>
+              </a:spcBef>
+              <a:spcAft>
+                <a:spcPct val="0"/>
+              </a:spcAft>
+              <a:buClrTx/>
+              <a:buSzTx/>
+              <a:buFontTx/>
+              <a:buNone/>
+              <a:tabLst/>
+            </a:pPr>
+            <a:r>
+              <a:rPr kumimoji="0" lang="en-US" sz="1600" b="0" i="0" u="none" strike="noStrike" cap="none" normalizeH="0" baseline="0" dirty="0" smtClean="0">
+                <a:ln>
+                  <a:noFill/>
+                </a:ln>
+                <a:solidFill>
+                  <a:schemeClr val="tx1"/>
+                </a:solidFill>
+                <a:effectLst/>
+                <a:latin typeface="Arial" charset="0"/>
+              </a:rPr>
+              <a:t>This depends on the version of your compiler and SEEMS to be viewed as “poor form” by some programmers</a:t>
+            </a:r>
           </a:p>
         </p:txBody>
       </p:sp>
     </p:spTree>
     <p:extLst>
       <p:ext uri="{BB962C8B-B14F-4D97-AF65-F5344CB8AC3E}">
-        <p14:creationId xmlns:p14="http://schemas.microsoft.com/office/powerpoint/2010/main" val="1856005860"/>
+        <p14:creationId xmlns:p14="http://schemas.microsoft.com/office/powerpoint/2010/main" val="1723548373"/>
       </p:ext>
     </p:extLst>
   </p:cSld>
   <p:clrMapOvr>
     <a:masterClrMapping/>
   </p:clrMapOvr>
+  <p:timing>
+    <p:tnLst>
+      <p:par>
+        <p:cTn id="1" dur="indefinite" restart="never" nodeType="tmRoot"/>
+      </p:par>
+    </p:tnLst>
+  </p:timing>
 </p:sld>
 </file>
 
@@ -10771,10 +11203,10 @@
           <a:lstStyle/>
           <a:p>
             <a:r>
-              <a:rPr lang="en-US" smtClean="0"/>
-              <a:t>Combining ASM and C</a:t>
-            </a:r>
-            <a:endParaRPr lang="en-US"/>
+              <a:rPr lang="en-US" dirty="0" smtClean="0"/>
+              <a:t>C Language: Libraries</a:t>
+            </a:r>
+            <a:endParaRPr lang="en-US" dirty="0"/>
           </a:p>
         </p:txBody>
       </p:sp>
@@ -10795,6 +11227,387 @@
           <a:p>
             <a:r>
               <a:rPr lang="en-US" dirty="0" smtClean="0"/>
+              <a:t>Using libraries helps you:</a:t>
+            </a:r>
+          </a:p>
+          <a:p>
+            <a:pPr lvl="1"/>
+            <a:r>
+              <a:rPr lang="en-US" dirty="0" smtClean="0"/>
+              <a:t>Write modular, reusable code that multiple projects can use</a:t>
+            </a:r>
+          </a:p>
+          <a:p>
+            <a:pPr lvl="1"/>
+            <a:r>
+              <a:rPr lang="en-US" dirty="0" smtClean="0"/>
+              <a:t>Reduces errors in your code</a:t>
+            </a:r>
+          </a:p>
+          <a:p>
+            <a:pPr lvl="2"/>
+            <a:r>
+              <a:rPr lang="en-US" dirty="0" smtClean="0"/>
+              <a:t>Once a library is written </a:t>
+            </a:r>
+            <a:r>
+              <a:rPr lang="en-US" dirty="0" smtClean="0">
+                <a:solidFill>
+                  <a:srgbClr val="FF0000"/>
+                </a:solidFill>
+              </a:rPr>
+              <a:t>AND tested</a:t>
+            </a:r>
+            <a:r>
+              <a:rPr lang="en-US" dirty="0" smtClean="0"/>
+              <a:t>, it should NEVER introduce bugs into your code</a:t>
+            </a:r>
+          </a:p>
+          <a:p>
+            <a:pPr lvl="2"/>
+            <a:r>
+              <a:rPr lang="en-US" dirty="0" smtClean="0"/>
+              <a:t>Writing test cases (unit tests) are common practice when developing code</a:t>
+            </a:r>
+            <a:endParaRPr lang="en-US" dirty="0"/>
+          </a:p>
+        </p:txBody>
+      </p:sp>
+    </p:spTree>
+    <p:extLst>
+      <p:ext uri="{BB962C8B-B14F-4D97-AF65-F5344CB8AC3E}">
+        <p14:creationId xmlns:p14="http://schemas.microsoft.com/office/powerpoint/2010/main" val="1856005860"/>
+      </p:ext>
+    </p:extLst>
+  </p:cSld>
+  <p:clrMapOvr>
+    <a:masterClrMapping/>
+  </p:clrMapOvr>
+</p:sld>
+</file>
+
+<file path=ppt/slides/slide16.xml><?xml version="1.0" encoding="utf-8"?>
+<p:sld xmlns:a="http://schemas.openxmlformats.org/drawingml/2006/main" xmlns:r="http://schemas.openxmlformats.org/officeDocument/2006/relationships" xmlns:p="http://schemas.openxmlformats.org/presentationml/2006/main">
+  <p:cSld>
+    <p:spTree>
+      <p:nvGrpSpPr>
+        <p:cNvPr id="1" name=""/>
+        <p:cNvGrpSpPr/>
+        <p:nvPr/>
+      </p:nvGrpSpPr>
+      <p:grpSpPr>
+        <a:xfrm>
+          <a:off x="0" y="0"/>
+          <a:ext cx="0" cy="0"/>
+          <a:chOff x="0" y="0"/>
+          <a:chExt cx="0" cy="0"/>
+        </a:xfrm>
+      </p:grpSpPr>
+      <p:sp>
+        <p:nvSpPr>
+          <p:cNvPr id="2" name="Title 1"/>
+          <p:cNvSpPr>
+            <a:spLocks noGrp="1"/>
+          </p:cNvSpPr>
+          <p:nvPr>
+            <p:ph type="title"/>
+          </p:nvPr>
+        </p:nvSpPr>
+        <p:spPr/>
+        <p:txBody>
+          <a:bodyPr/>
+          <a:lstStyle/>
+          <a:p>
+            <a:r>
+              <a:rPr lang="en-US" dirty="0" smtClean="0"/>
+              <a:t>Libraries: </a:t>
+            </a:r>
+            <a:r>
+              <a:rPr lang="en-US" i="1" dirty="0" smtClean="0"/>
+              <a:t>static</a:t>
+            </a:r>
+            <a:r>
+              <a:rPr lang="en-US" dirty="0" smtClean="0"/>
+              <a:t> Functions</a:t>
+            </a:r>
+            <a:endParaRPr lang="en-US" dirty="0"/>
+          </a:p>
+        </p:txBody>
+      </p:sp>
+      <p:sp>
+        <p:nvSpPr>
+          <p:cNvPr id="3" name="Content Placeholder 2"/>
+          <p:cNvSpPr>
+            <a:spLocks noGrp="1"/>
+          </p:cNvSpPr>
+          <p:nvPr>
+            <p:ph idx="1"/>
+          </p:nvPr>
+        </p:nvSpPr>
+        <p:spPr/>
+        <p:txBody>
+          <a:bodyPr/>
+          <a:lstStyle/>
+          <a:p>
+            <a:r>
+              <a:rPr lang="en-US" i="1" dirty="0" smtClean="0">
+                <a:solidFill>
+                  <a:srgbClr val="FF0000"/>
+                </a:solidFill>
+              </a:rPr>
+              <a:t>static</a:t>
+            </a:r>
+            <a:r>
+              <a:rPr lang="en-US" dirty="0" smtClean="0"/>
+              <a:t> keyword changes the function’s scope from global (your entire project can see it) to only the file it is declared in sees it</a:t>
+            </a:r>
+          </a:p>
+          <a:p>
+            <a:r>
+              <a:rPr lang="en-US" dirty="0" smtClean="0"/>
+              <a:t>This allows you to reuse the function name across multiple files in the same project if needed</a:t>
+            </a:r>
+          </a:p>
+          <a:p>
+            <a:pPr lvl="1"/>
+            <a:r>
+              <a:rPr lang="en-US" dirty="0" smtClean="0"/>
+              <a:t>Also prevents a library from taking function names you want to use</a:t>
+            </a:r>
+          </a:p>
+          <a:p>
+            <a:pPr marL="0" indent="0">
+              <a:buFontTx/>
+              <a:buNone/>
+            </a:pPr>
+            <a:endParaRPr lang="en-US" sz="1400" dirty="0" smtClean="0">
+              <a:solidFill>
+                <a:schemeClr val="accent2"/>
+              </a:solidFill>
+              <a:latin typeface="Courier New" pitchFamily="49" charset="0"/>
+              <a:cs typeface="Courier New" pitchFamily="49" charset="0"/>
+            </a:endParaRPr>
+          </a:p>
+          <a:p>
+            <a:pPr marL="0" indent="0">
+              <a:buFontTx/>
+              <a:buNone/>
+            </a:pPr>
+            <a:r>
+              <a:rPr lang="en-US" sz="1400" dirty="0">
+                <a:solidFill>
+                  <a:schemeClr val="accent2"/>
+                </a:solidFill>
+                <a:latin typeface="Courier New" pitchFamily="49" charset="0"/>
+                <a:cs typeface="Courier New" pitchFamily="49" charset="0"/>
+              </a:rPr>
+              <a:t>s</a:t>
+            </a:r>
+            <a:r>
+              <a:rPr lang="en-US" sz="1400" dirty="0" smtClean="0">
+                <a:solidFill>
+                  <a:schemeClr val="accent2"/>
+                </a:solidFill>
+                <a:latin typeface="Courier New" pitchFamily="49" charset="0"/>
+                <a:cs typeface="Courier New" pitchFamily="49" charset="0"/>
+              </a:rPr>
+              <a:t>tatic uint8_t </a:t>
+            </a:r>
+            <a:r>
+              <a:rPr lang="en-US" sz="1400" dirty="0">
+                <a:solidFill>
+                  <a:schemeClr val="accent2"/>
+                </a:solidFill>
+                <a:latin typeface="Courier New" pitchFamily="49" charset="0"/>
+                <a:cs typeface="Courier New" pitchFamily="49" charset="0"/>
+              </a:rPr>
+              <a:t>summation(uint8_t n){</a:t>
+            </a:r>
+          </a:p>
+          <a:p>
+            <a:pPr marL="0" indent="0">
+              <a:buFontTx/>
+              <a:buNone/>
+            </a:pPr>
+            <a:r>
+              <a:rPr lang="en-US" sz="1400" dirty="0">
+                <a:solidFill>
+                  <a:schemeClr val="accent2"/>
+                </a:solidFill>
+                <a:latin typeface="Courier New" pitchFamily="49" charset="0"/>
+                <a:cs typeface="Courier New" pitchFamily="49" charset="0"/>
+              </a:rPr>
+              <a:t>    </a:t>
+            </a:r>
+            <a:r>
+              <a:rPr lang="en-US" sz="1400" dirty="0">
+                <a:solidFill>
+                  <a:srgbClr val="00B050"/>
+                </a:solidFill>
+                <a:latin typeface="Courier New" pitchFamily="49" charset="0"/>
+                <a:cs typeface="Courier New" pitchFamily="49" charset="0"/>
+              </a:rPr>
+              <a:t>// recursion! </a:t>
+            </a:r>
+          </a:p>
+          <a:p>
+            <a:pPr marL="0" indent="0">
+              <a:buFontTx/>
+              <a:buNone/>
+            </a:pPr>
+            <a:r>
+              <a:rPr lang="en-US" sz="1400" dirty="0">
+                <a:solidFill>
+                  <a:srgbClr val="00B050"/>
+                </a:solidFill>
+                <a:latin typeface="Courier New" pitchFamily="49" charset="0"/>
+                <a:cs typeface="Courier New" pitchFamily="49" charset="0"/>
+              </a:rPr>
+              <a:t>    // A function calling itself</a:t>
+            </a:r>
+          </a:p>
+          <a:p>
+            <a:pPr marL="0" indent="0">
+              <a:buFontTx/>
+              <a:buNone/>
+            </a:pPr>
+            <a:r>
+              <a:rPr lang="en-US" sz="1400" dirty="0">
+                <a:solidFill>
+                  <a:schemeClr val="accent2"/>
+                </a:solidFill>
+                <a:latin typeface="Courier New" pitchFamily="49" charset="0"/>
+                <a:cs typeface="Courier New" pitchFamily="49" charset="0"/>
+              </a:rPr>
+              <a:t>    if (n &lt;= 0)</a:t>
+            </a:r>
+          </a:p>
+          <a:p>
+            <a:pPr marL="0" indent="0">
+              <a:buFontTx/>
+              <a:buNone/>
+            </a:pPr>
+            <a:r>
+              <a:rPr lang="en-US" sz="1400" dirty="0">
+                <a:solidFill>
+                  <a:schemeClr val="accent2"/>
+                </a:solidFill>
+                <a:latin typeface="Courier New" pitchFamily="49" charset="0"/>
+                <a:cs typeface="Courier New" pitchFamily="49" charset="0"/>
+              </a:rPr>
+              <a:t>        return 0;</a:t>
+            </a:r>
+          </a:p>
+          <a:p>
+            <a:pPr marL="0" indent="0">
+              <a:buFontTx/>
+              <a:buNone/>
+            </a:pPr>
+            <a:r>
+              <a:rPr lang="en-US" sz="1400" dirty="0">
+                <a:solidFill>
+                  <a:schemeClr val="accent2"/>
+                </a:solidFill>
+                <a:latin typeface="Courier New" pitchFamily="49" charset="0"/>
+                <a:cs typeface="Courier New" pitchFamily="49" charset="0"/>
+              </a:rPr>
+              <a:t>    else</a:t>
+            </a:r>
+          </a:p>
+          <a:p>
+            <a:pPr marL="0" indent="0">
+              <a:buFontTx/>
+              <a:buNone/>
+            </a:pPr>
+            <a:r>
+              <a:rPr lang="en-US" sz="1400" dirty="0">
+                <a:solidFill>
+                  <a:schemeClr val="accent2"/>
+                </a:solidFill>
+                <a:latin typeface="Courier New" pitchFamily="49" charset="0"/>
+                <a:cs typeface="Courier New" pitchFamily="49" charset="0"/>
+              </a:rPr>
+              <a:t>        return n + summation(n-1);</a:t>
+            </a:r>
+          </a:p>
+          <a:p>
+            <a:pPr marL="0" indent="0">
+              <a:buNone/>
+            </a:pPr>
+            <a:endParaRPr lang="en-US" dirty="0" smtClean="0"/>
+          </a:p>
+        </p:txBody>
+      </p:sp>
+    </p:spTree>
+    <p:extLst>
+      <p:ext uri="{BB962C8B-B14F-4D97-AF65-F5344CB8AC3E}">
+        <p14:creationId xmlns:p14="http://schemas.microsoft.com/office/powerpoint/2010/main" val="2487618517"/>
+      </p:ext>
+    </p:extLst>
+  </p:cSld>
+  <p:clrMapOvr>
+    <a:masterClrMapping/>
+  </p:clrMapOvr>
+</p:sld>
+</file>
+
+<file path=ppt/slides/slide17.xml><?xml version="1.0" encoding="utf-8"?>
+<p:sld xmlns:a="http://schemas.openxmlformats.org/drawingml/2006/main" xmlns:r="http://schemas.openxmlformats.org/officeDocument/2006/relationships" xmlns:p="http://schemas.openxmlformats.org/presentationml/2006/main">
+  <p:cSld>
+    <p:spTree>
+      <p:nvGrpSpPr>
+        <p:cNvPr id="1" name=""/>
+        <p:cNvGrpSpPr/>
+        <p:nvPr/>
+      </p:nvGrpSpPr>
+      <p:grpSpPr>
+        <a:xfrm>
+          <a:off x="0" y="0"/>
+          <a:ext cx="0" cy="0"/>
+          <a:chOff x="0" y="0"/>
+          <a:chExt cx="0" cy="0"/>
+        </a:xfrm>
+      </p:grpSpPr>
+      <p:sp>
+        <p:nvSpPr>
+          <p:cNvPr id="2" name="Title 1"/>
+          <p:cNvSpPr>
+            <a:spLocks noGrp="1"/>
+          </p:cNvSpPr>
+          <p:nvPr>
+            <p:ph type="title"/>
+          </p:nvPr>
+        </p:nvSpPr>
+        <p:spPr/>
+        <p:txBody>
+          <a:bodyPr/>
+          <a:lstStyle/>
+          <a:p>
+            <a:r>
+              <a:rPr lang="en-US" smtClean="0"/>
+              <a:t>Combining ASM and C</a:t>
+            </a:r>
+            <a:endParaRPr lang="en-US"/>
+          </a:p>
+        </p:txBody>
+      </p:sp>
+      <p:sp>
+        <p:nvSpPr>
+          <p:cNvPr id="3" name="Content Placeholder 2"/>
+          <p:cNvSpPr>
+            <a:spLocks noGrp="1"/>
+          </p:cNvSpPr>
+          <p:nvPr>
+            <p:ph idx="1"/>
+          </p:nvPr>
+        </p:nvSpPr>
+        <p:spPr/>
+        <p:txBody>
+          <a:bodyPr/>
+          <a:lstStyle/>
+          <a:p>
+            <a:r>
+              <a:rPr lang="en-US" dirty="0" smtClean="0"/>
               <a:t>Need to define variables or functions with keyword extern</a:t>
             </a:r>
           </a:p>
@@ -10892,7 +11705,7 @@
 </p:sld>
 </file>
 
-<file path=ppt/slides/slide16.xml><?xml version="1.0" encoding="utf-8"?>
+<file path=ppt/slides/slide18.xml><?xml version="1.0" encoding="utf-8"?>
 <p:sld xmlns:a="http://schemas.openxmlformats.org/drawingml/2006/main" xmlns:r="http://schemas.openxmlformats.org/officeDocument/2006/relationships" xmlns:p="http://schemas.openxmlformats.org/presentationml/2006/main">
   <p:cSld>
     <p:spTree>
@@ -11199,11 +12012,7 @@
             </a:r>
             <a:r>
               <a:rPr lang="en-US" sz="1400" dirty="0" smtClean="0"/>
-              <a:t>like subroutines in assembly.        Remember Modularity</a:t>
-            </a:r>
-            <a:r>
-              <a:rPr lang="en-US" sz="1400" dirty="0" smtClean="0"/>
-              <a:t>?</a:t>
+              <a:t>like subroutines in assembly.        Remember Modularity?</a:t>
             </a:r>
           </a:p>
           <a:p>
@@ -11222,15 +12031,7 @@
                   <a:srgbClr val="FF0000"/>
                 </a:solidFill>
               </a:rPr>
-              <a:t>r</a:t>
-            </a:r>
-            <a:r>
-              <a:rPr lang="en-US" sz="1400" dirty="0" err="1" smtClean="0">
-                <a:solidFill>
-                  <a:srgbClr val="FF0000"/>
-                </a:solidFill>
-              </a:rPr>
-              <a:t>eturn_type</a:t>
+              <a:t>return_type</a:t>
             </a:r>
             <a:r>
               <a:rPr lang="en-US" sz="1400" dirty="0" smtClean="0">
@@ -11258,15 +12059,7 @@
                   <a:srgbClr val="00B050"/>
                 </a:solidFill>
               </a:rPr>
-              <a:t>arg</a:t>
-            </a:r>
-            <a:r>
-              <a:rPr lang="en-US" sz="1400" dirty="0" smtClean="0">
-                <a:solidFill>
-                  <a:srgbClr val="00B050"/>
-                </a:solidFill>
-              </a:rPr>
-              <a:t>1, arg2, …</a:t>
+              <a:t>arg1, arg2, …</a:t>
             </a:r>
             <a:r>
               <a:rPr lang="en-US" sz="1400" dirty="0" smtClean="0"/>
@@ -12642,6 +13435,133 @@
               <a:t>Lets the compiler know, summation is defined later in the code</a:t>
             </a:r>
             <a:endParaRPr lang="en-US" dirty="0"/>
+          </a:p>
+        </p:txBody>
+      </p:sp>
+      <p:sp>
+        <p:nvSpPr>
+          <p:cNvPr id="4" name="Down Arrow 3"/>
+          <p:cNvSpPr/>
+          <p:nvPr/>
+        </p:nvSpPr>
+        <p:spPr bwMode="auto">
+          <a:xfrm>
+            <a:off x="0" y="2962275"/>
+            <a:ext cx="542925" cy="2600325"/>
+          </a:xfrm>
+          <a:prstGeom prst="downArrow">
+            <a:avLst/>
+          </a:prstGeom>
+          <a:solidFill>
+            <a:srgbClr val="0C2D83"/>
+          </a:solidFill>
+          <a:ln w="12700" cap="flat" cmpd="sng" algn="ctr">
+            <a:solidFill>
+              <a:schemeClr val="tx1"/>
+            </a:solidFill>
+            <a:prstDash val="solid"/>
+            <a:round/>
+            <a:headEnd type="none" w="med" len="med"/>
+            <a:tailEnd type="none" w="med" len="med"/>
+          </a:ln>
+          <a:effectLst/>
+        </p:spPr>
+        <p:txBody>
+          <a:bodyPr vert="horz" wrap="square" lIns="91440" tIns="45720" rIns="91440" bIns="45720" numCol="1" rtlCol="0" anchor="t" anchorCtr="0" compatLnSpc="1">
+            <a:prstTxWarp prst="textNoShape">
+              <a:avLst/>
+            </a:prstTxWarp>
+          </a:bodyPr>
+          <a:lstStyle/>
+          <a:p>
+            <a:pPr marL="0" marR="0" indent="0" algn="ctr" defTabSz="914400" rtl="0" eaLnBrk="0" fontAlgn="base" latinLnBrk="0" hangingPunct="0">
+              <a:lnSpc>
+                <a:spcPct val="100000"/>
+              </a:lnSpc>
+              <a:spcBef>
+                <a:spcPct val="0"/>
+              </a:spcBef>
+              <a:spcAft>
+                <a:spcPct val="0"/>
+              </a:spcAft>
+              <a:buClrTx/>
+              <a:buSzTx/>
+              <a:buFontTx/>
+              <a:buNone/>
+              <a:tabLst/>
+            </a:pPr>
+            <a:endParaRPr kumimoji="0" lang="en-US" sz="1600" b="0" i="0" u="none" strike="noStrike" cap="none" normalizeH="0" baseline="0" dirty="0" smtClean="0">
+              <a:ln>
+                <a:noFill/>
+              </a:ln>
+              <a:solidFill>
+                <a:schemeClr val="bg1"/>
+              </a:solidFill>
+              <a:effectLst/>
+              <a:latin typeface="Arial" charset="0"/>
+            </a:endParaRPr>
+          </a:p>
+          <a:p>
+            <a:pPr marL="0" marR="0" indent="0" algn="ctr" defTabSz="914400" rtl="0" eaLnBrk="0" fontAlgn="base" latinLnBrk="0" hangingPunct="0">
+              <a:lnSpc>
+                <a:spcPct val="100000"/>
+              </a:lnSpc>
+              <a:spcBef>
+                <a:spcPct val="0"/>
+              </a:spcBef>
+              <a:spcAft>
+                <a:spcPct val="0"/>
+              </a:spcAft>
+              <a:buClrTx/>
+              <a:buSzTx/>
+              <a:buFontTx/>
+              <a:buNone/>
+              <a:tabLst/>
+            </a:pPr>
+            <a:r>
+              <a:rPr kumimoji="0" lang="en-US" sz="1600" b="0" i="0" u="none" strike="noStrike" cap="none" normalizeH="0" baseline="0" dirty="0" smtClean="0">
+                <a:ln>
+                  <a:noFill/>
+                </a:ln>
+                <a:solidFill>
+                  <a:schemeClr val="bg1"/>
+                </a:solidFill>
+                <a:effectLst/>
+                <a:latin typeface="Arial" charset="0"/>
+              </a:rPr>
+              <a:t>Top</a:t>
+            </a:r>
+          </a:p>
+          <a:p>
+            <a:pPr marL="0" marR="0" indent="0" algn="ctr" defTabSz="914400" rtl="0" eaLnBrk="0" fontAlgn="base" latinLnBrk="0" hangingPunct="0">
+              <a:lnSpc>
+                <a:spcPct val="100000"/>
+              </a:lnSpc>
+              <a:spcBef>
+                <a:spcPct val="0"/>
+              </a:spcBef>
+              <a:spcAft>
+                <a:spcPct val="0"/>
+              </a:spcAft>
+              <a:buClrTx/>
+              <a:buSzTx/>
+              <a:buFontTx/>
+              <a:buNone/>
+              <a:tabLst/>
+            </a:pPr>
+            <a:r>
+              <a:rPr kumimoji="0" lang="en-US" sz="1600" b="0" i="0" u="none" strike="noStrike" cap="none" normalizeH="0" baseline="0" dirty="0" smtClean="0">
+                <a:ln>
+                  <a:noFill/>
+                </a:ln>
+                <a:solidFill>
+                  <a:schemeClr val="bg1"/>
+                </a:solidFill>
+                <a:effectLst/>
+                <a:latin typeface="Arial" charset="0"/>
+              </a:rPr>
+              <a:t> Down</a:t>
+            </a:r>
           </a:p>
         </p:txBody>
       </p:sp>
@@ -13451,9 +14371,10 @@
           <a:lstStyle/>
           <a:p>
             <a:r>
-              <a:rPr lang="en-US" b="1" dirty="0"/>
+              <a:rPr lang="en-US" b="1" dirty="0" smtClean="0"/>
               <a:t>Writing Clean Code</a:t>
             </a:r>
+            <a:endParaRPr lang="en-US" b="1" dirty="0"/>
           </a:p>
         </p:txBody>
       </p:sp>
@@ -14043,6 +14964,74 @@
               <a:t>for loop counters</a:t>
             </a:r>
             <a:endParaRPr lang="en-US" sz="1800" dirty="0"/>
+          </a:p>
+        </p:txBody>
+      </p:sp>
+      <p:sp>
+        <p:nvSpPr>
+          <p:cNvPr id="4" name="Rectangle 3"/>
+          <p:cNvSpPr/>
+          <p:nvPr/>
+        </p:nvSpPr>
+        <p:spPr bwMode="auto">
+          <a:xfrm>
+            <a:off x="5181600" y="5486400"/>
+            <a:ext cx="3219450" cy="723900"/>
+          </a:xfrm>
+          <a:prstGeom prst="rect">
+            <a:avLst/>
+          </a:prstGeom>
+          <a:solidFill>
+            <a:srgbClr val="0C2D83"/>
+          </a:solidFill>
+          <a:ln w="12700" cap="flat" cmpd="sng" algn="ctr">
+            <a:solidFill>
+              <a:schemeClr val="tx1"/>
+            </a:solidFill>
+            <a:prstDash val="solid"/>
+            <a:round/>
+            <a:headEnd type="none" w="med" len="med"/>
+            <a:tailEnd type="none" w="med" len="med"/>
+          </a:ln>
+          <a:effectLst/>
+        </p:spPr>
+        <p:txBody>
+          <a:bodyPr vert="horz" wrap="square" lIns="91440" tIns="45720" rIns="91440" bIns="45720" numCol="1" rtlCol="0" anchor="ctr" anchorCtr="0" compatLnSpc="1">
+            <a:prstTxWarp prst="textNoShape">
+              <a:avLst/>
+            </a:prstTxWarp>
+          </a:bodyPr>
+          <a:lstStyle/>
+          <a:p>
+            <a:pPr marL="0" marR="0" indent="0" algn="ctr" defTabSz="914400" rtl="0" eaLnBrk="0" fontAlgn="base" latinLnBrk="0" hangingPunct="0">
+              <a:lnSpc>
+                <a:spcPct val="100000"/>
+              </a:lnSpc>
+              <a:spcBef>
+                <a:spcPct val="0"/>
+              </a:spcBef>
+              <a:spcAft>
+                <a:spcPct val="0"/>
+              </a:spcAft>
+              <a:buClrTx/>
+              <a:buSzTx/>
+              <a:buFontTx/>
+              <a:buNone/>
+              <a:tabLst/>
+            </a:pPr>
+            <a:r>
+              <a:rPr kumimoji="0" lang="en-US" sz="1600" b="0" i="0" u="none" strike="noStrike" cap="none" normalizeH="0" baseline="0" dirty="0" smtClean="0">
+                <a:ln>
+                  <a:noFill/>
+                </a:ln>
+                <a:solidFill>
+                  <a:schemeClr val="bg1"/>
+                </a:solidFill>
+                <a:effectLst/>
+                <a:latin typeface="Arial" charset="0"/>
+              </a:rPr>
+              <a:t>We also referred to this as self documenting code!</a:t>
+            </a:r>
           </a:p>
         </p:txBody>
       </p:sp>
@@ -14132,8 +15121,13 @@
             </a:r>
             <a:r>
               <a:rPr lang="en-US" sz="1400" dirty="0"/>
-              <a:t>- ideally less than 10 lines long</a:t>
-            </a:r>
+              <a:t>- ideally less than 10 lines </a:t>
+            </a:r>
+            <a:r>
+              <a:rPr lang="en-US" sz="1400" dirty="0" smtClean="0"/>
+              <a:t>long (this really depends, but it shouldn’t be 100’s)</a:t>
+            </a:r>
+            <a:endParaRPr lang="en-US" sz="1400" dirty="0"/>
           </a:p>
           <a:p>
             <a:r>
@@ -14179,15 +15173,7 @@
                   <a:srgbClr val="FF0000"/>
                 </a:solidFill>
               </a:rPr>
-              <a:t>global </a:t>
-            </a:r>
-            <a:r>
-              <a:rPr lang="en-US" sz="1400" dirty="0" smtClean="0">
-                <a:solidFill>
-                  <a:srgbClr val="FF0000"/>
-                </a:solidFill>
-              </a:rPr>
-              <a:t>variables</a:t>
+              <a:t>global variables</a:t>
             </a:r>
             <a:r>
               <a:rPr lang="en-US" sz="1400" dirty="0" smtClean="0"/>
@@ -14247,7 +15233,6 @@
               <a:rPr lang="en-US" sz="1400" dirty="0" smtClean="0"/>
               <a:t>correctly so it is easy to read and follow (or grade) your code!</a:t>
             </a:r>
-            <a:endParaRPr lang="en-US" sz="1400" dirty="0" smtClean="0"/>
           </a:p>
           <a:p>
             <a:r>
@@ -14368,10 +15353,10 @@
           <a:lstStyle/>
           <a:p>
             <a:r>
-              <a:rPr lang="en-US" b="1" dirty="0" smtClean="0"/>
-              <a:t>Clean Comments</a:t>
-            </a:r>
-            <a:endParaRPr lang="en-US" b="1" dirty="0"/>
+              <a:rPr lang="en-US" dirty="0" smtClean="0"/>
+              <a:t>WET vs Dry</a:t>
+            </a:r>
+            <a:endParaRPr lang="en-US" dirty="0"/>
           </a:p>
         </p:txBody>
       </p:sp>
@@ -14385,300 +15370,109 @@
             <p:ph idx="1"/>
           </p:nvPr>
         </p:nvSpPr>
-        <p:spPr>
-          <a:xfrm>
-            <a:off x="513877" y="1494065"/>
-            <a:ext cx="8083562" cy="4788494"/>
-          </a:xfrm>
-        </p:spPr>
+        <p:spPr/>
         <p:txBody>
           <a:bodyPr/>
           <a:lstStyle/>
           <a:p>
             <a:r>
-              <a:rPr lang="en-US" sz="1400" dirty="0"/>
-              <a:t>Comment on "big picture" items</a:t>
+              <a:rPr lang="en-US" dirty="0" smtClean="0"/>
+              <a:t>Write Everything Twice (WET)</a:t>
             </a:r>
           </a:p>
           <a:p>
             <a:pPr lvl="1"/>
             <a:r>
-              <a:rPr lang="en-US" sz="1400" dirty="0"/>
-              <a:t>Head of each file</a:t>
+              <a:rPr lang="en-US" dirty="0" smtClean="0"/>
+              <a:t>You duplicate the same code in multiple places</a:t>
             </a:r>
           </a:p>
           <a:p>
             <a:pPr lvl="1"/>
             <a:r>
-              <a:rPr lang="en-US" sz="1400" dirty="0"/>
-              <a:t>Definition of each function</a:t>
+              <a:rPr lang="en-US" dirty="0" smtClean="0"/>
+              <a:t>Can cause bugs</a:t>
             </a:r>
           </a:p>
           <a:p>
             <a:pPr lvl="1"/>
             <a:r>
-              <a:rPr lang="en-US" sz="1400" dirty="0"/>
-              <a:t>Beginning of each major block of code</a:t>
-            </a:r>
-          </a:p>
-          <a:p>
-            <a:r>
-              <a:rPr lang="en-US" sz="1400" dirty="0"/>
-              <a:t>As you move deeper in the hierarchy, the comments are more specific</a:t>
-            </a:r>
-          </a:p>
-          <a:p>
-            <a:r>
-              <a:rPr lang="en-US" sz="1400" dirty="0"/>
-              <a:t>Try writing functions / meaningful names</a:t>
+              <a:rPr lang="en-US" dirty="0"/>
+              <a:t>M</a:t>
+            </a:r>
+            <a:r>
+              <a:rPr lang="en-US" dirty="0" smtClean="0"/>
+              <a:t>akes your code longer and slower</a:t>
             </a:r>
           </a:p>
           <a:p>
             <a:pPr lvl="1"/>
-            <a:r>
-              <a:rPr lang="en-US" sz="1400" b="1" dirty="0">
-                <a:solidFill>
-                  <a:schemeClr val="accent2"/>
-                </a:solidFill>
-                <a:latin typeface="Courier New" pitchFamily="49" charset="0"/>
-                <a:cs typeface="Courier New" pitchFamily="49" charset="0"/>
-              </a:rPr>
-              <a:t>if ((</a:t>
-            </a:r>
-            <a:r>
-              <a:rPr lang="en-US" sz="1400" b="1" dirty="0" err="1">
-                <a:solidFill>
-                  <a:schemeClr val="accent2"/>
-                </a:solidFill>
-                <a:latin typeface="Courier New" pitchFamily="49" charset="0"/>
-                <a:cs typeface="Courier New" pitchFamily="49" charset="0"/>
-              </a:rPr>
-              <a:t>employeeFlags</a:t>
-            </a:r>
-            <a:r>
-              <a:rPr lang="en-US" sz="1400" b="1" dirty="0">
-                <a:solidFill>
-                  <a:schemeClr val="accent2"/>
-                </a:solidFill>
-                <a:latin typeface="Courier New" pitchFamily="49" charset="0"/>
-                <a:cs typeface="Courier New" pitchFamily="49" charset="0"/>
-              </a:rPr>
-              <a:t> &amp; HOURLY_FLAGS) &amp;&amp; (</a:t>
-            </a:r>
-            <a:r>
-              <a:rPr lang="en-US" sz="1400" b="1" dirty="0" err="1">
-                <a:solidFill>
-                  <a:schemeClr val="accent2"/>
-                </a:solidFill>
-                <a:latin typeface="Courier New" pitchFamily="49" charset="0"/>
-                <a:cs typeface="Courier New" pitchFamily="49" charset="0"/>
-              </a:rPr>
-              <a:t>employeeAge</a:t>
-            </a:r>
-            <a:r>
-              <a:rPr lang="en-US" sz="1400" b="1" dirty="0">
-                <a:solidFill>
-                  <a:schemeClr val="accent2"/>
-                </a:solidFill>
-                <a:latin typeface="Courier New" pitchFamily="49" charset="0"/>
-                <a:cs typeface="Courier New" pitchFamily="49" charset="0"/>
-              </a:rPr>
-              <a:t> &gt; 65)) ...</a:t>
+            <a:endParaRPr lang="en-US" dirty="0" smtClean="0"/>
+          </a:p>
+          <a:p>
+            <a:r>
+              <a:rPr lang="en-US" dirty="0" smtClean="0"/>
+              <a:t>Don’t Repeat Yourself (DRY)</a:t>
             </a:r>
           </a:p>
           <a:p>
             <a:pPr lvl="1"/>
             <a:r>
-              <a:rPr lang="en-US" sz="1400" b="1" dirty="0">
-                <a:solidFill>
-                  <a:schemeClr val="accent2"/>
-                </a:solidFill>
-                <a:latin typeface="Courier New" pitchFamily="49" charset="0"/>
-                <a:cs typeface="Courier New" pitchFamily="49" charset="0"/>
-              </a:rPr>
-              <a:t>if (</a:t>
-            </a:r>
-            <a:r>
-              <a:rPr lang="en-US" sz="1400" b="1" dirty="0" err="1">
-                <a:solidFill>
-                  <a:schemeClr val="accent2"/>
-                </a:solidFill>
-                <a:latin typeface="Courier New" pitchFamily="49" charset="0"/>
-                <a:cs typeface="Courier New" pitchFamily="49" charset="0"/>
-              </a:rPr>
-              <a:t>isEligibleForFullBenefits</a:t>
-            </a:r>
-            <a:r>
-              <a:rPr lang="en-US" sz="1400" b="1" dirty="0">
-                <a:solidFill>
-                  <a:schemeClr val="accent2"/>
-                </a:solidFill>
-                <a:latin typeface="Courier New" pitchFamily="49" charset="0"/>
-                <a:cs typeface="Courier New" pitchFamily="49" charset="0"/>
-              </a:rPr>
-              <a:t>(employee)) ...</a:t>
-            </a:r>
-          </a:p>
-          <a:p>
-            <a:r>
-              <a:rPr lang="en-US" sz="1400" dirty="0" smtClean="0"/>
-              <a:t>TODO or FIXME </a:t>
-            </a:r>
-            <a:r>
-              <a:rPr lang="en-US" sz="1400" dirty="0" smtClean="0"/>
-              <a:t>comments</a:t>
-            </a:r>
-            <a:endParaRPr lang="en-US" sz="1400" dirty="0"/>
+              <a:rPr lang="en-US" dirty="0" smtClean="0"/>
+              <a:t>Linters can help you avoid WET</a:t>
+            </a:r>
           </a:p>
           <a:p>
             <a:pPr lvl="1"/>
             <a:r>
-              <a:rPr lang="en-US" sz="1400" b="1" dirty="0">
-                <a:solidFill>
-                  <a:srgbClr val="00B050"/>
-                </a:solidFill>
-                <a:latin typeface="Courier New" pitchFamily="49" charset="0"/>
-                <a:cs typeface="Courier New" pitchFamily="49" charset="0"/>
-              </a:rPr>
-              <a:t>// TODO: Make this into a function</a:t>
-            </a:r>
-          </a:p>
-          <a:p>
-            <a:pPr lvl="1"/>
-            <a:r>
-              <a:rPr lang="en-US" sz="1400" b="1" dirty="0">
-                <a:solidFill>
-                  <a:srgbClr val="00B050"/>
-                </a:solidFill>
-                <a:latin typeface="Courier New" pitchFamily="49" charset="0"/>
-                <a:cs typeface="Courier New" pitchFamily="49" charset="0"/>
-              </a:rPr>
-              <a:t>// TODO: </a:t>
-            </a:r>
-            <a:r>
-              <a:rPr lang="en-US" sz="1400" dirty="0" smtClean="0">
-                <a:solidFill>
-                  <a:srgbClr val="00B050"/>
-                </a:solidFill>
-                <a:latin typeface="Courier New" pitchFamily="49" charset="0"/>
-                <a:cs typeface="Courier New" pitchFamily="49" charset="0"/>
-              </a:rPr>
-              <a:t>Add another parameter to allow saving data</a:t>
-            </a:r>
-            <a:endParaRPr lang="en-US" sz="1400" b="1" dirty="0" smtClean="0">
-              <a:solidFill>
-                <a:srgbClr val="00B050"/>
-              </a:solidFill>
-              <a:latin typeface="Courier New" pitchFamily="49" charset="0"/>
-              <a:cs typeface="Courier New" pitchFamily="49" charset="0"/>
-            </a:endParaRPr>
-          </a:p>
-          <a:p>
-            <a:pPr lvl="1"/>
-            <a:r>
-              <a:rPr lang="en-US" sz="1400" dirty="0" smtClean="0">
-                <a:solidFill>
-                  <a:srgbClr val="00B050"/>
-                </a:solidFill>
-                <a:latin typeface="Courier New" pitchFamily="49" charset="0"/>
-                <a:cs typeface="Courier New" pitchFamily="49" charset="0"/>
-              </a:rPr>
-              <a:t>// FIXME: clean up code so it is readable</a:t>
-            </a:r>
-            <a:endParaRPr lang="en-US" sz="1400" b="1" dirty="0">
-              <a:solidFill>
-                <a:srgbClr val="00B050"/>
-              </a:solidFill>
-              <a:latin typeface="Courier New" pitchFamily="49" charset="0"/>
-              <a:cs typeface="Courier New" pitchFamily="49" charset="0"/>
-            </a:endParaRPr>
-          </a:p>
-          <a:p>
-            <a:r>
-              <a:rPr lang="en-US" sz="1400" dirty="0" smtClean="0"/>
-              <a:t>Bad </a:t>
-            </a:r>
-            <a:r>
-              <a:rPr lang="en-US" sz="1400" dirty="0"/>
-              <a:t>comments</a:t>
-            </a:r>
-          </a:p>
-          <a:p>
-            <a:pPr lvl="1"/>
-            <a:r>
-              <a:rPr lang="en-US" sz="1400" dirty="0"/>
-              <a:t>Restating your code (a = 1; // Setting a to 1)</a:t>
-            </a:r>
-          </a:p>
-          <a:p>
-            <a:pPr lvl="1"/>
-            <a:r>
-              <a:rPr lang="en-US" sz="1400" dirty="0"/>
-              <a:t>Commented-Out </a:t>
-            </a:r>
-            <a:r>
-              <a:rPr lang="en-US" sz="1400" dirty="0" smtClean="0"/>
-              <a:t>code</a:t>
+              <a:rPr lang="en-US" dirty="0" err="1" smtClean="0"/>
+              <a:t>Git</a:t>
+            </a:r>
+            <a:r>
+              <a:rPr lang="en-US" dirty="0" smtClean="0"/>
+              <a:t> repos (as we talked about before) have the ability, through </a:t>
+            </a:r>
+            <a:r>
+              <a:rPr lang="en-US" dirty="0" err="1" smtClean="0"/>
+              <a:t>git</a:t>
+            </a:r>
+            <a:r>
+              <a:rPr lang="en-US" dirty="0" smtClean="0"/>
+              <a:t> hooks, to automagically run your code through linters on a `</a:t>
+            </a:r>
+            <a:r>
+              <a:rPr lang="en-US" dirty="0" err="1" smtClean="0"/>
+              <a:t>git</a:t>
+            </a:r>
+            <a:r>
+              <a:rPr lang="en-US" dirty="0" smtClean="0"/>
+              <a:t> push`</a:t>
             </a:r>
           </a:p>
           <a:p>
             <a:pPr lvl="2"/>
             <a:r>
-              <a:rPr lang="en-US" sz="1200" dirty="0" smtClean="0"/>
-              <a:t>Ok in development, but when you submit your final code for a grade … bad!</a:t>
-            </a:r>
-            <a:endParaRPr lang="en-US" sz="1200" dirty="0"/>
-          </a:p>
-          <a:p>
-            <a:pPr lvl="1"/>
-            <a:r>
-              <a:rPr lang="en-US" sz="1400" dirty="0"/>
-              <a:t>Too much </a:t>
-            </a:r>
-            <a:r>
-              <a:rPr lang="en-US" sz="1400" dirty="0" smtClean="0"/>
-              <a:t>information … ok, students almost NEVER do this</a:t>
-            </a:r>
-            <a:endParaRPr lang="en-US" sz="1400" dirty="0"/>
-          </a:p>
-          <a:p>
-            <a:pPr lvl="1"/>
-            <a:r>
-              <a:rPr lang="en-US" sz="1400" dirty="0"/>
-              <a:t>Don't comment bad code - rewrite it</a:t>
-            </a:r>
-            <a:r>
-              <a:rPr lang="en-US" sz="1400" dirty="0" smtClean="0"/>
-              <a:t>.</a:t>
-            </a:r>
-          </a:p>
-          <a:p>
-            <a:pPr lvl="2"/>
-            <a:r>
-              <a:rPr lang="en-US" sz="1200" dirty="0" smtClean="0"/>
-              <a:t>If you find yourself commenting too much, it is probably bad code that needs to be re-written</a:t>
-            </a:r>
-            <a:endParaRPr lang="en-US" sz="1200" dirty="0"/>
+              <a:rPr lang="en-US" dirty="0" smtClean="0"/>
+              <a:t>These linters can check for security issues, bad coding practices, </a:t>
+            </a:r>
+            <a:r>
+              <a:rPr lang="en-US" dirty="0" err="1" smtClean="0"/>
+              <a:t>etc</a:t>
+            </a:r>
+            <a:endParaRPr lang="en-US" dirty="0"/>
           </a:p>
         </p:txBody>
       </p:sp>
     </p:spTree>
     <p:extLst>
       <p:ext uri="{BB962C8B-B14F-4D97-AF65-F5344CB8AC3E}">
-        <p14:creationId xmlns:p14="http://schemas.microsoft.com/office/powerpoint/2010/main" val="3737795745"/>
+        <p14:creationId xmlns:p14="http://schemas.microsoft.com/office/powerpoint/2010/main" val="2849063401"/>
       </p:ext>
     </p:extLst>
   </p:cSld>
   <p:clrMapOvr>
     <a:masterClrMapping/>
   </p:clrMapOvr>
-  <p:timing>
-    <p:tnLst>
-      <p:par>
-        <p:cTn id="1" dur="indefinite" restart="never" nodeType="tmRoot"/>
-      </p:par>
-    </p:tnLst>
-  </p:timing>
 </p:sld>
 </file>
 
@@ -14716,9 +15510,9 @@
           <a:p>
             <a:r>
               <a:rPr lang="en-US" b="1" dirty="0" smtClean="0"/>
-              <a:t>C Language:  Preprocessor Commands</a:t>
-            </a:r>
-            <a:endParaRPr lang="en-US" dirty="0"/>
+              <a:t>Clean Comments</a:t>
+            </a:r>
+            <a:endParaRPr lang="en-US" b="1" dirty="0"/>
           </a:p>
         </p:txBody>
       </p:sp>
@@ -14734,479 +15528,272 @@
         </p:nvSpPr>
         <p:spPr>
           <a:xfrm>
-            <a:off x="621622" y="1488369"/>
-            <a:ext cx="8083562" cy="5035231"/>
+            <a:off x="513877" y="1494065"/>
+            <a:ext cx="8083562" cy="4788494"/>
           </a:xfrm>
         </p:spPr>
         <p:txBody>
           <a:bodyPr/>
           <a:lstStyle/>
           <a:p>
-            <a:pPr marL="0" indent="0">
-              <a:buNone/>
-            </a:pPr>
-            <a:r>
-              <a:rPr lang="en-US" sz="1400" b="1" dirty="0" smtClean="0"/>
-              <a:t>Preprocessor Commands: </a:t>
-            </a:r>
             <a:r>
               <a:rPr lang="en-US" sz="1400" dirty="0"/>
-              <a:t>The preprocessor is executed before your code </a:t>
-            </a:r>
+              <a:t>Comment on "big picture" items</a:t>
+            </a:r>
+          </a:p>
+          <a:p>
+            <a:pPr lvl="1"/>
+            <a:r>
+              <a:rPr lang="en-US" sz="1400" dirty="0"/>
+              <a:t>Head of each file</a:t>
+            </a:r>
+          </a:p>
+          <a:p>
+            <a:pPr lvl="1"/>
+            <a:r>
+              <a:rPr lang="en-US" sz="1400" dirty="0"/>
+              <a:t>Definition of each function</a:t>
+            </a:r>
+          </a:p>
+          <a:p>
+            <a:pPr lvl="1"/>
+            <a:r>
+              <a:rPr lang="en-US" sz="1400" dirty="0"/>
+              <a:t>Beginning of each major block of code</a:t>
+            </a:r>
+          </a:p>
+          <a:p>
+            <a:r>
+              <a:rPr lang="en-US" sz="1400" dirty="0"/>
+              <a:t>As you move deeper in the hierarchy, the comments are more specific</a:t>
+            </a:r>
+          </a:p>
+          <a:p>
+            <a:r>
+              <a:rPr lang="en-US" sz="1400" dirty="0"/>
+              <a:t>Try writing functions / meaningful names</a:t>
+            </a:r>
+          </a:p>
+          <a:p>
+            <a:pPr lvl="1"/>
+            <a:r>
+              <a:rPr lang="en-US" sz="1400" b="1" dirty="0">
+                <a:solidFill>
+                  <a:schemeClr val="accent2"/>
+                </a:solidFill>
+                <a:latin typeface="Courier New" pitchFamily="49" charset="0"/>
+                <a:cs typeface="Courier New" pitchFamily="49" charset="0"/>
+              </a:rPr>
+              <a:t>if ((</a:t>
+            </a:r>
+            <a:r>
+              <a:rPr lang="en-US" sz="1400" b="1" dirty="0" err="1">
+                <a:solidFill>
+                  <a:schemeClr val="accent2"/>
+                </a:solidFill>
+                <a:latin typeface="Courier New" pitchFamily="49" charset="0"/>
+                <a:cs typeface="Courier New" pitchFamily="49" charset="0"/>
+              </a:rPr>
+              <a:t>employeeFlags</a:t>
+            </a:r>
+            <a:r>
+              <a:rPr lang="en-US" sz="1400" b="1" dirty="0">
+                <a:solidFill>
+                  <a:schemeClr val="accent2"/>
+                </a:solidFill>
+                <a:latin typeface="Courier New" pitchFamily="49" charset="0"/>
+                <a:cs typeface="Courier New" pitchFamily="49" charset="0"/>
+              </a:rPr>
+              <a:t> &amp; HOURLY_FLAGS) &amp;&amp; (</a:t>
+            </a:r>
+            <a:r>
+              <a:rPr lang="en-US" sz="1400" b="1" dirty="0" err="1">
+                <a:solidFill>
+                  <a:schemeClr val="accent2"/>
+                </a:solidFill>
+                <a:latin typeface="Courier New" pitchFamily="49" charset="0"/>
+                <a:cs typeface="Courier New" pitchFamily="49" charset="0"/>
+              </a:rPr>
+              <a:t>employeeAge</a:t>
+            </a:r>
+            <a:r>
+              <a:rPr lang="en-US" sz="1400" b="1" dirty="0">
+                <a:solidFill>
+                  <a:schemeClr val="accent2"/>
+                </a:solidFill>
+                <a:latin typeface="Courier New" pitchFamily="49" charset="0"/>
+                <a:cs typeface="Courier New" pitchFamily="49" charset="0"/>
+              </a:rPr>
+              <a:t> &gt; 65)) ...</a:t>
+            </a:r>
+          </a:p>
+          <a:p>
+            <a:pPr lvl="1"/>
+            <a:r>
+              <a:rPr lang="en-US" sz="1400" b="1" dirty="0">
+                <a:solidFill>
+                  <a:schemeClr val="accent2"/>
+                </a:solidFill>
+                <a:latin typeface="Courier New" pitchFamily="49" charset="0"/>
+                <a:cs typeface="Courier New" pitchFamily="49" charset="0"/>
+              </a:rPr>
+              <a:t>if (</a:t>
+            </a:r>
+            <a:r>
+              <a:rPr lang="en-US" sz="1400" b="1" dirty="0" err="1">
+                <a:solidFill>
+                  <a:schemeClr val="accent2"/>
+                </a:solidFill>
+                <a:latin typeface="Courier New" pitchFamily="49" charset="0"/>
+                <a:cs typeface="Courier New" pitchFamily="49" charset="0"/>
+              </a:rPr>
+              <a:t>isEligibleForFullBenefits</a:t>
+            </a:r>
+            <a:r>
+              <a:rPr lang="en-US" sz="1400" b="1" dirty="0">
+                <a:solidFill>
+                  <a:schemeClr val="accent2"/>
+                </a:solidFill>
+                <a:latin typeface="Courier New" pitchFamily="49" charset="0"/>
+                <a:cs typeface="Courier New" pitchFamily="49" charset="0"/>
+              </a:rPr>
+              <a:t>(employee)) ...</a:t>
+            </a:r>
+          </a:p>
+          <a:p>
             <a:r>
               <a:rPr lang="en-US" sz="1400" dirty="0" smtClean="0"/>
-              <a:t>compiles</a:t>
-            </a:r>
-          </a:p>
-          <a:p>
-            <a:pPr marL="0" indent="0">
-              <a:buNone/>
-            </a:pPr>
-            <a:r>
-              <a:rPr lang="en-US" sz="1400" b="1" dirty="0" smtClean="0">
-                <a:solidFill>
-                  <a:schemeClr val="accent2"/>
-                </a:solidFill>
-                <a:latin typeface="Courier New" pitchFamily="49" charset="0"/>
-                <a:cs typeface="Courier New" pitchFamily="49" charset="0"/>
-              </a:rPr>
-              <a:t>#</a:t>
-            </a:r>
+              <a:t>TODO or FIXME comments</a:t>
+            </a:r>
+            <a:endParaRPr lang="en-US" sz="1400" dirty="0"/>
+          </a:p>
+          <a:p>
+            <a:pPr lvl="1"/>
             <a:r>
               <a:rPr lang="en-US" sz="1400" b="1" dirty="0">
                 <a:solidFill>
-                  <a:schemeClr val="accent2"/>
-                </a:solidFill>
-                <a:latin typeface="Courier New" pitchFamily="49" charset="0"/>
-                <a:cs typeface="Courier New" pitchFamily="49" charset="0"/>
-              </a:rPr>
-              <a:t>include "</a:t>
-            </a:r>
-            <a:r>
-              <a:rPr lang="en-US" sz="1400" b="1" dirty="0" err="1">
-                <a:solidFill>
-                  <a:schemeClr val="accent2"/>
-                </a:solidFill>
-                <a:latin typeface="Courier New" pitchFamily="49" charset="0"/>
-                <a:cs typeface="Courier New" pitchFamily="49" charset="0"/>
-              </a:rPr>
-              <a:t>file_name.h</a:t>
-            </a:r>
+                  <a:srgbClr val="00B050"/>
+                </a:solidFill>
+                <a:latin typeface="Courier New" pitchFamily="49" charset="0"/>
+                <a:cs typeface="Courier New" pitchFamily="49" charset="0"/>
+              </a:rPr>
+              <a:t>// TODO: Make this into a function</a:t>
+            </a:r>
+          </a:p>
+          <a:p>
+            <a:pPr lvl="1"/>
             <a:r>
               <a:rPr lang="en-US" sz="1400" b="1" dirty="0">
                 <a:solidFill>
-                  <a:schemeClr val="accent2"/>
-                </a:solidFill>
-                <a:latin typeface="Courier New" pitchFamily="49" charset="0"/>
-                <a:cs typeface="Courier New" pitchFamily="49" charset="0"/>
-              </a:rPr>
-              <a:t>"</a:t>
-            </a:r>
-          </a:p>
-          <a:p>
-            <a:pPr marL="400050" lvl="1" indent="0">
-              <a:buNone/>
-            </a:pPr>
-            <a:r>
-              <a:rPr lang="en-US" sz="1200" dirty="0"/>
-              <a:t>Essentially a "copy and paste" of the </a:t>
-            </a:r>
-            <a:r>
-              <a:rPr lang="en-US" sz="1200" dirty="0" err="1"/>
-              <a:t>file_name.h</a:t>
-            </a:r>
-            <a:r>
-              <a:rPr lang="en-US" sz="1200" dirty="0"/>
-              <a:t> into your file</a:t>
-            </a:r>
-          </a:p>
-          <a:p>
-            <a:pPr marL="400050" lvl="1" indent="0">
-              <a:buNone/>
-            </a:pPr>
-            <a:r>
-              <a:rPr lang="en-US" sz="1200" dirty="0" smtClean="0"/>
-              <a:t>"</a:t>
-            </a:r>
-            <a:r>
-              <a:rPr lang="en-US" sz="1200" dirty="0" err="1" smtClean="0"/>
-              <a:t>file_name.h</a:t>
-            </a:r>
-            <a:r>
-              <a:rPr lang="en-US" sz="1200" dirty="0" smtClean="0"/>
-              <a:t>", </a:t>
-            </a:r>
-            <a:r>
-              <a:rPr lang="en-US" sz="1200" dirty="0"/>
-              <a:t>the preprocessor will search in your project working </a:t>
-            </a:r>
-            <a:r>
-              <a:rPr lang="en-US" sz="1200" dirty="0" smtClean="0"/>
-              <a:t>directory.</a:t>
-            </a:r>
-          </a:p>
-          <a:p>
-            <a:pPr marL="400050" lvl="1" indent="0">
-              <a:buNone/>
-            </a:pPr>
-            <a:endParaRPr lang="en-US" sz="1200" dirty="0" smtClean="0"/>
-          </a:p>
-          <a:p>
-            <a:pPr marL="0" indent="-3175">
-              <a:buNone/>
-            </a:pPr>
-            <a:r>
-              <a:rPr lang="en-US" sz="1600" dirty="0">
-                <a:solidFill>
-                  <a:schemeClr val="accent2"/>
-                </a:solidFill>
-                <a:latin typeface="Courier New" pitchFamily="49" charset="0"/>
-                <a:cs typeface="Courier New" pitchFamily="49" charset="0"/>
-              </a:rPr>
-              <a:t>#include </a:t>
-            </a:r>
-            <a:r>
-              <a:rPr lang="en-US" sz="1600" dirty="0" smtClean="0">
-                <a:solidFill>
-                  <a:schemeClr val="accent2"/>
-                </a:solidFill>
-                <a:latin typeface="Courier New" pitchFamily="49" charset="0"/>
-                <a:cs typeface="Courier New" pitchFamily="49" charset="0"/>
-              </a:rPr>
-              <a:t>&lt;</a:t>
-            </a:r>
-            <a:r>
-              <a:rPr lang="en-US" sz="1600" dirty="0" err="1" smtClean="0">
-                <a:solidFill>
-                  <a:schemeClr val="accent2"/>
-                </a:solidFill>
-                <a:latin typeface="Courier New" pitchFamily="49" charset="0"/>
-                <a:cs typeface="Courier New" pitchFamily="49" charset="0"/>
-              </a:rPr>
-              <a:t>file_name.h</a:t>
-            </a:r>
-            <a:r>
-              <a:rPr lang="en-US" sz="1600" dirty="0">
-                <a:solidFill>
-                  <a:schemeClr val="accent2"/>
-                </a:solidFill>
-                <a:latin typeface="Courier New" pitchFamily="49" charset="0"/>
-                <a:cs typeface="Courier New" pitchFamily="49" charset="0"/>
-              </a:rPr>
-              <a:t>&gt;</a:t>
-            </a:r>
-            <a:endParaRPr lang="en-US" sz="1600" dirty="0" smtClean="0">
+                  <a:srgbClr val="00B050"/>
+                </a:solidFill>
+                <a:latin typeface="Courier New" pitchFamily="49" charset="0"/>
+                <a:cs typeface="Courier New" pitchFamily="49" charset="0"/>
+              </a:rPr>
+              <a:t>// TODO: </a:t>
+            </a:r>
+            <a:r>
+              <a:rPr lang="en-US" sz="1400" dirty="0" smtClean="0">
+                <a:solidFill>
+                  <a:srgbClr val="00B050"/>
+                </a:solidFill>
+                <a:latin typeface="Courier New" pitchFamily="49" charset="0"/>
+                <a:cs typeface="Courier New" pitchFamily="49" charset="0"/>
+              </a:rPr>
+              <a:t>Add another parameter to allow saving data</a:t>
+            </a:r>
+            <a:endParaRPr lang="en-US" sz="1400" b="1" dirty="0" smtClean="0">
               <a:solidFill>
-                <a:schemeClr val="accent2"/>
+                <a:srgbClr val="00B050"/>
               </a:solidFill>
               <a:latin typeface="Courier New" pitchFamily="49" charset="0"/>
               <a:cs typeface="Courier New" pitchFamily="49" charset="0"/>
             </a:endParaRPr>
           </a:p>
           <a:p>
-            <a:pPr marL="403225" lvl="1" indent="-3175">
-              <a:buNone/>
-            </a:pPr>
-            <a:r>
-              <a:rPr lang="en-US" sz="1200" dirty="0" smtClean="0">
-                <a:latin typeface="Courier New" pitchFamily="49" charset="0"/>
-                <a:cs typeface="Courier New" pitchFamily="49" charset="0"/>
-              </a:rPr>
-              <a:t>Same as above, </a:t>
-            </a:r>
-            <a:r>
-              <a:rPr lang="en-US" sz="1200" dirty="0" smtClean="0">
-                <a:solidFill>
-                  <a:srgbClr val="FF0000"/>
-                </a:solidFill>
-                <a:latin typeface="Courier New" pitchFamily="49" charset="0"/>
-                <a:cs typeface="Courier New" pitchFamily="49" charset="0"/>
-              </a:rPr>
-              <a:t>BUT</a:t>
-            </a:r>
-            <a:r>
-              <a:rPr lang="en-US" sz="1200" dirty="0" smtClean="0">
-                <a:latin typeface="Courier New" pitchFamily="49" charset="0"/>
-                <a:cs typeface="Courier New" pitchFamily="49" charset="0"/>
-              </a:rPr>
-              <a:t>, pulls from a standard or installed library</a:t>
-            </a:r>
-            <a:endParaRPr lang="en-US" sz="1200" dirty="0">
-              <a:latin typeface="Courier New" pitchFamily="49" charset="0"/>
-              <a:cs typeface="Courier New" pitchFamily="49" charset="0"/>
-            </a:endParaRPr>
-          </a:p>
-          <a:p>
-            <a:pPr marL="400050" lvl="1" indent="0">
-              <a:buNone/>
-            </a:pPr>
-            <a:endParaRPr lang="en-US" sz="1200" dirty="0"/>
-          </a:p>
-          <a:p>
-            <a:pPr marL="0" indent="0">
-              <a:buNone/>
-            </a:pPr>
-            <a:r>
-              <a:rPr lang="en-US" sz="1400" b="1" dirty="0">
-                <a:solidFill>
-                  <a:schemeClr val="accent2"/>
-                </a:solidFill>
-                <a:latin typeface="Courier New" pitchFamily="49" charset="0"/>
-                <a:cs typeface="Courier New" pitchFamily="49" charset="0"/>
-              </a:rPr>
-              <a:t>#define &lt;SINGLE_WORD&gt; &lt;</a:t>
-            </a:r>
-            <a:r>
-              <a:rPr lang="en-US" sz="1400" b="1" dirty="0" err="1">
-                <a:solidFill>
-                  <a:schemeClr val="accent2"/>
-                </a:solidFill>
-                <a:latin typeface="Courier New" pitchFamily="49" charset="0"/>
-                <a:cs typeface="Courier New" pitchFamily="49" charset="0"/>
-              </a:rPr>
-              <a:t>replacement_token</a:t>
-            </a:r>
-            <a:r>
-              <a:rPr lang="en-US" sz="1400" b="1" dirty="0">
-                <a:solidFill>
-                  <a:schemeClr val="accent2"/>
-                </a:solidFill>
-                <a:latin typeface="Courier New" pitchFamily="49" charset="0"/>
-                <a:cs typeface="Courier New" pitchFamily="49" charset="0"/>
-              </a:rPr>
-              <a:t>&gt;</a:t>
-            </a:r>
-          </a:p>
-          <a:p>
-            <a:pPr marL="400050" lvl="1" indent="0">
-              <a:buNone/>
-            </a:pPr>
-            <a:r>
-              <a:rPr lang="en-US" sz="1200" dirty="0"/>
-              <a:t>Essentially a global "search and replace" within your code</a:t>
-            </a:r>
-          </a:p>
-          <a:p>
-            <a:pPr marL="400050" lvl="1" indent="0">
-              <a:buNone/>
-            </a:pPr>
-            <a:r>
-              <a:rPr lang="en-US" sz="1200" dirty="0"/>
-              <a:t>Anytime the &lt;SINGLE_WORD&gt; token appears, it will be replaced by the &lt;replacement token</a:t>
-            </a:r>
-            <a:r>
-              <a:rPr lang="en-US" sz="1200" dirty="0" smtClean="0"/>
-              <a:t>&gt;</a:t>
-            </a:r>
-          </a:p>
-          <a:p>
-            <a:pPr marL="400050" lvl="1" indent="0">
-              <a:buNone/>
-            </a:pPr>
-            <a:r>
-              <a:rPr lang="en-US" sz="1200" dirty="0" smtClean="0">
-                <a:solidFill>
-                  <a:srgbClr val="FF0000"/>
-                </a:solidFill>
-              </a:rPr>
-              <a:t>Prefer to use: </a:t>
-            </a:r>
-            <a:r>
-              <a:rPr lang="en-US" sz="1200" dirty="0" err="1" smtClean="0">
-                <a:solidFill>
-                  <a:srgbClr val="FF0000"/>
-                </a:solidFill>
-              </a:rPr>
-              <a:t>const</a:t>
-            </a:r>
-            <a:r>
-              <a:rPr lang="en-US" sz="1200" dirty="0" smtClean="0">
-                <a:solidFill>
-                  <a:srgbClr val="FF0000"/>
-                </a:solidFill>
-              </a:rPr>
-              <a:t> int8_t &lt;</a:t>
-            </a:r>
-            <a:r>
-              <a:rPr lang="en-US" sz="1200" dirty="0" err="1" smtClean="0">
-                <a:solidFill>
-                  <a:srgbClr val="FF0000"/>
-                </a:solidFill>
-              </a:rPr>
-              <a:t>single_word</a:t>
-            </a:r>
-            <a:r>
-              <a:rPr lang="en-US" sz="1200" dirty="0" smtClean="0">
-                <a:solidFill>
-                  <a:srgbClr val="FF0000"/>
-                </a:solidFill>
-              </a:rPr>
-              <a:t>&gt; = &lt;token&gt;;  // now the complier can check your code</a:t>
-            </a:r>
-          </a:p>
-          <a:p>
-            <a:pPr marL="400050" lvl="1" indent="0">
-              <a:buNone/>
-            </a:pPr>
-            <a:endParaRPr lang="en-US" sz="1200" dirty="0"/>
-          </a:p>
-          <a:p>
-            <a:pPr marL="0" indent="0">
-              <a:buNone/>
-            </a:pPr>
-            <a:r>
-              <a:rPr lang="en-US" sz="1400" b="1" dirty="0">
-                <a:solidFill>
-                  <a:schemeClr val="accent2"/>
-                </a:solidFill>
-                <a:latin typeface="Courier New" pitchFamily="49" charset="0"/>
-                <a:cs typeface="Courier New" pitchFamily="49" charset="0"/>
-              </a:rPr>
-              <a:t>#</a:t>
-            </a:r>
-            <a:r>
-              <a:rPr lang="en-US" sz="1400" b="1" dirty="0" err="1">
-                <a:solidFill>
-                  <a:schemeClr val="accent2"/>
-                </a:solidFill>
-                <a:latin typeface="Courier New" pitchFamily="49" charset="0"/>
-                <a:cs typeface="Courier New" pitchFamily="49" charset="0"/>
-              </a:rPr>
-              <a:t>ifndef</a:t>
-            </a:r>
-            <a:r>
-              <a:rPr lang="en-US" sz="1400" b="1" dirty="0">
-                <a:solidFill>
-                  <a:schemeClr val="accent2"/>
-                </a:solidFill>
-                <a:latin typeface="Courier New" pitchFamily="49" charset="0"/>
-                <a:cs typeface="Courier New" pitchFamily="49" charset="0"/>
-              </a:rPr>
-              <a:t> &lt;SOME_CONSTANT&gt; ... &lt;some code&gt; ... #</a:t>
-            </a:r>
-            <a:r>
-              <a:rPr lang="en-US" sz="1400" b="1" dirty="0" err="1">
-                <a:solidFill>
-                  <a:schemeClr val="accent2"/>
-                </a:solidFill>
-                <a:latin typeface="Courier New" pitchFamily="49" charset="0"/>
-                <a:cs typeface="Courier New" pitchFamily="49" charset="0"/>
-              </a:rPr>
-              <a:t>endif</a:t>
+            <a:pPr lvl="1"/>
+            <a:r>
+              <a:rPr lang="en-US" sz="1400" dirty="0" smtClean="0">
+                <a:solidFill>
+                  <a:srgbClr val="00B050"/>
+                </a:solidFill>
+                <a:latin typeface="Courier New" pitchFamily="49" charset="0"/>
+                <a:cs typeface="Courier New" pitchFamily="49" charset="0"/>
+              </a:rPr>
+              <a:t>// FIXME: clean up code so it is readable</a:t>
             </a:r>
             <a:endParaRPr lang="en-US" sz="1400" b="1" dirty="0">
               <a:solidFill>
-                <a:schemeClr val="accent2"/>
+                <a:srgbClr val="00B050"/>
               </a:solidFill>
               <a:latin typeface="Courier New" pitchFamily="49" charset="0"/>
               <a:cs typeface="Courier New" pitchFamily="49" charset="0"/>
             </a:endParaRPr>
           </a:p>
           <a:p>
-            <a:pPr marL="400050" lvl="1" indent="0">
-              <a:buNone/>
-            </a:pPr>
-            <a:r>
-              <a:rPr lang="en-US" sz="1200" dirty="0"/>
-              <a:t>Code is only included if &lt;SOME_CONSTANT&gt; is not defined</a:t>
-            </a:r>
-          </a:p>
-          <a:p>
-            <a:pPr marL="400050" lvl="1" indent="0">
-              <a:buNone/>
-            </a:pPr>
-            <a:r>
-              <a:rPr lang="en-US" sz="1200" dirty="0"/>
-              <a:t>Usually, your first line of code will be to #define &lt;SOME_CONSTANT</a:t>
-            </a:r>
+            <a:r>
+              <a:rPr lang="en-US" sz="1400" dirty="0" smtClean="0"/>
+              <a:t>Bad </a:t>
+            </a:r>
+            <a:r>
+              <a:rPr lang="en-US" sz="1400" dirty="0"/>
+              <a:t>comments</a:t>
+            </a:r>
+          </a:p>
+          <a:p>
+            <a:pPr lvl="1"/>
+            <a:r>
+              <a:rPr lang="en-US" sz="1400" dirty="0"/>
+              <a:t>Restating your code (a = 1; // Setting a to 1)</a:t>
+            </a:r>
+          </a:p>
+          <a:p>
+            <a:pPr lvl="1"/>
+            <a:r>
+              <a:rPr lang="en-US" sz="1400" dirty="0"/>
+              <a:t>Commented-Out </a:t>
+            </a:r>
+            <a:r>
+              <a:rPr lang="en-US" sz="1400" dirty="0" smtClean="0"/>
+              <a:t>code</a:t>
+            </a:r>
+          </a:p>
+          <a:p>
+            <a:pPr lvl="2"/>
             <a:r>
               <a:rPr lang="en-US" sz="1200" dirty="0" smtClean="0"/>
-              <a:t>&gt;</a:t>
-            </a:r>
-          </a:p>
-          <a:p>
-            <a:pPr marL="400050" lvl="1" indent="0">
-              <a:buNone/>
-            </a:pPr>
+              <a:t>Ok in development, but when you submit your final code for a grade … bad!</a:t>
+            </a:r>
             <a:endParaRPr lang="en-US" sz="1200" dirty="0"/>
           </a:p>
           <a:p>
-            <a:pPr marL="0" indent="0">
-              <a:buNone/>
-            </a:pPr>
-            <a:r>
-              <a:rPr lang="en-US" sz="1400" b="1" dirty="0" err="1">
-                <a:solidFill>
-                  <a:schemeClr val="accent2"/>
-                </a:solidFill>
-                <a:latin typeface="Courier New" pitchFamily="49" charset="0"/>
-                <a:cs typeface="Courier New" pitchFamily="49" charset="0"/>
-              </a:rPr>
-              <a:t>typedef</a:t>
-            </a:r>
-            <a:r>
-              <a:rPr lang="en-US" sz="1400" b="1" dirty="0">
-                <a:solidFill>
-                  <a:schemeClr val="accent2"/>
-                </a:solidFill>
-                <a:latin typeface="Courier New" pitchFamily="49" charset="0"/>
-                <a:cs typeface="Courier New" pitchFamily="49" charset="0"/>
-              </a:rPr>
-              <a:t> </a:t>
-            </a:r>
-            <a:r>
-              <a:rPr lang="en-US" sz="1400" b="1" dirty="0" smtClean="0">
-                <a:solidFill>
-                  <a:schemeClr val="accent2"/>
-                </a:solidFill>
-                <a:latin typeface="Courier New" pitchFamily="49" charset="0"/>
-                <a:cs typeface="Courier New" pitchFamily="49" charset="0"/>
-              </a:rPr>
-              <a:t>unsigned short int16;</a:t>
-            </a:r>
-            <a:endParaRPr lang="en-US" sz="1400" b="1" dirty="0">
-              <a:solidFill>
-                <a:schemeClr val="accent2"/>
-              </a:solidFill>
-              <a:latin typeface="Courier New" pitchFamily="49" charset="0"/>
-              <a:cs typeface="Courier New" pitchFamily="49" charset="0"/>
-            </a:endParaRPr>
-          </a:p>
-          <a:p>
-            <a:pPr marL="400050" lvl="1" indent="0">
-              <a:buNone/>
-            </a:pPr>
+            <a:pPr lvl="1"/>
+            <a:r>
+              <a:rPr lang="en-US" sz="1400" dirty="0"/>
+              <a:t>Too much </a:t>
+            </a:r>
+            <a:r>
+              <a:rPr lang="en-US" sz="1400" dirty="0" smtClean="0"/>
+              <a:t>information … ok, students almost NEVER do this</a:t>
+            </a:r>
+            <a:endParaRPr lang="en-US" sz="1400" dirty="0"/>
+          </a:p>
+          <a:p>
+            <a:pPr lvl="1"/>
+            <a:r>
+              <a:rPr lang="en-US" sz="1400" dirty="0"/>
+              <a:t>Don't comment bad code - rewrite it</a:t>
+            </a:r>
+            <a:r>
+              <a:rPr lang="en-US" sz="1400" dirty="0" smtClean="0"/>
+              <a:t>.</a:t>
+            </a:r>
+          </a:p>
+          <a:p>
+            <a:pPr lvl="2"/>
             <a:r>
               <a:rPr lang="en-US" sz="1200" dirty="0" smtClean="0"/>
-              <a:t>Create your own </a:t>
-            </a:r>
-            <a:r>
-              <a:rPr lang="en-US" sz="1200" dirty="0" smtClean="0"/>
-              <a:t>type, so originally, </a:t>
-            </a:r>
-            <a:r>
-              <a:rPr lang="en-US" sz="1200" dirty="0" smtClean="0">
-                <a:solidFill>
-                  <a:srgbClr val="FF0000"/>
-                </a:solidFill>
-              </a:rPr>
-              <a:t>int16</a:t>
-            </a:r>
-            <a:r>
-              <a:rPr lang="en-US" sz="1200" dirty="0" smtClean="0"/>
-              <a:t> didn’t exist and the compiler would complain if you used it. Now, you can use </a:t>
-            </a:r>
-            <a:r>
-              <a:rPr lang="en-US" sz="1200" dirty="0" smtClean="0">
-                <a:solidFill>
-                  <a:srgbClr val="FF0000"/>
-                </a:solidFill>
-              </a:rPr>
-              <a:t>int16</a:t>
-            </a:r>
-            <a:r>
-              <a:rPr lang="en-US" sz="1200" dirty="0" smtClean="0"/>
-              <a:t> in your code no problem.</a:t>
+              <a:t>If you find yourself commenting too much, it is probably bad code that needs to be re-written</a:t>
             </a:r>
             <a:endParaRPr lang="en-US" sz="1200" dirty="0"/>
           </a:p>
@@ -15215,7 +15802,7 @@
     </p:spTree>
     <p:extLst>
       <p:ext uri="{BB962C8B-B14F-4D97-AF65-F5344CB8AC3E}">
-        <p14:creationId xmlns:p14="http://schemas.microsoft.com/office/powerpoint/2010/main" val="502200835"/>
+        <p14:creationId xmlns:p14="http://schemas.microsoft.com/office/powerpoint/2010/main" val="3737795745"/>
       </p:ext>
     </p:extLst>
   </p:cSld>
